--- a/Solve_BSV-L1-Contract_BackToGenesis_Problem_WithoutHardFork.pptx
+++ b/Solve_BSV-L1-Contract_BackToGenesis_Problem_WithoutHardFork.pptx
@@ -8,19 +8,19 @@
     <p:notesMasterId r:id="rId9"/>
   </p:notesMasterIdLst>
   <p:handoutMasterIdLst>
-    <p:handoutMasterId r:id="rId11"/>
+    <p:handoutMasterId r:id="rId10"/>
   </p:handoutMasterIdLst>
   <p:sldIdLst>
-    <p:sldId id="262" r:id="rId3"/>
-    <p:sldId id="265" r:id="rId4"/>
-    <p:sldId id="259" r:id="rId5"/>
-    <p:sldId id="264" r:id="rId6"/>
-    <p:sldId id="266" r:id="rId7"/>
-    <p:sldId id="267" r:id="rId8"/>
-    <p:sldId id="268" r:id="rId10"/>
+    <p:sldId id="262" r:id="rId2"/>
+    <p:sldId id="265" r:id="rId3"/>
+    <p:sldId id="259" r:id="rId4"/>
+    <p:sldId id="264" r:id="rId5"/>
+    <p:sldId id="266" r:id="rId6"/>
+    <p:sldId id="267" r:id="rId7"/>
+    <p:sldId id="268" r:id="rId8"/>
   </p:sldIdLst>
   <p:sldSz cx="12192000" cy="6858000"/>
-  <p:notesSz cx="7103745" cy="10234295"/>
+  <p:notesSz cx="7104063" cy="10234613"/>
   <p:defaultTextStyle>
     <a:defPPr>
       <a:defRPr lang="zh-CN"/>
@@ -116,6 +116,22 @@
       </a:defRPr>
     </a:lvl9pPr>
   </p:defaultTextStyle>
+  <p:extLst>
+    <p:ext uri="{EFAFB233-063F-42B5-8137-9DF3F51BA10A}">
+      <p15:sldGuideLst xmlns:p15="http://schemas.microsoft.com/office/powerpoint/2012/main">
+        <p15:guide id="1" orient="horz" pos="2134">
+          <p15:clr>
+            <a:srgbClr val="A4A3A4"/>
+          </p15:clr>
+        </p15:guide>
+        <p15:guide id="2" pos="3845">
+          <p15:clr>
+            <a:srgbClr val="A4A3A4"/>
+          </p15:clr>
+        </p15:guide>
+      </p15:sldGuideLst>
+    </p:ext>
+  </p:extLst>
 </p:presentation>
 </file>
 
@@ -145,7 +161,7 @@
         <p:nvSpPr>
           <p:cNvPr id="2" name="页眉占位符 1"/>
           <p:cNvSpPr>
-            <a:spLocks noGrp="true"/>
+            <a:spLocks noGrp="1"/>
           </p:cNvSpPr>
           <p:nvPr>
             <p:ph type="hdr" sz="quarter"/>
@@ -176,7 +192,7 @@
         <p:nvSpPr>
           <p:cNvPr id="3" name="日期占位符 2"/>
           <p:cNvSpPr>
-            <a:spLocks noGrp="true"/>
+            <a:spLocks noGrp="1"/>
           </p:cNvSpPr>
           <p:nvPr>
             <p:ph type="dt" sz="quarter" idx="1"/>
@@ -201,6 +217,7 @@
           <a:p>
             <a:fld id="{0F9B84EA-7D68-4D60-9CB1-D50884785D1C}" type="datetimeFigureOut">
               <a:rPr lang="zh-CN" altLang="en-US" smtClean="0"/>
+              <a:t>2022/4/20</a:t>
             </a:fld>
             <a:endParaRPr lang="zh-CN" altLang="en-US"/>
           </a:p>
@@ -210,7 +227,7 @@
         <p:nvSpPr>
           <p:cNvPr id="4" name="页脚占位符 3"/>
           <p:cNvSpPr>
-            <a:spLocks noGrp="true"/>
+            <a:spLocks noGrp="1"/>
           </p:cNvSpPr>
           <p:nvPr>
             <p:ph type="ftr" sz="quarter" idx="2"/>
@@ -241,7 +258,7 @@
         <p:nvSpPr>
           <p:cNvPr id="5" name="灯片编号占位符 4"/>
           <p:cNvSpPr>
-            <a:spLocks noGrp="true"/>
+            <a:spLocks noGrp="1"/>
           </p:cNvSpPr>
           <p:nvPr>
             <p:ph type="sldNum" sz="quarter" idx="3"/>
@@ -266,6 +283,7 @@
           <a:p>
             <a:fld id="{8D4E0FC9-F1F8-4FAE-9988-3BA365CFD46F}" type="slidenum">
               <a:rPr lang="zh-CN" altLang="en-US" smtClean="0"/>
+              <a:t>‹#›</a:t>
             </a:fld>
             <a:endParaRPr lang="zh-CN" altLang="en-US"/>
           </a:p>
@@ -303,7 +321,7 @@
         <p:nvSpPr>
           <p:cNvPr id="2" name="页眉占位符 1"/>
           <p:cNvSpPr>
-            <a:spLocks noGrp="true"/>
+            <a:spLocks noGrp="1"/>
           </p:cNvSpPr>
           <p:nvPr>
             <p:ph type="hdr" sz="quarter"/>
@@ -334,7 +352,7 @@
         <p:nvSpPr>
           <p:cNvPr id="3" name="日期占位符 2"/>
           <p:cNvSpPr>
-            <a:spLocks noGrp="true"/>
+            <a:spLocks noGrp="1"/>
           </p:cNvSpPr>
           <p:nvPr>
             <p:ph type="dt" idx="1"/>
@@ -359,6 +377,7 @@
           <a:p>
             <a:fld id="{D6C8D182-E4C8-4120-9249-FC9774456FFA}" type="datetimeFigureOut">
               <a:rPr lang="zh-CN" altLang="en-US" smtClean="0"/>
+              <a:t>2022/4/20</a:t>
             </a:fld>
             <a:endParaRPr lang="zh-CN" altLang="en-US"/>
           </a:p>
@@ -368,7 +387,7 @@
         <p:nvSpPr>
           <p:cNvPr id="4" name="幻灯片图像占位符 3"/>
           <p:cNvSpPr>
-            <a:spLocks noGrp="true" noRot="true" noChangeAspect="true"/>
+            <a:spLocks noGrp="1" noRot="1" noChangeAspect="1"/>
           </p:cNvSpPr>
           <p:nvPr>
             <p:ph type="sldImg" idx="2"/>
@@ -401,7 +420,7 @@
         <p:nvSpPr>
           <p:cNvPr id="5" name="备注占位符 4"/>
           <p:cNvSpPr>
-            <a:spLocks noGrp="true"/>
+            <a:spLocks noGrp="1"/>
           </p:cNvSpPr>
           <p:nvPr>
             <p:ph type="body" sz="quarter" idx="3"/>
@@ -425,7 +444,6 @@
               <a:rPr lang="zh-CN" altLang="en-US"/>
               <a:t>编辑母版文本样式</a:t>
             </a:r>
-            <a:endParaRPr lang="zh-CN" altLang="en-US"/>
           </a:p>
           <a:p>
             <a:pPr lvl="1"/>
@@ -433,7 +451,6 @@
               <a:rPr lang="zh-CN" altLang="en-US"/>
               <a:t>第二级</a:t>
             </a:r>
-            <a:endParaRPr lang="zh-CN" altLang="en-US"/>
           </a:p>
           <a:p>
             <a:pPr lvl="2"/>
@@ -441,7 +458,6 @@
               <a:rPr lang="zh-CN" altLang="en-US"/>
               <a:t>第三级</a:t>
             </a:r>
-            <a:endParaRPr lang="zh-CN" altLang="en-US"/>
           </a:p>
           <a:p>
             <a:pPr lvl="3"/>
@@ -449,7 +465,6 @@
               <a:rPr lang="zh-CN" altLang="en-US"/>
               <a:t>第四级</a:t>
             </a:r>
-            <a:endParaRPr lang="zh-CN" altLang="en-US"/>
           </a:p>
           <a:p>
             <a:pPr lvl="4"/>
@@ -457,7 +472,6 @@
               <a:rPr lang="zh-CN" altLang="en-US"/>
               <a:t>第五级</a:t>
             </a:r>
-            <a:endParaRPr lang="zh-CN" altLang="en-US"/>
           </a:p>
         </p:txBody>
       </p:sp>
@@ -465,7 +479,7 @@
         <p:nvSpPr>
           <p:cNvPr id="6" name="页脚占位符 5"/>
           <p:cNvSpPr>
-            <a:spLocks noGrp="true"/>
+            <a:spLocks noGrp="1"/>
           </p:cNvSpPr>
           <p:nvPr>
             <p:ph type="ftr" sz="quarter" idx="4"/>
@@ -496,7 +510,7 @@
         <p:nvSpPr>
           <p:cNvPr id="7" name="灯片编号占位符 6"/>
           <p:cNvSpPr>
-            <a:spLocks noGrp="true"/>
+            <a:spLocks noGrp="1"/>
           </p:cNvSpPr>
           <p:nvPr>
             <p:ph type="sldNum" sz="quarter" idx="5"/>
@@ -521,6 +535,7 @@
           <a:p>
             <a:fld id="{85D0DACE-38E0-42D2-9336-2B707D34BC6D}" type="slidenum">
               <a:rPr lang="zh-CN" altLang="en-US" smtClean="0"/>
+              <a:t>‹#›</a:t>
             </a:fld>
             <a:endParaRPr lang="zh-CN" altLang="en-US"/>
           </a:p>
@@ -633,11 +648,20 @@
         <p:cNvGrpSpPr/>
         <p:nvPr/>
       </p:nvGrpSpPr>
-      <p:grpSpPr/>
+      <p:grpSpPr>
+        <a:xfrm>
+          <a:off x="0" y="0"/>
+          <a:ext cx="0" cy="0"/>
+          <a:chOff x="0" y="0"/>
+          <a:chExt cx="0" cy="0"/>
+        </a:xfrm>
+      </p:grpSpPr>
       <p:sp>
         <p:nvSpPr>
           <p:cNvPr id="2" name="幻灯片图像占位符 1"/>
-          <p:cNvSpPr/>
+          <p:cNvSpPr>
+            <a:spLocks noGrp="1" noRot="1" noChangeAspect="1"/>
+          </p:cNvSpPr>
           <p:nvPr>
             <p:ph type="sldImg" idx="2"/>
           </p:nvPr>
@@ -647,7 +671,9 @@
       <p:sp>
         <p:nvSpPr>
           <p:cNvPr id="3" name="文本占位符 2"/>
-          <p:cNvSpPr/>
+          <p:cNvSpPr>
+            <a:spLocks noGrp="1"/>
+          </p:cNvSpPr>
           <p:nvPr>
             <p:ph type="body" idx="3"/>
           </p:nvPr>
@@ -655,6 +681,7 @@
         <p:spPr/>
         <p:txBody>
           <a:bodyPr/>
+          <a:lstStyle/>
           <a:p>
             <a:endParaRPr lang="zh-CN" altLang="en-US"/>
           </a:p>
@@ -689,10 +716,10 @@
         <p:nvSpPr>
           <p:cNvPr id="2" name="标题 1"/>
           <p:cNvSpPr>
-            <a:spLocks noGrp="true"/>
+            <a:spLocks noGrp="1"/>
           </p:cNvSpPr>
           <p:nvPr>
-            <p:ph type="ctrTitle" hasCustomPrompt="true"/>
+            <p:ph type="ctrTitle" hasCustomPrompt="1"/>
           </p:nvPr>
         </p:nvSpPr>
         <p:spPr>
@@ -726,7 +753,6 @@
               <a:rPr lang="zh-CN" altLang="en-US" dirty="0"/>
               <a:t>单击此处添加标题</a:t>
             </a:r>
-            <a:endParaRPr lang="zh-CN" altLang="en-US" dirty="0"/>
           </a:p>
         </p:txBody>
       </p:sp>
@@ -734,7 +760,7 @@
         <p:nvSpPr>
           <p:cNvPr id="4" name="日期占位符 3"/>
           <p:cNvSpPr>
-            <a:spLocks noGrp="true"/>
+            <a:spLocks noGrp="1"/>
           </p:cNvSpPr>
           <p:nvPr>
             <p:ph type="dt" sz="half" idx="10"/>
@@ -747,6 +773,7 @@
           <a:p>
             <a:fld id="{760FBDFE-C587-4B4C-A407-44438C67B59E}" type="datetimeFigureOut">
               <a:rPr lang="zh-CN" altLang="en-US" smtClean="0"/>
+              <a:t>2022/4/20</a:t>
             </a:fld>
             <a:endParaRPr lang="zh-CN" altLang="en-US"/>
           </a:p>
@@ -756,7 +783,7 @@
         <p:nvSpPr>
           <p:cNvPr id="5" name="页脚占位符 4"/>
           <p:cNvSpPr>
-            <a:spLocks noGrp="true"/>
+            <a:spLocks noGrp="1"/>
           </p:cNvSpPr>
           <p:nvPr>
             <p:ph type="ftr" sz="quarter" idx="11"/>
@@ -775,7 +802,7 @@
         <p:nvSpPr>
           <p:cNvPr id="6" name="灯片编号占位符 5"/>
           <p:cNvSpPr>
-            <a:spLocks noGrp="true"/>
+            <a:spLocks noGrp="1"/>
           </p:cNvSpPr>
           <p:nvPr>
             <p:ph type="sldNum" sz="quarter" idx="12"/>
@@ -788,6 +815,7 @@
           <a:p>
             <a:fld id="{49AE70B2-8BF9-45C0-BB95-33D1B9D3A854}" type="slidenum">
               <a:rPr lang="zh-CN" altLang="en-US" smtClean="0"/>
+              <a:t>‹#›</a:t>
             </a:fld>
             <a:endParaRPr lang="zh-CN" altLang="en-US"/>
           </a:p>
@@ -797,10 +825,10 @@
         <p:nvSpPr>
           <p:cNvPr id="3" name="副标题 2"/>
           <p:cNvSpPr>
-            <a:spLocks noGrp="true"/>
+            <a:spLocks noGrp="1"/>
           </p:cNvSpPr>
           <p:nvPr>
-            <p:ph type="subTitle" idx="1" hasCustomPrompt="true"/>
+            <p:ph type="subTitle" idx="1" hasCustomPrompt="1"/>
           </p:nvPr>
         </p:nvSpPr>
         <p:spPr>
@@ -866,7 +894,6 @@
               <a:rPr lang="zh-CN" altLang="en-US" dirty="0"/>
               <a:t>单击此处添加副标题</a:t>
             </a:r>
-            <a:endParaRPr lang="zh-CN" altLang="en-US" dirty="0"/>
           </a:p>
         </p:txBody>
       </p:sp>
@@ -899,7 +926,7 @@
         <p:nvSpPr>
           <p:cNvPr id="3" name="日期占位符 2"/>
           <p:cNvSpPr>
-            <a:spLocks noGrp="true"/>
+            <a:spLocks noGrp="1"/>
           </p:cNvSpPr>
           <p:nvPr>
             <p:ph type="dt" sz="half" idx="10"/>
@@ -912,6 +939,7 @@
           <a:p>
             <a:fld id="{760FBDFE-C587-4B4C-A407-44438C67B59E}" type="datetimeFigureOut">
               <a:rPr lang="zh-CN" altLang="en-US" smtClean="0"/>
+              <a:t>2022/4/20</a:t>
             </a:fld>
             <a:endParaRPr lang="zh-CN" altLang="en-US"/>
           </a:p>
@@ -921,7 +949,7 @@
         <p:nvSpPr>
           <p:cNvPr id="4" name="页脚占位符 3"/>
           <p:cNvSpPr>
-            <a:spLocks noGrp="true"/>
+            <a:spLocks noGrp="1"/>
           </p:cNvSpPr>
           <p:nvPr>
             <p:ph type="ftr" sz="quarter" idx="11"/>
@@ -940,7 +968,7 @@
         <p:nvSpPr>
           <p:cNvPr id="5" name="灯片编号占位符 4"/>
           <p:cNvSpPr>
-            <a:spLocks noGrp="true"/>
+            <a:spLocks noGrp="1"/>
           </p:cNvSpPr>
           <p:nvPr>
             <p:ph type="sldNum" sz="quarter" idx="12"/>
@@ -953,6 +981,7 @@
           <a:p>
             <a:fld id="{49AE70B2-8BF9-45C0-BB95-33D1B9D3A854}" type="slidenum">
               <a:rPr lang="zh-CN" altLang="en-US" smtClean="0"/>
+              <a:t>‹#›</a:t>
             </a:fld>
             <a:endParaRPr lang="zh-CN" altLang="en-US"/>
           </a:p>
@@ -962,7 +991,7 @@
         <p:nvSpPr>
           <p:cNvPr id="7" name="内容占位符 6"/>
           <p:cNvSpPr>
-            <a:spLocks noGrp="true"/>
+            <a:spLocks noGrp="1"/>
           </p:cNvSpPr>
           <p:nvPr>
             <p:ph sz="quarter" idx="13"/>
@@ -983,7 +1012,6 @@
               <a:rPr lang="zh-CN" altLang="en-US" dirty="0"/>
               <a:t>单击此处编辑母版文本样式</a:t>
             </a:r>
-            <a:endParaRPr lang="zh-CN" altLang="en-US" dirty="0"/>
           </a:p>
           <a:p>
             <a:pPr lvl="1"/>
@@ -991,7 +1019,6 @@
               <a:rPr lang="zh-CN" altLang="en-US" dirty="0"/>
               <a:t>第二级</a:t>
             </a:r>
-            <a:endParaRPr lang="zh-CN" altLang="en-US" dirty="0"/>
           </a:p>
           <a:p>
             <a:pPr lvl="2"/>
@@ -999,7 +1026,6 @@
               <a:rPr lang="zh-CN" altLang="en-US" dirty="0"/>
               <a:t>第三级</a:t>
             </a:r>
-            <a:endParaRPr lang="zh-CN" altLang="en-US" dirty="0"/>
           </a:p>
           <a:p>
             <a:pPr lvl="3"/>
@@ -1007,7 +1033,6 @@
               <a:rPr lang="zh-CN" altLang="en-US" dirty="0"/>
               <a:t>第四级</a:t>
             </a:r>
-            <a:endParaRPr lang="zh-CN" altLang="en-US" dirty="0"/>
           </a:p>
           <a:p>
             <a:pPr lvl="4"/>
@@ -1015,7 +1040,6 @@
               <a:rPr lang="zh-CN" altLang="en-US" dirty="0"/>
               <a:t>第五级</a:t>
             </a:r>
-            <a:endParaRPr lang="zh-CN" altLang="en-US" dirty="0"/>
           </a:p>
         </p:txBody>
       </p:sp>
@@ -1048,7 +1072,7 @@
         <p:nvSpPr>
           <p:cNvPr id="2" name="标题 1"/>
           <p:cNvSpPr>
-            <a:spLocks noGrp="true"/>
+            <a:spLocks noGrp="1"/>
           </p:cNvSpPr>
           <p:nvPr>
             <p:ph type="title"/>
@@ -1061,7 +1085,7 @@
           </a:xfrm>
         </p:spPr>
         <p:txBody>
-          <a:bodyPr anchor="ctr" anchorCtr="false">
+          <a:bodyPr anchor="ctr" anchorCtr="0">
             <a:normAutofit/>
           </a:bodyPr>
           <a:lstStyle>
@@ -1082,7 +1106,6 @@
               <a:rPr lang="zh-CN" altLang="en-US" dirty="0"/>
               <a:t>单击此处编辑母版标题样式</a:t>
             </a:r>
-            <a:endParaRPr lang="zh-CN" altLang="en-US" dirty="0"/>
           </a:p>
         </p:txBody>
       </p:sp>
@@ -1090,7 +1113,7 @@
         <p:nvSpPr>
           <p:cNvPr id="3" name="内容占位符 2"/>
           <p:cNvSpPr>
-            <a:spLocks noGrp="true"/>
+            <a:spLocks noGrp="1"/>
           </p:cNvSpPr>
           <p:nvPr>
             <p:ph idx="1"/>
@@ -1164,7 +1187,6 @@
               <a:rPr lang="zh-CN" altLang="en-US" dirty="0"/>
               <a:t>单击此处编辑母版文本样式</a:t>
             </a:r>
-            <a:endParaRPr lang="zh-CN" altLang="en-US" dirty="0"/>
           </a:p>
           <a:p>
             <a:pPr lvl="1"/>
@@ -1172,7 +1194,6 @@
               <a:rPr lang="zh-CN" altLang="en-US" dirty="0"/>
               <a:t>第二级</a:t>
             </a:r>
-            <a:endParaRPr lang="zh-CN" altLang="en-US" dirty="0"/>
           </a:p>
           <a:p>
             <a:pPr lvl="2"/>
@@ -1180,7 +1201,6 @@
               <a:rPr lang="zh-CN" altLang="en-US" dirty="0"/>
               <a:t>第三级</a:t>
             </a:r>
-            <a:endParaRPr lang="zh-CN" altLang="en-US" dirty="0"/>
           </a:p>
           <a:p>
             <a:pPr lvl="3"/>
@@ -1188,7 +1208,6 @@
               <a:rPr lang="zh-CN" altLang="en-US" dirty="0"/>
               <a:t>第四级</a:t>
             </a:r>
-            <a:endParaRPr lang="zh-CN" altLang="en-US" dirty="0"/>
           </a:p>
           <a:p>
             <a:pPr lvl="4"/>
@@ -1196,7 +1215,6 @@
               <a:rPr lang="zh-CN" altLang="en-US" dirty="0"/>
               <a:t>第五级</a:t>
             </a:r>
-            <a:endParaRPr lang="zh-CN" altLang="en-US" dirty="0"/>
           </a:p>
         </p:txBody>
       </p:sp>
@@ -1204,7 +1222,7 @@
         <p:nvSpPr>
           <p:cNvPr id="4" name="日期占位符 3"/>
           <p:cNvSpPr>
-            <a:spLocks noGrp="true"/>
+            <a:spLocks noGrp="1"/>
           </p:cNvSpPr>
           <p:nvPr>
             <p:ph type="dt" sz="half" idx="10"/>
@@ -1217,6 +1235,7 @@
           <a:p>
             <a:fld id="{760FBDFE-C587-4B4C-A407-44438C67B59E}" type="datetimeFigureOut">
               <a:rPr lang="zh-CN" altLang="en-US" smtClean="0"/>
+              <a:t>2022/4/20</a:t>
             </a:fld>
             <a:endParaRPr lang="zh-CN" altLang="en-US"/>
           </a:p>
@@ -1226,7 +1245,7 @@
         <p:nvSpPr>
           <p:cNvPr id="5" name="页脚占位符 4"/>
           <p:cNvSpPr>
-            <a:spLocks noGrp="true"/>
+            <a:spLocks noGrp="1"/>
           </p:cNvSpPr>
           <p:nvPr>
             <p:ph type="ftr" sz="quarter" idx="11"/>
@@ -1245,7 +1264,7 @@
         <p:nvSpPr>
           <p:cNvPr id="6" name="灯片编号占位符 5"/>
           <p:cNvSpPr>
-            <a:spLocks noGrp="true"/>
+            <a:spLocks noGrp="1"/>
           </p:cNvSpPr>
           <p:nvPr>
             <p:ph type="sldNum" sz="quarter" idx="12"/>
@@ -1258,6 +1277,7 @@
           <a:p>
             <a:fld id="{49AE70B2-8BF9-45C0-BB95-33D1B9D3A854}" type="slidenum">
               <a:rPr lang="zh-CN" altLang="en-US" smtClean="0"/>
+              <a:t>‹#›</a:t>
             </a:fld>
             <a:endParaRPr lang="zh-CN" altLang="en-US"/>
           </a:p>
@@ -1292,7 +1312,7 @@
         <p:nvSpPr>
           <p:cNvPr id="2" name="标题 1"/>
           <p:cNvSpPr>
-            <a:spLocks noGrp="true"/>
+            <a:spLocks noGrp="1"/>
           </p:cNvSpPr>
           <p:nvPr>
             <p:ph type="title"/>
@@ -1326,7 +1346,6 @@
               <a:rPr lang="zh-CN" altLang="en-US" dirty="0"/>
               <a:t>单击此处编辑母版标题样式</a:t>
             </a:r>
-            <a:endParaRPr lang="zh-CN" altLang="en-US" dirty="0"/>
           </a:p>
         </p:txBody>
       </p:sp>
@@ -1334,7 +1353,7 @@
         <p:nvSpPr>
           <p:cNvPr id="3" name="文本占位符 2"/>
           <p:cNvSpPr>
-            <a:spLocks noGrp="true"/>
+            <a:spLocks noGrp="1"/>
           </p:cNvSpPr>
           <p:nvPr>
             <p:ph type="body" idx="1"/>
@@ -1446,7 +1465,6 @@
               <a:rPr lang="zh-CN" altLang="en-US" dirty="0"/>
               <a:t>单击此处编辑母版文本样式</a:t>
             </a:r>
-            <a:endParaRPr lang="zh-CN" altLang="en-US" dirty="0"/>
           </a:p>
         </p:txBody>
       </p:sp>
@@ -1454,7 +1472,7 @@
         <p:nvSpPr>
           <p:cNvPr id="4" name="日期占位符 3"/>
           <p:cNvSpPr>
-            <a:spLocks noGrp="true"/>
+            <a:spLocks noGrp="1"/>
           </p:cNvSpPr>
           <p:nvPr>
             <p:ph type="dt" sz="half" idx="10"/>
@@ -1467,6 +1485,7 @@
           <a:p>
             <a:fld id="{760FBDFE-C587-4B4C-A407-44438C67B59E}" type="datetimeFigureOut">
               <a:rPr lang="zh-CN" altLang="en-US" smtClean="0"/>
+              <a:t>2022/4/20</a:t>
             </a:fld>
             <a:endParaRPr lang="zh-CN" altLang="en-US"/>
           </a:p>
@@ -1476,7 +1495,7 @@
         <p:nvSpPr>
           <p:cNvPr id="5" name="页脚占位符 4"/>
           <p:cNvSpPr>
-            <a:spLocks noGrp="true"/>
+            <a:spLocks noGrp="1"/>
           </p:cNvSpPr>
           <p:nvPr>
             <p:ph type="ftr" sz="quarter" idx="11"/>
@@ -1495,7 +1514,7 @@
         <p:nvSpPr>
           <p:cNvPr id="6" name="灯片编号占位符 5"/>
           <p:cNvSpPr>
-            <a:spLocks noGrp="true"/>
+            <a:spLocks noGrp="1"/>
           </p:cNvSpPr>
           <p:nvPr>
             <p:ph type="sldNum" sz="quarter" idx="12"/>
@@ -1508,6 +1527,7 @@
           <a:p>
             <a:fld id="{49AE70B2-8BF9-45C0-BB95-33D1B9D3A854}" type="slidenum">
               <a:rPr lang="zh-CN" altLang="en-US" smtClean="0"/>
+              <a:t>‹#›</a:t>
             </a:fld>
             <a:endParaRPr lang="zh-CN" altLang="en-US"/>
           </a:p>
@@ -1542,7 +1562,7 @@
         <p:nvSpPr>
           <p:cNvPr id="2" name="标题 1"/>
           <p:cNvSpPr>
-            <a:spLocks noGrp="true"/>
+            <a:spLocks noGrp="1"/>
           </p:cNvSpPr>
           <p:nvPr>
             <p:ph type="title"/>
@@ -1576,7 +1596,6 @@
               <a:rPr lang="zh-CN" altLang="en-US" dirty="0"/>
               <a:t>单击此处编辑母版标题样式</a:t>
             </a:r>
-            <a:endParaRPr lang="zh-CN" altLang="en-US" dirty="0"/>
           </a:p>
         </p:txBody>
       </p:sp>
@@ -1584,7 +1603,7 @@
         <p:nvSpPr>
           <p:cNvPr id="3" name="内容占位符 2"/>
           <p:cNvSpPr>
-            <a:spLocks noGrp="true"/>
+            <a:spLocks noGrp="1"/>
           </p:cNvSpPr>
           <p:nvPr>
             <p:ph sz="half" idx="1"/>
@@ -1673,7 +1692,6 @@
               <a:rPr lang="zh-CN" altLang="en-US" dirty="0"/>
               <a:t>单击此处编辑母版文本样式</a:t>
             </a:r>
-            <a:endParaRPr lang="zh-CN" altLang="en-US" dirty="0"/>
           </a:p>
           <a:p>
             <a:pPr lvl="1"/>
@@ -1681,7 +1699,6 @@
               <a:rPr lang="zh-CN" altLang="en-US" dirty="0"/>
               <a:t>第二级</a:t>
             </a:r>
-            <a:endParaRPr lang="zh-CN" altLang="en-US" dirty="0"/>
           </a:p>
           <a:p>
             <a:pPr lvl="2"/>
@@ -1689,7 +1706,6 @@
               <a:rPr lang="zh-CN" altLang="en-US" dirty="0"/>
               <a:t>第三级</a:t>
             </a:r>
-            <a:endParaRPr lang="zh-CN" altLang="en-US" dirty="0"/>
           </a:p>
           <a:p>
             <a:pPr lvl="3"/>
@@ -1697,7 +1713,6 @@
               <a:rPr lang="zh-CN" altLang="en-US" dirty="0"/>
               <a:t>第四级</a:t>
             </a:r>
-            <a:endParaRPr lang="zh-CN" altLang="en-US" dirty="0"/>
           </a:p>
           <a:p>
             <a:pPr lvl="4"/>
@@ -1705,7 +1720,6 @@
               <a:rPr lang="zh-CN" altLang="en-US" dirty="0"/>
               <a:t>第五级</a:t>
             </a:r>
-            <a:endParaRPr lang="zh-CN" altLang="en-US" dirty="0"/>
           </a:p>
         </p:txBody>
       </p:sp>
@@ -1713,7 +1727,7 @@
         <p:nvSpPr>
           <p:cNvPr id="4" name="内容占位符 3"/>
           <p:cNvSpPr>
-            <a:spLocks noGrp="true"/>
+            <a:spLocks noGrp="1"/>
           </p:cNvSpPr>
           <p:nvPr>
             <p:ph sz="half" idx="2"/>
@@ -1802,7 +1816,6 @@
               <a:rPr lang="zh-CN" altLang="en-US" dirty="0"/>
               <a:t>单击此处编辑母版文本样式</a:t>
             </a:r>
-            <a:endParaRPr lang="zh-CN" altLang="en-US" dirty="0"/>
           </a:p>
           <a:p>
             <a:pPr lvl="1"/>
@@ -1810,7 +1823,6 @@
               <a:rPr lang="zh-CN" altLang="en-US" dirty="0"/>
               <a:t>第二级</a:t>
             </a:r>
-            <a:endParaRPr lang="zh-CN" altLang="en-US" dirty="0"/>
           </a:p>
           <a:p>
             <a:pPr lvl="2"/>
@@ -1818,7 +1830,6 @@
               <a:rPr lang="zh-CN" altLang="en-US" dirty="0"/>
               <a:t>第三级</a:t>
             </a:r>
-            <a:endParaRPr lang="zh-CN" altLang="en-US" dirty="0"/>
           </a:p>
           <a:p>
             <a:pPr lvl="3"/>
@@ -1826,7 +1837,6 @@
               <a:rPr lang="zh-CN" altLang="en-US" dirty="0"/>
               <a:t>第四级</a:t>
             </a:r>
-            <a:endParaRPr lang="zh-CN" altLang="en-US" dirty="0"/>
           </a:p>
           <a:p>
             <a:pPr lvl="4"/>
@@ -1834,7 +1844,6 @@
               <a:rPr lang="zh-CN" altLang="en-US" dirty="0"/>
               <a:t>第五级</a:t>
             </a:r>
-            <a:endParaRPr lang="zh-CN" altLang="en-US" dirty="0"/>
           </a:p>
         </p:txBody>
       </p:sp>
@@ -1842,7 +1851,7 @@
         <p:nvSpPr>
           <p:cNvPr id="5" name="日期占位符 4"/>
           <p:cNvSpPr>
-            <a:spLocks noGrp="true"/>
+            <a:spLocks noGrp="1"/>
           </p:cNvSpPr>
           <p:nvPr>
             <p:ph type="dt" sz="half" idx="10"/>
@@ -1855,6 +1864,7 @@
           <a:p>
             <a:fld id="{760FBDFE-C587-4B4C-A407-44438C67B59E}" type="datetimeFigureOut">
               <a:rPr lang="zh-CN" altLang="en-US" smtClean="0"/>
+              <a:t>2022/4/20</a:t>
             </a:fld>
             <a:endParaRPr lang="zh-CN" altLang="en-US"/>
           </a:p>
@@ -1864,7 +1874,7 @@
         <p:nvSpPr>
           <p:cNvPr id="6" name="页脚占位符 5"/>
           <p:cNvSpPr>
-            <a:spLocks noGrp="true"/>
+            <a:spLocks noGrp="1"/>
           </p:cNvSpPr>
           <p:nvPr>
             <p:ph type="ftr" sz="quarter" idx="11"/>
@@ -1883,7 +1893,7 @@
         <p:nvSpPr>
           <p:cNvPr id="7" name="灯片编号占位符 6"/>
           <p:cNvSpPr>
-            <a:spLocks noGrp="true"/>
+            <a:spLocks noGrp="1"/>
           </p:cNvSpPr>
           <p:nvPr>
             <p:ph type="sldNum" sz="quarter" idx="12"/>
@@ -1896,6 +1906,7 @@
           <a:p>
             <a:fld id="{49AE70B2-8BF9-45C0-BB95-33D1B9D3A854}" type="slidenum">
               <a:rPr lang="zh-CN" altLang="en-US" smtClean="0"/>
+              <a:t>‹#›</a:t>
             </a:fld>
             <a:endParaRPr lang="zh-CN" altLang="en-US"/>
           </a:p>
@@ -1930,7 +1941,7 @@
         <p:nvSpPr>
           <p:cNvPr id="2" name="标题 1"/>
           <p:cNvSpPr>
-            <a:spLocks noGrp="true"/>
+            <a:spLocks noGrp="1"/>
           </p:cNvSpPr>
           <p:nvPr>
             <p:ph type="title"/>
@@ -1950,7 +1961,6 @@
               <a:rPr lang="zh-CN" altLang="en-US"/>
               <a:t>单击此处编辑母版标题样式</a:t>
             </a:r>
-            <a:endParaRPr lang="zh-CN" altLang="en-US"/>
           </a:p>
         </p:txBody>
       </p:sp>
@@ -1958,7 +1968,7 @@
         <p:nvSpPr>
           <p:cNvPr id="3" name="文本占位符 2"/>
           <p:cNvSpPr>
-            <a:spLocks noGrp="true"/>
+            <a:spLocks noGrp="1"/>
           </p:cNvSpPr>
           <p:nvPr>
             <p:ph type="body" idx="1"/>
@@ -2016,7 +2026,6 @@
               <a:rPr lang="zh-CN" altLang="en-US" dirty="0"/>
               <a:t>单击此处编辑母版文本样式</a:t>
             </a:r>
-            <a:endParaRPr lang="zh-CN" altLang="en-US" dirty="0"/>
           </a:p>
         </p:txBody>
       </p:sp>
@@ -2024,7 +2033,7 @@
         <p:nvSpPr>
           <p:cNvPr id="4" name="内容占位符 3"/>
           <p:cNvSpPr>
-            <a:spLocks noGrp="true"/>
+            <a:spLocks noGrp="1"/>
           </p:cNvSpPr>
           <p:nvPr>
             <p:ph sz="half" idx="2"/>
@@ -2045,7 +2054,6 @@
               <a:rPr lang="zh-CN" altLang="en-US" dirty="0"/>
               <a:t>单击此处编辑母版文本样式</a:t>
             </a:r>
-            <a:endParaRPr lang="zh-CN" altLang="en-US" dirty="0"/>
           </a:p>
           <a:p>
             <a:pPr lvl="1"/>
@@ -2053,7 +2061,6 @@
               <a:rPr lang="zh-CN" altLang="en-US" dirty="0"/>
               <a:t>第二级</a:t>
             </a:r>
-            <a:endParaRPr lang="zh-CN" altLang="en-US" dirty="0"/>
           </a:p>
           <a:p>
             <a:pPr lvl="2"/>
@@ -2061,7 +2068,6 @@
               <a:rPr lang="zh-CN" altLang="en-US" dirty="0"/>
               <a:t>第三级</a:t>
             </a:r>
-            <a:endParaRPr lang="zh-CN" altLang="en-US" dirty="0"/>
           </a:p>
           <a:p>
             <a:pPr lvl="3"/>
@@ -2069,7 +2075,6 @@
               <a:rPr lang="zh-CN" altLang="en-US" dirty="0"/>
               <a:t>第四级</a:t>
             </a:r>
-            <a:endParaRPr lang="zh-CN" altLang="en-US" dirty="0"/>
           </a:p>
           <a:p>
             <a:pPr lvl="4"/>
@@ -2077,7 +2082,6 @@
               <a:rPr lang="zh-CN" altLang="en-US" dirty="0"/>
               <a:t>第五级</a:t>
             </a:r>
-            <a:endParaRPr lang="zh-CN" altLang="en-US" dirty="0"/>
           </a:p>
         </p:txBody>
       </p:sp>
@@ -2085,7 +2089,7 @@
         <p:nvSpPr>
           <p:cNvPr id="5" name="文本占位符 4"/>
           <p:cNvSpPr>
-            <a:spLocks noGrp="true"/>
+            <a:spLocks noGrp="1"/>
           </p:cNvSpPr>
           <p:nvPr>
             <p:ph type="body" sz="quarter" idx="3"/>
@@ -2143,7 +2147,6 @@
               <a:rPr lang="zh-CN" altLang="en-US" dirty="0"/>
               <a:t>单击此处编辑母版文本样式</a:t>
             </a:r>
-            <a:endParaRPr lang="zh-CN" altLang="en-US" dirty="0"/>
           </a:p>
         </p:txBody>
       </p:sp>
@@ -2151,7 +2154,7 @@
         <p:nvSpPr>
           <p:cNvPr id="6" name="内容占位符 5"/>
           <p:cNvSpPr>
-            <a:spLocks noGrp="true"/>
+            <a:spLocks noGrp="1"/>
           </p:cNvSpPr>
           <p:nvPr>
             <p:ph sz="quarter" idx="4"/>
@@ -2172,7 +2175,6 @@
               <a:rPr lang="zh-CN" altLang="en-US" dirty="0"/>
               <a:t>单击此处编辑母版文本样式</a:t>
             </a:r>
-            <a:endParaRPr lang="zh-CN" altLang="en-US" dirty="0"/>
           </a:p>
           <a:p>
             <a:pPr lvl="1"/>
@@ -2180,7 +2182,6 @@
               <a:rPr lang="zh-CN" altLang="en-US" dirty="0"/>
               <a:t>第二级</a:t>
             </a:r>
-            <a:endParaRPr lang="zh-CN" altLang="en-US" dirty="0"/>
           </a:p>
           <a:p>
             <a:pPr lvl="2"/>
@@ -2188,7 +2189,6 @@
               <a:rPr lang="zh-CN" altLang="en-US" dirty="0"/>
               <a:t>第三级</a:t>
             </a:r>
-            <a:endParaRPr lang="zh-CN" altLang="en-US" dirty="0"/>
           </a:p>
           <a:p>
             <a:pPr lvl="3"/>
@@ -2196,7 +2196,6 @@
               <a:rPr lang="zh-CN" altLang="en-US" dirty="0"/>
               <a:t>第四级</a:t>
             </a:r>
-            <a:endParaRPr lang="zh-CN" altLang="en-US" dirty="0"/>
           </a:p>
           <a:p>
             <a:pPr lvl="4"/>
@@ -2204,7 +2203,6 @@
               <a:rPr lang="zh-CN" altLang="en-US" dirty="0"/>
               <a:t>第五级</a:t>
             </a:r>
-            <a:endParaRPr lang="zh-CN" altLang="en-US" dirty="0"/>
           </a:p>
         </p:txBody>
       </p:sp>
@@ -2212,7 +2210,7 @@
         <p:nvSpPr>
           <p:cNvPr id="7" name="日期占位符 6"/>
           <p:cNvSpPr>
-            <a:spLocks noGrp="true"/>
+            <a:spLocks noGrp="1"/>
           </p:cNvSpPr>
           <p:nvPr>
             <p:ph type="dt" sz="half" idx="10"/>
@@ -2225,6 +2223,7 @@
           <a:p>
             <a:fld id="{760FBDFE-C587-4B4C-A407-44438C67B59E}" type="datetimeFigureOut">
               <a:rPr lang="zh-CN" altLang="en-US" smtClean="0"/>
+              <a:t>2022/4/20</a:t>
             </a:fld>
             <a:endParaRPr lang="zh-CN" altLang="en-US"/>
           </a:p>
@@ -2234,7 +2233,7 @@
         <p:nvSpPr>
           <p:cNvPr id="8" name="页脚占位符 7"/>
           <p:cNvSpPr>
-            <a:spLocks noGrp="true"/>
+            <a:spLocks noGrp="1"/>
           </p:cNvSpPr>
           <p:nvPr>
             <p:ph type="ftr" sz="quarter" idx="11"/>
@@ -2253,7 +2252,7 @@
         <p:nvSpPr>
           <p:cNvPr id="9" name="灯片编号占位符 8"/>
           <p:cNvSpPr>
-            <a:spLocks noGrp="true"/>
+            <a:spLocks noGrp="1"/>
           </p:cNvSpPr>
           <p:nvPr>
             <p:ph type="sldNum" sz="quarter" idx="12"/>
@@ -2266,6 +2265,7 @@
           <a:p>
             <a:fld id="{49AE70B2-8BF9-45C0-BB95-33D1B9D3A854}" type="slidenum">
               <a:rPr lang="zh-CN" altLang="en-US" smtClean="0"/>
+              <a:t>‹#›</a:t>
             </a:fld>
             <a:endParaRPr lang="zh-CN" altLang="en-US"/>
           </a:p>
@@ -2300,7 +2300,7 @@
         <p:nvSpPr>
           <p:cNvPr id="2" name="标题 1"/>
           <p:cNvSpPr>
-            <a:spLocks noGrp="true"/>
+            <a:spLocks noGrp="1"/>
           </p:cNvSpPr>
           <p:nvPr>
             <p:ph type="title"/>
@@ -2334,7 +2334,6 @@
               <a:rPr lang="zh-CN" altLang="en-US" dirty="0"/>
               <a:t>单击此处编辑母版标题样式</a:t>
             </a:r>
-            <a:endParaRPr lang="zh-CN" altLang="en-US" dirty="0"/>
           </a:p>
         </p:txBody>
       </p:sp>
@@ -2342,7 +2341,7 @@
         <p:nvSpPr>
           <p:cNvPr id="3" name="日期占位符 2"/>
           <p:cNvSpPr>
-            <a:spLocks noGrp="true"/>
+            <a:spLocks noGrp="1"/>
           </p:cNvSpPr>
           <p:nvPr>
             <p:ph type="dt" sz="half" idx="10"/>
@@ -2355,6 +2354,7 @@
           <a:p>
             <a:fld id="{760FBDFE-C587-4B4C-A407-44438C67B59E}" type="datetimeFigureOut">
               <a:rPr lang="zh-CN" altLang="en-US" smtClean="0"/>
+              <a:t>2022/4/20</a:t>
             </a:fld>
             <a:endParaRPr lang="zh-CN" altLang="en-US"/>
           </a:p>
@@ -2364,7 +2364,7 @@
         <p:nvSpPr>
           <p:cNvPr id="4" name="页脚占位符 3"/>
           <p:cNvSpPr>
-            <a:spLocks noGrp="true"/>
+            <a:spLocks noGrp="1"/>
           </p:cNvSpPr>
           <p:nvPr>
             <p:ph type="ftr" sz="quarter" idx="11"/>
@@ -2383,7 +2383,7 @@
         <p:nvSpPr>
           <p:cNvPr id="5" name="灯片编号占位符 4"/>
           <p:cNvSpPr>
-            <a:spLocks noGrp="true"/>
+            <a:spLocks noGrp="1"/>
           </p:cNvSpPr>
           <p:nvPr>
             <p:ph type="sldNum" sz="quarter" idx="12"/>
@@ -2396,6 +2396,7 @@
           <a:p>
             <a:fld id="{49AE70B2-8BF9-45C0-BB95-33D1B9D3A854}" type="slidenum">
               <a:rPr lang="zh-CN" altLang="en-US" smtClean="0"/>
+              <a:t>‹#›</a:t>
             </a:fld>
             <a:endParaRPr lang="zh-CN" altLang="en-US"/>
           </a:p>
@@ -2430,7 +2431,7 @@
         <p:nvSpPr>
           <p:cNvPr id="2" name="日期占位符 1"/>
           <p:cNvSpPr>
-            <a:spLocks noGrp="true"/>
+            <a:spLocks noGrp="1"/>
           </p:cNvSpPr>
           <p:nvPr>
             <p:ph type="dt" sz="half" idx="10"/>
@@ -2443,6 +2444,7 @@
           <a:p>
             <a:fld id="{760FBDFE-C587-4B4C-A407-44438C67B59E}" type="datetimeFigureOut">
               <a:rPr lang="zh-CN" altLang="en-US" smtClean="0"/>
+              <a:t>2022/4/20</a:t>
             </a:fld>
             <a:endParaRPr lang="zh-CN" altLang="en-US"/>
           </a:p>
@@ -2452,7 +2454,7 @@
         <p:nvSpPr>
           <p:cNvPr id="3" name="页脚占位符 2"/>
           <p:cNvSpPr>
-            <a:spLocks noGrp="true"/>
+            <a:spLocks noGrp="1"/>
           </p:cNvSpPr>
           <p:nvPr>
             <p:ph type="ftr" sz="quarter" idx="11"/>
@@ -2471,7 +2473,7 @@
         <p:nvSpPr>
           <p:cNvPr id="4" name="灯片编号占位符 3"/>
           <p:cNvSpPr>
-            <a:spLocks noGrp="true"/>
+            <a:spLocks noGrp="1"/>
           </p:cNvSpPr>
           <p:nvPr>
             <p:ph type="sldNum" sz="quarter" idx="12"/>
@@ -2484,6 +2486,7 @@
           <a:p>
             <a:fld id="{49AE70B2-8BF9-45C0-BB95-33D1B9D3A854}" type="slidenum">
               <a:rPr lang="zh-CN" altLang="en-US" smtClean="0"/>
+              <a:t>‹#›</a:t>
             </a:fld>
             <a:endParaRPr lang="zh-CN" altLang="en-US"/>
           </a:p>
@@ -2518,10 +2521,10 @@
         <p:nvSpPr>
           <p:cNvPr id="2" name="标题 1"/>
           <p:cNvSpPr>
-            <a:spLocks noGrp="true"/>
+            <a:spLocks noGrp="1"/>
           </p:cNvSpPr>
           <p:nvPr>
-            <p:ph type="title" hasCustomPrompt="true"/>
+            <p:ph type="title" hasCustomPrompt="1"/>
           </p:nvPr>
         </p:nvSpPr>
         <p:spPr>
@@ -2531,7 +2534,7 @@
           </a:xfrm>
         </p:spPr>
         <p:txBody>
-          <a:bodyPr anchor="ctr" anchorCtr="false">
+          <a:bodyPr anchor="ctr" anchorCtr="0">
             <a:normAutofit/>
           </a:bodyPr>
           <a:lstStyle>
@@ -2552,7 +2555,6 @@
               <a:rPr lang="zh-CN" altLang="en-US" dirty="0"/>
               <a:t>单击此处编辑标题</a:t>
             </a:r>
-            <a:endParaRPr lang="zh-CN" altLang="en-US" dirty="0"/>
           </a:p>
         </p:txBody>
       </p:sp>
@@ -2560,7 +2562,7 @@
         <p:nvSpPr>
           <p:cNvPr id="3" name="图片占位符 2"/>
           <p:cNvSpPr>
-            <a:spLocks noGrp="true" noChangeAspect="true"/>
+            <a:spLocks noGrp="1" noChangeAspect="1"/>
           </p:cNvSpPr>
           <p:nvPr>
             <p:ph type="pic" idx="1"/>
@@ -2621,7 +2623,7 @@
         <p:nvSpPr>
           <p:cNvPr id="4" name="文本占位符 3"/>
           <p:cNvSpPr>
-            <a:spLocks noGrp="true"/>
+            <a:spLocks noGrp="1"/>
           </p:cNvSpPr>
           <p:nvPr>
             <p:ph type="body" sz="half" idx="2"/>
@@ -2684,7 +2686,6 @@
               <a:rPr lang="zh-CN" altLang="en-US" dirty="0"/>
               <a:t>单击此处编辑母版文本样式</a:t>
             </a:r>
-            <a:endParaRPr lang="zh-CN" altLang="en-US" dirty="0"/>
           </a:p>
         </p:txBody>
       </p:sp>
@@ -2692,7 +2693,7 @@
         <p:nvSpPr>
           <p:cNvPr id="5" name="日期占位符 4"/>
           <p:cNvSpPr>
-            <a:spLocks noGrp="true"/>
+            <a:spLocks noGrp="1"/>
           </p:cNvSpPr>
           <p:nvPr>
             <p:ph type="dt" sz="half" idx="10"/>
@@ -2705,6 +2706,7 @@
           <a:p>
             <a:fld id="{9EFD9D74-47D9-4702-A33C-335B63B48DBF}" type="datetimeFigureOut">
               <a:rPr lang="zh-CN" altLang="en-US" smtClean="0"/>
+              <a:t>2022/4/20</a:t>
             </a:fld>
             <a:endParaRPr lang="zh-CN" altLang="en-US" dirty="0"/>
           </a:p>
@@ -2714,7 +2716,7 @@
         <p:nvSpPr>
           <p:cNvPr id="6" name="页脚占位符 5"/>
           <p:cNvSpPr>
-            <a:spLocks noGrp="true"/>
+            <a:spLocks noGrp="1"/>
           </p:cNvSpPr>
           <p:nvPr>
             <p:ph type="ftr" sz="quarter" idx="11"/>
@@ -2733,7 +2735,7 @@
         <p:nvSpPr>
           <p:cNvPr id="7" name="灯片编号占位符 6"/>
           <p:cNvSpPr>
-            <a:spLocks noGrp="true"/>
+            <a:spLocks noGrp="1"/>
           </p:cNvSpPr>
           <p:nvPr>
             <p:ph type="sldNum" sz="quarter" idx="12"/>
@@ -2746,6 +2748,7 @@
           <a:p>
             <a:fld id="{FABC47A4-756D-490B-A52F-7D9E2C9FC05F}" type="slidenum">
               <a:rPr lang="zh-CN" altLang="en-US" smtClean="0"/>
+              <a:t>‹#›</a:t>
             </a:fld>
             <a:endParaRPr lang="zh-CN" altLang="en-US"/>
           </a:p>
@@ -2780,7 +2783,7 @@
         <p:nvSpPr>
           <p:cNvPr id="2" name="竖排标题 1"/>
           <p:cNvSpPr>
-            <a:spLocks noGrp="true"/>
+            <a:spLocks noGrp="1"/>
           </p:cNvSpPr>
           <p:nvPr>
             <p:ph type="title" orient="vert"/>
@@ -2806,7 +2809,6 @@
               <a:rPr lang="zh-CN" altLang="en-US"/>
               <a:t>单击此处编辑母版标题样式</a:t>
             </a:r>
-            <a:endParaRPr lang="zh-CN" altLang="en-US"/>
           </a:p>
         </p:txBody>
       </p:sp>
@@ -2814,7 +2816,7 @@
         <p:nvSpPr>
           <p:cNvPr id="3" name="竖排文字占位符 2"/>
           <p:cNvSpPr>
-            <a:spLocks noGrp="true"/>
+            <a:spLocks noGrp="1"/>
           </p:cNvSpPr>
           <p:nvPr>
             <p:ph type="body" orient="vert" idx="1"/>
@@ -2835,7 +2837,6 @@
               <a:rPr lang="zh-CN" altLang="en-US" dirty="0"/>
               <a:t>单击此处编辑母版文本样式</a:t>
             </a:r>
-            <a:endParaRPr lang="zh-CN" altLang="en-US" dirty="0"/>
           </a:p>
           <a:p>
             <a:pPr lvl="1"/>
@@ -2843,7 +2844,6 @@
               <a:rPr lang="zh-CN" altLang="en-US" dirty="0"/>
               <a:t>第二级</a:t>
             </a:r>
-            <a:endParaRPr lang="zh-CN" altLang="en-US" dirty="0"/>
           </a:p>
           <a:p>
             <a:pPr lvl="2"/>
@@ -2851,7 +2851,6 @@
               <a:rPr lang="zh-CN" altLang="en-US" dirty="0"/>
               <a:t>第三级</a:t>
             </a:r>
-            <a:endParaRPr lang="zh-CN" altLang="en-US" dirty="0"/>
           </a:p>
           <a:p>
             <a:pPr lvl="3"/>
@@ -2859,7 +2858,6 @@
               <a:rPr lang="zh-CN" altLang="en-US" dirty="0"/>
               <a:t>第四级</a:t>
             </a:r>
-            <a:endParaRPr lang="zh-CN" altLang="en-US" dirty="0"/>
           </a:p>
           <a:p>
             <a:pPr lvl="4"/>
@@ -2867,7 +2865,6 @@
               <a:rPr lang="zh-CN" altLang="en-US" dirty="0"/>
               <a:t>第五级</a:t>
             </a:r>
-            <a:endParaRPr lang="zh-CN" altLang="en-US" dirty="0"/>
           </a:p>
         </p:txBody>
       </p:sp>
@@ -2875,7 +2872,7 @@
         <p:nvSpPr>
           <p:cNvPr id="4" name="日期占位符 3"/>
           <p:cNvSpPr>
-            <a:spLocks noGrp="true"/>
+            <a:spLocks noGrp="1"/>
           </p:cNvSpPr>
           <p:nvPr>
             <p:ph type="dt" sz="half" idx="10"/>
@@ -2888,6 +2885,7 @@
           <a:p>
             <a:fld id="{760FBDFE-C587-4B4C-A407-44438C67B59E}" type="datetimeFigureOut">
               <a:rPr lang="zh-CN" altLang="en-US" smtClean="0"/>
+              <a:t>2022/4/20</a:t>
             </a:fld>
             <a:endParaRPr lang="zh-CN" altLang="en-US"/>
           </a:p>
@@ -2897,7 +2895,7 @@
         <p:nvSpPr>
           <p:cNvPr id="5" name="页脚占位符 4"/>
           <p:cNvSpPr>
-            <a:spLocks noGrp="true"/>
+            <a:spLocks noGrp="1"/>
           </p:cNvSpPr>
           <p:nvPr>
             <p:ph type="ftr" sz="quarter" idx="11"/>
@@ -2916,7 +2914,7 @@
         <p:nvSpPr>
           <p:cNvPr id="6" name="灯片编号占位符 5"/>
           <p:cNvSpPr>
-            <a:spLocks noGrp="true"/>
+            <a:spLocks noGrp="1"/>
           </p:cNvSpPr>
           <p:nvPr>
             <p:ph type="sldNum" sz="quarter" idx="12"/>
@@ -2929,6 +2927,7 @@
           <a:p>
             <a:fld id="{49AE70B2-8BF9-45C0-BB95-33D1B9D3A854}" type="slidenum">
               <a:rPr lang="zh-CN" altLang="en-US" smtClean="0"/>
+              <a:t>‹#›</a:t>
             </a:fld>
             <a:endParaRPr lang="zh-CN" altLang="en-US"/>
           </a:p>
@@ -2971,7 +2970,7 @@
         <p:nvSpPr>
           <p:cNvPr id="2" name="标题占位符 1"/>
           <p:cNvSpPr>
-            <a:spLocks noGrp="true"/>
+            <a:spLocks noGrp="1"/>
           </p:cNvSpPr>
           <p:nvPr>
             <p:ph type="title"/>
@@ -2996,7 +2995,6 @@
               <a:rPr lang="zh-CN" altLang="en-US" dirty="0"/>
               <a:t>单击此处编辑母版标题样式</a:t>
             </a:r>
-            <a:endParaRPr lang="zh-CN" altLang="en-US" dirty="0"/>
           </a:p>
         </p:txBody>
       </p:sp>
@@ -3004,7 +3002,7 @@
         <p:nvSpPr>
           <p:cNvPr id="3" name="文本占位符 2"/>
           <p:cNvSpPr>
-            <a:spLocks noGrp="true"/>
+            <a:spLocks noGrp="1"/>
           </p:cNvSpPr>
           <p:nvPr>
             <p:ph type="body" idx="1"/>
@@ -3030,7 +3028,6 @@
               <a:rPr lang="zh-CN" altLang="en-US" dirty="0"/>
               <a:t>单击此处编辑母版文本样式</a:t>
             </a:r>
-            <a:endParaRPr lang="zh-CN" altLang="en-US" dirty="0"/>
           </a:p>
           <a:p>
             <a:pPr lvl="1"/>
@@ -3038,7 +3035,6 @@
               <a:rPr lang="zh-CN" altLang="en-US" dirty="0"/>
               <a:t>第二级</a:t>
             </a:r>
-            <a:endParaRPr lang="zh-CN" altLang="en-US" dirty="0"/>
           </a:p>
           <a:p>
             <a:pPr lvl="2"/>
@@ -3046,7 +3042,6 @@
               <a:rPr lang="zh-CN" altLang="en-US" dirty="0"/>
               <a:t>第三级</a:t>
             </a:r>
-            <a:endParaRPr lang="zh-CN" altLang="en-US" dirty="0"/>
           </a:p>
           <a:p>
             <a:pPr lvl="3"/>
@@ -3054,7 +3049,6 @@
               <a:rPr lang="zh-CN" altLang="en-US" dirty="0"/>
               <a:t>第四级</a:t>
             </a:r>
-            <a:endParaRPr lang="zh-CN" altLang="en-US" dirty="0"/>
           </a:p>
           <a:p>
             <a:pPr lvl="4"/>
@@ -3062,7 +3056,6 @@
               <a:rPr lang="zh-CN" altLang="en-US" dirty="0"/>
               <a:t>第五级</a:t>
             </a:r>
-            <a:endParaRPr lang="zh-CN" altLang="en-US" dirty="0"/>
           </a:p>
         </p:txBody>
       </p:sp>
@@ -3070,7 +3063,7 @@
         <p:nvSpPr>
           <p:cNvPr id="4" name="日期占位符 3"/>
           <p:cNvSpPr>
-            <a:spLocks noGrp="true"/>
+            <a:spLocks noGrp="1"/>
           </p:cNvSpPr>
           <p:nvPr>
             <p:ph type="dt" sz="half" idx="2"/>
@@ -3103,6 +3096,7 @@
           <a:p>
             <a:fld id="{760FBDFE-C587-4B4C-A407-44438C67B59E}" type="datetimeFigureOut">
               <a:rPr lang="zh-CN" altLang="en-US" smtClean="0"/>
+              <a:t>2022/4/20</a:t>
             </a:fld>
             <a:endParaRPr lang="zh-CN" altLang="en-US"/>
           </a:p>
@@ -3112,7 +3106,7 @@
         <p:nvSpPr>
           <p:cNvPr id="5" name="页脚占位符 4"/>
           <p:cNvSpPr>
-            <a:spLocks noGrp="true"/>
+            <a:spLocks noGrp="1"/>
           </p:cNvSpPr>
           <p:nvPr>
             <p:ph type="ftr" sz="quarter" idx="3"/>
@@ -3151,7 +3145,7 @@
         <p:nvSpPr>
           <p:cNvPr id="6" name="灯片编号占位符 5"/>
           <p:cNvSpPr>
-            <a:spLocks noGrp="true"/>
+            <a:spLocks noGrp="1"/>
           </p:cNvSpPr>
           <p:nvPr>
             <p:ph type="sldNum" sz="quarter" idx="4"/>
@@ -3184,6 +3178,7 @@
           <a:p>
             <a:fld id="{49AE70B2-8BF9-45C0-BB95-33D1B9D3A854}" type="slidenum">
               <a:rPr lang="zh-CN" altLang="en-US" smtClean="0"/>
+              <a:t>‹#›</a:t>
             </a:fld>
             <a:endParaRPr lang="zh-CN" altLang="en-US"/>
           </a:p>
@@ -3496,12 +3491,19 @@
         <p:cNvGrpSpPr/>
         <p:nvPr/>
       </p:nvGrpSpPr>
-      <p:grpSpPr/>
+      <p:grpSpPr>
+        <a:xfrm>
+          <a:off x="0" y="0"/>
+          <a:ext cx="0" cy="0"/>
+          <a:chOff x="0" y="0"/>
+          <a:chExt cx="0" cy="0"/>
+        </a:xfrm>
+      </p:grpSpPr>
       <p:sp>
         <p:nvSpPr>
           <p:cNvPr id="2" name="标题 1"/>
           <p:cNvSpPr>
-            <a:spLocks noGrp="true"/>
+            <a:spLocks noGrp="1"/>
           </p:cNvSpPr>
           <p:nvPr>
             <p:ph type="title"/>
@@ -3509,63 +3511,357 @@
         </p:nvSpPr>
         <p:spPr>
           <a:xfrm>
-            <a:off x="940435" y="2345055"/>
-            <a:ext cx="10515600" cy="2766060"/>
+            <a:off x="792288" y="4719233"/>
+            <a:ext cx="10515600" cy="1799328"/>
           </a:xfrm>
         </p:spPr>
         <p:txBody>
           <a:bodyPr>
             <a:normAutofit/>
           </a:bodyPr>
-          <a:p>
-            <a:r>
-              <a:rPr lang="" altLang="zh-CN"/>
+          <a:lstStyle/>
+          <a:p>
+            <a:pPr>
+              <a:lnSpc>
+                <a:spcPct val="100000"/>
+              </a:lnSpc>
+            </a:pPr>
+            <a:r>
+              <a:rPr lang="" altLang="zh-CN" sz="2000" b="0">
+                <a:ln w="0"/>
+                <a:effectLst>
+                  <a:outerShdw blurRad="38100" dist="19050" dir="2700000" algn="tl" rotWithShape="0">
+                    <a:schemeClr val="dk1">
+                      <a:alpha val="40000"/>
+                    </a:schemeClr>
+                  </a:outerShdw>
+                </a:effectLst>
+              </a:rPr>
+              <a:t/>
+            </a:r>
+            <a:br>
+              <a:rPr lang="" altLang="zh-CN" sz="2000" b="0">
+                <a:ln w="0"/>
+                <a:effectLst>
+                  <a:outerShdw blurRad="38100" dist="19050" dir="2700000" algn="tl" rotWithShape="0">
+                    <a:schemeClr val="dk1">
+                      <a:alpha val="40000"/>
+                    </a:schemeClr>
+                  </a:outerShdw>
+                </a:effectLst>
+              </a:rPr>
+            </a:br>
+            <a:r>
+              <a:rPr lang="" altLang="zh-CN" sz="2000" b="0" smtClean="0">
+                <a:ln w="0"/>
+                <a:effectLst>
+                  <a:outerShdw blurRad="38100" dist="19050" dir="2700000" algn="tl" rotWithShape="0">
+                    <a:schemeClr val="dk1">
+                      <a:alpha val="40000"/>
+                    </a:schemeClr>
+                  </a:outerShdw>
+                </a:effectLst>
+              </a:rPr>
+              <a:t>[</a:t>
+            </a:r>
+            <a:r>
+              <a:rPr lang="" altLang="zh-CN" sz="2000" b="0">
+                <a:ln w="0"/>
+                <a:effectLst>
+                  <a:outerShdw blurRad="38100" dist="19050" dir="2700000" algn="tl" rotWithShape="0">
+                    <a:schemeClr val="dk1">
+                      <a:alpha val="40000"/>
+                    </a:schemeClr>
+                  </a:outerShdw>
+                </a:effectLst>
+              </a:rPr>
+              <a:t>1] </a:t>
+            </a:r>
+            <a:r>
+              <a:rPr lang="" altLang="zh-CN" sz="2000" b="0">
+                <a:ln w="0"/>
+                <a:effectLst>
+                  <a:outerShdw blurRad="38100" dist="19050" dir="2700000" algn="tl" rotWithShape="0">
+                    <a:schemeClr val="dk1">
+                      <a:alpha val="40000"/>
+                    </a:schemeClr>
+                  </a:outerShdw>
+                </a:effectLst>
+                <a:hlinkClick r:id="rId2"/>
+              </a:rPr>
+              <a:t>https://</a:t>
+            </a:r>
+            <a:r>
+              <a:rPr lang="" altLang="zh-CN" sz="2000" b="0" smtClean="0">
+                <a:ln w="0"/>
+                <a:effectLst>
+                  <a:outerShdw blurRad="38100" dist="19050" dir="2700000" algn="tl" rotWithShape="0">
+                    <a:schemeClr val="dk1">
+                      <a:alpha val="40000"/>
+                    </a:schemeClr>
+                  </a:outerShdw>
+                </a:effectLst>
+                <a:hlinkClick r:id="rId2"/>
+              </a:rPr>
+              <a:t>xiaohuiliu.medium.com/peer-to-peer-tokens-6508986d9593</a:t>
+            </a:r>
+            <a:r>
+              <a:rPr lang="" altLang="zh-CN" sz="2000" b="0" smtClean="0">
+                <a:ln w="0"/>
+                <a:effectLst>
+                  <a:outerShdw blurRad="38100" dist="19050" dir="2700000" algn="tl" rotWithShape="0">
+                    <a:schemeClr val="dk1">
+                      <a:alpha val="40000"/>
+                    </a:schemeClr>
+                  </a:outerShdw>
+                </a:effectLst>
+              </a:rPr>
+              <a:t/>
+            </a:r>
+            <a:br>
+              <a:rPr lang="" altLang="zh-CN" sz="2000" b="0" smtClean="0">
+                <a:ln w="0"/>
+                <a:effectLst>
+                  <a:outerShdw blurRad="38100" dist="19050" dir="2700000" algn="tl" rotWithShape="0">
+                    <a:schemeClr val="dk1">
+                      <a:alpha val="40000"/>
+                    </a:schemeClr>
+                  </a:outerShdw>
+                </a:effectLst>
+              </a:rPr>
+            </a:br>
+            <a:r>
+              <a:rPr lang="" altLang="zh-CN" sz="2000" b="0" smtClean="0">
+                <a:ln w="0"/>
+                <a:effectLst>
+                  <a:outerShdw blurRad="38100" dist="19050" dir="2700000" algn="tl" rotWithShape="0">
+                    <a:schemeClr val="dk1">
+                      <a:alpha val="40000"/>
+                    </a:schemeClr>
+                  </a:outerShdw>
+                </a:effectLst>
+              </a:rPr>
+              <a:t>[</a:t>
+            </a:r>
+            <a:r>
+              <a:rPr lang="" altLang="zh-CN" sz="2000" b="0">
+                <a:ln w="0"/>
+                <a:effectLst>
+                  <a:outerShdw blurRad="38100" dist="19050" dir="2700000" algn="tl" rotWithShape="0">
+                    <a:schemeClr val="dk1">
+                      <a:alpha val="40000"/>
+                    </a:schemeClr>
+                  </a:outerShdw>
+                </a:effectLst>
+              </a:rPr>
+              <a:t>2] </a:t>
+            </a:r>
+            <a:r>
+              <a:rPr lang="" altLang="zh-CN" sz="2000" b="0">
+                <a:ln w="0"/>
+                <a:effectLst>
+                  <a:outerShdw blurRad="38100" dist="19050" dir="2700000" algn="tl" rotWithShape="0">
+                    <a:schemeClr val="dk1">
+                      <a:alpha val="40000"/>
+                    </a:schemeClr>
+                  </a:outerShdw>
+                </a:effectLst>
+                <a:hlinkClick r:id="rId3"/>
+              </a:rPr>
+              <a:t>https://medium.com/@</a:t>
+            </a:r>
+            <a:r>
+              <a:rPr lang="" altLang="zh-CN" sz="2000" b="0" smtClean="0">
+                <a:ln w="0"/>
+                <a:effectLst>
+                  <a:outerShdw blurRad="38100" dist="19050" dir="2700000" algn="tl" rotWithShape="0">
+                    <a:schemeClr val="dk1">
+                      <a:alpha val="40000"/>
+                    </a:schemeClr>
+                  </a:outerShdw>
+                </a:effectLst>
+                <a:hlinkClick r:id="rId3"/>
+              </a:rPr>
+              <a:t>buildonbsv/back-to-genesis-simplest-explanation-7a9264ca6aed</a:t>
+            </a:r>
+            <a:r>
+              <a:rPr lang="" altLang="zh-CN" sz="2000" b="0" smtClean="0">
+                <a:ln w="0"/>
+                <a:effectLst>
+                  <a:outerShdw blurRad="38100" dist="19050" dir="2700000" algn="tl" rotWithShape="0">
+                    <a:schemeClr val="dk1">
+                      <a:alpha val="40000"/>
+                    </a:schemeClr>
+                  </a:outerShdw>
+                </a:effectLst>
+              </a:rPr>
+              <a:t/>
+            </a:r>
+            <a:br>
+              <a:rPr lang="" altLang="zh-CN" sz="2000" b="0" smtClean="0">
+                <a:ln w="0"/>
+                <a:effectLst>
+                  <a:outerShdw blurRad="38100" dist="19050" dir="2700000" algn="tl" rotWithShape="0">
+                    <a:schemeClr val="dk1">
+                      <a:alpha val="40000"/>
+                    </a:schemeClr>
+                  </a:outerShdw>
+                </a:effectLst>
+              </a:rPr>
+            </a:br>
+            <a:endParaRPr lang="" altLang="zh-CN" sz="2000" b="0">
+              <a:ln w="0"/>
+              <a:effectLst>
+                <a:outerShdw blurRad="38100" dist="19050" dir="2700000" algn="tl" rotWithShape="0">
+                  <a:schemeClr val="dk1">
+                    <a:alpha val="40000"/>
+                  </a:schemeClr>
+                </a:outerShdw>
+              </a:effectLst>
+            </a:endParaRPr>
+          </a:p>
+        </p:txBody>
+      </p:sp>
+      <p:sp>
+        <p:nvSpPr>
+          <p:cNvPr id="3" name="矩形 2"/>
+          <p:cNvSpPr/>
+          <p:nvPr/>
+        </p:nvSpPr>
+        <p:spPr>
+          <a:xfrm>
+            <a:off x="734519" y="1894792"/>
+            <a:ext cx="10283252" cy="2062103"/>
+          </a:xfrm>
+          <a:prstGeom prst="rect">
+            <a:avLst/>
+          </a:prstGeom>
+        </p:spPr>
+        <p:txBody>
+          <a:bodyPr wrap="square">
+            <a:spAutoFit/>
+          </a:bodyPr>
+          <a:lstStyle/>
+          <a:p>
+            <a:pPr algn="ctr"/>
+            <a:r>
+              <a:rPr lang="" altLang="zh-CN" sz="3200" b="1">
+                <a:solidFill>
+                  <a:srgbClr val="FF0000"/>
+                </a:solidFill>
+              </a:rPr>
               <a:t>How to solve “back to genesis” problem</a:t>
             </a:r>
             <a:r>
-              <a:rPr lang="en-US" altLang="zh-CN" baseline="30000">
+              <a:rPr lang="en-US" altLang="zh-CN" sz="3200" b="1" baseline="30000">
+                <a:solidFill>
+                  <a:srgbClr val="FF0000"/>
+                </a:solidFill>
                 <a:sym typeface="+mn-ea"/>
               </a:rPr>
               <a:t>[1</a:t>
             </a:r>
             <a:r>
-              <a:rPr lang="" altLang="en-US" baseline="30000">
+              <a:rPr lang="" altLang="en-US" sz="3200" b="1" baseline="30000">
+                <a:solidFill>
+                  <a:srgbClr val="FF0000"/>
+                </a:solidFill>
                 <a:sym typeface="+mn-ea"/>
               </a:rPr>
               <a:t>-2</a:t>
             </a:r>
             <a:r>
-              <a:rPr lang="en-US" altLang="zh-CN" baseline="30000">
+              <a:rPr lang="en-US" altLang="zh-CN" sz="3200" b="1" baseline="30000">
+                <a:solidFill>
+                  <a:srgbClr val="FF0000"/>
+                </a:solidFill>
                 <a:sym typeface="+mn-ea"/>
               </a:rPr>
               <a:t>]</a:t>
             </a:r>
             <a:r>
-              <a:rPr lang="" altLang="zh-CN"/>
-              <a:t> in L1 Token for BSV Blockchain</a:t>
+              <a:rPr lang="" altLang="zh-CN" sz="3200" b="1">
+                <a:solidFill>
+                  <a:srgbClr val="FF0000"/>
+                </a:solidFill>
+              </a:rPr>
+              <a:t> </a:t>
+            </a:r>
+            <a:r>
+              <a:rPr lang="en-US" altLang="zh-CN" sz="3200" b="1">
+                <a:solidFill>
+                  <a:srgbClr val="FF0000"/>
+                </a:solidFill>
+              </a:rPr>
+              <a:t>for</a:t>
+            </a:r>
+            <a:r>
+              <a:rPr lang="" altLang="zh-CN" sz="3200" b="1">
+                <a:solidFill>
+                  <a:srgbClr val="FF0000"/>
+                </a:solidFill>
+              </a:rPr>
+              <a:t> </a:t>
+            </a:r>
+            <a:endParaRPr lang="" altLang="zh-CN" sz="3200" b="1" smtClean="0">
+              <a:solidFill>
+                <a:srgbClr val="FF0000"/>
+              </a:solidFill>
+            </a:endParaRPr>
+          </a:p>
+          <a:p>
+            <a:pPr algn="ctr"/>
+            <a:r>
+              <a:rPr lang="" altLang="zh-CN" sz="3200" b="1" smtClean="0">
+                <a:solidFill>
+                  <a:srgbClr val="FF0000"/>
+                </a:solidFill>
+              </a:rPr>
+              <a:t>L1 </a:t>
+            </a:r>
+            <a:r>
+              <a:rPr lang="" altLang="zh-CN" sz="3200" b="1">
+                <a:solidFill>
+                  <a:srgbClr val="FF0000"/>
+                </a:solidFill>
+              </a:rPr>
+              <a:t>Token Contract in BSV Blockchain</a:t>
             </a:r>
             <a:br>
-              <a:rPr lang="" altLang="zh-CN"/>
+              <a:rPr lang="" altLang="zh-CN" sz="3200" b="1">
+                <a:solidFill>
+                  <a:srgbClr val="FF0000"/>
+                </a:solidFill>
+              </a:rPr>
             </a:br>
             <a:r>
-              <a:rPr lang="" altLang="zh-CN"/>
-              <a:t> </a:t>
+              <a:rPr lang="" altLang="zh-CN" sz="3200" b="1">
+                <a:solidFill>
+                  <a:srgbClr val="FF0000"/>
+                </a:solidFill>
+              </a:rPr>
+              <a:t/>
             </a:r>
             <a:br>
-              <a:rPr lang="" altLang="zh-CN"/>
+              <a:rPr lang="" altLang="zh-CN" sz="3200" b="1">
+                <a:solidFill>
+                  <a:srgbClr val="FF0000"/>
+                </a:solidFill>
+              </a:rPr>
             </a:br>
             <a:r>
-              <a:rPr lang="" altLang="zh-CN"/>
-              <a:t>[1] https://xiaohuiliu.medium.com/peer-to-peer-tokens-6508986d9593</a:t>
-            </a:r>
-            <a:br>
-              <a:rPr lang="" altLang="zh-CN"/>
-            </a:br>
-            <a:r>
-              <a:rPr lang="" altLang="zh-CN"/>
-              <a:t>[2] https://medium.com/@buildonbsv/back-to-genesis-simplest-explanation-7a9264ca6aed</a:t>
-            </a:r>
-            <a:endParaRPr lang="" altLang="zh-CN"/>
+              <a:rPr lang="" altLang="zh-CN" sz="3200" b="1" smtClean="0"/>
+              <a:t>Author</a:t>
+            </a:r>
+            <a:r>
+              <a:rPr lang="" altLang="zh-CN" sz="3200" b="1"/>
+              <a:t>: </a:t>
+            </a:r>
+            <a:r>
+              <a:rPr lang="" altLang="zh-CN" sz="3200" b="1" smtClean="0"/>
+              <a:t>ZWS</a:t>
+            </a:r>
+            <a:endParaRPr lang="zh-CN" altLang="en-US" sz="3200" b="1"/>
           </a:p>
         </p:txBody>
       </p:sp>
@@ -3586,38 +3882,128 @@
         <p:cNvGrpSpPr/>
         <p:nvPr/>
       </p:nvGrpSpPr>
-      <p:grpSpPr/>
+      <p:grpSpPr>
+        <a:xfrm>
+          <a:off x="0" y="0"/>
+          <a:ext cx="0" cy="0"/>
+          <a:chOff x="0" y="0"/>
+          <a:chExt cx="0" cy="0"/>
+        </a:xfrm>
+      </p:grpSpPr>
       <p:sp>
         <p:nvSpPr>
           <p:cNvPr id="2" name="标题 1"/>
           <p:cNvSpPr>
-            <a:spLocks noGrp="true"/>
+            <a:spLocks noGrp="1"/>
           </p:cNvSpPr>
           <p:nvPr>
             <p:ph type="title"/>
           </p:nvPr>
         </p:nvSpPr>
-        <p:spPr/>
-        <p:txBody>
-          <a:bodyPr/>
-          <a:p>
-            <a:r>
-              <a:rPr lang="zh-CN" altLang="en-US"/>
+        <p:spPr>
+          <a:xfrm>
+            <a:off x="4024185" y="90616"/>
+            <a:ext cx="4238367" cy="395416"/>
+          </a:xfrm>
+        </p:spPr>
+        <p:txBody>
+          <a:bodyPr>
+            <a:normAutofit/>
+          </a:bodyPr>
+          <a:lstStyle/>
+          <a:p>
+            <a:r>
+              <a:rPr lang="zh-CN" altLang="en-US" sz="1800">
+                <a:latin typeface="+mn-ea"/>
+                <a:ea typeface="+mn-ea"/>
+              </a:rPr>
               <a:t>问题之背景：</a:t>
             </a:r>
             <a:r>
-              <a:rPr lang="en-US" altLang="zh-CN"/>
+              <a:rPr lang="en-US" altLang="zh-CN" sz="1800">
+                <a:latin typeface="+mn-ea"/>
+                <a:ea typeface="+mn-ea"/>
+              </a:rPr>
               <a:t>preimage</a:t>
             </a:r>
             <a:r>
-              <a:rPr lang="zh-CN" altLang="en-US"/>
-              <a:t>构成，版本</a:t>
-            </a:r>
-            <a:r>
-              <a:rPr lang="en-US" altLang="zh-CN"/>
-              <a:t>1</a:t>
-            </a:r>
-            <a:endParaRPr lang="en-US" altLang="zh-CN"/>
+              <a:rPr lang="zh-CN" altLang="en-US" sz="1800">
+                <a:latin typeface="+mn-ea"/>
+                <a:ea typeface="+mn-ea"/>
+              </a:rPr>
+              <a:t>构</a:t>
+            </a:r>
+            <a:r>
+              <a:rPr lang="zh-CN" altLang="en-US" sz="1800" smtClean="0">
+                <a:latin typeface="+mn-ea"/>
+                <a:ea typeface="+mn-ea"/>
+              </a:rPr>
+              <a:t>成 </a:t>
+            </a:r>
+            <a:r>
+              <a:rPr lang="en-US" altLang="zh-CN" sz="1800" smtClean="0">
+                <a:effectLst>
+                  <a:outerShdw blurRad="38100" dist="19050" dir="2700000" algn="tl" rotWithShape="0">
+                    <a:schemeClr val="dk1">
+                      <a:alpha val="40000"/>
+                    </a:schemeClr>
+                  </a:outerShdw>
+                </a:effectLst>
+                <a:latin typeface="+mn-ea"/>
+                <a:ea typeface="+mn-ea"/>
+                <a:sym typeface="+mn-ea"/>
+              </a:rPr>
+              <a:t>(</a:t>
+            </a:r>
+            <a:r>
+              <a:rPr lang="zh-CN" altLang="en-US" sz="1800">
+                <a:effectLst>
+                  <a:outerShdw blurRad="38100" dist="19050" dir="2700000" algn="tl" rotWithShape="0">
+                    <a:schemeClr val="dk1">
+                      <a:alpha val="40000"/>
+                    </a:schemeClr>
+                  </a:outerShdw>
+                </a:effectLst>
+                <a:latin typeface="+mn-ea"/>
+                <a:ea typeface="+mn-ea"/>
+                <a:sym typeface="+mn-ea"/>
+              </a:rPr>
+              <a:t>版</a:t>
+            </a:r>
+            <a:r>
+              <a:rPr lang="zh-CN" altLang="en-US" sz="1800" smtClean="0">
+                <a:effectLst>
+                  <a:outerShdw blurRad="38100" dist="19050" dir="2700000" algn="tl" rotWithShape="0">
+                    <a:schemeClr val="dk1">
+                      <a:alpha val="40000"/>
+                    </a:schemeClr>
+                  </a:outerShdw>
+                </a:effectLst>
+                <a:latin typeface="+mn-ea"/>
+                <a:ea typeface="+mn-ea"/>
+                <a:sym typeface="+mn-ea"/>
+              </a:rPr>
+              <a:t>本</a:t>
+            </a:r>
+            <a:r>
+              <a:rPr lang="en-US" altLang="zh-CN" sz="1800" smtClean="0">
+                <a:effectLst>
+                  <a:outerShdw blurRad="38100" dist="19050" dir="2700000" algn="tl" rotWithShape="0">
+                    <a:schemeClr val="dk1">
+                      <a:alpha val="40000"/>
+                    </a:schemeClr>
+                  </a:outerShdw>
+                </a:effectLst>
+                <a:latin typeface="+mn-ea"/>
+                <a:ea typeface="+mn-ea"/>
+                <a:sym typeface="+mn-ea"/>
+              </a:rPr>
+              <a:t>1)</a:t>
+            </a:r>
+            <a:endParaRPr lang="en-US" altLang="zh-CN" sz="1800">
+              <a:latin typeface="+mn-ea"/>
+              <a:ea typeface="+mn-ea"/>
+            </a:endParaRPr>
           </a:p>
         </p:txBody>
       </p:sp>
@@ -3625,136 +4011,230 @@
         <p:nvSpPr>
           <p:cNvPr id="3" name="内容占位符 2"/>
           <p:cNvSpPr>
-            <a:spLocks noGrp="true"/>
+            <a:spLocks noGrp="1"/>
           </p:cNvSpPr>
           <p:nvPr>
             <p:ph idx="1"/>
           </p:nvPr>
         </p:nvSpPr>
-        <p:spPr/>
+        <p:spPr>
+          <a:xfrm>
+            <a:off x="2833817" y="1586727"/>
+            <a:ext cx="7224583" cy="4351338"/>
+          </a:xfrm>
+        </p:spPr>
         <p:txBody>
           <a:bodyPr>
-            <a:normAutofit fontScale="80000"/>
+            <a:normAutofit fontScale="80000" lnSpcReduction="20000"/>
           </a:bodyPr>
+          <a:lstStyle/>
           <a:p>
             <a:pPr marL="0" indent="0">
               <a:buNone/>
             </a:pPr>
             <a:r>
-              <a:rPr lang="zh-CN" altLang="en-US"/>
-              <a:t>交易版本 (4个字节）</a:t>
-            </a:r>
-            <a:endParaRPr lang="zh-CN" altLang="en-US"/>
+              <a:rPr lang="zh-CN" altLang="en-US" smtClean="0">
+                <a:solidFill>
+                  <a:schemeClr val="tx1"/>
+                </a:solidFill>
+              </a:rPr>
+              <a:t>交易签名验证所需要的</a:t>
+            </a:r>
+            <a:r>
+              <a:rPr lang="en-US" altLang="zh-CN" smtClean="0">
+                <a:solidFill>
+                  <a:schemeClr val="tx1"/>
+                </a:solidFill>
+              </a:rPr>
+              <a:t>preimage</a:t>
+            </a:r>
+            <a:r>
+              <a:rPr lang="zh-CN" altLang="en-US" smtClean="0">
+                <a:solidFill>
+                  <a:schemeClr val="tx1"/>
+                </a:solidFill>
+              </a:rPr>
+              <a:t>数据包括以下：</a:t>
+            </a:r>
+            <a:endParaRPr lang="en-US" altLang="zh-CN" smtClean="0">
+              <a:solidFill>
+                <a:schemeClr val="tx1"/>
+              </a:solidFill>
+            </a:endParaRPr>
           </a:p>
           <a:p>
             <a:pPr marL="0" indent="0">
               <a:buNone/>
             </a:pPr>
-            <a:r>
-              <a:rPr lang="zh-CN" altLang="en-US"/>
-              <a:t>hashPrevouts (输入outpoint的哈希32字节哈希)</a:t>
-            </a:r>
-            <a:endParaRPr lang="zh-CN" altLang="en-US"/>
+            <a:endParaRPr lang="en-US" altLang="zh-CN" smtClean="0">
+              <a:solidFill>
+                <a:schemeClr val="tx1"/>
+              </a:solidFill>
+            </a:endParaRPr>
           </a:p>
           <a:p>
             <a:pPr marL="0" indent="0">
               <a:buNone/>
             </a:pPr>
             <a:r>
-              <a:rPr lang="zh-CN" altLang="en-US"/>
-              <a:t>hashSequence (输入sequence的哈希32字节哈希)</a:t>
-            </a:r>
-            <a:endParaRPr lang="zh-CN" altLang="en-US"/>
+              <a:rPr lang="zh-CN" altLang="en-US" smtClean="0">
+                <a:solidFill>
+                  <a:schemeClr val="tx1"/>
+                </a:solidFill>
+              </a:rPr>
+              <a:t>交</a:t>
+            </a:r>
+            <a:r>
+              <a:rPr lang="zh-CN" altLang="en-US">
+                <a:solidFill>
+                  <a:schemeClr val="tx1"/>
+                </a:solidFill>
+              </a:rPr>
+              <a:t>易版本 (4个字节）</a:t>
+            </a:r>
           </a:p>
           <a:p>
             <a:pPr marL="0" indent="0">
               <a:buNone/>
             </a:pPr>
             <a:r>
-              <a:rPr lang="zh-CN" altLang="en-US"/>
-              <a:t>当前输入outpoint (32字节txid + 4字节位置)</a:t>
-            </a:r>
-            <a:endParaRPr lang="zh-CN" altLang="en-US"/>
+              <a:rPr lang="zh-CN" altLang="en-US">
+                <a:solidFill>
+                  <a:schemeClr val="tx1"/>
+                </a:solidFill>
+              </a:rPr>
+              <a:t>hashPrevouts (输入outpoint的哈希32字节哈希)</a:t>
+            </a:r>
           </a:p>
           <a:p>
             <a:pPr marL="0" indent="0">
               <a:buNone/>
             </a:pPr>
             <a:r>
-              <a:rPr lang="zh-CN" altLang="en-US"/>
-              <a:t>当前输入的锁定脚本（Varint格式)</a:t>
-            </a:r>
-            <a:endParaRPr lang="zh-CN" altLang="en-US"/>
+              <a:rPr lang="zh-CN" altLang="en-US">
+                <a:solidFill>
+                  <a:schemeClr val="tx1"/>
+                </a:solidFill>
+              </a:rPr>
+              <a:t>hashSequence (输入sequence的哈希32字节哈希)</a:t>
+            </a:r>
           </a:p>
           <a:p>
             <a:pPr marL="0" indent="0">
               <a:buNone/>
             </a:pPr>
             <a:r>
-              <a:rPr lang="zh-CN" altLang="en-US"/>
-              <a:t>从当前输入所花费的satoshi(8字节)</a:t>
-            </a:r>
-            <a:endParaRPr lang="zh-CN" altLang="en-US"/>
+              <a:rPr lang="zh-CN" altLang="en-US">
+                <a:solidFill>
+                  <a:schemeClr val="tx1"/>
+                </a:solidFill>
+              </a:rPr>
+              <a:t>当前输入outpoint (32字节txid + 4字节位置)</a:t>
+            </a:r>
           </a:p>
           <a:p>
             <a:pPr marL="0" indent="0">
               <a:buNone/>
             </a:pPr>
             <a:r>
-              <a:rPr lang="zh-CN" altLang="en-US"/>
-              <a:t>当前输入的 nSequence (4字节)</a:t>
-            </a:r>
-            <a:endParaRPr lang="zh-CN" altLang="en-US"/>
+              <a:rPr lang="zh-CN" altLang="en-US">
+                <a:solidFill>
+                  <a:schemeClr val="tx1"/>
+                </a:solidFill>
+              </a:rPr>
+              <a:t>当前输入的锁定脚本（Varint格式)</a:t>
+            </a:r>
           </a:p>
           <a:p>
             <a:pPr marL="0" indent="0">
               <a:buNone/>
             </a:pPr>
             <a:r>
-              <a:rPr lang="zh-CN" altLang="en-US"/>
-              <a:t>hashOutputs (输出的satoshi+输出脚本组合的32字节哈希)</a:t>
-            </a:r>
-            <a:endParaRPr lang="zh-CN" altLang="en-US"/>
+              <a:rPr lang="zh-CN" altLang="en-US">
+                <a:solidFill>
+                  <a:schemeClr val="tx1"/>
+                </a:solidFill>
+              </a:rPr>
+              <a:t>从当前输入所花费的satoshi(8字节)</a:t>
+            </a:r>
           </a:p>
           <a:p>
             <a:pPr marL="0" indent="0">
               <a:buNone/>
             </a:pPr>
             <a:r>
-              <a:rPr lang="zh-CN" altLang="en-US"/>
-              <a:t>交易的nLocktime (4字节）</a:t>
-            </a:r>
-            <a:endParaRPr lang="zh-CN" altLang="en-US"/>
+              <a:rPr lang="zh-CN" altLang="en-US">
+                <a:solidFill>
+                  <a:schemeClr val="tx1"/>
+                </a:solidFill>
+              </a:rPr>
+              <a:t>当前输入的 nSequence (4字节)</a:t>
+            </a:r>
           </a:p>
           <a:p>
             <a:pPr marL="0" indent="0">
               <a:buNone/>
             </a:pPr>
             <a:r>
-              <a:rPr lang="zh-CN" altLang="en-US"/>
-              <a:t>签名的类型(4字节)</a:t>
-            </a:r>
-            <a:endParaRPr lang="zh-CN" altLang="en-US"/>
+              <a:rPr lang="zh-CN" altLang="en-US">
+                <a:solidFill>
+                  <a:schemeClr val="tx1"/>
+                </a:solidFill>
+              </a:rPr>
+              <a:t>hashOutputs (输出的satoshi+输出脚本组合的32字节哈希)</a:t>
+            </a:r>
           </a:p>
           <a:p>
             <a:pPr marL="0" indent="0">
               <a:buNone/>
             </a:pPr>
             <a:r>
-              <a:rPr lang="zh-CN" altLang="en-US"/>
-              <a:t>————————————————</a:t>
-            </a:r>
-            <a:endParaRPr lang="zh-CN" altLang="en-US"/>
+              <a:rPr lang="zh-CN" altLang="en-US">
+                <a:solidFill>
+                  <a:schemeClr val="tx1"/>
+                </a:solidFill>
+              </a:rPr>
+              <a:t>交易的nLocktime (4字节）</a:t>
+            </a:r>
           </a:p>
           <a:p>
             <a:pPr marL="0" indent="0">
               <a:buNone/>
             </a:pPr>
             <a:r>
-              <a:rPr lang="zh-CN" altLang="en-US"/>
+              <a:rPr lang="zh-CN" altLang="en-US">
+                <a:solidFill>
+                  <a:schemeClr val="tx1"/>
+                </a:solidFill>
+              </a:rPr>
+              <a:t>签名的类型(4字节)</a:t>
+            </a:r>
+          </a:p>
+          <a:p>
+            <a:pPr marL="0" indent="0">
+              <a:buNone/>
+            </a:pPr>
+            <a:r>
+              <a:rPr lang="zh-CN" altLang="en-US">
+                <a:solidFill>
+                  <a:schemeClr val="tx1"/>
+                </a:solidFill>
+              </a:rPr>
+              <a:t>————————————————</a:t>
+            </a:r>
+          </a:p>
+          <a:p>
+            <a:pPr marL="0" indent="0">
+              <a:buNone/>
+            </a:pPr>
+            <a:r>
+              <a:rPr lang="zh-CN" altLang="en-US">
+                <a:solidFill>
+                  <a:schemeClr val="tx1"/>
+                </a:solidFill>
+              </a:rPr>
               <a:t>原文链接：https://blog.csdn.net/weixin_47461167/article/details/108409290</a:t>
             </a:r>
-            <a:endParaRPr lang="zh-CN" altLang="en-US"/>
           </a:p>
         </p:txBody>
       </p:sp>
@@ -3787,12 +4267,12 @@
         <p:nvPicPr>
           <p:cNvPr id="4" name="图片 3"/>
           <p:cNvPicPr>
-            <a:picLocks noChangeAspect="true"/>
+            <a:picLocks noChangeAspect="1"/>
           </p:cNvPicPr>
           <p:nvPr/>
         </p:nvPicPr>
         <p:blipFill>
-          <a:blip r:embed="rId1"/>
+          <a:blip r:embed="rId2"/>
           <a:stretch>
             <a:fillRect/>
           </a:stretch>
@@ -3810,7 +4290,7 @@
       <p:sp>
         <p:nvSpPr>
           <p:cNvPr id="5" name="文本框 4"/>
-          <p:cNvSpPr txBox="true"/>
+          <p:cNvSpPr txBox="1"/>
           <p:nvPr/>
         </p:nvSpPr>
         <p:spPr>
@@ -3987,20 +4467,6 @@
               </a:rPr>
               <a:t>对应关系</a:t>
             </a:r>
-            <a:endParaRPr lang="zh-CN" altLang="en-US" b="1">
-              <a:solidFill>
-                <a:schemeClr val="tx1"/>
-              </a:solidFill>
-              <a:effectLst>
-                <a:outerShdw blurRad="38100" dist="19050" dir="2700000" algn="tl" rotWithShape="0">
-                  <a:schemeClr val="dk1">
-                    <a:alpha val="40000"/>
-                  </a:schemeClr>
-                </a:outerShdw>
-              </a:effectLst>
-              <a:latin typeface="微软雅黑" panose="020B0503020204020204" pitchFamily="34" charset="-122"/>
-              <a:ea typeface="微软雅黑" panose="020B0503020204020204" pitchFamily="34" charset="-122"/>
-            </a:endParaRPr>
           </a:p>
         </p:txBody>
       </p:sp>
@@ -4048,13 +4514,6 @@
               </a:rPr>
               <a:t>1. nVersion</a:t>
             </a:r>
-            <a:endParaRPr lang="en-US" altLang="zh-CN" sz="1200" b="1">
-              <a:solidFill>
-                <a:schemeClr val="tx1"/>
-              </a:solidFill>
-              <a:latin typeface="微软雅黑 Light" panose="020B0502040204020203" pitchFamily="34" charset="-122"/>
-              <a:ea typeface="微软雅黑 Light" panose="020B0502040204020203" pitchFamily="34" charset="-122"/>
-            </a:endParaRPr>
           </a:p>
         </p:txBody>
       </p:sp>
@@ -4079,7 +4538,7 @@
             <p:nvPr/>
           </p:nvSpPr>
           <p:spPr>
-            <a:xfrm flipH="true">
+            <a:xfrm flipH="1">
               <a:off x="3567" y="3324"/>
               <a:ext cx="277" cy="763"/>
             </a:xfrm>
@@ -4161,13 +4620,6 @@
                 </a:rPr>
                 <a:t>2. hashPrevouts</a:t>
               </a:r>
-              <a:endParaRPr lang="en-US" altLang="zh-CN" sz="1200" b="1">
-                <a:solidFill>
-                  <a:schemeClr val="tx1"/>
-                </a:solidFill>
-                <a:latin typeface="微软雅黑 Light" panose="020B0502040204020203" pitchFamily="34" charset="-122"/>
-                <a:ea typeface="微软雅黑 Light" panose="020B0502040204020203" pitchFamily="34" charset="-122"/>
-              </a:endParaRPr>
             </a:p>
           </p:txBody>
         </p:sp>
@@ -4275,13 +4727,6 @@
                 </a:rPr>
                 <a:t>4. outpoint</a:t>
               </a:r>
-              <a:endParaRPr lang="en-US" altLang="zh-CN" sz="1200" b="1">
-                <a:solidFill>
-                  <a:schemeClr val="tx1"/>
-                </a:solidFill>
-                <a:latin typeface="微软雅黑 Light" panose="020B0502040204020203" pitchFamily="34" charset="-122"/>
-                <a:ea typeface="微软雅黑 Light" panose="020B0502040204020203" pitchFamily="34" charset="-122"/>
-              </a:endParaRPr>
             </a:p>
           </p:txBody>
         </p:sp>
@@ -4423,13 +4868,6 @@
               </a:rPr>
               <a:t>5. scriptCode</a:t>
             </a:r>
-            <a:endParaRPr lang="en-US" altLang="zh-CN" sz="1200" b="1">
-              <a:solidFill>
-                <a:schemeClr val="tx1"/>
-              </a:solidFill>
-              <a:latin typeface="微软雅黑 Light" panose="020B0502040204020203" pitchFamily="34" charset="-122"/>
-              <a:ea typeface="微软雅黑 Light" panose="020B0502040204020203" pitchFamily="34" charset="-122"/>
-            </a:endParaRPr>
           </a:p>
         </p:txBody>
       </p:sp>
@@ -4520,13 +4958,6 @@
               </a:rPr>
               <a:t>Lock Script</a:t>
             </a:r>
-            <a:endParaRPr lang="en-US" altLang="zh-CN" sz="1200" b="1">
-              <a:solidFill>
-                <a:schemeClr val="tx1"/>
-              </a:solidFill>
-              <a:latin typeface="微软雅黑 Light" panose="020B0502040204020203" pitchFamily="34" charset="-122"/>
-              <a:ea typeface="微软雅黑 Light" panose="020B0502040204020203" pitchFamily="34" charset="-122"/>
-            </a:endParaRPr>
           </a:p>
         </p:txBody>
       </p:sp>
@@ -4537,7 +4968,7 @@
           <p:nvPr/>
         </p:nvSpPr>
         <p:spPr>
-          <a:xfrm rot="16200000" flipH="true">
+          <a:xfrm rot="16200000" flipH="1">
             <a:off x="11022965" y="2540635"/>
             <a:ext cx="156210" cy="152400"/>
           </a:xfrm>
@@ -4617,13 +5048,6 @@
               </a:rPr>
               <a:t>balance</a:t>
             </a:r>
-            <a:endParaRPr lang="en-US" altLang="zh-CN" sz="1200" b="1">
-              <a:solidFill>
-                <a:schemeClr val="tx1"/>
-              </a:solidFill>
-              <a:latin typeface="微软雅黑 Light" panose="020B0502040204020203" pitchFamily="34" charset="-122"/>
-              <a:ea typeface="微软雅黑 Light" panose="020B0502040204020203" pitchFamily="34" charset="-122"/>
-            </a:endParaRPr>
           </a:p>
         </p:txBody>
       </p:sp>
@@ -4634,7 +5058,7 @@
           <p:nvPr/>
         </p:nvSpPr>
         <p:spPr>
-          <a:xfrm rot="16200000" flipH="true">
+          <a:xfrm rot="16200000" flipH="1">
             <a:off x="11016615" y="3010535"/>
             <a:ext cx="156210" cy="152400"/>
           </a:xfrm>
@@ -4714,13 +5138,6 @@
               </a:rPr>
               <a:t>6. value spent</a:t>
             </a:r>
-            <a:endParaRPr lang="en-US" altLang="zh-CN" sz="1200" b="1">
-              <a:solidFill>
-                <a:schemeClr val="tx1"/>
-              </a:solidFill>
-              <a:latin typeface="微软雅黑 Light" panose="020B0502040204020203" pitchFamily="34" charset="-122"/>
-              <a:ea typeface="微软雅黑 Light" panose="020B0502040204020203" pitchFamily="34" charset="-122"/>
-            </a:endParaRPr>
           </a:p>
         </p:txBody>
       </p:sp>
@@ -4896,7 +5313,7 @@
             <p:nvPr/>
           </p:nvSpPr>
           <p:spPr>
-            <a:xfrm flipH="true">
+            <a:xfrm flipH="1">
               <a:off x="3579" y="3348"/>
               <a:ext cx="265" cy="693"/>
             </a:xfrm>
@@ -4978,13 +5395,6 @@
                 </a:rPr>
                 <a:t>8. hashOutputs</a:t>
               </a:r>
-              <a:endParaRPr lang="en-US" altLang="zh-CN" sz="1200" b="1">
-                <a:solidFill>
-                  <a:schemeClr val="tx1"/>
-                </a:solidFill>
-                <a:latin typeface="微软雅黑 Light" panose="020B0502040204020203" pitchFamily="34" charset="-122"/>
-                <a:ea typeface="微软雅黑 Light" panose="020B0502040204020203" pitchFamily="34" charset="-122"/>
-              </a:endParaRPr>
             </a:p>
           </p:txBody>
         </p:sp>
@@ -5067,13 +5477,6 @@
                 </a:rPr>
                 <a:t>nLocktime</a:t>
               </a:r>
-              <a:endParaRPr lang="en-US" altLang="zh-CN" sz="1200" b="1">
-                <a:solidFill>
-                  <a:schemeClr val="tx1"/>
-                </a:solidFill>
-                <a:latin typeface="微软雅黑 Light" panose="020B0502040204020203" pitchFamily="34" charset="-122"/>
-                <a:ea typeface="微软雅黑 Light" panose="020B0502040204020203" pitchFamily="34" charset="-122"/>
-              </a:endParaRPr>
             </a:p>
           </p:txBody>
         </p:sp>
@@ -5128,7 +5531,7 @@
           <p:nvPr/>
         </p:nvSpPr>
         <p:spPr>
-          <a:xfrm flipH="true">
+          <a:xfrm flipH="1">
             <a:off x="2183130" y="3384550"/>
             <a:ext cx="400050" cy="142875"/>
           </a:xfrm>
@@ -5171,7 +5574,7 @@
           <p:nvPr/>
         </p:nvSpPr>
         <p:spPr>
-          <a:xfrm flipH="true">
+          <a:xfrm flipH="1">
             <a:off x="2195830" y="2111375"/>
             <a:ext cx="387350" cy="142875"/>
           </a:xfrm>
@@ -5214,7 +5617,7 @@
           <p:nvPr/>
         </p:nvSpPr>
         <p:spPr>
-          <a:xfrm flipH="true">
+          <a:xfrm flipH="1">
             <a:off x="2199005" y="2428875"/>
             <a:ext cx="384810" cy="142875"/>
           </a:xfrm>
@@ -5257,7 +5660,7 @@
           <p:nvPr/>
         </p:nvSpPr>
         <p:spPr>
-          <a:xfrm flipH="true">
+          <a:xfrm flipH="1">
             <a:off x="2036444" y="3307133"/>
             <a:ext cx="156846" cy="307736"/>
           </a:xfrm>
@@ -5349,13 +5752,6 @@
               </a:rPr>
               <a:t>signhash</a:t>
             </a:r>
-            <a:endParaRPr lang="en-US" altLang="zh-CN" sz="1200" b="1">
-              <a:solidFill>
-                <a:schemeClr val="tx1"/>
-              </a:solidFill>
-              <a:latin typeface="微软雅黑 Light" panose="020B0502040204020203" pitchFamily="34" charset="-122"/>
-              <a:ea typeface="微软雅黑 Light" panose="020B0502040204020203" pitchFamily="34" charset="-122"/>
-            </a:endParaRPr>
           </a:p>
         </p:txBody>
       </p:sp>
@@ -5366,7 +5762,7 @@
           <p:nvPr/>
         </p:nvSpPr>
         <p:spPr>
-          <a:xfrm rot="720000" flipV="true">
+          <a:xfrm rot="720000" flipV="1">
             <a:off x="7512050" y="3409950"/>
             <a:ext cx="3170555" cy="77470"/>
           </a:xfrm>
@@ -5453,13 +5849,6 @@
               </a:rPr>
               <a:t>tail of signature</a:t>
             </a:r>
-            <a:endParaRPr lang="en-US" altLang="zh-CN" sz="1200" b="1">
-              <a:solidFill>
-                <a:schemeClr val="tx1"/>
-              </a:solidFill>
-              <a:latin typeface="微软雅黑 Light" panose="020B0502040204020203" pitchFamily="34" charset="-122"/>
-              <a:ea typeface="微软雅黑 Light" panose="020B0502040204020203" pitchFamily="34" charset="-122"/>
-            </a:endParaRPr>
           </a:p>
         </p:txBody>
       </p:sp>
@@ -5470,7 +5859,7 @@
           <p:nvPr/>
         </p:nvSpPr>
         <p:spPr>
-          <a:xfrm rot="16200000" flipH="true">
+          <a:xfrm rot="16200000" flipH="1">
             <a:off x="11034395" y="4039235"/>
             <a:ext cx="156210" cy="152400"/>
           </a:xfrm>
@@ -5551,14 +5940,6 @@
               </a:rPr>
               <a:t>Key Size</a:t>
             </a:r>
-            <a:endParaRPr lang="en-US" altLang="zh-CN" sz="1200" b="1">
-              <a:solidFill>
-                <a:srgbClr val="00B050"/>
-              </a:solidFill>
-              <a:latin typeface="微软雅黑 Light" panose="020B0502040204020203" pitchFamily="34" charset="-122"/>
-              <a:ea typeface="微软雅黑 Light" panose="020B0502040204020203" pitchFamily="34" charset="-122"/>
-              <a:cs typeface="DejaVu Sans" panose="020B0603030804020204" charset="0"/>
-            </a:endParaRPr>
           </a:p>
         </p:txBody>
       </p:sp>
@@ -5607,14 +5988,6 @@
               </a:rPr>
               <a:t>Key</a:t>
             </a:r>
-            <a:endParaRPr lang="en-US" altLang="zh-CN" sz="1200" b="1">
-              <a:solidFill>
-                <a:srgbClr val="00B050"/>
-              </a:solidFill>
-              <a:latin typeface="微软雅黑 Light" panose="020B0502040204020203" pitchFamily="34" charset="-122"/>
-              <a:ea typeface="微软雅黑 Light" panose="020B0502040204020203" pitchFamily="34" charset="-122"/>
-              <a:cs typeface="DejaVu Sans" panose="020B0603030804020204" charset="0"/>
-            </a:endParaRPr>
           </a:p>
         </p:txBody>
       </p:sp>
@@ -5663,14 +6036,6 @@
               </a:rPr>
               <a:t>Lock Size</a:t>
             </a:r>
-            <a:endParaRPr lang="en-US" altLang="en-US" sz="1200" b="1">
-              <a:solidFill>
-                <a:srgbClr val="00B050"/>
-              </a:solidFill>
-              <a:latin typeface="微软雅黑 Light" panose="020B0502040204020203" pitchFamily="34" charset="-122"/>
-              <a:ea typeface="微软雅黑 Light" panose="020B0502040204020203" pitchFamily="34" charset="-122"/>
-              <a:cs typeface="DejaVu Sans" panose="020B0603030804020204" charset="0"/>
-            </a:endParaRPr>
           </a:p>
         </p:txBody>
       </p:sp>
@@ -5719,14 +6084,6 @@
               </a:rPr>
               <a:t>Lock</a:t>
             </a:r>
-            <a:endParaRPr lang="en-US" altLang="en-US" sz="1200" b="1">
-              <a:solidFill>
-                <a:srgbClr val="00B050"/>
-              </a:solidFill>
-              <a:latin typeface="微软雅黑 Light" panose="020B0502040204020203" pitchFamily="34" charset="-122"/>
-              <a:ea typeface="微软雅黑 Light" panose="020B0502040204020203" pitchFamily="34" charset="-122"/>
-              <a:cs typeface="DejaVu Sans" panose="020B0603030804020204" charset="0"/>
-            </a:endParaRPr>
           </a:p>
         </p:txBody>
       </p:sp>
@@ -5775,14 +6132,6 @@
               </a:rPr>
               <a:t>Amount</a:t>
             </a:r>
-            <a:endParaRPr lang="en-US" altLang="en-US" sz="1200" b="1">
-              <a:solidFill>
-                <a:srgbClr val="00B050"/>
-              </a:solidFill>
-              <a:latin typeface="微软雅黑 Light" panose="020B0502040204020203" pitchFamily="34" charset="-122"/>
-              <a:ea typeface="微软雅黑 Light" panose="020B0502040204020203" pitchFamily="34" charset="-122"/>
-              <a:cs typeface="DejaVu Sans" panose="020B0603030804020204" charset="0"/>
-            </a:endParaRPr>
           </a:p>
         </p:txBody>
       </p:sp>
@@ -5830,20 +6179,13 @@
               </a:rPr>
               <a:t>3. hashSequence</a:t>
             </a:r>
-            <a:endParaRPr lang="en-US" altLang="zh-CN" sz="1200" b="1">
-              <a:solidFill>
-                <a:schemeClr val="tx1"/>
-              </a:solidFill>
-              <a:latin typeface="微软雅黑 Light" panose="020B0502040204020203" pitchFamily="34" charset="-122"/>
-              <a:ea typeface="微软雅黑 Light" panose="020B0502040204020203" pitchFamily="34" charset="-122"/>
-            </a:endParaRPr>
           </a:p>
         </p:txBody>
       </p:sp>
       <p:sp>
         <p:nvSpPr>
           <p:cNvPr id="17" name="文本框 16"/>
-          <p:cNvSpPr txBox="true"/>
+          <p:cNvSpPr txBox="1"/>
           <p:nvPr/>
         </p:nvSpPr>
         <p:spPr>
@@ -5885,13 +6227,13 @@
       <p:sp>
         <p:nvSpPr>
           <p:cNvPr id="10" name="文本框 9"/>
-          <p:cNvSpPr txBox="true"/>
+          <p:cNvSpPr txBox="1"/>
           <p:nvPr/>
         </p:nvSpPr>
         <p:spPr>
           <a:xfrm>
-            <a:off x="1050925" y="22860"/>
-            <a:ext cx="3733165" cy="368300"/>
+            <a:off x="3848064" y="0"/>
+            <a:ext cx="3881191" cy="369332"/>
           </a:xfrm>
           <a:prstGeom prst="rect">
             <a:avLst/>
@@ -5906,6 +6248,7 @@
               <a:lightRig rig="threePt" dir="t"/>
             </a:scene3d>
           </a:bodyPr>
+          <a:lstStyle/>
           <a:p>
             <a:r>
               <a:rPr lang="zh-CN" altLang="en-US" b="1">
@@ -5956,10 +6299,10 @@
                 </a:effectLst>
                 <a:sym typeface="+mn-ea"/>
               </a:rPr>
-              <a:t>构成，版本</a:t>
-            </a:r>
-            <a:r>
-              <a:rPr lang="en-US" altLang="zh-CN" b="1">
+              <a:t>构</a:t>
+            </a:r>
+            <a:r>
+              <a:rPr lang="zh-CN" altLang="en-US" b="1" smtClean="0">
                 <a:ln/>
                 <a:solidFill>
                   <a:schemeClr val="tx1"/>
@@ -5973,7 +6316,59 @@
                 </a:effectLst>
                 <a:sym typeface="+mn-ea"/>
               </a:rPr>
-              <a:t>2</a:t>
+              <a:t>成 </a:t>
+            </a:r>
+            <a:r>
+              <a:rPr lang="en-US" altLang="zh-CN" b="1" smtClean="0">
+                <a:effectLst>
+                  <a:outerShdw blurRad="38100" dist="19050" dir="2700000" algn="tl" rotWithShape="0">
+                    <a:schemeClr val="dk1">
+                      <a:alpha val="40000"/>
+                    </a:schemeClr>
+                  </a:outerShdw>
+                </a:effectLst>
+                <a:sym typeface="+mn-ea"/>
+              </a:rPr>
+              <a:t>(</a:t>
+            </a:r>
+            <a:r>
+              <a:rPr lang="zh-CN" altLang="en-US" b="1">
+                <a:effectLst>
+                  <a:outerShdw blurRad="38100" dist="19050" dir="2700000" algn="tl" rotWithShape="0">
+                    <a:schemeClr val="dk1">
+                      <a:alpha val="40000"/>
+                    </a:schemeClr>
+                  </a:outerShdw>
+                </a:effectLst>
+                <a:sym typeface="+mn-ea"/>
+              </a:rPr>
+              <a:t>版</a:t>
+            </a:r>
+            <a:r>
+              <a:rPr lang="zh-CN" altLang="en-US" b="1" smtClean="0">
+                <a:effectLst>
+                  <a:outerShdw blurRad="38100" dist="19050" dir="2700000" algn="tl" rotWithShape="0">
+                    <a:schemeClr val="dk1">
+                      <a:alpha val="40000"/>
+                    </a:schemeClr>
+                  </a:outerShdw>
+                </a:effectLst>
+                <a:sym typeface="+mn-ea"/>
+              </a:rPr>
+              <a:t>本</a:t>
+            </a:r>
+            <a:r>
+              <a:rPr lang="en-US" altLang="zh-CN" b="1" smtClean="0">
+                <a:effectLst>
+                  <a:outerShdw blurRad="38100" dist="19050" dir="2700000" algn="tl" rotWithShape="0">
+                    <a:schemeClr val="dk1">
+                      <a:alpha val="40000"/>
+                    </a:schemeClr>
+                  </a:outerShdw>
+                </a:effectLst>
+                <a:sym typeface="+mn-ea"/>
+              </a:rPr>
+              <a:t>2)</a:t>
             </a:r>
             <a:endParaRPr lang="en-US" altLang="zh-CN" b="1">
               <a:ln/>
@@ -6009,24 +6404,31 @@
         <p:cNvGrpSpPr/>
         <p:nvPr/>
       </p:nvGrpSpPr>
-      <p:grpSpPr/>
+      <p:grpSpPr>
+        <a:xfrm>
+          <a:off x="0" y="0"/>
+          <a:ext cx="0" cy="0"/>
+          <a:chOff x="0" y="0"/>
+          <a:chExt cx="0" cy="0"/>
+        </a:xfrm>
+      </p:grpSpPr>
       <p:pic>
         <p:nvPicPr>
           <p:cNvPr id="4" name="图片 3"/>
           <p:cNvPicPr>
-            <a:picLocks noChangeAspect="true"/>
+            <a:picLocks noChangeAspect="1"/>
           </p:cNvPicPr>
           <p:nvPr/>
         </p:nvPicPr>
         <p:blipFill>
-          <a:blip r:embed="rId1"/>
+          <a:blip r:embed="rId2"/>
           <a:stretch>
             <a:fillRect/>
           </a:stretch>
         </p:blipFill>
         <p:spPr>
           <a:xfrm>
-            <a:off x="1870710" y="709295"/>
+            <a:off x="1870710" y="799911"/>
             <a:ext cx="4060825" cy="5728970"/>
           </a:xfrm>
           <a:prstGeom prst="rect">
@@ -6038,12 +6440,12 @@
         <p:nvPicPr>
           <p:cNvPr id="5" name="图片 4"/>
           <p:cNvPicPr>
-            <a:picLocks noChangeAspect="true"/>
+            <a:picLocks noChangeAspect="1"/>
           </p:cNvPicPr>
           <p:nvPr/>
         </p:nvPicPr>
         <p:blipFill>
-          <a:blip r:embed="rId2"/>
+          <a:blip r:embed="rId3"/>
           <a:stretch>
             <a:fillRect/>
           </a:stretch>
@@ -6061,13 +6463,13 @@
       <p:sp>
         <p:nvSpPr>
           <p:cNvPr id="10" name="文本框 9"/>
-          <p:cNvSpPr txBox="true"/>
+          <p:cNvSpPr txBox="1"/>
           <p:nvPr/>
         </p:nvSpPr>
         <p:spPr>
           <a:xfrm>
-            <a:off x="1050925" y="22860"/>
-            <a:ext cx="3733165" cy="368300"/>
+            <a:off x="4140114" y="88761"/>
+            <a:ext cx="3881191" cy="369332"/>
           </a:xfrm>
           <a:prstGeom prst="rect">
             <a:avLst/>
@@ -6082,6 +6484,7 @@
               <a:lightRig rig="threePt" dir="t"/>
             </a:scene3d>
           </a:bodyPr>
+          <a:lstStyle/>
           <a:p>
             <a:r>
               <a:rPr lang="zh-CN" altLang="en-US" b="1">
@@ -6129,10 +6532,10 @@
                 </a:effectLst>
                 <a:sym typeface="+mn-ea"/>
               </a:rPr>
-              <a:t>构成，版本</a:t>
-            </a:r>
-            <a:r>
-              <a:rPr lang="en-US" altLang="zh-CN" b="1">
+              <a:t>构</a:t>
+            </a:r>
+            <a:r>
+              <a:rPr lang="zh-CN" altLang="en-US" b="1" smtClean="0">
                 <a:solidFill>
                   <a:schemeClr val="tx1"/>
                 </a:solidFill>
@@ -6145,7 +6548,49 @@
                 </a:effectLst>
                 <a:sym typeface="+mn-ea"/>
               </a:rPr>
-              <a:t>3</a:t>
+              <a:t>成 </a:t>
+            </a:r>
+            <a:r>
+              <a:rPr lang="en-US" altLang="zh-CN" b="1" smtClean="0">
+                <a:solidFill>
+                  <a:schemeClr val="tx1"/>
+                </a:solidFill>
+                <a:effectLst>
+                  <a:outerShdw blurRad="38100" dist="19050" dir="2700000" algn="tl" rotWithShape="0">
+                    <a:schemeClr val="dk1">
+                      <a:alpha val="40000"/>
+                    </a:schemeClr>
+                  </a:outerShdw>
+                </a:effectLst>
+                <a:sym typeface="+mn-ea"/>
+              </a:rPr>
+              <a:t>(</a:t>
+            </a:r>
+            <a:r>
+              <a:rPr lang="zh-CN" altLang="en-US" b="1">
+                <a:effectLst>
+                  <a:outerShdw blurRad="38100" dist="19050" dir="2700000" algn="tl" rotWithShape="0">
+                    <a:schemeClr val="dk1">
+                      <a:alpha val="40000"/>
+                    </a:schemeClr>
+                  </a:outerShdw>
+                </a:effectLst>
+                <a:sym typeface="+mn-ea"/>
+              </a:rPr>
+              <a:t>版本</a:t>
+            </a:r>
+            <a:r>
+              <a:rPr lang="en-US" altLang="zh-CN" b="1">
+                <a:effectLst>
+                  <a:outerShdw blurRad="38100" dist="19050" dir="2700000" algn="tl" rotWithShape="0">
+                    <a:schemeClr val="dk1">
+                      <a:alpha val="40000"/>
+                    </a:schemeClr>
+                  </a:outerShdw>
+                </a:effectLst>
+                <a:sym typeface="+mn-ea"/>
+              </a:rPr>
+              <a:t>3)</a:t>
             </a:r>
             <a:endParaRPr lang="en-US" altLang="zh-CN" b="1">
               <a:solidFill>
@@ -6180,20 +6625,33 @@
         <p:cNvGrpSpPr/>
         <p:nvPr/>
       </p:nvGrpSpPr>
-      <p:grpSpPr/>
+      <p:grpSpPr>
+        <a:xfrm>
+          <a:off x="0" y="0"/>
+          <a:ext cx="0" cy="0"/>
+          <a:chOff x="0" y="0"/>
+          <a:chExt cx="0" cy="0"/>
+        </a:xfrm>
+      </p:grpSpPr>
       <p:sp>
         <p:nvSpPr>
           <p:cNvPr id="2" name="标题 1"/>
           <p:cNvSpPr>
-            <a:spLocks noGrp="true"/>
+            <a:spLocks noGrp="1"/>
           </p:cNvSpPr>
           <p:nvPr>
             <p:ph type="title"/>
           </p:nvPr>
         </p:nvSpPr>
-        <p:spPr/>
+        <p:spPr>
+          <a:xfrm>
+            <a:off x="647700" y="258445"/>
+            <a:ext cx="11132408" cy="1325563"/>
+          </a:xfrm>
+        </p:spPr>
         <p:txBody>
           <a:bodyPr/>
+          <a:lstStyle/>
           <a:p>
             <a:r>
               <a:rPr lang="en-US" altLang="zh-CN"/>
@@ -6207,7 +6665,6 @@
               <a:rPr lang="en-US" altLang="zh-CN"/>
               <a:t>having to verify a transaction’s parents’ parents</a:t>
             </a:r>
-            <a:endParaRPr lang="en-US" altLang="zh-CN"/>
           </a:p>
         </p:txBody>
       </p:sp>
@@ -6215,7 +6672,7 @@
         <p:nvSpPr>
           <p:cNvPr id="3" name="内容占位符 2"/>
           <p:cNvSpPr>
-            <a:spLocks noGrp="true"/>
+            <a:spLocks noGrp="1"/>
           </p:cNvSpPr>
           <p:nvPr>
             <p:ph idx="1"/>
@@ -6224,6 +6681,7 @@
         <p:spPr/>
         <p:txBody>
           <a:bodyPr/>
+          <a:lstStyle/>
           <a:p>
             <a:pPr marL="0" indent="0">
               <a:buNone/>
@@ -6288,7 +6746,6 @@
               <a:rPr lang="zh-CN" altLang="en-US"/>
               <a:t>中，并保持这个过程的不可篡改性。</a:t>
             </a:r>
-            <a:endParaRPr lang="zh-CN" altLang="en-US"/>
           </a:p>
           <a:p>
             <a:pPr marL="0" indent="0">
@@ -6382,7 +6839,6 @@
               <a:rPr lang="zh-CN" altLang="en-US"/>
               <a:t>，并不包括其他可以引发数据大小膨胀的数据。</a:t>
             </a:r>
-            <a:endParaRPr lang="zh-CN" altLang="en-US"/>
           </a:p>
           <a:p>
             <a:pPr marL="0" indent="0">
@@ -6448,19 +6904,7 @@
               <a:rPr lang="en-US" altLang="zh-CN">
                 <a:sym typeface="+mn-ea"/>
               </a:rPr>
-              <a:t>B.</a:t>
-            </a:r>
-            <a:r>
-              <a:rPr lang="en-US" altLang="zh-CN">
-                <a:sym typeface="+mn-ea"/>
-              </a:rPr>
-              <a:t>data</a:t>
-            </a:r>
-            <a:r>
-              <a:rPr lang="en-US" altLang="zh-CN">
-                <a:sym typeface="+mn-ea"/>
-              </a:rPr>
-              <a:t>.part2</a:t>
+              <a:t>B.data.part2</a:t>
             </a:r>
             <a:r>
               <a:rPr lang="zh-CN" altLang="en-US">
@@ -6476,53 +6920,38 @@
               <a:rPr lang="en-US" altLang="zh-CN">
                 <a:sym typeface="+mn-ea"/>
               </a:rPr>
-              <a:t>B.</a:t>
+              <a:t>B.data.part1</a:t>
+            </a:r>
+            <a:r>
+              <a:rPr lang="zh-CN" altLang="en-US">
+                <a:sym typeface="+mn-ea"/>
+              </a:rPr>
+              <a:t>的正确性，即其确实是</a:t>
             </a:r>
             <a:r>
               <a:rPr lang="en-US" altLang="zh-CN">
                 <a:sym typeface="+mn-ea"/>
               </a:rPr>
-              <a:t>data</a:t>
+              <a:t>B</a:t>
+            </a:r>
+            <a:r>
+              <a:rPr lang="zh-CN" altLang="en-US">
+                <a:sym typeface="+mn-ea"/>
+              </a:rPr>
+              <a:t>交易的</a:t>
             </a:r>
             <a:r>
               <a:rPr lang="en-US" altLang="zh-CN">
                 <a:sym typeface="+mn-ea"/>
               </a:rPr>
-              <a:t>.part1</a:t>
+              <a:t>raw</a:t>
             </a:r>
             <a:r>
               <a:rPr lang="zh-CN" altLang="en-US">
                 <a:sym typeface="+mn-ea"/>
               </a:rPr>
-              <a:t>的正确性，即其确实是</a:t>
-            </a:r>
-            <a:r>
-              <a:rPr lang="en-US" altLang="zh-CN">
-                <a:sym typeface="+mn-ea"/>
-              </a:rPr>
-              <a:t>B</a:t>
-            </a:r>
-            <a:r>
-              <a:rPr lang="zh-CN" altLang="en-US">
-                <a:sym typeface="+mn-ea"/>
-              </a:rPr>
-              <a:t>交易的</a:t>
-            </a:r>
-            <a:r>
-              <a:rPr lang="en-US" altLang="zh-CN">
-                <a:sym typeface="+mn-ea"/>
-              </a:rPr>
-              <a:t>raw</a:t>
-            </a:r>
-            <a:r>
-              <a:rPr lang="zh-CN" altLang="en-US">
-                <a:sym typeface="+mn-ea"/>
-              </a:rPr>
               <a:t>数据的后一部分。</a:t>
             </a:r>
-            <a:endParaRPr lang="zh-CN" altLang="en-US">
-              <a:sym typeface="+mn-ea"/>
-            </a:endParaRPr>
           </a:p>
         </p:txBody>
       </p:sp>
@@ -6543,12 +6972,19 @@
         <p:cNvGrpSpPr/>
         <p:nvPr/>
       </p:nvGrpSpPr>
-      <p:grpSpPr/>
+      <p:grpSpPr>
+        <a:xfrm>
+          <a:off x="0" y="0"/>
+          <a:ext cx="0" cy="0"/>
+          <a:chOff x="0" y="0"/>
+          <a:chExt cx="0" cy="0"/>
+        </a:xfrm>
+      </p:grpSpPr>
       <p:sp>
         <p:nvSpPr>
           <p:cNvPr id="2" name="标题 1"/>
           <p:cNvSpPr>
-            <a:spLocks noGrp="true"/>
+            <a:spLocks noGrp="1"/>
           </p:cNvSpPr>
           <p:nvPr>
             <p:ph type="title"/>
@@ -6556,78 +6992,70 @@
         </p:nvSpPr>
         <p:spPr>
           <a:xfrm>
-            <a:off x="163830" y="258445"/>
-            <a:ext cx="11996420" cy="413385"/>
+            <a:off x="356870" y="258445"/>
+            <a:ext cx="11803380" cy="413385"/>
           </a:xfrm>
         </p:spPr>
         <p:txBody>
           <a:bodyPr>
-            <a:normAutofit fontScale="90000"/>
+            <a:normAutofit/>
           </a:bodyPr>
-          <a:p>
-            <a:r>
-              <a:rPr lang="en-US" altLang="zh-CN">
+          <a:lstStyle/>
+          <a:p>
+            <a:r>
+              <a:rPr lang="en-US" altLang="zh-CN" sz="2000">
                 <a:sym typeface="+mn-ea"/>
               </a:rPr>
               <a:t>L1 Token</a:t>
             </a:r>
             <a:r>
-              <a:rPr lang="zh-CN" altLang="en-US">
+              <a:rPr lang="zh-CN" altLang="en-US" sz="2000">
                 <a:sym typeface="+mn-ea"/>
               </a:rPr>
               <a:t>膨胀问题的解决方法的核心：构建一个合适</a:t>
             </a:r>
             <a:r>
-              <a:rPr lang="en-US" altLang="zh-CN">
+              <a:rPr lang="en-US" altLang="zh-CN" sz="2000">
                 <a:sym typeface="+mn-ea"/>
               </a:rPr>
               <a:t>B</a:t>
             </a:r>
             <a:r>
-              <a:rPr lang="zh-CN" altLang="en-US">
+              <a:rPr lang="zh-CN" altLang="en-US" sz="2000">
                 <a:sym typeface="+mn-ea"/>
               </a:rPr>
               <a:t>交易</a:t>
             </a:r>
             <a:r>
-              <a:rPr lang="en-US" altLang="zh-CN">
-                <a:sym typeface="+mn-ea"/>
-              </a:rPr>
-              <a:t> </a:t>
-            </a:r>
-            <a:r>
-              <a:rPr lang="en-US" altLang="zh-CN">
-                <a:sym typeface="+mn-ea"/>
-              </a:rPr>
-              <a:t> ( </a:t>
-            </a:r>
-            <a:r>
-              <a:rPr lang="zh-CN" altLang="en-US">
+              <a:rPr lang="en-US" altLang="zh-CN" sz="2000">
+                <a:sym typeface="+mn-ea"/>
+              </a:rPr>
+              <a:t>  ( </a:t>
+            </a:r>
+            <a:r>
+              <a:rPr lang="zh-CN" altLang="en-US" sz="2000">
                 <a:sym typeface="+mn-ea"/>
               </a:rPr>
               <a:t>假设</a:t>
             </a:r>
             <a:r>
-              <a:rPr lang="en-US" altLang="zh-CN">
+              <a:rPr lang="en-US" altLang="zh-CN" sz="2000">
                 <a:sym typeface="+mn-ea"/>
               </a:rPr>
               <a:t>Tx</a:t>
             </a:r>
             <a:r>
-              <a:rPr lang="zh-CN" altLang="en-US">
+              <a:rPr lang="zh-CN" altLang="en-US" sz="2000">
                 <a:sym typeface="+mn-ea"/>
               </a:rPr>
               <a:t>链为</a:t>
             </a:r>
             <a:r>
-              <a:rPr lang="en-US" altLang="zh-CN">
+              <a:rPr lang="en-US" altLang="zh-CN" sz="2000">
                 <a:sym typeface="+mn-ea"/>
               </a:rPr>
               <a:t>: TxA -&gt; TxB -&gt; TxC )</a:t>
             </a:r>
-            <a:endParaRPr lang="en-US" altLang="zh-CN">
-              <a:sym typeface="+mn-ea"/>
-            </a:endParaRPr>
           </a:p>
         </p:txBody>
       </p:sp>
@@ -6635,7 +7063,13 @@
         <p:nvGraphicFramePr>
           <p:cNvPr id="12" name="表格 11"/>
           <p:cNvGraphicFramePr/>
-          <p:nvPr/>
+          <p:nvPr>
+            <p:extLst>
+              <p:ext uri="{D42A27DB-BD31-4B8C-83A1-F6EECF244321}">
+                <p14:modId xmlns:p14="http://schemas.microsoft.com/office/powerpoint/2010/main" val="125887371"/>
+              </p:ext>
+            </p:extLst>
+          </p:nvPr>
         </p:nvGraphicFramePr>
         <p:xfrm>
           <a:off x="356870" y="1248410"/>
@@ -6644,26 +7078,93 @@
         <a:graphic>
           <a:graphicData uri="http://schemas.openxmlformats.org/drawingml/2006/table">
             <a:tbl>
-              <a:tblPr firstRow="true" bandRow="true">
+              <a:tblPr firstRow="1" bandRow="1">
                 <a:tableStyleId>{5C22544A-7EE6-4342-B048-85BDC9FD1C3A}</a:tableStyleId>
               </a:tblPr>
               <a:tblGrid>
-                <a:gridCol w="1287780"/>
-                <a:gridCol w="800735"/>
-                <a:gridCol w="417830"/>
-                <a:gridCol w="1603375"/>
-                <a:gridCol w="395605"/>
-                <a:gridCol w="2084070"/>
-                <a:gridCol w="1437640"/>
-                <a:gridCol w="935355"/>
-                <a:gridCol w="367030"/>
-                <a:gridCol w="1130300"/>
-                <a:gridCol w="1130300"/>
+                <a:gridCol w="1287780">
+                  <a:extLst>
+                    <a:ext uri="{9D8B030D-6E8A-4147-A177-3AD203B41FA5}">
+                      <a16:colId xmlns:a16="http://schemas.microsoft.com/office/drawing/2014/main" val="20000"/>
+                    </a:ext>
+                  </a:extLst>
+                </a:gridCol>
+                <a:gridCol w="800735">
+                  <a:extLst>
+                    <a:ext uri="{9D8B030D-6E8A-4147-A177-3AD203B41FA5}">
+                      <a16:colId xmlns:a16="http://schemas.microsoft.com/office/drawing/2014/main" val="20001"/>
+                    </a:ext>
+                  </a:extLst>
+                </a:gridCol>
+                <a:gridCol w="417830">
+                  <a:extLst>
+                    <a:ext uri="{9D8B030D-6E8A-4147-A177-3AD203B41FA5}">
+                      <a16:colId xmlns:a16="http://schemas.microsoft.com/office/drawing/2014/main" val="20002"/>
+                    </a:ext>
+                  </a:extLst>
+                </a:gridCol>
+                <a:gridCol w="1603375">
+                  <a:extLst>
+                    <a:ext uri="{9D8B030D-6E8A-4147-A177-3AD203B41FA5}">
+                      <a16:colId xmlns:a16="http://schemas.microsoft.com/office/drawing/2014/main" val="20003"/>
+                    </a:ext>
+                  </a:extLst>
+                </a:gridCol>
+                <a:gridCol w="395605">
+                  <a:extLst>
+                    <a:ext uri="{9D8B030D-6E8A-4147-A177-3AD203B41FA5}">
+                      <a16:colId xmlns:a16="http://schemas.microsoft.com/office/drawing/2014/main" val="20004"/>
+                    </a:ext>
+                  </a:extLst>
+                </a:gridCol>
+                <a:gridCol w="2084070">
+                  <a:extLst>
+                    <a:ext uri="{9D8B030D-6E8A-4147-A177-3AD203B41FA5}">
+                      <a16:colId xmlns:a16="http://schemas.microsoft.com/office/drawing/2014/main" val="20005"/>
+                    </a:ext>
+                  </a:extLst>
+                </a:gridCol>
+                <a:gridCol w="1437640">
+                  <a:extLst>
+                    <a:ext uri="{9D8B030D-6E8A-4147-A177-3AD203B41FA5}">
+                      <a16:colId xmlns:a16="http://schemas.microsoft.com/office/drawing/2014/main" val="20006"/>
+                    </a:ext>
+                  </a:extLst>
+                </a:gridCol>
+                <a:gridCol w="935355">
+                  <a:extLst>
+                    <a:ext uri="{9D8B030D-6E8A-4147-A177-3AD203B41FA5}">
+                      <a16:colId xmlns:a16="http://schemas.microsoft.com/office/drawing/2014/main" val="20007"/>
+                    </a:ext>
+                  </a:extLst>
+                </a:gridCol>
+                <a:gridCol w="367030">
+                  <a:extLst>
+                    <a:ext uri="{9D8B030D-6E8A-4147-A177-3AD203B41FA5}">
+                      <a16:colId xmlns:a16="http://schemas.microsoft.com/office/drawing/2014/main" val="20008"/>
+                    </a:ext>
+                  </a:extLst>
+                </a:gridCol>
+                <a:gridCol w="1130300">
+                  <a:extLst>
+                    <a:ext uri="{9D8B030D-6E8A-4147-A177-3AD203B41FA5}">
+                      <a16:colId xmlns:a16="http://schemas.microsoft.com/office/drawing/2014/main" val="20009"/>
+                    </a:ext>
+                  </a:extLst>
+                </a:gridCol>
+                <a:gridCol w="1130300">
+                  <a:extLst>
+                    <a:ext uri="{9D8B030D-6E8A-4147-A177-3AD203B41FA5}">
+                      <a16:colId xmlns:a16="http://schemas.microsoft.com/office/drawing/2014/main" val="20010"/>
+                    </a:ext>
+                  </a:extLst>
+                </a:gridCol>
               </a:tblGrid>
               <a:tr h="448310">
                 <a:tc gridSpan="11">
                   <a:txBody>
                     <a:bodyPr/>
+                    <a:lstStyle/>
                     <a:p>
                       <a:pPr algn="ctr">
                         <a:buNone/>
@@ -6676,77 +7177,146 @@
                         </a:rPr>
                         <a:t>data of TxB (N inputs &amp; M outputs)</a:t>
                       </a:r>
-                      <a:endParaRPr lang="en-US" altLang="zh-CN">
-                        <a:solidFill>
-                          <a:srgbClr val="FF8D41"/>
-                        </a:solidFill>
-                      </a:endParaRPr>
                     </a:p>
                   </a:txBody>
                   <a:tcPr/>
                 </a:tc>
-                <a:tc hMerge="true">
+                <a:tc hMerge="1">
+                  <a:txBody>
+                    <a:bodyPr/>
+                    <a:lstStyle/>
+                    <a:p>
+                      <a:endParaRPr lang="zh-CN"/>
+                    </a:p>
+                  </a:txBody>
                   <a:tcPr/>
                 </a:tc>
-                <a:tc hMerge="true">
+                <a:tc hMerge="1">
+                  <a:txBody>
+                    <a:bodyPr/>
+                    <a:lstStyle/>
+                    <a:p>
+                      <a:endParaRPr lang="zh-CN"/>
+                    </a:p>
+                  </a:txBody>
                   <a:tcPr/>
                 </a:tc>
-                <a:tc hMerge="true">
+                <a:tc hMerge="1">
+                  <a:txBody>
+                    <a:bodyPr/>
+                    <a:lstStyle/>
+                    <a:p>
+                      <a:endParaRPr lang="zh-CN"/>
+                    </a:p>
+                  </a:txBody>
                   <a:tcPr/>
                 </a:tc>
-                <a:tc hMerge="true">
+                <a:tc hMerge="1">
+                  <a:txBody>
+                    <a:bodyPr/>
+                    <a:lstStyle/>
+                    <a:p>
+                      <a:endParaRPr lang="zh-CN"/>
+                    </a:p>
+                  </a:txBody>
                   <a:tcPr/>
                 </a:tc>
-                <a:tc hMerge="true">
+                <a:tc hMerge="1">
+                  <a:txBody>
+                    <a:bodyPr/>
+                    <a:lstStyle/>
+                    <a:p>
+                      <a:endParaRPr lang="zh-CN"/>
+                    </a:p>
+                  </a:txBody>
                   <a:tcPr/>
                 </a:tc>
-                <a:tc hMerge="true">
+                <a:tc hMerge="1">
+                  <a:txBody>
+                    <a:bodyPr/>
+                    <a:lstStyle/>
+                    <a:p>
+                      <a:endParaRPr lang="zh-CN"/>
+                    </a:p>
+                  </a:txBody>
                   <a:tcPr/>
                 </a:tc>
-                <a:tc hMerge="true">
+                <a:tc hMerge="1">
+                  <a:txBody>
+                    <a:bodyPr/>
+                    <a:lstStyle/>
+                    <a:p>
+                      <a:endParaRPr lang="zh-CN"/>
+                    </a:p>
+                  </a:txBody>
                   <a:tcPr/>
                 </a:tc>
-                <a:tc hMerge="true">
+                <a:tc hMerge="1">
+                  <a:txBody>
+                    <a:bodyPr/>
+                    <a:lstStyle/>
+                    <a:p>
+                      <a:endParaRPr lang="zh-CN"/>
+                    </a:p>
+                  </a:txBody>
                   <a:tcPr/>
                 </a:tc>
-                <a:tc hMerge="true">
+                <a:tc hMerge="1">
+                  <a:txBody>
+                    <a:bodyPr/>
+                    <a:lstStyle/>
+                    <a:p>
+                      <a:endParaRPr lang="zh-CN"/>
+                    </a:p>
+                  </a:txBody>
                   <a:tcPr/>
                 </a:tc>
-                <a:tc hMerge="true">
+                <a:tc hMerge="1">
+                  <a:txBody>
+                    <a:bodyPr/>
+                    <a:lstStyle/>
+                    <a:p>
+                      <a:endParaRPr lang="zh-CN"/>
+                    </a:p>
+                  </a:txBody>
                   <a:tcPr/>
                 </a:tc>
+                <a:extLst>
+                  <a:ext uri="{0D108BD9-81ED-4DB2-BD59-A6C34878D82A}">
+                    <a16:rowId xmlns:a16="http://schemas.microsoft.com/office/drawing/2014/main" val="10000"/>
+                  </a:ext>
+                </a:extLst>
               </a:tr>
               <a:tr h="2012315">
                 <a:tc>
                   <a:txBody>
                     <a:bodyPr/>
+                    <a:lstStyle/>
                     <a:p>
                       <a:pPr>
                         <a:buNone/>
                       </a:pPr>
                       <a:r>
-                        <a:rPr lang="zh-CN" altLang="en-US"/>
+                        <a:rPr lang="zh-CN" altLang="en-US" sz="1600"/>
                         <a:t>Version，</a:t>
                       </a:r>
-                      <a:endParaRPr lang="zh-CN" altLang="en-US"/>
                     </a:p>
                     <a:p>
                       <a:pPr>
                         <a:buNone/>
                       </a:pPr>
                       <a:r>
-                        <a:rPr lang="zh-CN" altLang="en-US"/>
+                        <a:rPr lang="zh-CN" altLang="en-US" sz="1600"/>
                         <a:t>Input</a:t>
                       </a:r>
                       <a:r>
-                        <a:rPr lang="en-US" altLang="zh-CN"/>
+                        <a:rPr lang="en-US" altLang="zh-CN" sz="1600"/>
                         <a:t>C</a:t>
                       </a:r>
                       <a:r>
-                        <a:rPr lang="zh-CN" altLang="en-US"/>
+                        <a:rPr lang="zh-CN" altLang="en-US" sz="1600"/>
                         <a:t>ount</a:t>
                       </a:r>
-                      <a:endParaRPr lang="zh-CN" altLang="en-US"/>
                     </a:p>
                   </a:txBody>
                   <a:tcPr/>
@@ -6754,15 +7324,15 @@
                 <a:tc>
                   <a:txBody>
                     <a:bodyPr/>
+                    <a:lstStyle/>
                     <a:p>
                       <a:pPr>
                         <a:buNone/>
                       </a:pPr>
                       <a:r>
-                        <a:rPr lang="en-US" altLang="zh-CN"/>
+                        <a:rPr lang="en-US" altLang="zh-CN" sz="1600"/>
                         <a:t>Input1</a:t>
                       </a:r>
-                      <a:endParaRPr lang="en-US" altLang="zh-CN"/>
                     </a:p>
                   </a:txBody>
                   <a:tcPr/>
@@ -6770,15 +7340,15 @@
                 <a:tc>
                   <a:txBody>
                     <a:bodyPr/>
+                    <a:lstStyle/>
                     <a:p>
                       <a:pPr>
                         <a:buNone/>
                       </a:pPr>
                       <a:r>
-                        <a:rPr lang="en-US" altLang="zh-CN"/>
+                        <a:rPr lang="en-US" altLang="zh-CN" sz="1600"/>
                         <a:t>...</a:t>
                       </a:r>
-                      <a:endParaRPr lang="en-US" altLang="zh-CN"/>
                     </a:p>
                   </a:txBody>
                   <a:tcPr/>
@@ -6786,27 +7356,23 @@
                 <a:tc>
                   <a:txBody>
                     <a:bodyPr/>
+                    <a:lstStyle/>
                     <a:p>
                       <a:pPr>
                         <a:buNone/>
                       </a:pPr>
                       <a:r>
-                        <a:rPr lang="en-US" altLang="zh-CN"/>
+                        <a:rPr lang="en-US" altLang="zh-CN" sz="1600"/>
                         <a:t>InputForm</a:t>
                       </a:r>
                       <a:r>
-                        <a:rPr lang="en-US" altLang="zh-CN">
+                        <a:rPr lang="en-US" altLang="zh-CN" sz="1600">
                           <a:solidFill>
                             <a:srgbClr val="FF3300"/>
                           </a:solidFill>
                         </a:rPr>
                         <a:t>TxC</a:t>
                       </a:r>
-                      <a:endParaRPr lang="en-US" altLang="zh-CN">
-                        <a:solidFill>
-                          <a:srgbClr val="FF3300"/>
-                        </a:solidFill>
-                      </a:endParaRPr>
                     </a:p>
                   </a:txBody>
                   <a:tcPr/>
@@ -6814,15 +7380,15 @@
                 <a:tc>
                   <a:txBody>
                     <a:bodyPr/>
+                    <a:lstStyle/>
                     <a:p>
                       <a:pPr>
                         <a:buNone/>
                       </a:pPr>
                       <a:r>
-                        <a:rPr lang="en-US" altLang="zh-CN"/>
+                        <a:rPr lang="en-US" altLang="zh-CN" sz="1600"/>
                         <a:t>...</a:t>
                       </a:r>
-                      <a:endParaRPr lang="en-US" altLang="zh-CN"/>
                     </a:p>
                   </a:txBody>
                   <a:tcPr/>
@@ -6830,11 +7396,12 @@
                 <a:tc>
                   <a:txBody>
                     <a:bodyPr/>
+                    <a:lstStyle/>
                     <a:p>
                       <a:pPr>
                         <a:buNone/>
                       </a:pPr>
-                      <a:endParaRPr lang="zh-CN" altLang="en-US"/>
+                      <a:endParaRPr lang="zh-CN" altLang="en-US" sz="1600"/>
                     </a:p>
                   </a:txBody>
                   <a:tcPr/>
@@ -6842,15 +7409,15 @@
                 <a:tc>
                   <a:txBody>
                     <a:bodyPr/>
+                    <a:lstStyle/>
                     <a:p>
                       <a:pPr>
                         <a:buNone/>
                       </a:pPr>
                       <a:r>
-                        <a:rPr lang="en-US" altLang="zh-CN"/>
+                        <a:rPr lang="en-US" altLang="zh-CN" sz="1600"/>
                         <a:t>OutputCount</a:t>
                       </a:r>
-                      <a:endParaRPr lang="en-US" altLang="zh-CN"/>
                     </a:p>
                   </a:txBody>
                   <a:tcPr/>
@@ -6858,15 +7425,15 @@
                 <a:tc>
                   <a:txBody>
                     <a:bodyPr/>
+                    <a:lstStyle/>
                     <a:p>
                       <a:pPr>
                         <a:buNone/>
                       </a:pPr>
                       <a:r>
-                        <a:rPr lang="en-US" altLang="zh-CN"/>
+                        <a:rPr lang="en-US" altLang="zh-CN" sz="1600"/>
                         <a:t>Output1</a:t>
                       </a:r>
-                      <a:endParaRPr lang="en-US" altLang="zh-CN"/>
                     </a:p>
                   </a:txBody>
                   <a:tcPr/>
@@ -6874,17 +7441,18 @@
                 <a:tc>
                   <a:txBody>
                     <a:bodyPr/>
+                    <a:lstStyle/>
                     <a:p>
                       <a:pPr>
                         <a:buNone/>
                       </a:pPr>
                       <a:r>
-                        <a:rPr lang="en-US" altLang="zh-CN" sz="1800">
+                        <a:rPr lang="en-US" altLang="zh-CN" sz="1600">
                           <a:sym typeface="+mn-ea"/>
                         </a:rPr>
                         <a:t>...</a:t>
                       </a:r>
-                      <a:endParaRPr lang="zh-CN" altLang="en-US"/>
+                      <a:endParaRPr lang="zh-CN" altLang="en-US" sz="1600"/>
                     </a:p>
                   </a:txBody>
                   <a:tcPr/>
@@ -6892,17 +7460,18 @@
                 <a:tc>
                   <a:txBody>
                     <a:bodyPr/>
+                    <a:lstStyle/>
                     <a:p>
                       <a:pPr>
                         <a:buNone/>
                       </a:pPr>
                       <a:r>
-                        <a:rPr lang="en-US" altLang="zh-CN" sz="1800">
+                        <a:rPr lang="en-US" altLang="zh-CN" sz="1600">
                           <a:sym typeface="+mn-ea"/>
                         </a:rPr>
                         <a:t>OutputM</a:t>
                       </a:r>
-                      <a:endParaRPr lang="zh-CN" altLang="en-US"/>
+                      <a:endParaRPr lang="zh-CN" altLang="en-US" sz="1600"/>
                     </a:p>
                   </a:txBody>
                   <a:tcPr/>
@@ -6910,19 +7479,24 @@
                 <a:tc>
                   <a:txBody>
                     <a:bodyPr/>
+                    <a:lstStyle/>
                     <a:p>
                       <a:pPr>
                         <a:buNone/>
                       </a:pPr>
                       <a:r>
-                        <a:rPr lang="en-US" altLang="zh-CN"/>
+                        <a:rPr lang="en-US" altLang="zh-CN" sz="1600"/>
                         <a:t>locktime</a:t>
                       </a:r>
-                      <a:endParaRPr lang="en-US" altLang="zh-CN"/>
                     </a:p>
                   </a:txBody>
                   <a:tcPr/>
                 </a:tc>
+                <a:extLst>
+                  <a:ext uri="{0D108BD9-81ED-4DB2-BD59-A6C34878D82A}">
+                    <a16:rowId xmlns:a16="http://schemas.microsoft.com/office/drawing/2014/main" val="10001"/>
+                  </a:ext>
+                </a:extLst>
               </a:tr>
             </a:tbl>
           </a:graphicData>
@@ -6931,7 +7505,7 @@
       <p:sp>
         <p:nvSpPr>
           <p:cNvPr id="16" name="文本框 15"/>
-          <p:cNvSpPr txBox="true"/>
+          <p:cNvSpPr txBox="1"/>
           <p:nvPr/>
         </p:nvSpPr>
         <p:spPr>
@@ -6948,6 +7522,7 @@
           <a:bodyPr wrap="square" rtlCol="0">
             <a:spAutoFit/>
           </a:bodyPr>
+          <a:lstStyle/>
           <a:p>
             <a:r>
               <a:rPr lang="zh-CN" altLang="en-US">
@@ -6971,7 +7546,6 @@
               <a:rPr lang="zh-CN" altLang="en-US"/>
               <a:t>将分成两个部分，用红色框来表示：</a:t>
             </a:r>
-            <a:endParaRPr lang="zh-CN" altLang="en-US"/>
           </a:p>
         </p:txBody>
       </p:sp>
@@ -6983,8 +7557,8 @@
         </p:nvSpPr>
         <p:spPr>
           <a:xfrm rot="16200000">
-            <a:off x="1617345" y="2550795"/>
-            <a:ext cx="247015" cy="2718435"/>
+            <a:off x="2443927" y="1724212"/>
+            <a:ext cx="247015" cy="4371600"/>
           </a:xfrm>
           <a:prstGeom prst="leftBrace">
             <a:avLst>
@@ -7010,6 +7584,7 @@
         </p:style>
         <p:txBody>
           <a:bodyPr rtlCol="0" anchor="ctr"/>
+          <a:lstStyle/>
           <a:p>
             <a:pPr algn="ctr"/>
             <a:endParaRPr lang="zh-CN" altLang="en-US"/>
@@ -7024,8 +7599,8 @@
         </p:nvSpPr>
         <p:spPr>
           <a:xfrm rot="16200000">
-            <a:off x="7400290" y="-513080"/>
-            <a:ext cx="246380" cy="8846185"/>
+            <a:off x="8226555" y="313503"/>
+            <a:ext cx="246698" cy="7193338"/>
           </a:xfrm>
           <a:prstGeom prst="leftBrace">
             <a:avLst>
@@ -7051,6 +7626,7 @@
         </p:style>
         <p:txBody>
           <a:bodyPr rtlCol="0" anchor="ctr"/>
+          <a:lstStyle/>
           <a:p>
             <a:pPr algn="ctr"/>
             <a:endParaRPr lang="zh-CN" altLang="en-US"/>
@@ -7060,12 +7636,12 @@
       <p:sp>
         <p:nvSpPr>
           <p:cNvPr id="20" name="文本框 19"/>
-          <p:cNvSpPr txBox="true"/>
+          <p:cNvSpPr txBox="1"/>
           <p:nvPr/>
         </p:nvSpPr>
         <p:spPr>
           <a:xfrm>
-            <a:off x="6990715" y="4210685"/>
+            <a:off x="7699664" y="4236548"/>
             <a:ext cx="1300480" cy="368300"/>
           </a:xfrm>
           <a:prstGeom prst="rect">
@@ -7077,6 +7653,7 @@
           <a:bodyPr wrap="none" rtlCol="0" anchor="t">
             <a:spAutoFit/>
           </a:bodyPr>
+          <a:lstStyle/>
           <a:p>
             <a:pPr algn="l"/>
             <a:r>
@@ -7092,12 +7669,12 @@
       <p:sp>
         <p:nvSpPr>
           <p:cNvPr id="21" name="文本框 20"/>
-          <p:cNvSpPr txBox="true"/>
+          <p:cNvSpPr txBox="1"/>
           <p:nvPr/>
         </p:nvSpPr>
         <p:spPr>
           <a:xfrm>
-            <a:off x="1119505" y="4210685"/>
+            <a:off x="1917194" y="4210685"/>
             <a:ext cx="1300480" cy="368300"/>
           </a:xfrm>
           <a:prstGeom prst="rect">
@@ -7109,6 +7686,7 @@
           <a:bodyPr wrap="none" rtlCol="0" anchor="t">
             <a:spAutoFit/>
           </a:bodyPr>
+          <a:lstStyle/>
           <a:p>
             <a:pPr algn="l"/>
             <a:r>
@@ -7124,7 +7702,7 @@
       <p:sp>
         <p:nvSpPr>
           <p:cNvPr id="22" name="文本框 21"/>
-          <p:cNvSpPr txBox="true"/>
+          <p:cNvSpPr txBox="1"/>
           <p:nvPr/>
         </p:nvSpPr>
         <p:spPr>
@@ -7154,6 +7732,7 @@
           <a:bodyPr wrap="none" rtlCol="0" anchor="t">
             <a:spAutoFit/>
           </a:bodyPr>
+          <a:lstStyle/>
           <a:p>
             <a:pPr algn="l"/>
             <a:r>
@@ -7231,9 +7810,6 @@
               </a:rPr>
               <a:t>数据的大小</a:t>
             </a:r>
-            <a:endParaRPr lang="zh-CN" altLang="en-US">
-              <a:sym typeface="+mn-ea"/>
-            </a:endParaRPr>
           </a:p>
           <a:p>
             <a:pPr indent="0" algn="l">
@@ -7244,59 +7820,44 @@
               <a:rPr lang="zh-CN" altLang="en-US">
                 <a:sym typeface="+mn-ea"/>
               </a:rPr>
-              <a:t>限制，也可能含有</a:t>
+              <a:t>限制，也可能含有前一个交易</a:t>
+            </a:r>
+            <a:r>
+              <a:rPr lang="en-US" altLang="zh-CN">
+                <a:sym typeface="+mn-ea"/>
+              </a:rPr>
+              <a:t>Input(N-1)</a:t>
             </a:r>
             <a:r>
               <a:rPr lang="zh-CN" altLang="en-US">
                 <a:sym typeface="+mn-ea"/>
               </a:rPr>
-              <a:t>前一个交易</a:t>
+              <a:t>的有限大小的数据，以保证含有</a:t>
             </a:r>
             <a:r>
               <a:rPr lang="en-US" altLang="zh-CN">
                 <a:sym typeface="+mn-ea"/>
               </a:rPr>
-              <a:t>Input(N-1)</a:t>
+              <a:t>InputN</a:t>
             </a:r>
             <a:r>
               <a:rPr lang="zh-CN" altLang="en-US">
                 <a:sym typeface="+mn-ea"/>
               </a:rPr>
-              <a:t>的有限大小的数据，以保证含有</a:t>
+              <a:t>数据的</a:t>
             </a:r>
             <a:r>
               <a:rPr lang="en-US" altLang="zh-CN">
                 <a:sym typeface="+mn-ea"/>
               </a:rPr>
-              <a:t>InputN</a:t>
+              <a:t>hash chunks</a:t>
             </a:r>
             <a:r>
               <a:rPr lang="zh-CN" altLang="en-US">
                 <a:sym typeface="+mn-ea"/>
               </a:rPr>
-              <a:t>数据的</a:t>
-            </a:r>
-            <a:r>
-              <a:rPr lang="en-US" altLang="zh-CN">
-                <a:sym typeface="+mn-ea"/>
-              </a:rPr>
-              <a:t>hash</a:t>
-            </a:r>
-            <a:r>
-              <a:rPr lang="en-US" altLang="zh-CN">
-                <a:sym typeface="+mn-ea"/>
-              </a:rPr>
-              <a:t> chunks</a:t>
-            </a:r>
-            <a:r>
-              <a:rPr lang="zh-CN" altLang="en-US">
-                <a:sym typeface="+mn-ea"/>
-              </a:rPr>
               <a:t>的完整性。</a:t>
             </a:r>
-            <a:endParaRPr lang="zh-CN" altLang="en-US">
-              <a:sym typeface="+mn-ea"/>
-            </a:endParaRPr>
           </a:p>
           <a:p>
             <a:pPr algn="l"/>
@@ -7369,9 +7930,6 @@
               </a:rPr>
               <a:t>交易输入所花费的输出</a:t>
             </a:r>
-            <a:endParaRPr lang="zh-CN" altLang="en-US">
-              <a:sym typeface="+mn-ea"/>
-            </a:endParaRPr>
           </a:p>
           <a:p>
             <a:pPr indent="0" algn="l">
@@ -7382,41 +7940,26 @@
               <a:rPr lang="en-US" altLang="zh-CN">
                 <a:sym typeface="+mn-ea"/>
               </a:rPr>
-              <a:t>InputN.txid.getOutputLockscript(</a:t>
+              <a:t>InputN.txid.getOutputLockscript(InputN.vout)</a:t>
+            </a:r>
+            <a:r>
+              <a:rPr lang="zh-CN" altLang="en-US">
+                <a:sym typeface="+mn-ea"/>
+              </a:rPr>
+              <a:t>为应用</a:t>
             </a:r>
             <a:r>
               <a:rPr lang="en-US" altLang="zh-CN">
                 <a:sym typeface="+mn-ea"/>
               </a:rPr>
-              <a:t>InputN.vout</a:t>
-            </a:r>
-            <a:r>
-              <a:rPr lang="en-US" altLang="zh-CN">
-                <a:sym typeface="+mn-ea"/>
-              </a:rPr>
-              <a:t>)</a:t>
+              <a:t>OP_PUSH_TX</a:t>
             </a:r>
             <a:r>
               <a:rPr lang="zh-CN" altLang="en-US">
                 <a:sym typeface="+mn-ea"/>
               </a:rPr>
-              <a:t>为应用</a:t>
-            </a:r>
-            <a:r>
-              <a:rPr lang="en-US" altLang="zh-CN">
-                <a:sym typeface="+mn-ea"/>
-              </a:rPr>
-              <a:t>OP_PUSH_TX</a:t>
-            </a:r>
-            <a:r>
-              <a:rPr lang="zh-CN" altLang="en-US">
-                <a:sym typeface="+mn-ea"/>
-              </a:rPr>
               <a:t>技术的解锁脚本并编写了对应的检查代码来保证。</a:t>
             </a:r>
-            <a:endParaRPr lang="zh-CN" altLang="en-US">
-              <a:sym typeface="+mn-ea"/>
-            </a:endParaRPr>
           </a:p>
         </p:txBody>
       </p:sp>
@@ -7424,7 +7967,13 @@
         <p:nvGraphicFramePr>
           <p:cNvPr id="23" name="表格 22"/>
           <p:cNvGraphicFramePr/>
-          <p:nvPr/>
+          <p:nvPr>
+            <p:extLst>
+              <p:ext uri="{D42A27DB-BD31-4B8C-83A1-F6EECF244321}">
+                <p14:modId xmlns:p14="http://schemas.microsoft.com/office/powerpoint/2010/main" val="3462145332"/>
+              </p:ext>
+            </p:extLst>
+          </p:nvPr>
         </p:nvGraphicFramePr>
         <p:xfrm>
           <a:off x="4923155" y="1781175"/>
@@ -7433,109 +7982,144 @@
         <a:graphic>
           <a:graphicData uri="http://schemas.openxmlformats.org/drawingml/2006/table">
             <a:tbl>
-              <a:tblPr firstRow="true" bandRow="true">
+              <a:tblPr firstRow="1" bandRow="1">
                 <a:tableStyleId>{5940675A-B579-460E-94D1-54222C63F5DA}</a:tableStyleId>
               </a:tblPr>
               <a:tblGrid>
-                <a:gridCol w="1963420"/>
+                <a:gridCol w="1963420">
+                  <a:extLst>
+                    <a:ext uri="{9D8B030D-6E8A-4147-A177-3AD203B41FA5}">
+                      <a16:colId xmlns:a16="http://schemas.microsoft.com/office/drawing/2014/main" val="20000"/>
+                    </a:ext>
+                  </a:extLst>
+                </a:gridCol>
               </a:tblGrid>
               <a:tr h="365760">
                 <a:tc>
                   <a:txBody>
                     <a:bodyPr/>
+                    <a:lstStyle/>
                     <a:p>
                       <a:pPr>
                         <a:buNone/>
                       </a:pPr>
                       <a:r>
-                        <a:rPr lang="en-US" altLang="zh-CN"/>
+                        <a:rPr lang="en-US" altLang="zh-CN" sz="1600"/>
                         <a:t>InputN.txid</a:t>
                       </a:r>
-                      <a:endParaRPr lang="en-US" altLang="zh-CN"/>
                     </a:p>
                   </a:txBody>
                   <a:tcPr/>
                 </a:tc>
+                <a:extLst>
+                  <a:ext uri="{0D108BD9-81ED-4DB2-BD59-A6C34878D82A}">
+                    <a16:rowId xmlns:a16="http://schemas.microsoft.com/office/drawing/2014/main" val="10000"/>
+                  </a:ext>
+                </a:extLst>
               </a:tr>
               <a:tr h="365760">
                 <a:tc>
                   <a:txBody>
                     <a:bodyPr/>
+                    <a:lstStyle/>
                     <a:p>
                       <a:pPr>
                         <a:buNone/>
                       </a:pPr>
                       <a:r>
-                        <a:rPr lang="en-US" altLang="zh-CN" sz="1800">
+                        <a:rPr lang="en-US" altLang="zh-CN" sz="1600">
                           <a:sym typeface="+mn-ea"/>
                         </a:rPr>
                         <a:t>InputN.vout</a:t>
                       </a:r>
-                      <a:endParaRPr lang="en-US" altLang="zh-CN"/>
+                      <a:endParaRPr lang="en-US" altLang="zh-CN" sz="1600"/>
                     </a:p>
                   </a:txBody>
                   <a:tcPr/>
                 </a:tc>
+                <a:extLst>
+                  <a:ext uri="{0D108BD9-81ED-4DB2-BD59-A6C34878D82A}">
+                    <a16:rowId xmlns:a16="http://schemas.microsoft.com/office/drawing/2014/main" val="10001"/>
+                  </a:ext>
+                </a:extLst>
               </a:tr>
               <a:tr h="365760">
                 <a:tc>
                   <a:txBody>
                     <a:bodyPr/>
+                    <a:lstStyle/>
                     <a:p>
                       <a:pPr>
                         <a:buNone/>
                       </a:pPr>
                       <a:r>
-                        <a:rPr lang="en-US" altLang="zh-CN" sz="1800">
+                        <a:rPr lang="en-US" altLang="zh-CN" sz="1600">
                           <a:sym typeface="+mn-ea"/>
                         </a:rPr>
                         <a:t>InputN.unlocksize</a:t>
                       </a:r>
-                      <a:endParaRPr lang="en-US" altLang="zh-CN"/>
+                      <a:endParaRPr lang="en-US" altLang="zh-CN" sz="1600"/>
                     </a:p>
                   </a:txBody>
                   <a:tcPr/>
                 </a:tc>
+                <a:extLst>
+                  <a:ext uri="{0D108BD9-81ED-4DB2-BD59-A6C34878D82A}">
+                    <a16:rowId xmlns:a16="http://schemas.microsoft.com/office/drawing/2014/main" val="10002"/>
+                  </a:ext>
+                </a:extLst>
               </a:tr>
               <a:tr h="365760">
                 <a:tc>
                   <a:txBody>
                     <a:bodyPr/>
+                    <a:lstStyle/>
                     <a:p>
                       <a:pPr>
                         <a:buNone/>
                       </a:pPr>
                       <a:r>
-                        <a:rPr lang="en-US" altLang="zh-CN" sz="1800">
+                        <a:rPr lang="en-US" altLang="zh-CN" sz="1600">
                           <a:sym typeface="+mn-ea"/>
                         </a:rPr>
                         <a:t>InputN.unlockdata</a:t>
                       </a:r>
-                      <a:endParaRPr lang="zh-CN" altLang="en-US"/>
+                      <a:endParaRPr lang="zh-CN" altLang="en-US" sz="1600"/>
                     </a:p>
                   </a:txBody>
                   <a:tcPr/>
                 </a:tc>
+                <a:extLst>
+                  <a:ext uri="{0D108BD9-81ED-4DB2-BD59-A6C34878D82A}">
+                    <a16:rowId xmlns:a16="http://schemas.microsoft.com/office/drawing/2014/main" val="10003"/>
+                  </a:ext>
+                </a:extLst>
               </a:tr>
               <a:tr h="365760">
                 <a:tc>
                   <a:txBody>
                     <a:bodyPr/>
+                    <a:lstStyle/>
                     <a:p>
                       <a:pPr>
                         <a:buNone/>
                       </a:pPr>
                       <a:r>
-                        <a:rPr lang="en-US" altLang="zh-CN" sz="1800">
+                        <a:rPr lang="en-US" altLang="zh-CN" sz="1600">
                           <a:sym typeface="+mn-ea"/>
                         </a:rPr>
                         <a:t>InputN.sequence</a:t>
                       </a:r>
-                      <a:endParaRPr lang="zh-CN" altLang="en-US"/>
+                      <a:endParaRPr lang="zh-CN" altLang="en-US" sz="1600"/>
                     </a:p>
                   </a:txBody>
                   <a:tcPr/>
                 </a:tc>
+                <a:extLst>
+                  <a:ext uri="{0D108BD9-81ED-4DB2-BD59-A6C34878D82A}">
+                    <a16:rowId xmlns:a16="http://schemas.microsoft.com/office/drawing/2014/main" val="10004"/>
+                  </a:ext>
+                </a:extLst>
               </a:tr>
             </a:tbl>
           </a:graphicData>
@@ -7558,20 +8142,33 @@
         <p:cNvGrpSpPr/>
         <p:nvPr/>
       </p:nvGrpSpPr>
-      <p:grpSpPr/>
+      <p:grpSpPr>
+        <a:xfrm>
+          <a:off x="0" y="0"/>
+          <a:ext cx="0" cy="0"/>
+          <a:chOff x="0" y="0"/>
+          <a:chExt cx="0" cy="0"/>
+        </a:xfrm>
+      </p:grpSpPr>
       <p:sp>
         <p:nvSpPr>
           <p:cNvPr id="2" name="标题 1"/>
           <p:cNvSpPr>
-            <a:spLocks noGrp="true"/>
+            <a:spLocks noGrp="1"/>
           </p:cNvSpPr>
           <p:nvPr>
             <p:ph type="title"/>
           </p:nvPr>
         </p:nvSpPr>
-        <p:spPr/>
+        <p:spPr>
+          <a:xfrm>
+            <a:off x="647700" y="258445"/>
+            <a:ext cx="10515600" cy="936041"/>
+          </a:xfrm>
+        </p:spPr>
         <p:txBody>
           <a:bodyPr/>
+          <a:lstStyle/>
           <a:p>
             <a:r>
               <a:rPr lang="zh-CN" altLang="en-US"/>
@@ -7593,7 +8190,6 @@
               <a:rPr lang="zh-CN" altLang="en-US"/>
               <a:t>膨胀的方法流程</a:t>
             </a:r>
-            <a:endParaRPr lang="zh-CN" altLang="en-US"/>
           </a:p>
         </p:txBody>
       </p:sp>
@@ -7601,7 +8197,7 @@
         <p:nvSpPr>
           <p:cNvPr id="3" name="内容占位符 2"/>
           <p:cNvSpPr>
-            <a:spLocks noGrp="true"/>
+            <a:spLocks noGrp="1"/>
           </p:cNvSpPr>
           <p:nvPr>
             <p:ph idx="1"/>
@@ -7615,8 +8211,9 @@
         </p:spPr>
         <p:txBody>
           <a:bodyPr>
-            <a:normAutofit fontScale="80000"/>
+            <a:normAutofit fontScale="80000" lnSpcReduction="10000"/>
           </a:bodyPr>
+          <a:lstStyle/>
           <a:p>
             <a:pPr marL="0" indent="0">
               <a:lnSpc>
@@ -7710,65 +8307,38 @@
               <a:rPr lang="en-US" altLang="zh-CN">
                 <a:sym typeface="+mn-ea"/>
               </a:rPr>
-              <a:t>TXID(TxB)=Hash(partialHash(</a:t>
+              <a:t>TXID(TxB)=Hash(partialHash(B.data.part1)||B.data.part2)</a:t>
+            </a:r>
+            <a:r>
+              <a:rPr lang="zh-CN" altLang="en-US">
+                <a:sym typeface="+mn-ea"/>
+              </a:rPr>
+              <a:t>来验证输入的</a:t>
             </a:r>
             <a:r>
               <a:rPr lang="en-US" altLang="zh-CN">
                 <a:sym typeface="+mn-ea"/>
               </a:rPr>
-              <a:t>B.data.part1</a:t>
+              <a:t>partialHash(B.data.part1)</a:t>
+            </a:r>
+            <a:r>
+              <a:rPr lang="zh-CN" altLang="en-US">
+                <a:sym typeface="+mn-ea"/>
+              </a:rPr>
+              <a:t>与</a:t>
             </a:r>
             <a:r>
               <a:rPr lang="en-US" altLang="zh-CN">
                 <a:sym typeface="+mn-ea"/>
               </a:rPr>
-              <a:t>)||</a:t>
-            </a:r>
-            <a:r>
-              <a:rPr lang="en-US" altLang="zh-CN">
-                <a:sym typeface="+mn-ea"/>
-              </a:rPr>
               <a:t>B.data.part2</a:t>
             </a:r>
             <a:r>
-              <a:rPr lang="en-US" altLang="zh-CN">
-                <a:sym typeface="+mn-ea"/>
-              </a:rPr>
-              <a:t>)</a:t>
-            </a:r>
-            <a:r>
               <a:rPr lang="zh-CN" altLang="en-US">
                 <a:sym typeface="+mn-ea"/>
               </a:rPr>
-              <a:t>来验证输入的</a:t>
-            </a:r>
-            <a:r>
-              <a:rPr lang="en-US" altLang="zh-CN">
-                <a:sym typeface="+mn-ea"/>
-              </a:rPr>
-              <a:t>partialHash(B.data.part1)</a:t>
-            </a:r>
-            <a:r>
-              <a:rPr lang="zh-CN" altLang="en-US">
-                <a:sym typeface="+mn-ea"/>
-              </a:rPr>
-              <a:t>与</a:t>
-            </a:r>
-            <a:r>
-              <a:rPr lang="en-US" altLang="zh-CN">
-                <a:sym typeface="+mn-ea"/>
-              </a:rPr>
-              <a:t>B.data.part2</a:t>
-            </a:r>
-            <a:r>
-              <a:rPr lang="zh-CN" altLang="en-US">
-                <a:sym typeface="+mn-ea"/>
-              </a:rPr>
               <a:t>数据的正确性。</a:t>
             </a:r>
-            <a:endParaRPr lang="zh-CN" altLang="en-US">
-              <a:sym typeface="+mn-ea"/>
-            </a:endParaRPr>
           </a:p>
           <a:p>
             <a:pPr marL="0" indent="0">
@@ -7816,18 +8386,108 @@
               <a:rPr lang="en-US" altLang="zh-CN">
                 <a:sym typeface="+mn-ea"/>
               </a:rPr>
-              <a:t>TxB.</a:t>
+              <a:t>TxB.InputN.txid</a:t>
+            </a:r>
+            <a:r>
+              <a:rPr lang="zh-CN" altLang="en-US">
+                <a:sym typeface="+mn-ea"/>
+              </a:rPr>
+              <a:t>与</a:t>
             </a:r>
             <a:r>
               <a:rPr lang="en-US" altLang="zh-CN">
                 <a:sym typeface="+mn-ea"/>
               </a:rPr>
-              <a:t>InputN.txid</a:t>
+              <a:t>TxB.InputN.vout</a:t>
             </a:r>
             <a:r>
               <a:rPr lang="zh-CN" altLang="en-US">
                 <a:sym typeface="+mn-ea"/>
               </a:rPr>
+              <a:t>，标记这两个数据所指向的交易为</a:t>
+            </a:r>
+            <a:r>
+              <a:rPr lang="en-US" altLang="zh-CN">
+                <a:sym typeface="+mn-ea"/>
+              </a:rPr>
+              <a:t>TxD</a:t>
+            </a:r>
+            <a:r>
+              <a:rPr lang="zh-CN" altLang="en-US">
+                <a:sym typeface="+mn-ea"/>
+              </a:rPr>
+              <a:t>，通过</a:t>
+            </a:r>
+            <a:r>
+              <a:rPr lang="en-US" altLang="zh-CN">
+                <a:sym typeface="+mn-ea"/>
+              </a:rPr>
+              <a:t>TxB.InputN.txid=Hash</a:t>
+            </a:r>
+            <a:r>
+              <a:rPr lang="zh-CN" altLang="en-US">
+                <a:sym typeface="+mn-ea"/>
+              </a:rPr>
+              <a:t>（</a:t>
+            </a:r>
+            <a:r>
+              <a:rPr lang="en-US" altLang="zh-CN">
+                <a:sym typeface="+mn-ea"/>
+              </a:rPr>
+              <a:t>partialHash</a:t>
+            </a:r>
+            <a:r>
+              <a:rPr lang="zh-CN" altLang="en-US">
+                <a:sym typeface="+mn-ea"/>
+              </a:rPr>
+              <a:t>（</a:t>
+            </a:r>
+            <a:r>
+              <a:rPr lang="en-US" altLang="zh-CN">
+                <a:sym typeface="+mn-ea"/>
+              </a:rPr>
+              <a:t>TxD.frontpart</a:t>
+            </a:r>
+            <a:r>
+              <a:rPr lang="zh-CN" altLang="en-US">
+                <a:sym typeface="+mn-ea"/>
+              </a:rPr>
+              <a:t>）</a:t>
+            </a:r>
+            <a:r>
+              <a:rPr lang="en-US" altLang="zh-CN">
+                <a:sym typeface="+mn-ea"/>
+              </a:rPr>
+              <a:t>|| TxD.lastpart</a:t>
+            </a:r>
+            <a:r>
+              <a:rPr lang="zh-CN" altLang="en-US">
+                <a:sym typeface="+mn-ea"/>
+              </a:rPr>
+              <a:t>）来获取验证正确的</a:t>
+            </a:r>
+            <a:r>
+              <a:rPr lang="en-US" altLang="zh-CN">
+                <a:sym typeface="+mn-ea"/>
+              </a:rPr>
+              <a:t> TxD.lastpart </a:t>
+            </a:r>
+            <a:r>
+              <a:rPr lang="zh-CN" altLang="en-US">
+                <a:sym typeface="+mn-ea"/>
+              </a:rPr>
+              <a:t>，并验证</a:t>
+            </a:r>
+            <a:r>
+              <a:rPr lang="en-US" altLang="zh-CN">
+                <a:sym typeface="+mn-ea"/>
+              </a:rPr>
+              <a:t>TxB.InputN.txid</a:t>
+            </a:r>
+            <a:r>
+              <a:rPr lang="zh-CN" altLang="en-US">
+                <a:sym typeface="+mn-ea"/>
+              </a:rPr>
               <a:t>与</a:t>
             </a:r>
             <a:r>
@@ -7840,179 +8500,80 @@
               <a:rPr lang="zh-CN" altLang="en-US">
                 <a:sym typeface="+mn-ea"/>
               </a:rPr>
-              <a:t>，标记这两个数据所指向的交易为</a:t>
+              <a:t>指向的</a:t>
             </a:r>
             <a:r>
               <a:rPr lang="en-US" altLang="zh-CN">
                 <a:sym typeface="+mn-ea"/>
               </a:rPr>
-              <a:t>TxD</a:t>
+              <a:t>Lockscript</a:t>
             </a:r>
             <a:r>
               <a:rPr lang="zh-CN" altLang="en-US">
                 <a:sym typeface="+mn-ea"/>
               </a:rPr>
-              <a:t>，通过</a:t>
+              <a:t>确实应用了</a:t>
             </a:r>
             <a:r>
               <a:rPr lang="en-US" altLang="zh-CN">
                 <a:sym typeface="+mn-ea"/>
               </a:rPr>
-              <a:t>TxB.InputN.txid=Hash</a:t>
+              <a:t>OP_PUSH_TX</a:t>
             </a:r>
             <a:r>
               <a:rPr lang="zh-CN" altLang="en-US">
                 <a:sym typeface="+mn-ea"/>
               </a:rPr>
-              <a:t>（</a:t>
+              <a:t>技术，其确实编写了对应的检查代码来保证“</a:t>
             </a:r>
             <a:r>
               <a:rPr lang="en-US" altLang="zh-CN">
                 <a:sym typeface="+mn-ea"/>
               </a:rPr>
-              <a:t>partialHash</a:t>
+              <a:t>InputN.unlockdata</a:t>
             </a:r>
             <a:r>
               <a:rPr lang="zh-CN" altLang="en-US">
                 <a:sym typeface="+mn-ea"/>
               </a:rPr>
-              <a:t>（</a:t>
+              <a:t>中的数据包括</a:t>
             </a:r>
             <a:r>
               <a:rPr lang="en-US" altLang="zh-CN">
                 <a:sym typeface="+mn-ea"/>
               </a:rPr>
-              <a:t>TxD.frontpart</a:t>
+              <a:t> TxB </a:t>
             </a:r>
             <a:r>
               <a:rPr lang="zh-CN" altLang="en-US">
                 <a:sym typeface="+mn-ea"/>
               </a:rPr>
-              <a:t>）</a:t>
+              <a:t>数据的所有</a:t>
             </a:r>
             <a:r>
               <a:rPr lang="en-US" altLang="zh-CN">
                 <a:sym typeface="+mn-ea"/>
               </a:rPr>
-              <a:t>|| TxD.lastpart</a:t>
+              <a:t>inputs</a:t>
             </a:r>
             <a:r>
               <a:rPr lang="zh-CN" altLang="en-US">
                 <a:sym typeface="+mn-ea"/>
               </a:rPr>
-              <a:t>）来获取验证正确的</a:t>
+              <a:t>的</a:t>
             </a:r>
             <a:r>
               <a:rPr lang="en-US" altLang="zh-CN">
                 <a:sym typeface="+mn-ea"/>
               </a:rPr>
-              <a:t> TxD.lastpart </a:t>
+              <a:t>txid&amp;vout</a:t>
             </a:r>
             <a:r>
               <a:rPr lang="zh-CN" altLang="en-US">
                 <a:sym typeface="+mn-ea"/>
               </a:rPr>
-              <a:t>，并验证</a:t>
-            </a:r>
-            <a:r>
-              <a:rPr lang="en-US" altLang="zh-CN">
-                <a:sym typeface="+mn-ea"/>
-              </a:rPr>
-              <a:t>TxB.InputN.txid</a:t>
-            </a:r>
-            <a:r>
-              <a:rPr lang="zh-CN" altLang="en-US">
-                <a:sym typeface="+mn-ea"/>
-              </a:rPr>
-              <a:t>与</a:t>
-            </a:r>
-            <a:r>
-              <a:rPr lang="en-US" altLang="zh-CN">
-                <a:sym typeface="+mn-ea"/>
-              </a:rPr>
-              <a:t>TxB.InputN.vout</a:t>
-            </a:r>
-            <a:r>
-              <a:rPr lang="zh-CN" altLang="en-US">
-                <a:sym typeface="+mn-ea"/>
-              </a:rPr>
-              <a:t>指向的</a:t>
-            </a:r>
-            <a:r>
-              <a:rPr lang="en-US" altLang="zh-CN">
-                <a:sym typeface="+mn-ea"/>
-              </a:rPr>
-              <a:t>Lockscript</a:t>
-            </a:r>
-            <a:r>
-              <a:rPr lang="zh-CN" altLang="en-US">
-                <a:sym typeface="+mn-ea"/>
-              </a:rPr>
-              <a:t>确实应用了</a:t>
-            </a:r>
-            <a:r>
-              <a:rPr lang="en-US" altLang="zh-CN">
-                <a:sym typeface="+mn-ea"/>
-              </a:rPr>
-              <a:t>OP_PUSH_TX</a:t>
-            </a:r>
-            <a:r>
-              <a:rPr lang="zh-CN" altLang="en-US">
-                <a:sym typeface="+mn-ea"/>
-              </a:rPr>
-              <a:t>技术，其确实编写了对应的检查代码来保证“</a:t>
-            </a:r>
-            <a:r>
-              <a:rPr lang="en-US" altLang="zh-CN">
-                <a:sym typeface="+mn-ea"/>
-              </a:rPr>
-              <a:t>InputN.unlockdata</a:t>
-            </a:r>
-            <a:r>
-              <a:rPr lang="zh-CN" altLang="en-US">
-                <a:sym typeface="+mn-ea"/>
-              </a:rPr>
-              <a:t>中的数据包括</a:t>
-            </a:r>
-            <a:r>
-              <a:rPr lang="en-US" altLang="zh-CN">
-                <a:sym typeface="+mn-ea"/>
-              </a:rPr>
-              <a:t> TxB </a:t>
-            </a:r>
-            <a:r>
-              <a:rPr lang="zh-CN" altLang="en-US">
-                <a:sym typeface="+mn-ea"/>
-              </a:rPr>
-              <a:t>数据的所有</a:t>
-            </a:r>
-            <a:r>
-              <a:rPr lang="en-US" altLang="zh-CN">
-                <a:sym typeface="+mn-ea"/>
-              </a:rPr>
-              <a:t>inputs</a:t>
-            </a:r>
-            <a:r>
-              <a:rPr lang="zh-CN" altLang="en-US">
-                <a:sym typeface="+mn-ea"/>
-              </a:rPr>
-              <a:t>的</a:t>
-            </a:r>
-            <a:r>
-              <a:rPr lang="en-US" altLang="zh-CN">
-                <a:sym typeface="+mn-ea"/>
-              </a:rPr>
-              <a:t>txid&amp;vout</a:t>
-            </a:r>
-            <a:r>
-              <a:rPr lang="zh-CN" altLang="en-US">
-                <a:sym typeface="+mn-ea"/>
-              </a:rPr>
               <a:t>”</a:t>
             </a:r>
-            <a:endParaRPr lang="zh-CN" altLang="en-US">
-              <a:sym typeface="+mn-ea"/>
-            </a:endParaRPr>
           </a:p>
           <a:p>
             <a:pPr marL="0" indent="0">
@@ -8192,9 +8753,6 @@
               </a:rPr>
               <a:t>等数据均具有确定有限的大小。</a:t>
             </a:r>
-            <a:endParaRPr lang="zh-CN" altLang="en-US">
-              <a:sym typeface="+mn-ea"/>
-            </a:endParaRPr>
           </a:p>
           <a:p>
             <a:pPr marL="0" indent="0">
@@ -8346,9 +8904,6 @@
               </a:rPr>
               <a:t>”</a:t>
             </a:r>
-            <a:endParaRPr lang="zh-CN" altLang="en-US">
-              <a:sym typeface="+mn-ea"/>
-            </a:endParaRPr>
           </a:p>
         </p:txBody>
       </p:sp>
@@ -8478,7 +9033,7 @@
         <a:solidFill>
           <a:schemeClr val="phClr"/>
         </a:solidFill>
-        <a:gradFill rotWithShape="true">
+        <a:gradFill rotWithShape="1">
           <a:gsLst>
             <a:gs pos="0">
               <a:schemeClr val="phClr">
@@ -8502,9 +9057,9 @@
               </a:schemeClr>
             </a:gs>
           </a:gsLst>
-          <a:lin ang="5400000" scaled="false"/>
+          <a:lin ang="5400000" scaled="0"/>
         </a:gradFill>
-        <a:gradFill rotWithShape="true">
+        <a:gradFill rotWithShape="1">
           <a:gsLst>
             <a:gs pos="0">
               <a:schemeClr val="phClr">
@@ -8528,7 +9083,7 @@
               </a:schemeClr>
             </a:gs>
           </a:gsLst>
-          <a:lin ang="5400000" scaled="false"/>
+          <a:lin ang="5400000" scaled="0"/>
         </a:gradFill>
       </a:fillStyleLst>
       <a:lnStyleLst>
@@ -8581,7 +9136,7 @@
             <a:satMod val="170000"/>
           </a:schemeClr>
         </a:solidFill>
-        <a:gradFill rotWithShape="true">
+        <a:gradFill rotWithShape="1">
           <a:gsLst>
             <a:gs pos="0">
               <a:schemeClr val="phClr">
@@ -8606,11 +9161,13 @@
               </a:schemeClr>
             </a:gs>
           </a:gsLst>
-          <a:lin ang="5400000" scaled="false"/>
+          <a:lin ang="5400000" scaled="0"/>
         </a:gradFill>
       </a:bgFillStyleLst>
     </a:fmtScheme>
   </a:themeElements>
+  <a:objectDefaults/>
+  <a:extraClrSchemeLst/>
   <a:extLst>
     <a:ext uri="{05A4C25C-085E-4340-85A3-A5531E510DB2}">
       <thm15:themeFamily xmlns:thm15="http://schemas.microsoft.com/office/thememl/2012/main" name="Office Theme" id="{62F939B6-93AF-4DB8-9C6B-D6C7DFDC589F}" vid="{4A3C46E8-61CC-4603-A589-7422A47A8E4A}"/>
@@ -8737,7 +9294,7 @@
         <a:solidFill>
           <a:schemeClr val="phClr"/>
         </a:solidFill>
-        <a:gradFill rotWithShape="true">
+        <a:gradFill rotWithShape="1">
           <a:gsLst>
             <a:gs pos="0">
               <a:schemeClr val="phClr">
@@ -8761,9 +9318,9 @@
               </a:schemeClr>
             </a:gs>
           </a:gsLst>
-          <a:lin ang="5400000" scaled="false"/>
+          <a:lin ang="5400000" scaled="0"/>
         </a:gradFill>
-        <a:gradFill rotWithShape="true">
+        <a:gradFill rotWithShape="1">
           <a:gsLst>
             <a:gs pos="0">
               <a:schemeClr val="phClr">
@@ -8787,7 +9344,7 @@
               </a:schemeClr>
             </a:gs>
           </a:gsLst>
-          <a:lin ang="5400000" scaled="false"/>
+          <a:lin ang="5400000" scaled="0"/>
         </a:gradFill>
       </a:fillStyleLst>
       <a:lnStyleLst>
@@ -8840,7 +9397,7 @@
             <a:satMod val="170000"/>
           </a:schemeClr>
         </a:solidFill>
-        <a:gradFill rotWithShape="true">
+        <a:gradFill rotWithShape="1">
           <a:gsLst>
             <a:gs pos="0">
               <a:schemeClr val="phClr">
@@ -8865,11 +9422,13 @@
               </a:schemeClr>
             </a:gs>
           </a:gsLst>
-          <a:lin ang="5400000" scaled="false"/>
+          <a:lin ang="5400000" scaled="0"/>
         </a:gradFill>
       </a:bgFillStyleLst>
     </a:fmtScheme>
   </a:themeElements>
+  <a:objectDefaults/>
+  <a:extraClrSchemeLst/>
   <a:extLst>
     <a:ext uri="{05A4C25C-085E-4340-85A3-A5531E510DB2}">
       <thm15:themeFamily xmlns:thm15="http://schemas.microsoft.com/office/thememl/2012/main" name="Office Theme" id="{62F939B6-93AF-4DB8-9C6B-D6C7DFDC589F}" vid="{4A3C46E8-61CC-4603-A589-7422A47A8E4A}"/>
@@ -8996,7 +9555,7 @@
         <a:solidFill>
           <a:schemeClr val="phClr"/>
         </a:solidFill>
-        <a:gradFill rotWithShape="true">
+        <a:gradFill rotWithShape="1">
           <a:gsLst>
             <a:gs pos="0">
               <a:schemeClr val="phClr">
@@ -9020,9 +9579,9 @@
               </a:schemeClr>
             </a:gs>
           </a:gsLst>
-          <a:lin ang="5400000" scaled="false"/>
+          <a:lin ang="5400000" scaled="0"/>
         </a:gradFill>
-        <a:gradFill rotWithShape="true">
+        <a:gradFill rotWithShape="1">
           <a:gsLst>
             <a:gs pos="0">
               <a:schemeClr val="phClr">
@@ -9046,7 +9605,7 @@
               </a:schemeClr>
             </a:gs>
           </a:gsLst>
-          <a:lin ang="5400000" scaled="false"/>
+          <a:lin ang="5400000" scaled="0"/>
         </a:gradFill>
       </a:fillStyleLst>
       <a:lnStyleLst>
@@ -9099,7 +9658,7 @@
             <a:satMod val="170000"/>
           </a:schemeClr>
         </a:solidFill>
-        <a:gradFill rotWithShape="true">
+        <a:gradFill rotWithShape="1">
           <a:gsLst>
             <a:gs pos="0">
               <a:schemeClr val="phClr">
@@ -9124,11 +9683,13 @@
               </a:schemeClr>
             </a:gs>
           </a:gsLst>
-          <a:lin ang="5400000" scaled="false"/>
+          <a:lin ang="5400000" scaled="0"/>
         </a:gradFill>
       </a:bgFillStyleLst>
     </a:fmtScheme>
   </a:themeElements>
+  <a:objectDefaults/>
+  <a:extraClrSchemeLst/>
   <a:extLst>
     <a:ext uri="{05A4C25C-085E-4340-85A3-A5531E510DB2}">
       <thm15:themeFamily xmlns:thm15="http://schemas.microsoft.com/office/thememl/2012/main" name="Office Theme" id="{62F939B6-93AF-4DB8-9C6B-D6C7DFDC589F}" vid="{4A3C46E8-61CC-4603-A589-7422A47A8E4A}"/>

--- a/Solve_BSV-L1-Contract_BackToGenesis_Problem_WithoutHardFork.pptx
+++ b/Solve_BSV-L1-Contract_BackToGenesis_Problem_WithoutHardFork.pptx
@@ -5,10 +5,10 @@
     <p:sldMasterId id="2147483648" r:id="rId1"/>
   </p:sldMasterIdLst>
   <p:notesMasterIdLst>
-    <p:notesMasterId r:id="rId9"/>
+    <p:notesMasterId r:id="rId11"/>
   </p:notesMasterIdLst>
   <p:handoutMasterIdLst>
-    <p:handoutMasterId r:id="rId10"/>
+    <p:handoutMasterId r:id="rId12"/>
   </p:handoutMasterIdLst>
   <p:sldIdLst>
     <p:sldId id="262" r:id="rId2"/>
@@ -18,6 +18,8 @@
     <p:sldId id="266" r:id="rId6"/>
     <p:sldId id="267" r:id="rId7"/>
     <p:sldId id="268" r:id="rId8"/>
+    <p:sldId id="269" r:id="rId9"/>
+    <p:sldId id="270" r:id="rId10"/>
   </p:sldIdLst>
   <p:sldSz cx="12192000" cy="6858000"/>
   <p:notesSz cx="7104063" cy="10234613"/>
@@ -217,7 +219,7 @@
           <a:p>
             <a:fld id="{0F9B84EA-7D68-4D60-9CB1-D50884785D1C}" type="datetimeFigureOut">
               <a:rPr lang="zh-CN" altLang="en-US" smtClean="0"/>
-              <a:t>2022/4/20</a:t>
+              <a:t>2022/4/21</a:t>
             </a:fld>
             <a:endParaRPr lang="zh-CN" altLang="en-US"/>
           </a:p>
@@ -377,7 +379,7 @@
           <a:p>
             <a:fld id="{D6C8D182-E4C8-4120-9249-FC9774456FFA}" type="datetimeFigureOut">
               <a:rPr lang="zh-CN" altLang="en-US" smtClean="0"/>
-              <a:t>2022/4/20</a:t>
+              <a:t>2022/4/21</a:t>
             </a:fld>
             <a:endParaRPr lang="zh-CN" altLang="en-US"/>
           </a:p>
@@ -663,6 +665,202 @@
             <a:spLocks noGrp="1" noRot="1" noChangeAspect="1"/>
           </p:cNvSpPr>
           <p:nvPr>
+            <p:ph type="sldImg"/>
+          </p:nvPr>
+        </p:nvSpPr>
+        <p:spPr/>
+      </p:sp>
+      <p:sp>
+        <p:nvSpPr>
+          <p:cNvPr id="3" name="备注占位符 2"/>
+          <p:cNvSpPr>
+            <a:spLocks noGrp="1"/>
+          </p:cNvSpPr>
+          <p:nvPr>
+            <p:ph type="body" idx="1"/>
+          </p:nvPr>
+        </p:nvSpPr>
+        <p:spPr/>
+        <p:txBody>
+          <a:bodyPr/>
+          <a:lstStyle/>
+          <a:p>
+            <a:r>
+              <a:rPr lang="en-US" altLang="zh-CN" smtClean="0"/>
+              <a:t>Translator</a:t>
+            </a:r>
+            <a:r>
+              <a:rPr lang="zh-CN" altLang="en-US" smtClean="0"/>
+              <a:t>：</a:t>
+            </a:r>
+            <a:r>
+              <a:rPr lang="en-US" altLang="zh-CN" smtClean="0"/>
+              <a:t>G.Q.</a:t>
+            </a:r>
+            <a:r>
+              <a:rPr lang="en-US" altLang="zh-CN" baseline="0" smtClean="0"/>
+              <a:t> Zhang</a:t>
+            </a:r>
+            <a:endParaRPr lang="zh-CN" altLang="en-US"/>
+          </a:p>
+        </p:txBody>
+      </p:sp>
+      <p:sp>
+        <p:nvSpPr>
+          <p:cNvPr id="4" name="灯片编号占位符 3"/>
+          <p:cNvSpPr>
+            <a:spLocks noGrp="1"/>
+          </p:cNvSpPr>
+          <p:nvPr>
+            <p:ph type="sldNum" sz="quarter" idx="10"/>
+          </p:nvPr>
+        </p:nvSpPr>
+        <p:spPr/>
+        <p:txBody>
+          <a:bodyPr/>
+          <a:lstStyle/>
+          <a:p>
+            <a:fld id="{85D0DACE-38E0-42D2-9336-2B707D34BC6D}" type="slidenum">
+              <a:rPr lang="zh-CN" altLang="en-US" smtClean="0"/>
+              <a:t>1</a:t>
+            </a:fld>
+            <a:endParaRPr lang="zh-CN" altLang="en-US"/>
+          </a:p>
+        </p:txBody>
+      </p:sp>
+    </p:spTree>
+    <p:extLst>
+      <p:ext uri="{BB962C8B-B14F-4D97-AF65-F5344CB8AC3E}">
+        <p14:creationId xmlns:p14="http://schemas.microsoft.com/office/powerpoint/2010/main" val="2895800254"/>
+      </p:ext>
+    </p:extLst>
+  </p:cSld>
+  <p:clrMapOvr>
+    <a:masterClrMapping/>
+  </p:clrMapOvr>
+</p:notes>
+</file>
+
+<file path=ppt/notesSlides/notesSlide2.xml><?xml version="1.0" encoding="utf-8"?>
+<p:notes xmlns:a="http://schemas.openxmlformats.org/drawingml/2006/main" xmlns:r="http://schemas.openxmlformats.org/officeDocument/2006/relationships" xmlns:p="http://schemas.openxmlformats.org/presentationml/2006/main">
+  <p:cSld>
+    <p:spTree>
+      <p:nvGrpSpPr>
+        <p:cNvPr id="1" name=""/>
+        <p:cNvGrpSpPr/>
+        <p:nvPr/>
+      </p:nvGrpSpPr>
+      <p:grpSpPr>
+        <a:xfrm>
+          <a:off x="0" y="0"/>
+          <a:ext cx="0" cy="0"/>
+          <a:chOff x="0" y="0"/>
+          <a:chExt cx="0" cy="0"/>
+        </a:xfrm>
+      </p:grpSpPr>
+      <p:sp>
+        <p:nvSpPr>
+          <p:cNvPr id="2" name="幻灯片图像占位符 1"/>
+          <p:cNvSpPr>
+            <a:spLocks noGrp="1" noRot="1" noChangeAspect="1"/>
+          </p:cNvSpPr>
+          <p:nvPr>
+            <p:ph type="sldImg"/>
+          </p:nvPr>
+        </p:nvSpPr>
+        <p:spPr/>
+      </p:sp>
+      <p:sp>
+        <p:nvSpPr>
+          <p:cNvPr id="3" name="备注占位符 2"/>
+          <p:cNvSpPr>
+            <a:spLocks noGrp="1"/>
+          </p:cNvSpPr>
+          <p:nvPr>
+            <p:ph type="body" idx="1"/>
+          </p:nvPr>
+        </p:nvSpPr>
+        <p:spPr/>
+        <p:txBody>
+          <a:bodyPr/>
+          <a:lstStyle/>
+          <a:p>
+            <a:r>
+              <a:rPr lang="en" altLang="zh-CN" smtClean="0">
+                <a:effectLst/>
+              </a:rPr>
+              <a:t>expansion </a:t>
+            </a:r>
+            <a:r>
+              <a:rPr lang="en-US" altLang="zh-CN" smtClean="0">
+                <a:sym typeface="+mn-ea"/>
+              </a:rPr>
+              <a:t>inflation</a:t>
+            </a:r>
+            <a:endParaRPr lang="zh-CN" altLang="en-US"/>
+          </a:p>
+        </p:txBody>
+      </p:sp>
+      <p:sp>
+        <p:nvSpPr>
+          <p:cNvPr id="4" name="灯片编号占位符 3"/>
+          <p:cNvSpPr>
+            <a:spLocks noGrp="1"/>
+          </p:cNvSpPr>
+          <p:nvPr>
+            <p:ph type="sldNum" sz="quarter" idx="10"/>
+          </p:nvPr>
+        </p:nvSpPr>
+        <p:spPr/>
+        <p:txBody>
+          <a:bodyPr/>
+          <a:lstStyle/>
+          <a:p>
+            <a:fld id="{85D0DACE-38E0-42D2-9336-2B707D34BC6D}" type="slidenum">
+              <a:rPr lang="zh-CN" altLang="en-US" smtClean="0"/>
+              <a:t>5</a:t>
+            </a:fld>
+            <a:endParaRPr lang="zh-CN" altLang="en-US"/>
+          </a:p>
+        </p:txBody>
+      </p:sp>
+    </p:spTree>
+    <p:extLst>
+      <p:ext uri="{BB962C8B-B14F-4D97-AF65-F5344CB8AC3E}">
+        <p14:creationId xmlns:p14="http://schemas.microsoft.com/office/powerpoint/2010/main" val="2787214265"/>
+      </p:ext>
+    </p:extLst>
+  </p:cSld>
+  <p:clrMapOvr>
+    <a:masterClrMapping/>
+  </p:clrMapOvr>
+</p:notes>
+</file>
+
+<file path=ppt/notesSlides/notesSlide3.xml><?xml version="1.0" encoding="utf-8"?>
+<p:notes xmlns:a="http://schemas.openxmlformats.org/drawingml/2006/main" xmlns:r="http://schemas.openxmlformats.org/officeDocument/2006/relationships" xmlns:p="http://schemas.openxmlformats.org/presentationml/2006/main">
+  <p:cSld>
+    <p:spTree>
+      <p:nvGrpSpPr>
+        <p:cNvPr id="1" name=""/>
+        <p:cNvGrpSpPr/>
+        <p:nvPr/>
+      </p:nvGrpSpPr>
+      <p:grpSpPr>
+        <a:xfrm>
+          <a:off x="0" y="0"/>
+          <a:ext cx="0" cy="0"/>
+          <a:chOff x="0" y="0"/>
+          <a:chExt cx="0" cy="0"/>
+        </a:xfrm>
+      </p:grpSpPr>
+      <p:sp>
+        <p:nvSpPr>
+          <p:cNvPr id="2" name="幻灯片图像占位符 1"/>
+          <p:cNvSpPr>
+            <a:spLocks noGrp="1" noRot="1" noChangeAspect="1"/>
+          </p:cNvSpPr>
+          <p:nvPr>
             <p:ph type="sldImg" idx="2"/>
           </p:nvPr>
         </p:nvSpPr>
@@ -688,6 +886,225 @@
         </p:txBody>
       </p:sp>
     </p:spTree>
+  </p:cSld>
+  <p:clrMapOvr>
+    <a:masterClrMapping/>
+  </p:clrMapOvr>
+</p:notes>
+</file>
+
+<file path=ppt/notesSlides/notesSlide4.xml><?xml version="1.0" encoding="utf-8"?>
+<p:notes xmlns:a="http://schemas.openxmlformats.org/drawingml/2006/main" xmlns:r="http://schemas.openxmlformats.org/officeDocument/2006/relationships" xmlns:p="http://schemas.openxmlformats.org/presentationml/2006/main">
+  <p:cSld>
+    <p:spTree>
+      <p:nvGrpSpPr>
+        <p:cNvPr id="1" name=""/>
+        <p:cNvGrpSpPr/>
+        <p:nvPr/>
+      </p:nvGrpSpPr>
+      <p:grpSpPr>
+        <a:xfrm>
+          <a:off x="0" y="0"/>
+          <a:ext cx="0" cy="0"/>
+          <a:chOff x="0" y="0"/>
+          <a:chExt cx="0" cy="0"/>
+        </a:xfrm>
+      </p:grpSpPr>
+      <p:sp>
+        <p:nvSpPr>
+          <p:cNvPr id="2" name="幻灯片图像占位符 1"/>
+          <p:cNvSpPr>
+            <a:spLocks noGrp="1" noRot="1" noChangeAspect="1"/>
+          </p:cNvSpPr>
+          <p:nvPr>
+            <p:ph type="sldImg"/>
+          </p:nvPr>
+        </p:nvSpPr>
+        <p:spPr/>
+      </p:sp>
+      <p:sp>
+        <p:nvSpPr>
+          <p:cNvPr id="3" name="备注占位符 2"/>
+          <p:cNvSpPr>
+            <a:spLocks noGrp="1"/>
+          </p:cNvSpPr>
+          <p:nvPr>
+            <p:ph type="body" idx="1"/>
+          </p:nvPr>
+        </p:nvSpPr>
+        <p:spPr/>
+        <p:txBody>
+          <a:bodyPr/>
+          <a:lstStyle/>
+          <a:p>
+            <a:pPr marL="457200" lvl="1" indent="0">
+              <a:buFont typeface="+mj-lt"/>
+              <a:buNone/>
+            </a:pPr>
+            <a:r>
+              <a:rPr lang="zh-CN" altLang="en-US" sz="1000" smtClean="0"/>
+              <a:t>使用</a:t>
+            </a:r>
+            <a:r>
+              <a:rPr lang="en-US" altLang="zh-CN" sz="1000" smtClean="0"/>
+              <a:t>SINGLE</a:t>
+            </a:r>
+            <a:r>
+              <a:rPr lang="zh-CN" altLang="en-US" sz="1000" smtClean="0"/>
+              <a:t> </a:t>
+            </a:r>
+            <a:r>
+              <a:rPr lang="en-US" altLang="zh-CN" sz="1000" smtClean="0"/>
+              <a:t>sighash type</a:t>
+            </a:r>
+            <a:r>
+              <a:rPr lang="zh-CN" altLang="en-US" sz="1000" smtClean="0"/>
+              <a:t>来拿到只包括</a:t>
+            </a:r>
+            <a:r>
+              <a:rPr lang="en-US" altLang="zh-CN" sz="1000" smtClean="0"/>
+              <a:t>TxB.outputN</a:t>
+            </a:r>
+            <a:r>
+              <a:rPr lang="zh-CN" altLang="en-US" sz="1000" smtClean="0"/>
+              <a:t>的</a:t>
+            </a:r>
+            <a:r>
+              <a:rPr lang="en-US" altLang="zh-CN" sz="1000" smtClean="0"/>
+              <a:t>hashOutputs</a:t>
+            </a:r>
+            <a:r>
+              <a:rPr lang="zh-CN" altLang="en-US" sz="1000" smtClean="0"/>
+              <a:t>数据，确保其不是用于伪造的</a:t>
+            </a:r>
+            <a:r>
+              <a:rPr lang="en-US" altLang="zh-CN" sz="1000" smtClean="0"/>
+              <a:t>OpReturn</a:t>
+            </a:r>
+            <a:r>
+              <a:rPr lang="zh-CN" altLang="en-US" sz="1000" smtClean="0"/>
+              <a:t>数据</a:t>
+            </a:r>
+            <a:endParaRPr lang="en-US" altLang="zh-CN" sz="1000" smtClean="0"/>
+          </a:p>
+          <a:p>
+            <a:endParaRPr lang="zh-CN" altLang="en-US"/>
+          </a:p>
+        </p:txBody>
+      </p:sp>
+      <p:sp>
+        <p:nvSpPr>
+          <p:cNvPr id="4" name="灯片编号占位符 3"/>
+          <p:cNvSpPr>
+            <a:spLocks noGrp="1"/>
+          </p:cNvSpPr>
+          <p:nvPr>
+            <p:ph type="sldNum" sz="quarter" idx="10"/>
+          </p:nvPr>
+        </p:nvSpPr>
+        <p:spPr/>
+        <p:txBody>
+          <a:bodyPr/>
+          <a:lstStyle/>
+          <a:p>
+            <a:fld id="{85D0DACE-38E0-42D2-9336-2B707D34BC6D}" type="slidenum">
+              <a:rPr lang="zh-CN" altLang="en-US" smtClean="0"/>
+              <a:t>8</a:t>
+            </a:fld>
+            <a:endParaRPr lang="zh-CN" altLang="en-US"/>
+          </a:p>
+        </p:txBody>
+      </p:sp>
+    </p:spTree>
+    <p:extLst>
+      <p:ext uri="{BB962C8B-B14F-4D97-AF65-F5344CB8AC3E}">
+        <p14:creationId xmlns:p14="http://schemas.microsoft.com/office/powerpoint/2010/main" val="1960473251"/>
+      </p:ext>
+    </p:extLst>
+  </p:cSld>
+  <p:clrMapOvr>
+    <a:masterClrMapping/>
+  </p:clrMapOvr>
+</p:notes>
+</file>
+
+<file path=ppt/notesSlides/notesSlide5.xml><?xml version="1.0" encoding="utf-8"?>
+<p:notes xmlns:a="http://schemas.openxmlformats.org/drawingml/2006/main" xmlns:r="http://schemas.openxmlformats.org/officeDocument/2006/relationships" xmlns:p="http://schemas.openxmlformats.org/presentationml/2006/main">
+  <p:cSld>
+    <p:spTree>
+      <p:nvGrpSpPr>
+        <p:cNvPr id="1" name=""/>
+        <p:cNvGrpSpPr/>
+        <p:nvPr/>
+      </p:nvGrpSpPr>
+      <p:grpSpPr>
+        <a:xfrm>
+          <a:off x="0" y="0"/>
+          <a:ext cx="0" cy="0"/>
+          <a:chOff x="0" y="0"/>
+          <a:chExt cx="0" cy="0"/>
+        </a:xfrm>
+      </p:grpSpPr>
+      <p:sp>
+        <p:nvSpPr>
+          <p:cNvPr id="2" name="幻灯片图像占位符 1"/>
+          <p:cNvSpPr>
+            <a:spLocks noGrp="1" noRot="1" noChangeAspect="1"/>
+          </p:cNvSpPr>
+          <p:nvPr>
+            <p:ph type="sldImg"/>
+          </p:nvPr>
+        </p:nvSpPr>
+        <p:spPr/>
+      </p:sp>
+      <p:sp>
+        <p:nvSpPr>
+          <p:cNvPr id="3" name="备注占位符 2"/>
+          <p:cNvSpPr>
+            <a:spLocks noGrp="1"/>
+          </p:cNvSpPr>
+          <p:nvPr>
+            <p:ph type="body" idx="1"/>
+          </p:nvPr>
+        </p:nvSpPr>
+        <p:spPr/>
+        <p:txBody>
+          <a:bodyPr/>
+          <a:lstStyle/>
+          <a:p>
+            <a:endParaRPr lang="zh-CN" altLang="en-US"/>
+          </a:p>
+        </p:txBody>
+      </p:sp>
+      <p:sp>
+        <p:nvSpPr>
+          <p:cNvPr id="4" name="灯片编号占位符 3"/>
+          <p:cNvSpPr>
+            <a:spLocks noGrp="1"/>
+          </p:cNvSpPr>
+          <p:nvPr>
+            <p:ph type="sldNum" sz="quarter" idx="10"/>
+          </p:nvPr>
+        </p:nvSpPr>
+        <p:spPr/>
+        <p:txBody>
+          <a:bodyPr/>
+          <a:lstStyle/>
+          <a:p>
+            <a:fld id="{85D0DACE-38E0-42D2-9336-2B707D34BC6D}" type="slidenum">
+              <a:rPr lang="zh-CN" altLang="en-US" smtClean="0"/>
+              <a:t>9</a:t>
+            </a:fld>
+            <a:endParaRPr lang="zh-CN" altLang="en-US"/>
+          </a:p>
+        </p:txBody>
+      </p:sp>
+    </p:spTree>
+    <p:extLst>
+      <p:ext uri="{BB962C8B-B14F-4D97-AF65-F5344CB8AC3E}">
+        <p14:creationId xmlns:p14="http://schemas.microsoft.com/office/powerpoint/2010/main" val="1416889071"/>
+      </p:ext>
+    </p:extLst>
   </p:cSld>
   <p:clrMapOvr>
     <a:masterClrMapping/>
@@ -773,7 +1190,7 @@
           <a:p>
             <a:fld id="{760FBDFE-C587-4B4C-A407-44438C67B59E}" type="datetimeFigureOut">
               <a:rPr lang="zh-CN" altLang="en-US" smtClean="0"/>
-              <a:t>2022/4/20</a:t>
+              <a:t>2022/4/21</a:t>
             </a:fld>
             <a:endParaRPr lang="zh-CN" altLang="en-US"/>
           </a:p>
@@ -939,7 +1356,7 @@
           <a:p>
             <a:fld id="{760FBDFE-C587-4B4C-A407-44438C67B59E}" type="datetimeFigureOut">
               <a:rPr lang="zh-CN" altLang="en-US" smtClean="0"/>
-              <a:t>2022/4/20</a:t>
+              <a:t>2022/4/21</a:t>
             </a:fld>
             <a:endParaRPr lang="zh-CN" altLang="en-US"/>
           </a:p>
@@ -1235,7 +1652,7 @@
           <a:p>
             <a:fld id="{760FBDFE-C587-4B4C-A407-44438C67B59E}" type="datetimeFigureOut">
               <a:rPr lang="zh-CN" altLang="en-US" smtClean="0"/>
-              <a:t>2022/4/20</a:t>
+              <a:t>2022/4/21</a:t>
             </a:fld>
             <a:endParaRPr lang="zh-CN" altLang="en-US"/>
           </a:p>
@@ -1485,7 +1902,7 @@
           <a:p>
             <a:fld id="{760FBDFE-C587-4B4C-A407-44438C67B59E}" type="datetimeFigureOut">
               <a:rPr lang="zh-CN" altLang="en-US" smtClean="0"/>
-              <a:t>2022/4/20</a:t>
+              <a:t>2022/4/21</a:t>
             </a:fld>
             <a:endParaRPr lang="zh-CN" altLang="en-US"/>
           </a:p>
@@ -1864,7 +2281,7 @@
           <a:p>
             <a:fld id="{760FBDFE-C587-4B4C-A407-44438C67B59E}" type="datetimeFigureOut">
               <a:rPr lang="zh-CN" altLang="en-US" smtClean="0"/>
-              <a:t>2022/4/20</a:t>
+              <a:t>2022/4/21</a:t>
             </a:fld>
             <a:endParaRPr lang="zh-CN" altLang="en-US"/>
           </a:p>
@@ -2223,7 +2640,7 @@
           <a:p>
             <a:fld id="{760FBDFE-C587-4B4C-A407-44438C67B59E}" type="datetimeFigureOut">
               <a:rPr lang="zh-CN" altLang="en-US" smtClean="0"/>
-              <a:t>2022/4/20</a:t>
+              <a:t>2022/4/21</a:t>
             </a:fld>
             <a:endParaRPr lang="zh-CN" altLang="en-US"/>
           </a:p>
@@ -2354,7 +2771,7 @@
           <a:p>
             <a:fld id="{760FBDFE-C587-4B4C-A407-44438C67B59E}" type="datetimeFigureOut">
               <a:rPr lang="zh-CN" altLang="en-US" smtClean="0"/>
-              <a:t>2022/4/20</a:t>
+              <a:t>2022/4/21</a:t>
             </a:fld>
             <a:endParaRPr lang="zh-CN" altLang="en-US"/>
           </a:p>
@@ -2444,7 +2861,7 @@
           <a:p>
             <a:fld id="{760FBDFE-C587-4B4C-A407-44438C67B59E}" type="datetimeFigureOut">
               <a:rPr lang="zh-CN" altLang="en-US" smtClean="0"/>
-              <a:t>2022/4/20</a:t>
+              <a:t>2022/4/21</a:t>
             </a:fld>
             <a:endParaRPr lang="zh-CN" altLang="en-US"/>
           </a:p>
@@ -2706,7 +3123,7 @@
           <a:p>
             <a:fld id="{9EFD9D74-47D9-4702-A33C-335B63B48DBF}" type="datetimeFigureOut">
               <a:rPr lang="zh-CN" altLang="en-US" smtClean="0"/>
-              <a:t>2022/4/20</a:t>
+              <a:t>2022/4/21</a:t>
             </a:fld>
             <a:endParaRPr lang="zh-CN" altLang="en-US" dirty="0"/>
           </a:p>
@@ -2885,7 +3302,7 @@
           <a:p>
             <a:fld id="{760FBDFE-C587-4B4C-A407-44438C67B59E}" type="datetimeFigureOut">
               <a:rPr lang="zh-CN" altLang="en-US" smtClean="0"/>
-              <a:t>2022/4/20</a:t>
+              <a:t>2022/4/21</a:t>
             </a:fld>
             <a:endParaRPr lang="zh-CN" altLang="en-US"/>
           </a:p>
@@ -3096,7 +3513,7 @@
           <a:p>
             <a:fld id="{760FBDFE-C587-4B4C-A407-44438C67B59E}" type="datetimeFigureOut">
               <a:rPr lang="zh-CN" altLang="en-US" smtClean="0"/>
-              <a:t>2022/4/20</a:t>
+              <a:t>2022/4/21</a:t>
             </a:fld>
             <a:endParaRPr lang="zh-CN" altLang="en-US"/>
           </a:p>
@@ -3527,7 +3944,7 @@
               </a:lnSpc>
             </a:pPr>
             <a:r>
-              <a:rPr lang="" altLang="zh-CN" sz="2000" b="0">
+              <a:rPr lang="en-US" altLang="zh-CN" sz="2000" b="0">
                 <a:ln w="0"/>
                 <a:effectLst>
                   <a:outerShdw blurRad="38100" dist="19050" dir="2700000" algn="tl" rotWithShape="0">
@@ -3540,7 +3957,7 @@
               <a:t/>
             </a:r>
             <a:br>
-              <a:rPr lang="" altLang="zh-CN" sz="2000" b="0">
+              <a:rPr lang="en-US" altLang="zh-CN" sz="2000" b="0">
                 <a:ln w="0"/>
                 <a:effectLst>
                   <a:outerShdw blurRad="38100" dist="19050" dir="2700000" algn="tl" rotWithShape="0">
@@ -3552,7 +3969,7 @@
               </a:rPr>
             </a:br>
             <a:r>
-              <a:rPr lang="" altLang="zh-CN" sz="2000" b="0" smtClean="0">
+              <a:rPr lang="en-US" altLang="zh-CN" sz="2000" b="0" smtClean="0">
                 <a:ln w="0"/>
                 <a:effectLst>
                   <a:outerShdw blurRad="38100" dist="19050" dir="2700000" algn="tl" rotWithShape="0">
@@ -3565,7 +3982,7 @@
               <a:t>[</a:t>
             </a:r>
             <a:r>
-              <a:rPr lang="" altLang="zh-CN" sz="2000" b="0">
+              <a:rPr lang="en-US" altLang="zh-CN" sz="2000" b="0">
                 <a:ln w="0"/>
                 <a:effectLst>
                   <a:outerShdw blurRad="38100" dist="19050" dir="2700000" algn="tl" rotWithShape="0">
@@ -3578,86 +3995,7 @@
               <a:t>1] </a:t>
             </a:r>
             <a:r>
-              <a:rPr lang="" altLang="zh-CN" sz="2000" b="0">
-                <a:ln w="0"/>
-                <a:effectLst>
-                  <a:outerShdw blurRad="38100" dist="19050" dir="2700000" algn="tl" rotWithShape="0">
-                    <a:schemeClr val="dk1">
-                      <a:alpha val="40000"/>
-                    </a:schemeClr>
-                  </a:outerShdw>
-                </a:effectLst>
-                <a:hlinkClick r:id="rId2"/>
-              </a:rPr>
-              <a:t>https://</a:t>
-            </a:r>
-            <a:r>
-              <a:rPr lang="" altLang="zh-CN" sz="2000" b="0" smtClean="0">
-                <a:ln w="0"/>
-                <a:effectLst>
-                  <a:outerShdw blurRad="38100" dist="19050" dir="2700000" algn="tl" rotWithShape="0">
-                    <a:schemeClr val="dk1">
-                      <a:alpha val="40000"/>
-                    </a:schemeClr>
-                  </a:outerShdw>
-                </a:effectLst>
-                <a:hlinkClick r:id="rId2"/>
-              </a:rPr>
-              <a:t>xiaohuiliu.medium.com/peer-to-peer-tokens-6508986d9593</a:t>
-            </a:r>
-            <a:r>
-              <a:rPr lang="" altLang="zh-CN" sz="2000" b="0" smtClean="0">
-                <a:ln w="0"/>
-                <a:effectLst>
-                  <a:outerShdw blurRad="38100" dist="19050" dir="2700000" algn="tl" rotWithShape="0">
-                    <a:schemeClr val="dk1">
-                      <a:alpha val="40000"/>
-                    </a:schemeClr>
-                  </a:outerShdw>
-                </a:effectLst>
-              </a:rPr>
-              <a:t/>
-            </a:r>
-            <a:br>
-              <a:rPr lang="" altLang="zh-CN" sz="2000" b="0" smtClean="0">
-                <a:ln w="0"/>
-                <a:effectLst>
-                  <a:outerShdw blurRad="38100" dist="19050" dir="2700000" algn="tl" rotWithShape="0">
-                    <a:schemeClr val="dk1">
-                      <a:alpha val="40000"/>
-                    </a:schemeClr>
-                  </a:outerShdw>
-                </a:effectLst>
-              </a:rPr>
-            </a:br>
-            <a:r>
-              <a:rPr lang="" altLang="zh-CN" sz="2000" b="0" smtClean="0">
-                <a:ln w="0"/>
-                <a:effectLst>
-                  <a:outerShdw blurRad="38100" dist="19050" dir="2700000" algn="tl" rotWithShape="0">
-                    <a:schemeClr val="dk1">
-                      <a:alpha val="40000"/>
-                    </a:schemeClr>
-                  </a:outerShdw>
-                </a:effectLst>
-              </a:rPr>
-              <a:t>[</a:t>
-            </a:r>
-            <a:r>
-              <a:rPr lang="" altLang="zh-CN" sz="2000" b="0">
-                <a:ln w="0"/>
-                <a:effectLst>
-                  <a:outerShdw blurRad="38100" dist="19050" dir="2700000" algn="tl" rotWithShape="0">
-                    <a:schemeClr val="dk1">
-                      <a:alpha val="40000"/>
-                    </a:schemeClr>
-                  </a:outerShdw>
-                </a:effectLst>
-              </a:rPr>
-              <a:t>2] </a:t>
-            </a:r>
-            <a:r>
-              <a:rPr lang="" altLang="zh-CN" sz="2000" b="0">
+              <a:rPr lang="en-US" altLang="zh-CN" sz="2000" b="0">
                 <a:ln w="0"/>
                 <a:effectLst>
                   <a:outerShdw blurRad="38100" dist="19050" dir="2700000" algn="tl" rotWithShape="0">
@@ -3668,10 +4006,10 @@
                 </a:effectLst>
                 <a:hlinkClick r:id="rId3"/>
               </a:rPr>
-              <a:t>https://medium.com/@</a:t>
-            </a:r>
-            <a:r>
-              <a:rPr lang="" altLang="zh-CN" sz="2000" b="0" smtClean="0">
+              <a:t>https://</a:t>
+            </a:r>
+            <a:r>
+              <a:rPr lang="en-US" altLang="zh-CN" sz="2000" b="0" smtClean="0">
                 <a:ln w="0"/>
                 <a:effectLst>
                   <a:outerShdw blurRad="38100" dist="19050" dir="2700000" algn="tl" rotWithShape="0">
@@ -3682,10 +4020,10 @@
                 </a:effectLst>
                 <a:hlinkClick r:id="rId3"/>
               </a:rPr>
-              <a:t>buildonbsv/back-to-genesis-simplest-explanation-7a9264ca6aed</a:t>
-            </a:r>
-            <a:r>
-              <a:rPr lang="" altLang="zh-CN" sz="2000" b="0" smtClean="0">
+              <a:t>xiaohuiliu.medium.com/peer-to-peer-tokens-6508986d9593</a:t>
+            </a:r>
+            <a:r>
+              <a:rPr lang="en-US" altLang="zh-CN" sz="2000" b="0" smtClean="0">
                 <a:ln w="0"/>
                 <a:effectLst>
                   <a:outerShdw blurRad="38100" dist="19050" dir="2700000" algn="tl" rotWithShape="0">
@@ -3698,7 +4036,7 @@
               <a:t/>
             </a:r>
             <a:br>
-              <a:rPr lang="" altLang="zh-CN" sz="2000" b="0" smtClean="0">
+              <a:rPr lang="en-US" altLang="zh-CN" sz="2000" b="0" smtClean="0">
                 <a:ln w="0"/>
                 <a:effectLst>
                   <a:outerShdw blurRad="38100" dist="19050" dir="2700000" algn="tl" rotWithShape="0">
@@ -3709,7 +4047,86 @@
                 </a:effectLst>
               </a:rPr>
             </a:br>
-            <a:endParaRPr lang="" altLang="zh-CN" sz="2000" b="0">
+            <a:r>
+              <a:rPr lang="en-US" altLang="zh-CN" sz="2000" b="0" smtClean="0">
+                <a:ln w="0"/>
+                <a:effectLst>
+                  <a:outerShdw blurRad="38100" dist="19050" dir="2700000" algn="tl" rotWithShape="0">
+                    <a:schemeClr val="dk1">
+                      <a:alpha val="40000"/>
+                    </a:schemeClr>
+                  </a:outerShdw>
+                </a:effectLst>
+              </a:rPr>
+              <a:t>[</a:t>
+            </a:r>
+            <a:r>
+              <a:rPr lang="en-US" altLang="zh-CN" sz="2000" b="0">
+                <a:ln w="0"/>
+                <a:effectLst>
+                  <a:outerShdw blurRad="38100" dist="19050" dir="2700000" algn="tl" rotWithShape="0">
+                    <a:schemeClr val="dk1">
+                      <a:alpha val="40000"/>
+                    </a:schemeClr>
+                  </a:outerShdw>
+                </a:effectLst>
+              </a:rPr>
+              <a:t>2] </a:t>
+            </a:r>
+            <a:r>
+              <a:rPr lang="en-US" altLang="zh-CN" sz="2000" b="0">
+                <a:ln w="0"/>
+                <a:effectLst>
+                  <a:outerShdw blurRad="38100" dist="19050" dir="2700000" algn="tl" rotWithShape="0">
+                    <a:schemeClr val="dk1">
+                      <a:alpha val="40000"/>
+                    </a:schemeClr>
+                  </a:outerShdw>
+                </a:effectLst>
+                <a:hlinkClick r:id="rId4"/>
+              </a:rPr>
+              <a:t>https://medium.com/@</a:t>
+            </a:r>
+            <a:r>
+              <a:rPr lang="en-US" altLang="zh-CN" sz="2000" b="0" smtClean="0">
+                <a:ln w="0"/>
+                <a:effectLst>
+                  <a:outerShdw blurRad="38100" dist="19050" dir="2700000" algn="tl" rotWithShape="0">
+                    <a:schemeClr val="dk1">
+                      <a:alpha val="40000"/>
+                    </a:schemeClr>
+                  </a:outerShdw>
+                </a:effectLst>
+                <a:hlinkClick r:id="rId4"/>
+              </a:rPr>
+              <a:t>buildonbsv/back-to-genesis-simplest-explanation-7a9264ca6aed</a:t>
+            </a:r>
+            <a:r>
+              <a:rPr lang="en-US" altLang="zh-CN" sz="2000" b="0" smtClean="0">
+                <a:ln w="0"/>
+                <a:effectLst>
+                  <a:outerShdw blurRad="38100" dist="19050" dir="2700000" algn="tl" rotWithShape="0">
+                    <a:schemeClr val="dk1">
+                      <a:alpha val="40000"/>
+                    </a:schemeClr>
+                  </a:outerShdw>
+                </a:effectLst>
+              </a:rPr>
+              <a:t/>
+            </a:r>
+            <a:br>
+              <a:rPr lang="en-US" altLang="zh-CN" sz="2000" b="0" smtClean="0">
+                <a:ln w="0"/>
+                <a:effectLst>
+                  <a:outerShdw blurRad="38100" dist="19050" dir="2700000" algn="tl" rotWithShape="0">
+                    <a:schemeClr val="dk1">
+                      <a:alpha val="40000"/>
+                    </a:schemeClr>
+                  </a:outerShdw>
+                </a:effectLst>
+              </a:rPr>
+            </a:br>
+            <a:endParaRPr lang="en-US" altLang="zh-CN" sz="2000" b="0">
               <a:ln w="0"/>
               <a:effectLst>
                 <a:outerShdw blurRad="38100" dist="19050" dir="2700000" algn="tl" rotWithShape="0">
@@ -3731,7 +4148,7 @@
         <p:spPr>
           <a:xfrm>
             <a:off x="734519" y="1894792"/>
-            <a:ext cx="10283252" cy="2062103"/>
+            <a:ext cx="10283252" cy="2554545"/>
           </a:xfrm>
           <a:prstGeom prst="rect">
             <a:avLst/>
@@ -3745,7 +4162,7 @@
           <a:p>
             <a:pPr algn="ctr"/>
             <a:r>
-              <a:rPr lang="" altLang="zh-CN" sz="3200" b="1">
+              <a:rPr lang="en-US" altLang="zh-CN" sz="3200" b="1">
                 <a:solidFill>
                   <a:srgbClr val="FF0000"/>
                 </a:solidFill>
@@ -3762,7 +4179,7 @@
               <a:t>[1</a:t>
             </a:r>
             <a:r>
-              <a:rPr lang="" altLang="en-US" sz="3200" b="1" baseline="30000">
+              <a:rPr lang="en-US" altLang="en-US" sz="3200" b="1" baseline="30000">
                 <a:solidFill>
                   <a:srgbClr val="FF0000"/>
                 </a:solidFill>
@@ -3780,30 +4197,14 @@
               <a:t>]</a:t>
             </a:r>
             <a:r>
-              <a:rPr lang="" altLang="zh-CN" sz="3200" b="1">
+              <a:rPr lang="en-US" altLang="zh-CN" sz="3200" b="1">
                 <a:solidFill>
                   <a:srgbClr val="FF0000"/>
                 </a:solidFill>
               </a:rPr>
-              <a:t> </a:t>
-            </a:r>
-            <a:r>
-              <a:rPr lang="en-US" altLang="zh-CN" sz="3200" b="1">
-                <a:solidFill>
-                  <a:srgbClr val="FF0000"/>
-                </a:solidFill>
-              </a:rPr>
-              <a:t>for</a:t>
-            </a:r>
-            <a:r>
-              <a:rPr lang="" altLang="zh-CN" sz="3200" b="1">
-                <a:solidFill>
-                  <a:srgbClr val="FF0000"/>
-                </a:solidFill>
-              </a:rPr>
-              <a:t> </a:t>
-            </a:r>
-            <a:endParaRPr lang="" altLang="zh-CN" sz="3200" b="1" smtClean="0">
+              <a:t> for </a:t>
+            </a:r>
+            <a:endParaRPr lang="en-US" altLang="zh-CN" sz="3200" b="1" smtClean="0">
               <a:solidFill>
                 <a:srgbClr val="FF0000"/>
               </a:solidFill>
@@ -3812,7 +4213,7 @@
           <a:p>
             <a:pPr algn="ctr"/>
             <a:r>
-              <a:rPr lang="" altLang="zh-CN" sz="3200" b="1" smtClean="0">
+              <a:rPr lang="en-US" altLang="zh-CN" sz="3200" b="1" smtClean="0">
                 <a:solidFill>
                   <a:srgbClr val="FF0000"/>
                 </a:solidFill>
@@ -3820,7 +4221,7 @@
               <a:t>L1 </a:t>
             </a:r>
             <a:r>
-              <a:rPr lang="" altLang="zh-CN" sz="3200" b="1">
+              <a:rPr lang="en-US" altLang="zh-CN" sz="3200" b="1">
                 <a:solidFill>
                   <a:srgbClr val="FF0000"/>
                 </a:solidFill>
@@ -3828,14 +4229,14 @@
               <a:t>Token Contract in BSV Blockchain</a:t>
             </a:r>
             <a:br>
-              <a:rPr lang="" altLang="zh-CN" sz="3200" b="1">
+              <a:rPr lang="en-US" altLang="zh-CN" sz="3200" b="1">
                 <a:solidFill>
                   <a:srgbClr val="FF0000"/>
                 </a:solidFill>
               </a:rPr>
             </a:br>
             <a:r>
-              <a:rPr lang="" altLang="zh-CN" sz="3200" b="1">
+              <a:rPr lang="en-US" altLang="zh-CN" sz="3200" b="1">
                 <a:solidFill>
                   <a:srgbClr val="FF0000"/>
                 </a:solidFill>
@@ -3843,24 +4244,27 @@
               <a:t/>
             </a:r>
             <a:br>
-              <a:rPr lang="" altLang="zh-CN" sz="3200" b="1">
+              <a:rPr lang="en-US" altLang="zh-CN" sz="3200" b="1">
                 <a:solidFill>
                   <a:srgbClr val="FF0000"/>
                 </a:solidFill>
               </a:rPr>
             </a:br>
             <a:r>
-              <a:rPr lang="" altLang="zh-CN" sz="3200" b="1" smtClean="0"/>
+              <a:rPr lang="en-US" altLang="zh-CN" sz="3200" b="1" smtClean="0"/>
               <a:t>Author</a:t>
             </a:r>
             <a:r>
-              <a:rPr lang="" altLang="zh-CN" sz="3200" b="1"/>
+              <a:rPr lang="en-US" altLang="zh-CN" sz="3200" b="1"/>
               <a:t>: </a:t>
             </a:r>
             <a:r>
-              <a:rPr lang="" altLang="zh-CN" sz="3200" b="1" smtClean="0"/>
+              <a:rPr lang="en-US" altLang="zh-CN" sz="3200" b="1" smtClean="0"/>
               <a:t>ZWS</a:t>
             </a:r>
+          </a:p>
+          <a:p>
+            <a:pPr algn="ctr"/>
             <a:endParaRPr lang="zh-CN" altLang="en-US" sz="3200" b="1"/>
           </a:p>
         </p:txBody>
@@ -3914,6 +4318,10 @@
           <a:p>
             <a:r>
               <a:rPr lang="zh-CN" altLang="en-US" sz="1800">
+                <a:ln w="0">
+                  <a:noFill/>
+                </a:ln>
+                <a:effectLst/>
                 <a:latin typeface="+mn-ea"/>
                 <a:ea typeface="+mn-ea"/>
               </a:rPr>
@@ -3921,6 +4329,10 @@
             </a:r>
             <a:r>
               <a:rPr lang="en-US" altLang="zh-CN" sz="1800">
+                <a:ln w="0">
+                  <a:noFill/>
+                </a:ln>
+                <a:effectLst/>
                 <a:latin typeface="+mn-ea"/>
                 <a:ea typeface="+mn-ea"/>
               </a:rPr>
@@ -3928,6 +4340,10 @@
             </a:r>
             <a:r>
               <a:rPr lang="zh-CN" altLang="en-US" sz="1800">
+                <a:ln w="0">
+                  <a:noFill/>
+                </a:ln>
+                <a:effectLst/>
                 <a:latin typeface="+mn-ea"/>
                 <a:ea typeface="+mn-ea"/>
               </a:rPr>
@@ -3935,6 +4351,10 @@
             </a:r>
             <a:r>
               <a:rPr lang="zh-CN" altLang="en-US" sz="1800" smtClean="0">
+                <a:ln w="0">
+                  <a:noFill/>
+                </a:ln>
+                <a:effectLst/>
                 <a:latin typeface="+mn-ea"/>
                 <a:ea typeface="+mn-ea"/>
               </a:rPr>
@@ -3942,13 +4362,10 @@
             </a:r>
             <a:r>
               <a:rPr lang="en-US" altLang="zh-CN" sz="1800" smtClean="0">
-                <a:effectLst>
-                  <a:outerShdw blurRad="38100" dist="19050" dir="2700000" algn="tl" rotWithShape="0">
-                    <a:schemeClr val="dk1">
-                      <a:alpha val="40000"/>
-                    </a:schemeClr>
-                  </a:outerShdw>
-                </a:effectLst>
+                <a:ln w="0">
+                  <a:noFill/>
+                </a:ln>
+                <a:effectLst/>
                 <a:latin typeface="+mn-ea"/>
                 <a:ea typeface="+mn-ea"/>
                 <a:sym typeface="+mn-ea"/>
@@ -3957,13 +4374,10 @@
             </a:r>
             <a:r>
               <a:rPr lang="zh-CN" altLang="en-US" sz="1800">
-                <a:effectLst>
-                  <a:outerShdw blurRad="38100" dist="19050" dir="2700000" algn="tl" rotWithShape="0">
-                    <a:schemeClr val="dk1">
-                      <a:alpha val="40000"/>
-                    </a:schemeClr>
-                  </a:outerShdw>
-                </a:effectLst>
+                <a:ln w="0">
+                  <a:noFill/>
+                </a:ln>
+                <a:effectLst/>
                 <a:latin typeface="+mn-ea"/>
                 <a:ea typeface="+mn-ea"/>
                 <a:sym typeface="+mn-ea"/>
@@ -3972,13 +4386,10 @@
             </a:r>
             <a:r>
               <a:rPr lang="zh-CN" altLang="en-US" sz="1800" smtClean="0">
-                <a:effectLst>
-                  <a:outerShdw blurRad="38100" dist="19050" dir="2700000" algn="tl" rotWithShape="0">
-                    <a:schemeClr val="dk1">
-                      <a:alpha val="40000"/>
-                    </a:schemeClr>
-                  </a:outerShdw>
-                </a:effectLst>
+                <a:ln w="0">
+                  <a:noFill/>
+                </a:ln>
+                <a:effectLst/>
                 <a:latin typeface="+mn-ea"/>
                 <a:ea typeface="+mn-ea"/>
                 <a:sym typeface="+mn-ea"/>
@@ -3987,13 +4398,10 @@
             </a:r>
             <a:r>
               <a:rPr lang="en-US" altLang="zh-CN" sz="1800" smtClean="0">
-                <a:effectLst>
-                  <a:outerShdw blurRad="38100" dist="19050" dir="2700000" algn="tl" rotWithShape="0">
-                    <a:schemeClr val="dk1">
-                      <a:alpha val="40000"/>
-                    </a:schemeClr>
-                  </a:outerShdw>
-                </a:effectLst>
+                <a:ln w="0">
+                  <a:noFill/>
+                </a:ln>
+                <a:effectLst/>
                 <a:latin typeface="+mn-ea"/>
                 <a:ea typeface="+mn-ea"/>
                 <a:sym typeface="+mn-ea"/>
@@ -4001,6 +4409,10 @@
               <a:t>1)</a:t>
             </a:r>
             <a:endParaRPr lang="en-US" altLang="zh-CN" sz="1800">
+              <a:ln w="0">
+                <a:noFill/>
+              </a:ln>
+              <a:effectLst/>
               <a:latin typeface="+mn-ea"/>
               <a:ea typeface="+mn-ea"/>
             </a:endParaRPr>
@@ -4025,7 +4437,7 @@
         </p:spPr>
         <p:txBody>
           <a:bodyPr>
-            <a:normAutofit fontScale="80000" lnSpcReduction="20000"/>
+            <a:normAutofit fontScale="87500" lnSpcReduction="10000"/>
           </a:bodyPr>
           <a:lstStyle/>
           <a:p>
@@ -4033,208 +4445,168 @@
               <a:buNone/>
             </a:pPr>
             <a:r>
-              <a:rPr lang="zh-CN" altLang="en-US" smtClean="0">
-                <a:solidFill>
-                  <a:schemeClr val="tx1"/>
-                </a:solidFill>
-              </a:rPr>
-              <a:t>交易签名验证所需要的</a:t>
-            </a:r>
-            <a:r>
-              <a:rPr lang="en-US" altLang="zh-CN" smtClean="0">
-                <a:solidFill>
-                  <a:schemeClr val="tx1"/>
-                </a:solidFill>
-              </a:rPr>
-              <a:t>preimage</a:t>
-            </a:r>
-            <a:r>
-              <a:rPr lang="zh-CN" altLang="en-US" smtClean="0">
-                <a:solidFill>
-                  <a:schemeClr val="tx1"/>
-                </a:solidFill>
-              </a:rPr>
-              <a:t>数据包括以下：</a:t>
-            </a:r>
-            <a:endParaRPr lang="en-US" altLang="zh-CN" smtClean="0">
+              <a:rPr lang="en-US" altLang="zh-CN">
+                <a:solidFill>
+                  <a:schemeClr val="tx1"/>
+                </a:solidFill>
+              </a:rPr>
+              <a:t>The proposed digest algorithm computes the double SHA256 of the serialization of:</a:t>
+            </a:r>
+          </a:p>
+          <a:p>
+            <a:pPr marL="0" indent="0">
+              <a:buNone/>
+            </a:pPr>
+            <a:endParaRPr lang="en-US" altLang="zh-CN">
               <a:solidFill>
                 <a:schemeClr val="tx1"/>
               </a:solidFill>
             </a:endParaRPr>
           </a:p>
           <a:p>
-            <a:pPr marL="0" indent="0">
-              <a:buNone/>
+            <a:pPr marL="457200" indent="-457200">
+              <a:buFont typeface="+mj-lt"/>
+              <a:buAutoNum type="arabicPeriod"/>
             </a:pPr>
-            <a:endParaRPr lang="en-US" altLang="zh-CN" smtClean="0">
+            <a:r>
+              <a:rPr lang="en-US" altLang="zh-CN">
+                <a:solidFill>
+                  <a:schemeClr val="tx1"/>
+                </a:solidFill>
+              </a:rPr>
+              <a:t>nVersion of the transaction (4-byte little endian)</a:t>
+            </a:r>
+          </a:p>
+          <a:p>
+            <a:pPr marL="457200" indent="-457200">
+              <a:buFont typeface="+mj-lt"/>
+              <a:buAutoNum type="arabicPeriod"/>
+            </a:pPr>
+            <a:r>
+              <a:rPr lang="en-US" altLang="zh-CN">
+                <a:solidFill>
+                  <a:schemeClr val="tx1"/>
+                </a:solidFill>
+              </a:rPr>
+              <a:t>hashPrevouts (32-byte hash)</a:t>
+            </a:r>
+          </a:p>
+          <a:p>
+            <a:pPr marL="457200" indent="-457200">
+              <a:buFont typeface="+mj-lt"/>
+              <a:buAutoNum type="arabicPeriod"/>
+            </a:pPr>
+            <a:r>
+              <a:rPr lang="en-US" altLang="zh-CN">
+                <a:solidFill>
+                  <a:schemeClr val="tx1"/>
+                </a:solidFill>
+              </a:rPr>
+              <a:t>hashSequence (32-byte hash)</a:t>
+            </a:r>
+          </a:p>
+          <a:p>
+            <a:pPr marL="457200" indent="-457200">
+              <a:buFont typeface="+mj-lt"/>
+              <a:buAutoNum type="arabicPeriod"/>
+            </a:pPr>
+            <a:r>
+              <a:rPr lang="en-US" altLang="zh-CN">
+                <a:solidFill>
+                  <a:schemeClr val="tx1"/>
+                </a:solidFill>
+              </a:rPr>
+              <a:t>outpoint (32-byte hash + 4-byte little endian)</a:t>
+            </a:r>
+          </a:p>
+          <a:p>
+            <a:pPr marL="457200" indent="-457200">
+              <a:buFont typeface="+mj-lt"/>
+              <a:buAutoNum type="arabicPeriod"/>
+            </a:pPr>
+            <a:r>
+              <a:rPr lang="en-US" altLang="zh-CN">
+                <a:solidFill>
+                  <a:schemeClr val="tx1"/>
+                </a:solidFill>
+              </a:rPr>
+              <a:t>scriptCode of the input (serialized as scripts inside CTxOuts)</a:t>
+            </a:r>
+          </a:p>
+          <a:p>
+            <a:pPr marL="457200" indent="-457200">
+              <a:buFont typeface="+mj-lt"/>
+              <a:buAutoNum type="arabicPeriod"/>
+            </a:pPr>
+            <a:r>
+              <a:rPr lang="en-US" altLang="zh-CN">
+                <a:solidFill>
+                  <a:schemeClr val="tx1"/>
+                </a:solidFill>
+              </a:rPr>
+              <a:t>value of the output spent by this input (8-byte little endian)</a:t>
+            </a:r>
+          </a:p>
+          <a:p>
+            <a:pPr marL="457200" indent="-457200">
+              <a:buFont typeface="+mj-lt"/>
+              <a:buAutoNum type="arabicPeriod"/>
+            </a:pPr>
+            <a:r>
+              <a:rPr lang="en-US" altLang="zh-CN">
+                <a:solidFill>
+                  <a:schemeClr val="tx1"/>
+                </a:solidFill>
+              </a:rPr>
+              <a:t>nSequence of the input (4-byte little endian)</a:t>
+            </a:r>
+          </a:p>
+          <a:p>
+            <a:pPr marL="457200" indent="-457200">
+              <a:buFont typeface="+mj-lt"/>
+              <a:buAutoNum type="arabicPeriod"/>
+            </a:pPr>
+            <a:r>
+              <a:rPr lang="en-US" altLang="zh-CN">
+                <a:solidFill>
+                  <a:schemeClr val="tx1"/>
+                </a:solidFill>
+              </a:rPr>
+              <a:t>hashOutputs (32-byte hash)</a:t>
+            </a:r>
+          </a:p>
+          <a:p>
+            <a:pPr marL="457200" indent="-457200">
+              <a:buFont typeface="+mj-lt"/>
+              <a:buAutoNum type="arabicPeriod"/>
+            </a:pPr>
+            <a:r>
+              <a:rPr lang="en-US" altLang="zh-CN">
+                <a:solidFill>
+                  <a:schemeClr val="tx1"/>
+                </a:solidFill>
+              </a:rPr>
+              <a:t>nLocktime of the transaction (4-byte little endian)</a:t>
+            </a:r>
+          </a:p>
+          <a:p>
+            <a:pPr marL="457200" indent="-457200">
+              <a:buFont typeface="+mj-lt"/>
+              <a:buAutoNum type="arabicPeriod"/>
+            </a:pPr>
+            <a:r>
+              <a:rPr lang="en-US" altLang="zh-CN">
+                <a:solidFill>
+                  <a:schemeClr val="tx1"/>
+                </a:solidFill>
+              </a:rPr>
+              <a:t>sighash type of the signature (4-byte little endian)</a:t>
+            </a:r>
+            <a:endParaRPr lang="zh-CN" altLang="en-US">
               <a:solidFill>
                 <a:schemeClr val="tx1"/>
               </a:solidFill>
             </a:endParaRPr>
-          </a:p>
-          <a:p>
-            <a:pPr marL="0" indent="0">
-              <a:buNone/>
-            </a:pPr>
-            <a:r>
-              <a:rPr lang="zh-CN" altLang="en-US" smtClean="0">
-                <a:solidFill>
-                  <a:schemeClr val="tx1"/>
-                </a:solidFill>
-              </a:rPr>
-              <a:t>交</a:t>
-            </a:r>
-            <a:r>
-              <a:rPr lang="zh-CN" altLang="en-US">
-                <a:solidFill>
-                  <a:schemeClr val="tx1"/>
-                </a:solidFill>
-              </a:rPr>
-              <a:t>易版本 (4个字节）</a:t>
-            </a:r>
-          </a:p>
-          <a:p>
-            <a:pPr marL="0" indent="0">
-              <a:buNone/>
-            </a:pPr>
-            <a:r>
-              <a:rPr lang="zh-CN" altLang="en-US">
-                <a:solidFill>
-                  <a:schemeClr val="tx1"/>
-                </a:solidFill>
-              </a:rPr>
-              <a:t>hashPrevouts (输入outpoint的哈希32字节哈希)</a:t>
-            </a:r>
-          </a:p>
-          <a:p>
-            <a:pPr marL="0" indent="0">
-              <a:buNone/>
-            </a:pPr>
-            <a:r>
-              <a:rPr lang="zh-CN" altLang="en-US">
-                <a:solidFill>
-                  <a:schemeClr val="tx1"/>
-                </a:solidFill>
-              </a:rPr>
-              <a:t>hashSequence (输入sequence的哈希32字节哈希)</a:t>
-            </a:r>
-          </a:p>
-          <a:p>
-            <a:pPr marL="0" indent="0">
-              <a:buNone/>
-            </a:pPr>
-            <a:r>
-              <a:rPr lang="zh-CN" altLang="en-US">
-                <a:solidFill>
-                  <a:schemeClr val="tx1"/>
-                </a:solidFill>
-              </a:rPr>
-              <a:t>当前输入outpoint (32字节txid + 4字节位置)</a:t>
-            </a:r>
-          </a:p>
-          <a:p>
-            <a:pPr marL="0" indent="0">
-              <a:buNone/>
-            </a:pPr>
-            <a:r>
-              <a:rPr lang="zh-CN" altLang="en-US">
-                <a:solidFill>
-                  <a:schemeClr val="tx1"/>
-                </a:solidFill>
-              </a:rPr>
-              <a:t>当前输入的锁定脚本（Varint格式)</a:t>
-            </a:r>
-          </a:p>
-          <a:p>
-            <a:pPr marL="0" indent="0">
-              <a:buNone/>
-            </a:pPr>
-            <a:r>
-              <a:rPr lang="zh-CN" altLang="en-US">
-                <a:solidFill>
-                  <a:schemeClr val="tx1"/>
-                </a:solidFill>
-              </a:rPr>
-              <a:t>从当前输入所花费的satoshi(8字节)</a:t>
-            </a:r>
-          </a:p>
-          <a:p>
-            <a:pPr marL="0" indent="0">
-              <a:buNone/>
-            </a:pPr>
-            <a:r>
-              <a:rPr lang="zh-CN" altLang="en-US">
-                <a:solidFill>
-                  <a:schemeClr val="tx1"/>
-                </a:solidFill>
-              </a:rPr>
-              <a:t>当前输入的 nSequence (4字节)</a:t>
-            </a:r>
-          </a:p>
-          <a:p>
-            <a:pPr marL="0" indent="0">
-              <a:buNone/>
-            </a:pPr>
-            <a:r>
-              <a:rPr lang="zh-CN" altLang="en-US">
-                <a:solidFill>
-                  <a:schemeClr val="tx1"/>
-                </a:solidFill>
-              </a:rPr>
-              <a:t>hashOutputs (输出的satoshi+输出脚本组合的32字节哈希)</a:t>
-            </a:r>
-          </a:p>
-          <a:p>
-            <a:pPr marL="0" indent="0">
-              <a:buNone/>
-            </a:pPr>
-            <a:r>
-              <a:rPr lang="zh-CN" altLang="en-US">
-                <a:solidFill>
-                  <a:schemeClr val="tx1"/>
-                </a:solidFill>
-              </a:rPr>
-              <a:t>交易的nLocktime (4字节）</a:t>
-            </a:r>
-          </a:p>
-          <a:p>
-            <a:pPr marL="0" indent="0">
-              <a:buNone/>
-            </a:pPr>
-            <a:r>
-              <a:rPr lang="zh-CN" altLang="en-US">
-                <a:solidFill>
-                  <a:schemeClr val="tx1"/>
-                </a:solidFill>
-              </a:rPr>
-              <a:t>签名的类型(4字节)</a:t>
-            </a:r>
-          </a:p>
-          <a:p>
-            <a:pPr marL="0" indent="0">
-              <a:buNone/>
-            </a:pPr>
-            <a:r>
-              <a:rPr lang="zh-CN" altLang="en-US">
-                <a:solidFill>
-                  <a:schemeClr val="tx1"/>
-                </a:solidFill>
-              </a:rPr>
-              <a:t>————————————————</a:t>
-            </a:r>
-          </a:p>
-          <a:p>
-            <a:pPr marL="0" indent="0">
-              <a:buNone/>
-            </a:pPr>
-            <a:r>
-              <a:rPr lang="zh-CN" altLang="en-US">
-                <a:solidFill>
-                  <a:schemeClr val="tx1"/>
-                </a:solidFill>
-              </a:rPr>
-              <a:t>原文链接：https://blog.csdn.net/weixin_47461167/article/details/108409290</a:t>
-            </a:r>
           </a:p>
         </p:txBody>
       </p:sp>
@@ -4243,6 +4615,7 @@
   <p:clrMapOvr>
     <a:masterClrMapping/>
   </p:clrMapOvr>
+  <p:transition/>
 </p:sld>
 </file>
 
@@ -6252,7 +6625,6 @@
           <a:p>
             <a:r>
               <a:rPr lang="zh-CN" altLang="en-US" b="1">
-                <a:ln/>
                 <a:solidFill>
                   <a:schemeClr val="tx1"/>
                 </a:solidFill>
@@ -6269,7 +6641,6 @@
             </a:r>
             <a:r>
               <a:rPr lang="en-US" altLang="zh-CN" b="1">
-                <a:ln/>
                 <a:solidFill>
                   <a:schemeClr val="tx1"/>
                 </a:solidFill>
@@ -6286,7 +6657,6 @@
             </a:r>
             <a:r>
               <a:rPr lang="zh-CN" altLang="en-US" b="1">
-                <a:ln/>
                 <a:solidFill>
                   <a:schemeClr val="tx1"/>
                 </a:solidFill>
@@ -6303,7 +6673,6 @@
             </a:r>
             <a:r>
               <a:rPr lang="zh-CN" altLang="en-US" b="1" smtClean="0">
-                <a:ln/>
                 <a:solidFill>
                   <a:schemeClr val="tx1"/>
                 </a:solidFill>
@@ -6371,7 +6740,6 @@
               <a:t>2)</a:t>
             </a:r>
             <a:endParaRPr lang="en-US" altLang="zh-CN" b="1">
-              <a:ln/>
               <a:solidFill>
                 <a:schemeClr val="tx1"/>
               </a:solidFill>
@@ -6396,7 +6764,7 @@
 </file>
 
 <file path=ppt/slides/slide4.xml><?xml version="1.0" encoding="utf-8"?>
-<p:sld xmlns:a="http://schemas.openxmlformats.org/drawingml/2006/main" xmlns:r="http://schemas.openxmlformats.org/officeDocument/2006/relationships" xmlns:p="http://schemas.openxmlformats.org/presentationml/2006/main">
+<p:sld xmlns:a="http://schemas.openxmlformats.org/drawingml/2006/main" xmlns:r="http://schemas.openxmlformats.org/officeDocument/2006/relationships" xmlns:p="http://schemas.openxmlformats.org/presentationml/2006/main" show="0">
   <p:cSld>
     <p:spTree>
       <p:nvGrpSpPr>
@@ -6420,16 +6788,15 @@
           </p:cNvPicPr>
           <p:nvPr/>
         </p:nvPicPr>
-        <p:blipFill>
+        <p:blipFill rotWithShape="1">
           <a:blip r:embed="rId2"/>
-          <a:stretch>
-            <a:fillRect/>
-          </a:stretch>
+          <a:srcRect b="30600"/>
+          <a:stretch/>
         </p:blipFill>
         <p:spPr>
           <a:xfrm>
-            <a:off x="1870710" y="799911"/>
-            <a:ext cx="4060825" cy="5728970"/>
+            <a:off x="320727" y="1182808"/>
+            <a:ext cx="5330565" cy="5219133"/>
           </a:xfrm>
           <a:prstGeom prst="rect">
             <a:avLst/>
@@ -6452,8 +6819,8 @@
         </p:blipFill>
         <p:spPr>
           <a:xfrm>
-            <a:off x="6176645" y="2633345"/>
-            <a:ext cx="4427220" cy="1881505"/>
+            <a:off x="6230171" y="3757368"/>
+            <a:ext cx="5514603" cy="2343627"/>
           </a:xfrm>
           <a:prstGeom prst="rect">
             <a:avLst/>
@@ -6608,11 +6975,35 @@
           </a:p>
         </p:txBody>
       </p:sp>
+      <p:pic>
+        <p:nvPicPr>
+          <p:cNvPr id="6" name="图片 5"/>
+          <p:cNvPicPr>
+            <a:picLocks noChangeAspect="1"/>
+          </p:cNvPicPr>
+          <p:nvPr/>
+        </p:nvPicPr>
+        <p:blipFill rotWithShape="1">
+          <a:blip r:embed="rId2"/>
+          <a:srcRect t="69631"/>
+          <a:stretch/>
+        </p:blipFill>
+        <p:spPr>
+          <a:xfrm>
+            <a:off x="6268572" y="1467618"/>
+            <a:ext cx="5344273" cy="2289751"/>
+          </a:xfrm>
+          <a:prstGeom prst="rect">
+            <a:avLst/>
+          </a:prstGeom>
+        </p:spPr>
+      </p:pic>
     </p:spTree>
   </p:cSld>
   <p:clrMapOvr>
     <a:masterClrMapping/>
   </p:clrMapOvr>
+  <p:transition/>
 </p:sld>
 </file>
 
@@ -6687,71 +7078,175 @@
               <a:buNone/>
             </a:pPr>
             <a:r>
-              <a:rPr lang="zh-CN" altLang="en-US"/>
+              <a:rPr lang="zh-CN" altLang="en-US">
+                <a:solidFill>
+                  <a:schemeClr val="tx1"/>
+                </a:solidFill>
+              </a:rPr>
               <a:t>实际上的需求是，要将一个交易</a:t>
             </a:r>
             <a:r>
-              <a:rPr lang="en-US" altLang="zh-CN"/>
+              <a:rPr lang="en-US" altLang="zh-CN">
+                <a:solidFill>
+                  <a:schemeClr val="tx1"/>
+                </a:solidFill>
+              </a:rPr>
               <a:t>A</a:t>
             </a:r>
             <a:r>
-              <a:rPr lang="zh-CN" altLang="en-US"/>
-              <a:t>的输出的数据</a:t>
-            </a:r>
-            <a:r>
-              <a:rPr lang="en-US" altLang="zh-CN"/>
-              <a:t>A.out1</a:t>
-            </a:r>
-            <a:r>
-              <a:rPr lang="zh-CN" altLang="en-US"/>
+              <a:rPr lang="zh-CN" altLang="en-US">
+                <a:solidFill>
+                  <a:schemeClr val="tx1"/>
+                </a:solidFill>
+              </a:rPr>
+              <a:t>的输出的数</a:t>
+            </a:r>
+            <a:r>
+              <a:rPr lang="zh-CN" altLang="en-US" smtClean="0">
+                <a:solidFill>
+                  <a:schemeClr val="tx1"/>
+                </a:solidFill>
+              </a:rPr>
+              <a:t>据 </a:t>
+            </a:r>
+            <a:r>
+              <a:rPr lang="en-US" altLang="zh-CN" smtClean="0">
+                <a:solidFill>
+                  <a:schemeClr val="tx1"/>
+                </a:solidFill>
+              </a:rPr>
+              <a:t>A.OutputXX </a:t>
+            </a:r>
+            <a:r>
+              <a:rPr lang="zh-CN" altLang="en-US" smtClean="0">
+                <a:solidFill>
+                  <a:schemeClr val="tx1"/>
+                </a:solidFill>
+              </a:rPr>
               <a:t>或</a:t>
             </a:r>
             <a:r>
-              <a:rPr lang="en-US" altLang="zh-CN"/>
+              <a:rPr lang="en-US" altLang="zh-CN">
+                <a:solidFill>
+                  <a:schemeClr val="tx1"/>
+                </a:solidFill>
+              </a:rPr>
               <a:t>Hash</a:t>
             </a:r>
             <a:r>
-              <a:rPr lang="zh-CN" altLang="en-US"/>
+              <a:rPr lang="zh-CN" altLang="en-US" smtClean="0">
+                <a:solidFill>
+                  <a:schemeClr val="tx1"/>
+                </a:solidFill>
+              </a:rPr>
               <a:t>值</a:t>
             </a:r>
             <a:r>
-              <a:rPr lang="en-US" altLang="zh-CN"/>
-              <a:t>hash(A.out1)</a:t>
-            </a:r>
-            <a:r>
-              <a:rPr lang="zh-CN" altLang="en-US"/>
+              <a:rPr lang="en-US" altLang="zh-CN" smtClean="0">
+                <a:solidFill>
+                  <a:schemeClr val="tx1"/>
+                </a:solidFill>
+              </a:rPr>
+              <a:t>H</a:t>
+            </a:r>
+            <a:r>
+              <a:rPr lang="en-US" altLang="zh-CN" smtClean="0">
+                <a:solidFill>
+                  <a:schemeClr val="tx1"/>
+                </a:solidFill>
+              </a:rPr>
+              <a:t>ash(A.OutputXX )</a:t>
+            </a:r>
+            <a:r>
+              <a:rPr lang="zh-CN" altLang="en-US">
+                <a:solidFill>
+                  <a:schemeClr val="tx1"/>
+                </a:solidFill>
+              </a:rPr>
               <a:t>传到其子交易</a:t>
             </a:r>
             <a:r>
-              <a:rPr lang="en-US" altLang="zh-CN"/>
+              <a:rPr lang="en-US" altLang="zh-CN">
+                <a:solidFill>
+                  <a:schemeClr val="tx1"/>
+                </a:solidFill>
+              </a:rPr>
               <a:t>B</a:t>
             </a:r>
             <a:r>
-              <a:rPr lang="zh-CN" altLang="en-US"/>
+              <a:rPr lang="zh-CN" altLang="en-US">
+                <a:solidFill>
+                  <a:schemeClr val="tx1"/>
+                </a:solidFill>
+              </a:rPr>
               <a:t>的子交易</a:t>
             </a:r>
             <a:r>
-              <a:rPr lang="en-US" altLang="zh-CN"/>
+              <a:rPr lang="en-US" altLang="zh-CN">
+                <a:solidFill>
+                  <a:schemeClr val="tx1"/>
+                </a:solidFill>
+              </a:rPr>
               <a:t>C</a:t>
             </a:r>
             <a:r>
-              <a:rPr lang="zh-CN" altLang="en-US"/>
+              <a:rPr lang="zh-CN" altLang="en-US">
+                <a:solidFill>
+                  <a:schemeClr val="tx1"/>
+                </a:solidFill>
+              </a:rPr>
               <a:t>的输入解锁脚本</a:t>
             </a:r>
             <a:r>
-              <a:rPr lang="en-US" altLang="zh-CN"/>
-              <a:t>(C.inx)</a:t>
-            </a:r>
-            <a:r>
-              <a:rPr lang="zh-CN" altLang="en-US"/>
-              <a:t>中，并保持这个过程的不可篡改性。</a:t>
+              <a:rPr lang="en-US" altLang="zh-CN">
+                <a:solidFill>
+                  <a:schemeClr val="tx1"/>
+                </a:solidFill>
+              </a:rPr>
+              <a:t>(</a:t>
+            </a:r>
+            <a:r>
+              <a:rPr lang="en-US" altLang="zh-CN" smtClean="0">
+                <a:solidFill>
+                  <a:schemeClr val="tx1"/>
+                </a:solidFill>
+              </a:rPr>
+              <a:t>C.InputX)</a:t>
+            </a:r>
+            <a:r>
+              <a:rPr lang="zh-CN" altLang="en-US">
+                <a:solidFill>
+                  <a:schemeClr val="tx1"/>
+                </a:solidFill>
+              </a:rPr>
+              <a:t>中，并保持这个过程</a:t>
+            </a:r>
+            <a:r>
+              <a:rPr lang="zh-CN" altLang="en-US" smtClean="0">
+                <a:solidFill>
+                  <a:schemeClr val="tx1"/>
+                </a:solidFill>
+              </a:rPr>
+              <a:t>的数据的不</a:t>
+            </a:r>
+            <a:r>
+              <a:rPr lang="zh-CN" altLang="en-US">
+                <a:solidFill>
+                  <a:schemeClr val="tx1"/>
+                </a:solidFill>
+              </a:rPr>
+              <a:t>可篡改性。</a:t>
             </a:r>
           </a:p>
           <a:p>
             <a:pPr marL="0" indent="0">
               <a:buNone/>
             </a:pPr>
-            <a:endParaRPr lang="zh-CN" altLang="en-US"/>
+            <a:endParaRPr lang="zh-CN" altLang="en-US">
+              <a:solidFill>
+                <a:schemeClr val="tx1"/>
+              </a:solidFill>
+            </a:endParaRPr>
           </a:p>
           <a:p>
             <a:pPr marL="0" indent="0">
@@ -6760,83 +7255,149 @@
             <a:r>
               <a:rPr lang="zh-CN" altLang="en-US" b="1">
                 <a:solidFill>
-                  <a:srgbClr val="FF0000"/>
+                  <a:schemeClr val="tx1"/>
                 </a:solidFill>
               </a:rPr>
               <a:t>解决要点：</a:t>
             </a:r>
-            <a:endParaRPr lang="zh-CN" altLang="en-US"/>
+            <a:endParaRPr lang="zh-CN" altLang="en-US">
+              <a:solidFill>
+                <a:schemeClr val="tx1"/>
+              </a:solidFill>
+            </a:endParaRPr>
           </a:p>
           <a:p>
             <a:pPr marL="0" indent="0">
               <a:buNone/>
             </a:pPr>
             <a:r>
-              <a:rPr lang="en-US" altLang="zh-CN"/>
+              <a:rPr lang="en-US" altLang="zh-CN">
+                <a:solidFill>
+                  <a:schemeClr val="tx1"/>
+                </a:solidFill>
+              </a:rPr>
               <a:t>1</a:t>
             </a:r>
             <a:r>
-              <a:rPr lang="zh-CN" altLang="en-US"/>
+              <a:rPr lang="zh-CN" altLang="en-US">
+                <a:solidFill>
+                  <a:schemeClr val="tx1"/>
+                </a:solidFill>
+              </a:rPr>
               <a:t>、</a:t>
             </a:r>
             <a:r>
               <a:rPr lang="en-US" altLang="zh-CN">
+                <a:solidFill>
+                  <a:schemeClr val="tx1"/>
+                </a:solidFill>
                 <a:sym typeface="+mn-ea"/>
               </a:rPr>
               <a:t>OP_PUSH_TX</a:t>
             </a:r>
             <a:r>
               <a:rPr lang="zh-CN" altLang="en-US">
+                <a:solidFill>
+                  <a:schemeClr val="tx1"/>
+                </a:solidFill>
                 <a:sym typeface="+mn-ea"/>
               </a:rPr>
               <a:t>所需要构建的</a:t>
             </a:r>
             <a:r>
-              <a:rPr lang="en-US" altLang="zh-CN"/>
+              <a:rPr lang="en-US" altLang="zh-CN">
+                <a:solidFill>
+                  <a:schemeClr val="tx1"/>
+                </a:solidFill>
+              </a:rPr>
               <a:t>preimage</a:t>
             </a:r>
             <a:r>
-              <a:rPr lang="zh-CN" altLang="en-US"/>
+              <a:rPr lang="zh-CN" altLang="en-US">
+                <a:solidFill>
+                  <a:schemeClr val="tx1"/>
+                </a:solidFill>
+              </a:rPr>
               <a:t>并不需要用当前交易的所有数据来计算得到，其可以由其组成的</a:t>
             </a:r>
             <a:r>
-              <a:rPr lang="en-US" altLang="zh-CN"/>
+              <a:rPr lang="en-US" altLang="zh-CN">
+                <a:solidFill>
+                  <a:schemeClr val="tx1"/>
+                </a:solidFill>
+              </a:rPr>
               <a:t>10</a:t>
             </a:r>
             <a:r>
-              <a:rPr lang="zh-CN" altLang="en-US"/>
+              <a:rPr lang="zh-CN" altLang="en-US">
+                <a:solidFill>
+                  <a:schemeClr val="tx1"/>
+                </a:solidFill>
+              </a:rPr>
               <a:t>个确定有限长度的数据来构建出</a:t>
             </a:r>
             <a:r>
-              <a:rPr lang="en-US" altLang="zh-CN"/>
+              <a:rPr lang="en-US" altLang="zh-CN">
+                <a:solidFill>
+                  <a:schemeClr val="tx1"/>
+                </a:solidFill>
+              </a:rPr>
               <a:t>preimage</a:t>
             </a:r>
             <a:r>
-              <a:rPr lang="zh-CN" altLang="en-US"/>
+              <a:rPr lang="zh-CN" altLang="en-US">
+                <a:solidFill>
+                  <a:schemeClr val="tx1"/>
+                </a:solidFill>
+              </a:rPr>
               <a:t>，这些数据可以被唯一的由</a:t>
             </a:r>
             <a:r>
-              <a:rPr lang="en-US" altLang="zh-CN"/>
+              <a:rPr lang="en-US" altLang="zh-CN">
+                <a:solidFill>
+                  <a:schemeClr val="tx1"/>
+                </a:solidFill>
+              </a:rPr>
               <a:t>Hash</a:t>
             </a:r>
             <a:r>
-              <a:rPr lang="zh-CN" altLang="en-US"/>
+              <a:rPr lang="zh-CN" altLang="en-US">
+                <a:solidFill>
+                  <a:schemeClr val="tx1"/>
+                </a:solidFill>
+              </a:rPr>
               <a:t>锁来固定，其中最重要的是</a:t>
             </a:r>
             <a:r>
-              <a:rPr lang="en-US" altLang="zh-CN"/>
+              <a:rPr lang="en-US" altLang="zh-CN">
+                <a:solidFill>
+                  <a:schemeClr val="tx1"/>
+                </a:solidFill>
+              </a:rPr>
               <a:t>hashPrevouts</a:t>
             </a:r>
             <a:r>
-              <a:rPr lang="zh-CN" altLang="en-US"/>
+              <a:rPr lang="zh-CN" altLang="en-US">
+                <a:solidFill>
+                  <a:schemeClr val="tx1"/>
+                </a:solidFill>
+              </a:rPr>
               <a:t>数据，用它可以使得当前正在验证的交易输入的解锁数据包括当前交易数据的所有的输入的</a:t>
             </a:r>
             <a:r>
-              <a:rPr lang="en-US" altLang="zh-CN"/>
+              <a:rPr lang="en-US" altLang="zh-CN">
+                <a:solidFill>
+                  <a:schemeClr val="tx1"/>
+                </a:solidFill>
+              </a:rPr>
               <a:t>TXID&amp;VOUT</a:t>
             </a:r>
             <a:r>
-              <a:rPr lang="zh-CN" altLang="en-US"/>
+              <a:rPr lang="zh-CN" altLang="en-US">
+                <a:solidFill>
+                  <a:schemeClr val="tx1"/>
+                </a:solidFill>
+              </a:rPr>
               <a:t>，并不包括其他可以引发数据大小膨胀的数据。</a:t>
             </a:r>
           </a:p>
@@ -6845,109 +7406,187 @@
               <a:buNone/>
             </a:pPr>
             <a:r>
-              <a:rPr lang="en-US" altLang="zh-CN"/>
+              <a:rPr lang="en-US" altLang="zh-CN">
+                <a:solidFill>
+                  <a:schemeClr val="tx1"/>
+                </a:solidFill>
+              </a:rPr>
               <a:t>2</a:t>
             </a:r>
             <a:r>
-              <a:rPr lang="zh-CN" altLang="en-US"/>
+              <a:rPr lang="zh-CN" altLang="en-US">
+                <a:solidFill>
+                  <a:schemeClr val="tx1"/>
+                </a:solidFill>
+              </a:rPr>
               <a:t>、利用</a:t>
             </a:r>
             <a:r>
-              <a:rPr lang="en-US" altLang="zh-CN"/>
+              <a:rPr lang="en-US" altLang="zh-CN">
+                <a:solidFill>
+                  <a:schemeClr val="tx1"/>
+                </a:solidFill>
+              </a:rPr>
               <a:t>partialHash</a:t>
             </a:r>
             <a:r>
-              <a:rPr lang="zh-CN" altLang="en-US"/>
+              <a:rPr lang="zh-CN" altLang="en-US">
+                <a:solidFill>
+                  <a:schemeClr val="tx1"/>
+                </a:solidFill>
+              </a:rPr>
               <a:t>技术，可以只通过输入中间的</a:t>
             </a:r>
             <a:r>
-              <a:rPr lang="en-US" altLang="zh-CN"/>
+              <a:rPr lang="en-US" altLang="zh-CN">
+                <a:solidFill>
+                  <a:schemeClr val="tx1"/>
+                </a:solidFill>
+              </a:rPr>
               <a:t>B</a:t>
             </a:r>
             <a:r>
-              <a:rPr lang="zh-CN" altLang="en-US"/>
+              <a:rPr lang="zh-CN" altLang="en-US">
+                <a:solidFill>
+                  <a:schemeClr val="tx1"/>
+                </a:solidFill>
+              </a:rPr>
               <a:t>交易的前一部分（</a:t>
             </a:r>
             <a:r>
-              <a:rPr lang="en-US" altLang="zh-CN"/>
+              <a:rPr lang="en-US" altLang="zh-CN">
+                <a:solidFill>
+                  <a:schemeClr val="tx1"/>
+                </a:solidFill>
+              </a:rPr>
               <a:t>B.</a:t>
             </a:r>
             <a:r>
               <a:rPr lang="en-US" altLang="zh-CN">
+                <a:solidFill>
+                  <a:schemeClr val="tx1"/>
+                </a:solidFill>
                 <a:sym typeface="+mn-ea"/>
               </a:rPr>
               <a:t>data.</a:t>
             </a:r>
             <a:r>
-              <a:rPr lang="en-US" altLang="zh-CN"/>
+              <a:rPr lang="en-US" altLang="zh-CN">
+                <a:solidFill>
+                  <a:schemeClr val="tx1"/>
+                </a:solidFill>
+              </a:rPr>
               <a:t>part1</a:t>
             </a:r>
             <a:r>
-              <a:rPr lang="zh-CN" altLang="en-US"/>
+              <a:rPr lang="zh-CN" altLang="en-US">
+                <a:solidFill>
+                  <a:schemeClr val="tx1"/>
+                </a:solidFill>
+              </a:rPr>
               <a:t>）的</a:t>
             </a:r>
             <a:r>
-              <a:rPr lang="en-US" altLang="zh-CN"/>
+              <a:rPr lang="en-US" altLang="zh-CN">
+                <a:solidFill>
+                  <a:schemeClr val="tx1"/>
+                </a:solidFill>
+              </a:rPr>
               <a:t>hash</a:t>
             </a:r>
             <a:r>
-              <a:rPr lang="zh-CN" altLang="en-US"/>
+              <a:rPr lang="zh-CN" altLang="en-US">
+                <a:solidFill>
+                  <a:schemeClr val="tx1"/>
+                </a:solidFill>
+              </a:rPr>
               <a:t>值以及后半部分数据</a:t>
             </a:r>
             <a:r>
               <a:rPr lang="zh-CN" altLang="en-US">
+                <a:solidFill>
+                  <a:schemeClr val="tx1"/>
+                </a:solidFill>
                 <a:sym typeface="+mn-ea"/>
               </a:rPr>
               <a:t>（</a:t>
             </a:r>
             <a:r>
               <a:rPr lang="en-US" altLang="zh-CN">
+                <a:solidFill>
+                  <a:schemeClr val="tx1"/>
+                </a:solidFill>
                 <a:sym typeface="+mn-ea"/>
               </a:rPr>
               <a:t>B.data.part2</a:t>
             </a:r>
             <a:r>
               <a:rPr lang="zh-CN" altLang="en-US">
+                <a:solidFill>
+                  <a:schemeClr val="tx1"/>
+                </a:solidFill>
                 <a:sym typeface="+mn-ea"/>
               </a:rPr>
               <a:t>）</a:t>
             </a:r>
             <a:r>
-              <a:rPr lang="zh-CN" altLang="en-US"/>
+              <a:rPr lang="zh-CN" altLang="en-US">
+                <a:solidFill>
+                  <a:schemeClr val="tx1"/>
+                </a:solidFill>
+              </a:rPr>
               <a:t>，来确定</a:t>
             </a:r>
             <a:r>
               <a:rPr lang="en-US" altLang="zh-CN">
+                <a:solidFill>
+                  <a:schemeClr val="tx1"/>
+                </a:solidFill>
                 <a:sym typeface="+mn-ea"/>
               </a:rPr>
               <a:t>B.data.part1</a:t>
             </a:r>
             <a:r>
               <a:rPr lang="zh-CN" altLang="en-US">
+                <a:solidFill>
+                  <a:schemeClr val="tx1"/>
+                </a:solidFill>
                 <a:sym typeface="+mn-ea"/>
               </a:rPr>
               <a:t>的正确性，即其确实是</a:t>
             </a:r>
             <a:r>
               <a:rPr lang="en-US" altLang="zh-CN">
+                <a:solidFill>
+                  <a:schemeClr val="tx1"/>
+                </a:solidFill>
                 <a:sym typeface="+mn-ea"/>
               </a:rPr>
               <a:t>B</a:t>
             </a:r>
             <a:r>
               <a:rPr lang="zh-CN" altLang="en-US">
+                <a:solidFill>
+                  <a:schemeClr val="tx1"/>
+                </a:solidFill>
                 <a:sym typeface="+mn-ea"/>
               </a:rPr>
               <a:t>交易的</a:t>
             </a:r>
             <a:r>
               <a:rPr lang="en-US" altLang="zh-CN">
+                <a:solidFill>
+                  <a:schemeClr val="tx1"/>
+                </a:solidFill>
                 <a:sym typeface="+mn-ea"/>
               </a:rPr>
               <a:t>raw</a:t>
             </a:r>
             <a:r>
               <a:rPr lang="zh-CN" altLang="en-US">
+                <a:solidFill>
+                  <a:schemeClr val="tx1"/>
+                </a:solidFill>
                 <a:sym typeface="+mn-ea"/>
               </a:rPr>
               <a:t>数据的后一部分。</a:t>
@@ -7059,449 +7698,6 @@
           </a:p>
         </p:txBody>
       </p:sp>
-      <p:graphicFrame>
-        <p:nvGraphicFramePr>
-          <p:cNvPr id="12" name="表格 11"/>
-          <p:cNvGraphicFramePr/>
-          <p:nvPr>
-            <p:extLst>
-              <p:ext uri="{D42A27DB-BD31-4B8C-83A1-F6EECF244321}">
-                <p14:modId xmlns:p14="http://schemas.microsoft.com/office/powerpoint/2010/main" val="125887371"/>
-              </p:ext>
-            </p:extLst>
-          </p:nvPr>
-        </p:nvGraphicFramePr>
-        <p:xfrm>
-          <a:off x="356870" y="1248410"/>
-          <a:ext cx="11590020" cy="2460625"/>
-        </p:xfrm>
-        <a:graphic>
-          <a:graphicData uri="http://schemas.openxmlformats.org/drawingml/2006/table">
-            <a:tbl>
-              <a:tblPr firstRow="1" bandRow="1">
-                <a:tableStyleId>{5C22544A-7EE6-4342-B048-85BDC9FD1C3A}</a:tableStyleId>
-              </a:tblPr>
-              <a:tblGrid>
-                <a:gridCol w="1287780">
-                  <a:extLst>
-                    <a:ext uri="{9D8B030D-6E8A-4147-A177-3AD203B41FA5}">
-                      <a16:colId xmlns:a16="http://schemas.microsoft.com/office/drawing/2014/main" val="20000"/>
-                    </a:ext>
-                  </a:extLst>
-                </a:gridCol>
-                <a:gridCol w="800735">
-                  <a:extLst>
-                    <a:ext uri="{9D8B030D-6E8A-4147-A177-3AD203B41FA5}">
-                      <a16:colId xmlns:a16="http://schemas.microsoft.com/office/drawing/2014/main" val="20001"/>
-                    </a:ext>
-                  </a:extLst>
-                </a:gridCol>
-                <a:gridCol w="417830">
-                  <a:extLst>
-                    <a:ext uri="{9D8B030D-6E8A-4147-A177-3AD203B41FA5}">
-                      <a16:colId xmlns:a16="http://schemas.microsoft.com/office/drawing/2014/main" val="20002"/>
-                    </a:ext>
-                  </a:extLst>
-                </a:gridCol>
-                <a:gridCol w="1603375">
-                  <a:extLst>
-                    <a:ext uri="{9D8B030D-6E8A-4147-A177-3AD203B41FA5}">
-                      <a16:colId xmlns:a16="http://schemas.microsoft.com/office/drawing/2014/main" val="20003"/>
-                    </a:ext>
-                  </a:extLst>
-                </a:gridCol>
-                <a:gridCol w="395605">
-                  <a:extLst>
-                    <a:ext uri="{9D8B030D-6E8A-4147-A177-3AD203B41FA5}">
-                      <a16:colId xmlns:a16="http://schemas.microsoft.com/office/drawing/2014/main" val="20004"/>
-                    </a:ext>
-                  </a:extLst>
-                </a:gridCol>
-                <a:gridCol w="2084070">
-                  <a:extLst>
-                    <a:ext uri="{9D8B030D-6E8A-4147-A177-3AD203B41FA5}">
-                      <a16:colId xmlns:a16="http://schemas.microsoft.com/office/drawing/2014/main" val="20005"/>
-                    </a:ext>
-                  </a:extLst>
-                </a:gridCol>
-                <a:gridCol w="1437640">
-                  <a:extLst>
-                    <a:ext uri="{9D8B030D-6E8A-4147-A177-3AD203B41FA5}">
-                      <a16:colId xmlns:a16="http://schemas.microsoft.com/office/drawing/2014/main" val="20006"/>
-                    </a:ext>
-                  </a:extLst>
-                </a:gridCol>
-                <a:gridCol w="935355">
-                  <a:extLst>
-                    <a:ext uri="{9D8B030D-6E8A-4147-A177-3AD203B41FA5}">
-                      <a16:colId xmlns:a16="http://schemas.microsoft.com/office/drawing/2014/main" val="20007"/>
-                    </a:ext>
-                  </a:extLst>
-                </a:gridCol>
-                <a:gridCol w="367030">
-                  <a:extLst>
-                    <a:ext uri="{9D8B030D-6E8A-4147-A177-3AD203B41FA5}">
-                      <a16:colId xmlns:a16="http://schemas.microsoft.com/office/drawing/2014/main" val="20008"/>
-                    </a:ext>
-                  </a:extLst>
-                </a:gridCol>
-                <a:gridCol w="1130300">
-                  <a:extLst>
-                    <a:ext uri="{9D8B030D-6E8A-4147-A177-3AD203B41FA5}">
-                      <a16:colId xmlns:a16="http://schemas.microsoft.com/office/drawing/2014/main" val="20009"/>
-                    </a:ext>
-                  </a:extLst>
-                </a:gridCol>
-                <a:gridCol w="1130300">
-                  <a:extLst>
-                    <a:ext uri="{9D8B030D-6E8A-4147-A177-3AD203B41FA5}">
-                      <a16:colId xmlns:a16="http://schemas.microsoft.com/office/drawing/2014/main" val="20010"/>
-                    </a:ext>
-                  </a:extLst>
-                </a:gridCol>
-              </a:tblGrid>
-              <a:tr h="448310">
-                <a:tc gridSpan="11">
-                  <a:txBody>
-                    <a:bodyPr/>
-                    <a:lstStyle/>
-                    <a:p>
-                      <a:pPr algn="ctr">
-                        <a:buNone/>
-                      </a:pPr>
-                      <a:r>
-                        <a:rPr lang="en-US" altLang="zh-CN">
-                          <a:solidFill>
-                            <a:srgbClr val="FF8D41"/>
-                          </a:solidFill>
-                        </a:rPr>
-                        <a:t>data of TxB (N inputs &amp; M outputs)</a:t>
-                      </a:r>
-                    </a:p>
-                  </a:txBody>
-                  <a:tcPr/>
-                </a:tc>
-                <a:tc hMerge="1">
-                  <a:txBody>
-                    <a:bodyPr/>
-                    <a:lstStyle/>
-                    <a:p>
-                      <a:endParaRPr lang="zh-CN"/>
-                    </a:p>
-                  </a:txBody>
-                  <a:tcPr/>
-                </a:tc>
-                <a:tc hMerge="1">
-                  <a:txBody>
-                    <a:bodyPr/>
-                    <a:lstStyle/>
-                    <a:p>
-                      <a:endParaRPr lang="zh-CN"/>
-                    </a:p>
-                  </a:txBody>
-                  <a:tcPr/>
-                </a:tc>
-                <a:tc hMerge="1">
-                  <a:txBody>
-                    <a:bodyPr/>
-                    <a:lstStyle/>
-                    <a:p>
-                      <a:endParaRPr lang="zh-CN"/>
-                    </a:p>
-                  </a:txBody>
-                  <a:tcPr/>
-                </a:tc>
-                <a:tc hMerge="1">
-                  <a:txBody>
-                    <a:bodyPr/>
-                    <a:lstStyle/>
-                    <a:p>
-                      <a:endParaRPr lang="zh-CN"/>
-                    </a:p>
-                  </a:txBody>
-                  <a:tcPr/>
-                </a:tc>
-                <a:tc hMerge="1">
-                  <a:txBody>
-                    <a:bodyPr/>
-                    <a:lstStyle/>
-                    <a:p>
-                      <a:endParaRPr lang="zh-CN"/>
-                    </a:p>
-                  </a:txBody>
-                  <a:tcPr/>
-                </a:tc>
-                <a:tc hMerge="1">
-                  <a:txBody>
-                    <a:bodyPr/>
-                    <a:lstStyle/>
-                    <a:p>
-                      <a:endParaRPr lang="zh-CN"/>
-                    </a:p>
-                  </a:txBody>
-                  <a:tcPr/>
-                </a:tc>
-                <a:tc hMerge="1">
-                  <a:txBody>
-                    <a:bodyPr/>
-                    <a:lstStyle/>
-                    <a:p>
-                      <a:endParaRPr lang="zh-CN"/>
-                    </a:p>
-                  </a:txBody>
-                  <a:tcPr/>
-                </a:tc>
-                <a:tc hMerge="1">
-                  <a:txBody>
-                    <a:bodyPr/>
-                    <a:lstStyle/>
-                    <a:p>
-                      <a:endParaRPr lang="zh-CN"/>
-                    </a:p>
-                  </a:txBody>
-                  <a:tcPr/>
-                </a:tc>
-                <a:tc hMerge="1">
-                  <a:txBody>
-                    <a:bodyPr/>
-                    <a:lstStyle/>
-                    <a:p>
-                      <a:endParaRPr lang="zh-CN"/>
-                    </a:p>
-                  </a:txBody>
-                  <a:tcPr/>
-                </a:tc>
-                <a:tc hMerge="1">
-                  <a:txBody>
-                    <a:bodyPr/>
-                    <a:lstStyle/>
-                    <a:p>
-                      <a:endParaRPr lang="zh-CN"/>
-                    </a:p>
-                  </a:txBody>
-                  <a:tcPr/>
-                </a:tc>
-                <a:extLst>
-                  <a:ext uri="{0D108BD9-81ED-4DB2-BD59-A6C34878D82A}">
-                    <a16:rowId xmlns:a16="http://schemas.microsoft.com/office/drawing/2014/main" val="10000"/>
-                  </a:ext>
-                </a:extLst>
-              </a:tr>
-              <a:tr h="2012315">
-                <a:tc>
-                  <a:txBody>
-                    <a:bodyPr/>
-                    <a:lstStyle/>
-                    <a:p>
-                      <a:pPr>
-                        <a:buNone/>
-                      </a:pPr>
-                      <a:r>
-                        <a:rPr lang="zh-CN" altLang="en-US" sz="1600"/>
-                        <a:t>Version，</a:t>
-                      </a:r>
-                    </a:p>
-                    <a:p>
-                      <a:pPr>
-                        <a:buNone/>
-                      </a:pPr>
-                      <a:r>
-                        <a:rPr lang="zh-CN" altLang="en-US" sz="1600"/>
-                        <a:t>Input</a:t>
-                      </a:r>
-                      <a:r>
-                        <a:rPr lang="en-US" altLang="zh-CN" sz="1600"/>
-                        <a:t>C</a:t>
-                      </a:r>
-                      <a:r>
-                        <a:rPr lang="zh-CN" altLang="en-US" sz="1600"/>
-                        <a:t>ount</a:t>
-                      </a:r>
-                    </a:p>
-                  </a:txBody>
-                  <a:tcPr/>
-                </a:tc>
-                <a:tc>
-                  <a:txBody>
-                    <a:bodyPr/>
-                    <a:lstStyle/>
-                    <a:p>
-                      <a:pPr>
-                        <a:buNone/>
-                      </a:pPr>
-                      <a:r>
-                        <a:rPr lang="en-US" altLang="zh-CN" sz="1600"/>
-                        <a:t>Input1</a:t>
-                      </a:r>
-                    </a:p>
-                  </a:txBody>
-                  <a:tcPr/>
-                </a:tc>
-                <a:tc>
-                  <a:txBody>
-                    <a:bodyPr/>
-                    <a:lstStyle/>
-                    <a:p>
-                      <a:pPr>
-                        <a:buNone/>
-                      </a:pPr>
-                      <a:r>
-                        <a:rPr lang="en-US" altLang="zh-CN" sz="1600"/>
-                        <a:t>...</a:t>
-                      </a:r>
-                    </a:p>
-                  </a:txBody>
-                  <a:tcPr/>
-                </a:tc>
-                <a:tc>
-                  <a:txBody>
-                    <a:bodyPr/>
-                    <a:lstStyle/>
-                    <a:p>
-                      <a:pPr>
-                        <a:buNone/>
-                      </a:pPr>
-                      <a:r>
-                        <a:rPr lang="en-US" altLang="zh-CN" sz="1600"/>
-                        <a:t>InputForm</a:t>
-                      </a:r>
-                      <a:r>
-                        <a:rPr lang="en-US" altLang="zh-CN" sz="1600">
-                          <a:solidFill>
-                            <a:srgbClr val="FF3300"/>
-                          </a:solidFill>
-                        </a:rPr>
-                        <a:t>TxC</a:t>
-                      </a:r>
-                    </a:p>
-                  </a:txBody>
-                  <a:tcPr/>
-                </a:tc>
-                <a:tc>
-                  <a:txBody>
-                    <a:bodyPr/>
-                    <a:lstStyle/>
-                    <a:p>
-                      <a:pPr>
-                        <a:buNone/>
-                      </a:pPr>
-                      <a:r>
-                        <a:rPr lang="en-US" altLang="zh-CN" sz="1600"/>
-                        <a:t>...</a:t>
-                      </a:r>
-                    </a:p>
-                  </a:txBody>
-                  <a:tcPr/>
-                </a:tc>
-                <a:tc>
-                  <a:txBody>
-                    <a:bodyPr/>
-                    <a:lstStyle/>
-                    <a:p>
-                      <a:pPr>
-                        <a:buNone/>
-                      </a:pPr>
-                      <a:endParaRPr lang="zh-CN" altLang="en-US" sz="1600"/>
-                    </a:p>
-                  </a:txBody>
-                  <a:tcPr/>
-                </a:tc>
-                <a:tc>
-                  <a:txBody>
-                    <a:bodyPr/>
-                    <a:lstStyle/>
-                    <a:p>
-                      <a:pPr>
-                        <a:buNone/>
-                      </a:pPr>
-                      <a:r>
-                        <a:rPr lang="en-US" altLang="zh-CN" sz="1600"/>
-                        <a:t>OutputCount</a:t>
-                      </a:r>
-                    </a:p>
-                  </a:txBody>
-                  <a:tcPr/>
-                </a:tc>
-                <a:tc>
-                  <a:txBody>
-                    <a:bodyPr/>
-                    <a:lstStyle/>
-                    <a:p>
-                      <a:pPr>
-                        <a:buNone/>
-                      </a:pPr>
-                      <a:r>
-                        <a:rPr lang="en-US" altLang="zh-CN" sz="1600"/>
-                        <a:t>Output1</a:t>
-                      </a:r>
-                    </a:p>
-                  </a:txBody>
-                  <a:tcPr/>
-                </a:tc>
-                <a:tc>
-                  <a:txBody>
-                    <a:bodyPr/>
-                    <a:lstStyle/>
-                    <a:p>
-                      <a:pPr>
-                        <a:buNone/>
-                      </a:pPr>
-                      <a:r>
-                        <a:rPr lang="en-US" altLang="zh-CN" sz="1600">
-                          <a:sym typeface="+mn-ea"/>
-                        </a:rPr>
-                        <a:t>...</a:t>
-                      </a:r>
-                      <a:endParaRPr lang="zh-CN" altLang="en-US" sz="1600"/>
-                    </a:p>
-                  </a:txBody>
-                  <a:tcPr/>
-                </a:tc>
-                <a:tc>
-                  <a:txBody>
-                    <a:bodyPr/>
-                    <a:lstStyle/>
-                    <a:p>
-                      <a:pPr>
-                        <a:buNone/>
-                      </a:pPr>
-                      <a:r>
-                        <a:rPr lang="en-US" altLang="zh-CN" sz="1600">
-                          <a:sym typeface="+mn-ea"/>
-                        </a:rPr>
-                        <a:t>OutputM</a:t>
-                      </a:r>
-                      <a:endParaRPr lang="zh-CN" altLang="en-US" sz="1600"/>
-                    </a:p>
-                  </a:txBody>
-                  <a:tcPr/>
-                </a:tc>
-                <a:tc>
-                  <a:txBody>
-                    <a:bodyPr/>
-                    <a:lstStyle/>
-                    <a:p>
-                      <a:pPr>
-                        <a:buNone/>
-                      </a:pPr>
-                      <a:r>
-                        <a:rPr lang="en-US" altLang="zh-CN" sz="1600"/>
-                        <a:t>locktime</a:t>
-                      </a:r>
-                    </a:p>
-                  </a:txBody>
-                  <a:tcPr/>
-                </a:tc>
-                <a:extLst>
-                  <a:ext uri="{0D108BD9-81ED-4DB2-BD59-A6C34878D82A}">
-                    <a16:rowId xmlns:a16="http://schemas.microsoft.com/office/drawing/2014/main" val="10001"/>
-                  </a:ext>
-                </a:extLst>
-              </a:tr>
-            </a:tbl>
-          </a:graphicData>
-        </a:graphic>
-      </p:graphicFrame>
       <p:sp>
         <p:nvSpPr>
           <p:cNvPr id="16" name="文本框 15"/>
@@ -7511,7 +7707,7 @@
         <p:spPr>
           <a:xfrm>
             <a:off x="381635" y="771525"/>
-            <a:ext cx="8270240" cy="368300"/>
+            <a:ext cx="8270240" cy="369332"/>
           </a:xfrm>
           <a:prstGeom prst="rect">
             <a:avLst/>
@@ -7540,160 +7736,43 @@
               <a:rPr lang="zh-CN" altLang="en-US">
                 <a:sym typeface="+mn-ea"/>
               </a:rPr>
-              <a:t>的数据如下所示，输入</a:t>
+              <a:t>的数据如下所示</a:t>
+            </a:r>
+            <a:r>
+              <a:rPr lang="zh-CN" altLang="en-US" smtClean="0">
+                <a:sym typeface="+mn-ea"/>
+              </a:rPr>
+              <a:t>，数据</a:t>
+            </a:r>
+            <a:r>
+              <a:rPr lang="zh-CN" altLang="en-US" smtClean="0"/>
+              <a:t>将</a:t>
             </a:r>
             <a:r>
               <a:rPr lang="zh-CN" altLang="en-US"/>
-              <a:t>将分成两个部分，用红色框来表示：</a:t>
-            </a:r>
-          </a:p>
-        </p:txBody>
-      </p:sp>
-      <p:sp>
-        <p:nvSpPr>
-          <p:cNvPr id="17" name="左大括号 16"/>
-          <p:cNvSpPr/>
-          <p:nvPr/>
-        </p:nvSpPr>
-        <p:spPr>
-          <a:xfrm rot="16200000">
-            <a:off x="2443927" y="1724212"/>
-            <a:ext cx="247015" cy="4371600"/>
-          </a:xfrm>
-          <a:prstGeom prst="leftBrace">
-            <a:avLst>
-              <a:gd name="adj1" fmla="val 8333"/>
-              <a:gd name="adj2" fmla="val 50922"/>
-            </a:avLst>
-          </a:prstGeom>
-          <a:ln w="28575"/>
-        </p:spPr>
-        <p:style>
-          <a:lnRef idx="1">
-            <a:schemeClr val="accent1"/>
-          </a:lnRef>
-          <a:fillRef idx="0">
-            <a:schemeClr val="accent1"/>
-          </a:fillRef>
-          <a:effectRef idx="0">
-            <a:schemeClr val="accent1"/>
-          </a:effectRef>
-          <a:fontRef idx="minor">
-            <a:schemeClr val="tx1"/>
-          </a:fontRef>
-        </p:style>
-        <p:txBody>
-          <a:bodyPr rtlCol="0" anchor="ctr"/>
-          <a:lstStyle/>
-          <a:p>
-            <a:pPr algn="ctr"/>
-            <a:endParaRPr lang="zh-CN" altLang="en-US"/>
-          </a:p>
-        </p:txBody>
-      </p:sp>
-      <p:sp>
-        <p:nvSpPr>
-          <p:cNvPr id="18" name="左大括号 17"/>
-          <p:cNvSpPr/>
-          <p:nvPr/>
-        </p:nvSpPr>
-        <p:spPr>
-          <a:xfrm rot="16200000">
-            <a:off x="8226555" y="313503"/>
-            <a:ext cx="246698" cy="7193338"/>
-          </a:xfrm>
-          <a:prstGeom prst="leftBrace">
-            <a:avLst>
-              <a:gd name="adj1" fmla="val 8333"/>
-              <a:gd name="adj2" fmla="val 50922"/>
-            </a:avLst>
-          </a:prstGeom>
-          <a:ln w="28575"/>
-        </p:spPr>
-        <p:style>
-          <a:lnRef idx="1">
-            <a:schemeClr val="accent1"/>
-          </a:lnRef>
-          <a:fillRef idx="0">
-            <a:schemeClr val="accent1"/>
-          </a:fillRef>
-          <a:effectRef idx="0">
-            <a:schemeClr val="accent1"/>
-          </a:effectRef>
-          <a:fontRef idx="minor">
-            <a:schemeClr val="tx1"/>
-          </a:fontRef>
-        </p:style>
-        <p:txBody>
-          <a:bodyPr rtlCol="0" anchor="ctr"/>
-          <a:lstStyle/>
-          <a:p>
-            <a:pPr algn="ctr"/>
-            <a:endParaRPr lang="zh-CN" altLang="en-US"/>
-          </a:p>
-        </p:txBody>
-      </p:sp>
-      <p:sp>
-        <p:nvSpPr>
-          <p:cNvPr id="20" name="文本框 19"/>
-          <p:cNvSpPr txBox="1"/>
-          <p:nvPr/>
-        </p:nvSpPr>
-        <p:spPr>
-          <a:xfrm>
-            <a:off x="7699664" y="4236548"/>
-            <a:ext cx="1300480" cy="368300"/>
-          </a:xfrm>
-          <a:prstGeom prst="rect">
-            <a:avLst/>
-          </a:prstGeom>
-          <a:noFill/>
-        </p:spPr>
-        <p:txBody>
-          <a:bodyPr wrap="none" rtlCol="0" anchor="t">
-            <a:spAutoFit/>
-          </a:bodyPr>
-          <a:lstStyle/>
-          <a:p>
-            <a:pPr algn="l"/>
-            <a:r>
-              <a:rPr lang="en-US" altLang="zh-CN">
-                <a:sym typeface="+mn-ea"/>
-              </a:rPr>
-              <a:t>B.data.part2</a:t>
-            </a:r>
-            <a:endParaRPr lang="zh-CN" altLang="en-US"/>
-          </a:p>
-        </p:txBody>
-      </p:sp>
-      <p:sp>
-        <p:nvSpPr>
-          <p:cNvPr id="21" name="文本框 20"/>
-          <p:cNvSpPr txBox="1"/>
-          <p:nvPr/>
-        </p:nvSpPr>
-        <p:spPr>
-          <a:xfrm>
-            <a:off x="1917194" y="4210685"/>
-            <a:ext cx="1300480" cy="368300"/>
-          </a:xfrm>
-          <a:prstGeom prst="rect">
-            <a:avLst/>
-          </a:prstGeom>
-          <a:noFill/>
-        </p:spPr>
-        <p:txBody>
-          <a:bodyPr wrap="none" rtlCol="0" anchor="t">
-            <a:spAutoFit/>
-          </a:bodyPr>
-          <a:lstStyle/>
-          <a:p>
-            <a:pPr algn="l"/>
-            <a:r>
-              <a:rPr lang="en-US" altLang="zh-CN">
+              <a:t>分成两个部</a:t>
+            </a:r>
+            <a:r>
+              <a:rPr lang="zh-CN" altLang="en-US" smtClean="0"/>
+              <a:t>分：</a:t>
+            </a:r>
+            <a:r>
+              <a:rPr lang="en-US" altLang="zh-CN" smtClean="0">
                 <a:sym typeface="+mn-ea"/>
               </a:rPr>
               <a:t>B.data.part1</a:t>
+            </a:r>
+            <a:r>
+              <a:rPr lang="zh-CN" altLang="en-US">
+                <a:sym typeface="+mn-ea"/>
+              </a:rPr>
+              <a:t> </a:t>
+            </a:r>
+            <a:r>
+              <a:rPr lang="en-US" altLang="zh-CN" smtClean="0">
+                <a:sym typeface="+mn-ea"/>
+              </a:rPr>
+              <a:t>and B.data.part2</a:t>
             </a:r>
             <a:endParaRPr lang="zh-CN" altLang="en-US"/>
           </a:p>
@@ -7707,8 +7786,8 @@
         </p:nvSpPr>
         <p:spPr>
           <a:xfrm>
-            <a:off x="127635" y="4647565"/>
-            <a:ext cx="11930380" cy="1753235"/>
+            <a:off x="275917" y="4474726"/>
+            <a:ext cx="11570096" cy="2308324"/>
           </a:xfrm>
           <a:prstGeom prst="rect">
             <a:avLst/>
@@ -7729,7 +7808,7 @@
           </a:fontRef>
         </p:style>
         <p:txBody>
-          <a:bodyPr wrap="none" rtlCol="0" anchor="t">
+          <a:bodyPr wrap="square" rtlCol="0" anchor="t">
             <a:spAutoFit/>
           </a:bodyPr>
           <a:lstStyle/>
@@ -7808,19 +7887,19 @@
               <a:rPr lang="zh-CN" altLang="en-US">
                 <a:sym typeface="+mn-ea"/>
               </a:rPr>
-              <a:t>数据的大小</a:t>
-            </a:r>
-          </a:p>
-          <a:p>
-            <a:pPr indent="0" algn="l">
-              <a:buFont typeface="Arial" panose="02080604020202020204" pitchFamily="34" charset="0"/>
-              <a:buNone/>
-            </a:pPr>
+              <a:t>数据的大</a:t>
+            </a:r>
+            <a:r>
+              <a:rPr lang="zh-CN" altLang="en-US" smtClean="0">
+                <a:sym typeface="+mn-ea"/>
+              </a:rPr>
+              <a:t>小限</a:t>
+            </a:r>
             <a:r>
               <a:rPr lang="zh-CN" altLang="en-US">
                 <a:sym typeface="+mn-ea"/>
               </a:rPr>
-              <a:t>限制，也可能含有前一个交易</a:t>
+              <a:t>制，也可能含有前一个交易</a:t>
             </a:r>
             <a:r>
               <a:rPr lang="en-US" altLang="zh-CN">
@@ -7928,19 +8007,25 @@
               <a:rPr lang="zh-CN" altLang="en-US">
                 <a:sym typeface="+mn-ea"/>
               </a:rPr>
-              <a:t>交易输入所花费的输出</a:t>
-            </a:r>
-          </a:p>
-          <a:p>
-            <a:pPr indent="0" algn="l">
-              <a:buFont typeface="Arial" panose="02080604020202020204" pitchFamily="34" charset="0"/>
-              <a:buNone/>
-            </a:pPr>
+              <a:t>交易输入所花费的输</a:t>
+            </a:r>
+            <a:r>
+              <a:rPr lang="zh-CN" altLang="en-US" smtClean="0">
+                <a:sym typeface="+mn-ea"/>
+              </a:rPr>
+              <a:t>出</a:t>
+            </a:r>
+            <a:r>
+              <a:rPr lang="en-US" altLang="zh-CN" smtClean="0">
+                <a:sym typeface="+mn-ea"/>
+              </a:rPr>
+              <a:t>InputN.txid.getOutputLockscript(InputN.vout</a:t>
+            </a:r>
             <a:r>
               <a:rPr lang="en-US" altLang="zh-CN">
                 <a:sym typeface="+mn-ea"/>
               </a:rPr>
-              <a:t>InputN.txid.getOutputLockscript(InputN.vout)</a:t>
+              <a:t>)</a:t>
             </a:r>
             <a:r>
               <a:rPr lang="zh-CN" altLang="en-US">
@@ -7963,168 +8048,795 @@
           </a:p>
         </p:txBody>
       </p:sp>
-      <p:graphicFrame>
-        <p:nvGraphicFramePr>
-          <p:cNvPr id="23" name="表格 22"/>
-          <p:cNvGraphicFramePr/>
-          <p:nvPr>
-            <p:extLst>
-              <p:ext uri="{D42A27DB-BD31-4B8C-83A1-F6EECF244321}">
-                <p14:modId xmlns:p14="http://schemas.microsoft.com/office/powerpoint/2010/main" val="3462145332"/>
-              </p:ext>
-            </p:extLst>
-          </p:nvPr>
-        </p:nvGraphicFramePr>
-        <p:xfrm>
-          <a:off x="4923155" y="1781175"/>
-          <a:ext cx="1963420" cy="1828800"/>
-        </p:xfrm>
-        <a:graphic>
-          <a:graphicData uri="http://schemas.openxmlformats.org/drawingml/2006/table">
-            <a:tbl>
-              <a:tblPr firstRow="1" bandRow="1">
-                <a:tableStyleId>{5940675A-B579-460E-94D1-54222C63F5DA}</a:tableStyleId>
-              </a:tblPr>
-              <a:tblGrid>
-                <a:gridCol w="1963420">
+      <p:grpSp>
+        <p:nvGrpSpPr>
+          <p:cNvPr id="3" name="组合 2"/>
+          <p:cNvGrpSpPr/>
+          <p:nvPr/>
+        </p:nvGrpSpPr>
+        <p:grpSpPr>
+          <a:xfrm>
+            <a:off x="311900" y="1248410"/>
+            <a:ext cx="11590020" cy="3237550"/>
+            <a:chOff x="311900" y="1248410"/>
+            <a:chExt cx="11590020" cy="3237550"/>
+          </a:xfrm>
+        </p:grpSpPr>
+        <p:graphicFrame>
+          <p:nvGraphicFramePr>
+            <p:cNvPr id="12" name="表格 11"/>
+            <p:cNvGraphicFramePr/>
+            <p:nvPr>
+              <p:extLst>
+                <p:ext uri="{D42A27DB-BD31-4B8C-83A1-F6EECF244321}">
+                  <p14:modId xmlns:p14="http://schemas.microsoft.com/office/powerpoint/2010/main" val="157838204"/>
+                </p:ext>
+              </p:extLst>
+            </p:nvPr>
+          </p:nvGraphicFramePr>
+          <p:xfrm>
+            <a:off x="311900" y="1248410"/>
+            <a:ext cx="11590020" cy="2460625"/>
+          </p:xfrm>
+          <a:graphic>
+            <a:graphicData uri="http://schemas.openxmlformats.org/drawingml/2006/table">
+              <a:tbl>
+                <a:tblPr firstRow="1" bandRow="1">
+                  <a:tableStyleId>{5C22544A-7EE6-4342-B048-85BDC9FD1C3A}</a:tableStyleId>
+                </a:tblPr>
+                <a:tblGrid>
+                  <a:gridCol w="1287780">
+                    <a:extLst>
+                      <a:ext uri="{9D8B030D-6E8A-4147-A177-3AD203B41FA5}">
+                        <a16:colId xmlns:a16="http://schemas.microsoft.com/office/drawing/2014/main" val="20000"/>
+                      </a:ext>
+                    </a:extLst>
+                  </a:gridCol>
+                  <a:gridCol w="800735">
+                    <a:extLst>
+                      <a:ext uri="{9D8B030D-6E8A-4147-A177-3AD203B41FA5}">
+                        <a16:colId xmlns:a16="http://schemas.microsoft.com/office/drawing/2014/main" val="20001"/>
+                      </a:ext>
+                    </a:extLst>
+                  </a:gridCol>
+                  <a:gridCol w="417830">
+                    <a:extLst>
+                      <a:ext uri="{9D8B030D-6E8A-4147-A177-3AD203B41FA5}">
+                        <a16:colId xmlns:a16="http://schemas.microsoft.com/office/drawing/2014/main" val="20002"/>
+                      </a:ext>
+                    </a:extLst>
+                  </a:gridCol>
+                  <a:gridCol w="1603375">
+                    <a:extLst>
+                      <a:ext uri="{9D8B030D-6E8A-4147-A177-3AD203B41FA5}">
+                        <a16:colId xmlns:a16="http://schemas.microsoft.com/office/drawing/2014/main" val="20003"/>
+                      </a:ext>
+                    </a:extLst>
+                  </a:gridCol>
+                  <a:gridCol w="395605">
+                    <a:extLst>
+                      <a:ext uri="{9D8B030D-6E8A-4147-A177-3AD203B41FA5}">
+                        <a16:colId xmlns:a16="http://schemas.microsoft.com/office/drawing/2014/main" val="20004"/>
+                      </a:ext>
+                    </a:extLst>
+                  </a:gridCol>
+                  <a:gridCol w="2084070">
+                    <a:extLst>
+                      <a:ext uri="{9D8B030D-6E8A-4147-A177-3AD203B41FA5}">
+                        <a16:colId xmlns:a16="http://schemas.microsoft.com/office/drawing/2014/main" val="20005"/>
+                      </a:ext>
+                    </a:extLst>
+                  </a:gridCol>
+                  <a:gridCol w="1437640">
+                    <a:extLst>
+                      <a:ext uri="{9D8B030D-6E8A-4147-A177-3AD203B41FA5}">
+                        <a16:colId xmlns:a16="http://schemas.microsoft.com/office/drawing/2014/main" val="20006"/>
+                      </a:ext>
+                    </a:extLst>
+                  </a:gridCol>
+                  <a:gridCol w="935355">
+                    <a:extLst>
+                      <a:ext uri="{9D8B030D-6E8A-4147-A177-3AD203B41FA5}">
+                        <a16:colId xmlns:a16="http://schemas.microsoft.com/office/drawing/2014/main" val="20007"/>
+                      </a:ext>
+                    </a:extLst>
+                  </a:gridCol>
+                  <a:gridCol w="367030">
+                    <a:extLst>
+                      <a:ext uri="{9D8B030D-6E8A-4147-A177-3AD203B41FA5}">
+                        <a16:colId xmlns:a16="http://schemas.microsoft.com/office/drawing/2014/main" val="20008"/>
+                      </a:ext>
+                    </a:extLst>
+                  </a:gridCol>
+                  <a:gridCol w="1130300">
+                    <a:extLst>
+                      <a:ext uri="{9D8B030D-6E8A-4147-A177-3AD203B41FA5}">
+                        <a16:colId xmlns:a16="http://schemas.microsoft.com/office/drawing/2014/main" val="20009"/>
+                      </a:ext>
+                    </a:extLst>
+                  </a:gridCol>
+                  <a:gridCol w="1130300">
+                    <a:extLst>
+                      <a:ext uri="{9D8B030D-6E8A-4147-A177-3AD203B41FA5}">
+                        <a16:colId xmlns:a16="http://schemas.microsoft.com/office/drawing/2014/main" val="20010"/>
+                      </a:ext>
+                    </a:extLst>
+                  </a:gridCol>
+                </a:tblGrid>
+                <a:tr h="448310">
+                  <a:tc gridSpan="11">
+                    <a:txBody>
+                      <a:bodyPr/>
+                      <a:lstStyle/>
+                      <a:p>
+                        <a:pPr algn="ctr">
+                          <a:buNone/>
+                        </a:pPr>
+                        <a:r>
+                          <a:rPr lang="en-US" altLang="zh-CN">
+                            <a:solidFill>
+                              <a:srgbClr val="FF8D41"/>
+                            </a:solidFill>
+                          </a:rPr>
+                          <a:t>data of TxB (N inputs &amp; M outputs)</a:t>
+                        </a:r>
+                      </a:p>
+                    </a:txBody>
+                    <a:tcPr/>
+                  </a:tc>
+                  <a:tc hMerge="1">
+                    <a:txBody>
+                      <a:bodyPr/>
+                      <a:lstStyle/>
+                      <a:p>
+                        <a:endParaRPr lang="zh-CN"/>
+                      </a:p>
+                    </a:txBody>
+                    <a:tcPr/>
+                  </a:tc>
+                  <a:tc hMerge="1">
+                    <a:txBody>
+                      <a:bodyPr/>
+                      <a:lstStyle/>
+                      <a:p>
+                        <a:endParaRPr lang="zh-CN"/>
+                      </a:p>
+                    </a:txBody>
+                    <a:tcPr/>
+                  </a:tc>
+                  <a:tc hMerge="1">
+                    <a:txBody>
+                      <a:bodyPr/>
+                      <a:lstStyle/>
+                      <a:p>
+                        <a:endParaRPr lang="zh-CN"/>
+                      </a:p>
+                    </a:txBody>
+                    <a:tcPr/>
+                  </a:tc>
+                  <a:tc hMerge="1">
+                    <a:txBody>
+                      <a:bodyPr/>
+                      <a:lstStyle/>
+                      <a:p>
+                        <a:endParaRPr lang="zh-CN"/>
+                      </a:p>
+                    </a:txBody>
+                    <a:tcPr/>
+                  </a:tc>
+                  <a:tc hMerge="1">
+                    <a:txBody>
+                      <a:bodyPr/>
+                      <a:lstStyle/>
+                      <a:p>
+                        <a:endParaRPr lang="zh-CN"/>
+                      </a:p>
+                    </a:txBody>
+                    <a:tcPr/>
+                  </a:tc>
+                  <a:tc hMerge="1">
+                    <a:txBody>
+                      <a:bodyPr/>
+                      <a:lstStyle/>
+                      <a:p>
+                        <a:endParaRPr lang="zh-CN"/>
+                      </a:p>
+                    </a:txBody>
+                    <a:tcPr/>
+                  </a:tc>
+                  <a:tc hMerge="1">
+                    <a:txBody>
+                      <a:bodyPr/>
+                      <a:lstStyle/>
+                      <a:p>
+                        <a:endParaRPr lang="zh-CN"/>
+                      </a:p>
+                    </a:txBody>
+                    <a:tcPr/>
+                  </a:tc>
+                  <a:tc hMerge="1">
+                    <a:txBody>
+                      <a:bodyPr/>
+                      <a:lstStyle/>
+                      <a:p>
+                        <a:endParaRPr lang="zh-CN"/>
+                      </a:p>
+                    </a:txBody>
+                    <a:tcPr/>
+                  </a:tc>
+                  <a:tc hMerge="1">
+                    <a:txBody>
+                      <a:bodyPr/>
+                      <a:lstStyle/>
+                      <a:p>
+                        <a:endParaRPr lang="zh-CN"/>
+                      </a:p>
+                    </a:txBody>
+                    <a:tcPr/>
+                  </a:tc>
+                  <a:tc hMerge="1">
+                    <a:txBody>
+                      <a:bodyPr/>
+                      <a:lstStyle/>
+                      <a:p>
+                        <a:endParaRPr lang="zh-CN"/>
+                      </a:p>
+                    </a:txBody>
+                    <a:tcPr/>
+                  </a:tc>
                   <a:extLst>
-                    <a:ext uri="{9D8B030D-6E8A-4147-A177-3AD203B41FA5}">
-                      <a16:colId xmlns:a16="http://schemas.microsoft.com/office/drawing/2014/main" val="20000"/>
+                    <a:ext uri="{0D108BD9-81ED-4DB2-BD59-A6C34878D82A}">
+                      <a16:rowId xmlns:a16="http://schemas.microsoft.com/office/drawing/2014/main" val="10000"/>
                     </a:ext>
                   </a:extLst>
-                </a:gridCol>
-              </a:tblGrid>
-              <a:tr h="365760">
-                <a:tc>
-                  <a:txBody>
-                    <a:bodyPr/>
-                    <a:lstStyle/>
-                    <a:p>
-                      <a:pPr>
-                        <a:buNone/>
-                      </a:pPr>
-                      <a:r>
-                        <a:rPr lang="en-US" altLang="zh-CN" sz="1600"/>
-                        <a:t>InputN.txid</a:t>
-                      </a:r>
-                    </a:p>
-                  </a:txBody>
-                  <a:tcPr/>
-                </a:tc>
-                <a:extLst>
-                  <a:ext uri="{0D108BD9-81ED-4DB2-BD59-A6C34878D82A}">
-                    <a16:rowId xmlns:a16="http://schemas.microsoft.com/office/drawing/2014/main" val="10000"/>
-                  </a:ext>
-                </a:extLst>
-              </a:tr>
-              <a:tr h="365760">
-                <a:tc>
-                  <a:txBody>
-                    <a:bodyPr/>
-                    <a:lstStyle/>
-                    <a:p>
-                      <a:pPr>
-                        <a:buNone/>
-                      </a:pPr>
-                      <a:r>
-                        <a:rPr lang="en-US" altLang="zh-CN" sz="1600">
-                          <a:sym typeface="+mn-ea"/>
-                        </a:rPr>
-                        <a:t>InputN.vout</a:t>
-                      </a:r>
-                      <a:endParaRPr lang="en-US" altLang="zh-CN" sz="1600"/>
-                    </a:p>
-                  </a:txBody>
-                  <a:tcPr/>
-                </a:tc>
-                <a:extLst>
-                  <a:ext uri="{0D108BD9-81ED-4DB2-BD59-A6C34878D82A}">
-                    <a16:rowId xmlns:a16="http://schemas.microsoft.com/office/drawing/2014/main" val="10001"/>
-                  </a:ext>
-                </a:extLst>
-              </a:tr>
-              <a:tr h="365760">
-                <a:tc>
-                  <a:txBody>
-                    <a:bodyPr/>
-                    <a:lstStyle/>
-                    <a:p>
-                      <a:pPr>
-                        <a:buNone/>
-                      </a:pPr>
-                      <a:r>
-                        <a:rPr lang="en-US" altLang="zh-CN" sz="1600">
-                          <a:sym typeface="+mn-ea"/>
-                        </a:rPr>
-                        <a:t>InputN.unlocksize</a:t>
-                      </a:r>
-                      <a:endParaRPr lang="en-US" altLang="zh-CN" sz="1600"/>
-                    </a:p>
-                  </a:txBody>
-                  <a:tcPr/>
-                </a:tc>
-                <a:extLst>
-                  <a:ext uri="{0D108BD9-81ED-4DB2-BD59-A6C34878D82A}">
-                    <a16:rowId xmlns:a16="http://schemas.microsoft.com/office/drawing/2014/main" val="10002"/>
-                  </a:ext>
-                </a:extLst>
-              </a:tr>
-              <a:tr h="365760">
-                <a:tc>
-                  <a:txBody>
-                    <a:bodyPr/>
-                    <a:lstStyle/>
-                    <a:p>
-                      <a:pPr>
-                        <a:buNone/>
-                      </a:pPr>
-                      <a:r>
-                        <a:rPr lang="en-US" altLang="zh-CN" sz="1600">
-                          <a:sym typeface="+mn-ea"/>
-                        </a:rPr>
-                        <a:t>InputN.unlockdata</a:t>
-                      </a:r>
-                      <a:endParaRPr lang="zh-CN" altLang="en-US" sz="1600"/>
-                    </a:p>
-                  </a:txBody>
-                  <a:tcPr/>
-                </a:tc>
-                <a:extLst>
-                  <a:ext uri="{0D108BD9-81ED-4DB2-BD59-A6C34878D82A}">
-                    <a16:rowId xmlns:a16="http://schemas.microsoft.com/office/drawing/2014/main" val="10003"/>
-                  </a:ext>
-                </a:extLst>
-              </a:tr>
-              <a:tr h="365760">
-                <a:tc>
-                  <a:txBody>
-                    <a:bodyPr/>
-                    <a:lstStyle/>
-                    <a:p>
-                      <a:pPr>
-                        <a:buNone/>
-                      </a:pPr>
-                      <a:r>
-                        <a:rPr lang="en-US" altLang="zh-CN" sz="1600">
-                          <a:sym typeface="+mn-ea"/>
-                        </a:rPr>
-                        <a:t>InputN.sequence</a:t>
-                      </a:r>
-                      <a:endParaRPr lang="zh-CN" altLang="en-US" sz="1600"/>
-                    </a:p>
-                  </a:txBody>
-                  <a:tcPr/>
-                </a:tc>
-                <a:extLst>
-                  <a:ext uri="{0D108BD9-81ED-4DB2-BD59-A6C34878D82A}">
-                    <a16:rowId xmlns:a16="http://schemas.microsoft.com/office/drawing/2014/main" val="10004"/>
-                  </a:ext>
-                </a:extLst>
-              </a:tr>
-            </a:tbl>
-          </a:graphicData>
-        </a:graphic>
-      </p:graphicFrame>
+                </a:tr>
+                <a:tr h="2012315">
+                  <a:tc>
+                    <a:txBody>
+                      <a:bodyPr/>
+                      <a:lstStyle/>
+                      <a:p>
+                        <a:pPr>
+                          <a:buNone/>
+                        </a:pPr>
+                        <a:r>
+                          <a:rPr lang="zh-CN" altLang="en-US" sz="1600"/>
+                          <a:t>Version，</a:t>
+                        </a:r>
+                      </a:p>
+                      <a:p>
+                        <a:pPr>
+                          <a:buNone/>
+                        </a:pPr>
+                        <a:r>
+                          <a:rPr lang="zh-CN" altLang="en-US" sz="1600"/>
+                          <a:t>Input</a:t>
+                        </a:r>
+                        <a:r>
+                          <a:rPr lang="en-US" altLang="zh-CN" sz="1600"/>
+                          <a:t>C</a:t>
+                        </a:r>
+                        <a:r>
+                          <a:rPr lang="zh-CN" altLang="en-US" sz="1600"/>
+                          <a:t>ount</a:t>
+                        </a:r>
+                      </a:p>
+                    </a:txBody>
+                    <a:tcPr/>
+                  </a:tc>
+                  <a:tc>
+                    <a:txBody>
+                      <a:bodyPr/>
+                      <a:lstStyle/>
+                      <a:p>
+                        <a:pPr>
+                          <a:buNone/>
+                        </a:pPr>
+                        <a:r>
+                          <a:rPr lang="en-US" altLang="zh-CN" sz="1600"/>
+                          <a:t>Input1</a:t>
+                        </a:r>
+                      </a:p>
+                    </a:txBody>
+                    <a:tcPr/>
+                  </a:tc>
+                  <a:tc>
+                    <a:txBody>
+                      <a:bodyPr/>
+                      <a:lstStyle/>
+                      <a:p>
+                        <a:pPr>
+                          <a:buNone/>
+                        </a:pPr>
+                        <a:r>
+                          <a:rPr lang="en-US" altLang="zh-CN" sz="1600"/>
+                          <a:t>...</a:t>
+                        </a:r>
+                      </a:p>
+                    </a:txBody>
+                    <a:tcPr/>
+                  </a:tc>
+                  <a:tc>
+                    <a:txBody>
+                      <a:bodyPr/>
+                      <a:lstStyle/>
+                      <a:p>
+                        <a:pPr>
+                          <a:buNone/>
+                        </a:pPr>
+                        <a:r>
+                          <a:rPr lang="en-US" altLang="zh-CN" sz="1600" smtClean="0"/>
+                          <a:t>InputForm</a:t>
+                        </a:r>
+                        <a:r>
+                          <a:rPr lang="en-US" altLang="zh-CN" sz="1600" smtClean="0">
+                            <a:solidFill>
+                              <a:srgbClr val="FF3300"/>
+                            </a:solidFill>
+                          </a:rPr>
+                          <a:t>TxA</a:t>
+                        </a:r>
+                        <a:endParaRPr lang="en-US" altLang="zh-CN" sz="1600">
+                          <a:solidFill>
+                            <a:srgbClr val="FF3300"/>
+                          </a:solidFill>
+                        </a:endParaRPr>
+                      </a:p>
+                    </a:txBody>
+                    <a:tcPr/>
+                  </a:tc>
+                  <a:tc>
+                    <a:txBody>
+                      <a:bodyPr/>
+                      <a:lstStyle/>
+                      <a:p>
+                        <a:pPr>
+                          <a:buNone/>
+                        </a:pPr>
+                        <a:r>
+                          <a:rPr lang="en-US" altLang="zh-CN" sz="1600"/>
+                          <a:t>...</a:t>
+                        </a:r>
+                      </a:p>
+                    </a:txBody>
+                    <a:tcPr/>
+                  </a:tc>
+                  <a:tc>
+                    <a:txBody>
+                      <a:bodyPr/>
+                      <a:lstStyle/>
+                      <a:p>
+                        <a:pPr>
+                          <a:buNone/>
+                        </a:pPr>
+                        <a:endParaRPr lang="zh-CN" altLang="en-US" sz="1600"/>
+                      </a:p>
+                    </a:txBody>
+                    <a:tcPr/>
+                  </a:tc>
+                  <a:tc>
+                    <a:txBody>
+                      <a:bodyPr/>
+                      <a:lstStyle/>
+                      <a:p>
+                        <a:pPr>
+                          <a:buNone/>
+                        </a:pPr>
+                        <a:r>
+                          <a:rPr lang="en-US" altLang="zh-CN" sz="1600"/>
+                          <a:t>OutputCount</a:t>
+                        </a:r>
+                      </a:p>
+                    </a:txBody>
+                    <a:tcPr/>
+                  </a:tc>
+                  <a:tc>
+                    <a:txBody>
+                      <a:bodyPr/>
+                      <a:lstStyle/>
+                      <a:p>
+                        <a:pPr>
+                          <a:buNone/>
+                        </a:pPr>
+                        <a:r>
+                          <a:rPr lang="en-US" altLang="zh-CN" sz="1600"/>
+                          <a:t>Output1</a:t>
+                        </a:r>
+                      </a:p>
+                    </a:txBody>
+                    <a:tcPr/>
+                  </a:tc>
+                  <a:tc>
+                    <a:txBody>
+                      <a:bodyPr/>
+                      <a:lstStyle/>
+                      <a:p>
+                        <a:pPr>
+                          <a:buNone/>
+                        </a:pPr>
+                        <a:r>
+                          <a:rPr lang="en-US" altLang="zh-CN" sz="1600">
+                            <a:sym typeface="+mn-ea"/>
+                          </a:rPr>
+                          <a:t>...</a:t>
+                        </a:r>
+                        <a:endParaRPr lang="zh-CN" altLang="en-US" sz="1600"/>
+                      </a:p>
+                    </a:txBody>
+                    <a:tcPr/>
+                  </a:tc>
+                  <a:tc>
+                    <a:txBody>
+                      <a:bodyPr/>
+                      <a:lstStyle/>
+                      <a:p>
+                        <a:pPr>
+                          <a:buNone/>
+                        </a:pPr>
+                        <a:r>
+                          <a:rPr lang="en-US" altLang="zh-CN" sz="1600">
+                            <a:sym typeface="+mn-ea"/>
+                          </a:rPr>
+                          <a:t>OutputM</a:t>
+                        </a:r>
+                        <a:endParaRPr lang="zh-CN" altLang="en-US" sz="1600"/>
+                      </a:p>
+                    </a:txBody>
+                    <a:tcPr/>
+                  </a:tc>
+                  <a:tc>
+                    <a:txBody>
+                      <a:bodyPr/>
+                      <a:lstStyle/>
+                      <a:p>
+                        <a:pPr>
+                          <a:buNone/>
+                        </a:pPr>
+                        <a:r>
+                          <a:rPr lang="en-US" altLang="zh-CN" sz="1600"/>
+                          <a:t>locktime</a:t>
+                        </a:r>
+                      </a:p>
+                    </a:txBody>
+                    <a:tcPr/>
+                  </a:tc>
+                  <a:extLst>
+                    <a:ext uri="{0D108BD9-81ED-4DB2-BD59-A6C34878D82A}">
+                      <a16:rowId xmlns:a16="http://schemas.microsoft.com/office/drawing/2014/main" val="10001"/>
+                    </a:ext>
+                  </a:extLst>
+                </a:tr>
+              </a:tbl>
+            </a:graphicData>
+          </a:graphic>
+        </p:graphicFrame>
+        <p:sp>
+          <p:nvSpPr>
+            <p:cNvPr id="17" name="左大括号 16"/>
+            <p:cNvSpPr/>
+            <p:nvPr/>
+          </p:nvSpPr>
+          <p:spPr>
+            <a:xfrm rot="16200000">
+              <a:off x="2398957" y="1724212"/>
+              <a:ext cx="247015" cy="4371600"/>
+            </a:xfrm>
+            <a:prstGeom prst="leftBrace">
+              <a:avLst>
+                <a:gd name="adj1" fmla="val 8333"/>
+                <a:gd name="adj2" fmla="val 50922"/>
+              </a:avLst>
+            </a:prstGeom>
+            <a:ln w="28575"/>
+          </p:spPr>
+          <p:style>
+            <a:lnRef idx="1">
+              <a:schemeClr val="accent1"/>
+            </a:lnRef>
+            <a:fillRef idx="0">
+              <a:schemeClr val="accent1"/>
+            </a:fillRef>
+            <a:effectRef idx="0">
+              <a:schemeClr val="accent1"/>
+            </a:effectRef>
+            <a:fontRef idx="minor">
+              <a:schemeClr val="tx1"/>
+            </a:fontRef>
+          </p:style>
+          <p:txBody>
+            <a:bodyPr rtlCol="0" anchor="ctr"/>
+            <a:lstStyle/>
+            <a:p>
+              <a:pPr algn="ctr"/>
+              <a:endParaRPr lang="zh-CN" altLang="en-US"/>
+            </a:p>
+          </p:txBody>
+        </p:sp>
+        <p:sp>
+          <p:nvSpPr>
+            <p:cNvPr id="18" name="左大括号 17"/>
+            <p:cNvSpPr/>
+            <p:nvPr/>
+          </p:nvSpPr>
+          <p:spPr>
+            <a:xfrm rot="16200000">
+              <a:off x="8181585" y="313503"/>
+              <a:ext cx="246698" cy="7193338"/>
+            </a:xfrm>
+            <a:prstGeom prst="leftBrace">
+              <a:avLst>
+                <a:gd name="adj1" fmla="val 8333"/>
+                <a:gd name="adj2" fmla="val 50922"/>
+              </a:avLst>
+            </a:prstGeom>
+            <a:ln w="28575"/>
+          </p:spPr>
+          <p:style>
+            <a:lnRef idx="1">
+              <a:schemeClr val="accent1"/>
+            </a:lnRef>
+            <a:fillRef idx="0">
+              <a:schemeClr val="accent1"/>
+            </a:fillRef>
+            <a:effectRef idx="0">
+              <a:schemeClr val="accent1"/>
+            </a:effectRef>
+            <a:fontRef idx="minor">
+              <a:schemeClr val="tx1"/>
+            </a:fontRef>
+          </p:style>
+          <p:txBody>
+            <a:bodyPr rtlCol="0" anchor="ctr"/>
+            <a:lstStyle/>
+            <a:p>
+              <a:pPr algn="ctr"/>
+              <a:endParaRPr lang="zh-CN" altLang="en-US"/>
+            </a:p>
+          </p:txBody>
+        </p:sp>
+        <p:sp>
+          <p:nvSpPr>
+            <p:cNvPr id="20" name="文本框 19"/>
+            <p:cNvSpPr txBox="1"/>
+            <p:nvPr/>
+          </p:nvSpPr>
+          <p:spPr>
+            <a:xfrm>
+              <a:off x="7654694" y="4116628"/>
+              <a:ext cx="1441420" cy="369332"/>
+            </a:xfrm>
+            <a:prstGeom prst="rect">
+              <a:avLst/>
+            </a:prstGeom>
+            <a:noFill/>
+          </p:spPr>
+          <p:txBody>
+            <a:bodyPr wrap="none" rtlCol="0" anchor="t">
+              <a:spAutoFit/>
+            </a:bodyPr>
+            <a:lstStyle/>
+            <a:p>
+              <a:pPr algn="l"/>
+              <a:r>
+                <a:rPr lang="en-US" altLang="zh-CN">
+                  <a:solidFill>
+                    <a:srgbClr val="FF0000"/>
+                  </a:solidFill>
+                  <a:sym typeface="+mn-ea"/>
+                </a:rPr>
+                <a:t>B.data.part2</a:t>
+              </a:r>
+              <a:endParaRPr lang="zh-CN" altLang="en-US">
+                <a:solidFill>
+                  <a:srgbClr val="FF0000"/>
+                </a:solidFill>
+              </a:endParaRPr>
+            </a:p>
+          </p:txBody>
+        </p:sp>
+        <p:sp>
+          <p:nvSpPr>
+            <p:cNvPr id="21" name="文本框 20"/>
+            <p:cNvSpPr txBox="1"/>
+            <p:nvPr/>
+          </p:nvSpPr>
+          <p:spPr>
+            <a:xfrm>
+              <a:off x="1872224" y="4105755"/>
+              <a:ext cx="1441420" cy="369332"/>
+            </a:xfrm>
+            <a:prstGeom prst="rect">
+              <a:avLst/>
+            </a:prstGeom>
+            <a:noFill/>
+          </p:spPr>
+          <p:txBody>
+            <a:bodyPr wrap="none" rtlCol="0" anchor="t">
+              <a:spAutoFit/>
+            </a:bodyPr>
+            <a:lstStyle/>
+            <a:p>
+              <a:pPr algn="l"/>
+              <a:r>
+                <a:rPr lang="en-US" altLang="zh-CN">
+                  <a:solidFill>
+                    <a:srgbClr val="FF0000"/>
+                  </a:solidFill>
+                  <a:sym typeface="+mn-ea"/>
+                </a:rPr>
+                <a:t>B.data.part1</a:t>
+              </a:r>
+              <a:endParaRPr lang="zh-CN" altLang="en-US">
+                <a:solidFill>
+                  <a:srgbClr val="FF0000"/>
+                </a:solidFill>
+              </a:endParaRPr>
+            </a:p>
+          </p:txBody>
+        </p:sp>
+        <p:graphicFrame>
+          <p:nvGraphicFramePr>
+            <p:cNvPr id="23" name="表格 22"/>
+            <p:cNvGraphicFramePr/>
+            <p:nvPr>
+              <p:extLst>
+                <p:ext uri="{D42A27DB-BD31-4B8C-83A1-F6EECF244321}">
+                  <p14:modId xmlns:p14="http://schemas.microsoft.com/office/powerpoint/2010/main" val="2375923905"/>
+                </p:ext>
+              </p:extLst>
+            </p:nvPr>
+          </p:nvGraphicFramePr>
+          <p:xfrm>
+            <a:off x="4878185" y="1781175"/>
+            <a:ext cx="1963420" cy="1828800"/>
+          </p:xfrm>
+          <a:graphic>
+            <a:graphicData uri="http://schemas.openxmlformats.org/drawingml/2006/table">
+              <a:tbl>
+                <a:tblPr firstRow="1" bandRow="1">
+                  <a:tableStyleId>{5940675A-B579-460E-94D1-54222C63F5DA}</a:tableStyleId>
+                </a:tblPr>
+                <a:tblGrid>
+                  <a:gridCol w="1963420">
+                    <a:extLst>
+                      <a:ext uri="{9D8B030D-6E8A-4147-A177-3AD203B41FA5}">
+                        <a16:colId xmlns:a16="http://schemas.microsoft.com/office/drawing/2014/main" val="20000"/>
+                      </a:ext>
+                    </a:extLst>
+                  </a:gridCol>
+                </a:tblGrid>
+                <a:tr h="365760">
+                  <a:tc>
+                    <a:txBody>
+                      <a:bodyPr/>
+                      <a:lstStyle/>
+                      <a:p>
+                        <a:pPr>
+                          <a:buNone/>
+                        </a:pPr>
+                        <a:r>
+                          <a:rPr lang="en-US" altLang="zh-CN" sz="1600"/>
+                          <a:t>InputN.txid</a:t>
+                        </a:r>
+                      </a:p>
+                    </a:txBody>
+                    <a:tcPr/>
+                  </a:tc>
+                  <a:extLst>
+                    <a:ext uri="{0D108BD9-81ED-4DB2-BD59-A6C34878D82A}">
+                      <a16:rowId xmlns:a16="http://schemas.microsoft.com/office/drawing/2014/main" val="10000"/>
+                    </a:ext>
+                  </a:extLst>
+                </a:tr>
+                <a:tr h="365760">
+                  <a:tc>
+                    <a:txBody>
+                      <a:bodyPr/>
+                      <a:lstStyle/>
+                      <a:p>
+                        <a:pPr>
+                          <a:buNone/>
+                        </a:pPr>
+                        <a:r>
+                          <a:rPr lang="en-US" altLang="zh-CN" sz="1600">
+                            <a:sym typeface="+mn-ea"/>
+                          </a:rPr>
+                          <a:t>InputN.vout</a:t>
+                        </a:r>
+                        <a:endParaRPr lang="en-US" altLang="zh-CN" sz="1600"/>
+                      </a:p>
+                    </a:txBody>
+                    <a:tcPr/>
+                  </a:tc>
+                  <a:extLst>
+                    <a:ext uri="{0D108BD9-81ED-4DB2-BD59-A6C34878D82A}">
+                      <a16:rowId xmlns:a16="http://schemas.microsoft.com/office/drawing/2014/main" val="10001"/>
+                    </a:ext>
+                  </a:extLst>
+                </a:tr>
+                <a:tr h="365760">
+                  <a:tc>
+                    <a:txBody>
+                      <a:bodyPr/>
+                      <a:lstStyle/>
+                      <a:p>
+                        <a:pPr>
+                          <a:buNone/>
+                        </a:pPr>
+                        <a:r>
+                          <a:rPr lang="en-US" altLang="zh-CN" sz="1600">
+                            <a:sym typeface="+mn-ea"/>
+                          </a:rPr>
+                          <a:t>InputN.unlocksize</a:t>
+                        </a:r>
+                        <a:endParaRPr lang="en-US" altLang="zh-CN" sz="1600"/>
+                      </a:p>
+                    </a:txBody>
+                    <a:tcPr/>
+                  </a:tc>
+                  <a:extLst>
+                    <a:ext uri="{0D108BD9-81ED-4DB2-BD59-A6C34878D82A}">
+                      <a16:rowId xmlns:a16="http://schemas.microsoft.com/office/drawing/2014/main" val="10002"/>
+                    </a:ext>
+                  </a:extLst>
+                </a:tr>
+                <a:tr h="365760">
+                  <a:tc>
+                    <a:txBody>
+                      <a:bodyPr/>
+                      <a:lstStyle/>
+                      <a:p>
+                        <a:pPr>
+                          <a:buNone/>
+                        </a:pPr>
+                        <a:r>
+                          <a:rPr lang="en-US" altLang="zh-CN" sz="1600">
+                            <a:sym typeface="+mn-ea"/>
+                          </a:rPr>
+                          <a:t>InputN.unlockdata</a:t>
+                        </a:r>
+                        <a:endParaRPr lang="zh-CN" altLang="en-US" sz="1600"/>
+                      </a:p>
+                    </a:txBody>
+                    <a:tcPr/>
+                  </a:tc>
+                  <a:extLst>
+                    <a:ext uri="{0D108BD9-81ED-4DB2-BD59-A6C34878D82A}">
+                      <a16:rowId xmlns:a16="http://schemas.microsoft.com/office/drawing/2014/main" val="10003"/>
+                    </a:ext>
+                  </a:extLst>
+                </a:tr>
+                <a:tr h="365760">
+                  <a:tc>
+                    <a:txBody>
+                      <a:bodyPr/>
+                      <a:lstStyle/>
+                      <a:p>
+                        <a:pPr>
+                          <a:buNone/>
+                        </a:pPr>
+                        <a:r>
+                          <a:rPr lang="en-US" altLang="zh-CN" sz="1600">
+                            <a:sym typeface="+mn-ea"/>
+                          </a:rPr>
+                          <a:t>InputN.sequence</a:t>
+                        </a:r>
+                        <a:endParaRPr lang="zh-CN" altLang="en-US" sz="1600"/>
+                      </a:p>
+                    </a:txBody>
+                    <a:tcPr/>
+                  </a:tc>
+                  <a:extLst>
+                    <a:ext uri="{0D108BD9-81ED-4DB2-BD59-A6C34878D82A}">
+                      <a16:rowId xmlns:a16="http://schemas.microsoft.com/office/drawing/2014/main" val="10004"/>
+                    </a:ext>
+                  </a:extLst>
+                </a:tr>
+              </a:tbl>
+            </a:graphicData>
+          </a:graphic>
+        </p:graphicFrame>
+      </p:grpSp>
     </p:spTree>
   </p:cSld>
   <p:clrMapOvr>
@@ -8205,13 +8917,13 @@
         </p:nvSpPr>
         <p:spPr>
           <a:xfrm>
-            <a:off x="539115" y="1393825"/>
-            <a:ext cx="11129645" cy="4783455"/>
+            <a:off x="269823" y="1393826"/>
+            <a:ext cx="11677338" cy="5276798"/>
           </a:xfrm>
         </p:spPr>
         <p:txBody>
           <a:bodyPr>
-            <a:normAutofit fontScale="80000" lnSpcReduction="10000"/>
+            <a:normAutofit fontScale="95000"/>
           </a:bodyPr>
           <a:lstStyle/>
           <a:p>
@@ -8222,119 +8934,204 @@
               <a:buNone/>
             </a:pPr>
             <a:r>
-              <a:rPr lang="en-US" altLang="zh-CN"/>
+              <a:rPr lang="en-US" altLang="zh-CN">
+                <a:solidFill>
+                  <a:schemeClr val="tx1"/>
+                </a:solidFill>
+              </a:rPr>
               <a:t>1. </a:t>
             </a:r>
             <a:r>
-              <a:rPr lang="zh-CN" altLang="en-US"/>
+              <a:rPr lang="zh-CN" altLang="en-US">
+                <a:solidFill>
+                  <a:schemeClr val="tx1"/>
+                </a:solidFill>
+              </a:rPr>
               <a:t>对</a:t>
             </a:r>
             <a:r>
-              <a:rPr lang="en-US" altLang="zh-CN"/>
+              <a:rPr lang="en-US" altLang="zh-CN">
+                <a:solidFill>
+                  <a:schemeClr val="tx1"/>
+                </a:solidFill>
+              </a:rPr>
               <a:t>TxC</a:t>
             </a:r>
             <a:r>
-              <a:rPr lang="zh-CN" altLang="en-US"/>
+              <a:rPr lang="zh-CN" altLang="en-US">
+                <a:solidFill>
+                  <a:schemeClr val="tx1"/>
+                </a:solidFill>
+              </a:rPr>
               <a:t>的某个的输入（</a:t>
             </a:r>
             <a:r>
               <a:rPr lang="en-US" altLang="zh-CN">
+                <a:solidFill>
+                  <a:schemeClr val="tx1"/>
+                </a:solidFill>
                 <a:sym typeface="+mn-ea"/>
               </a:rPr>
               <a:t>TxC.InputX</a:t>
             </a:r>
             <a:r>
-              <a:rPr lang="zh-CN" altLang="en-US"/>
+              <a:rPr lang="zh-CN" altLang="en-US">
+                <a:solidFill>
+                  <a:schemeClr val="tx1"/>
+                </a:solidFill>
+              </a:rPr>
               <a:t>）的</a:t>
             </a:r>
             <a:r>
               <a:rPr lang="zh-CN" altLang="en-US">
+                <a:solidFill>
+                  <a:schemeClr val="tx1"/>
+                </a:solidFill>
                 <a:sym typeface="+mn-ea"/>
               </a:rPr>
               <a:t>验证，其</a:t>
             </a:r>
             <a:r>
-              <a:rPr lang="zh-CN" altLang="en-US"/>
+              <a:rPr lang="zh-CN" altLang="en-US">
+                <a:solidFill>
+                  <a:schemeClr val="tx1"/>
+                </a:solidFill>
+              </a:rPr>
               <a:t>应用了</a:t>
             </a:r>
             <a:r>
-              <a:rPr lang="en-US" altLang="zh-CN"/>
+              <a:rPr lang="en-US" altLang="zh-CN">
+                <a:solidFill>
+                  <a:schemeClr val="tx1"/>
+                </a:solidFill>
+              </a:rPr>
               <a:t>OP_PUSH_TX</a:t>
             </a:r>
             <a:r>
-              <a:rPr lang="zh-CN" altLang="en-US"/>
+              <a:rPr lang="zh-CN" altLang="en-US">
+                <a:solidFill>
+                  <a:schemeClr val="tx1"/>
+                </a:solidFill>
+              </a:rPr>
               <a:t>技术，相应脚本利用</a:t>
             </a:r>
             <a:r>
-              <a:rPr lang="en-US" altLang="zh-CN"/>
+              <a:rPr lang="en-US" altLang="zh-CN">
+                <a:solidFill>
+                  <a:schemeClr val="tx1"/>
+                </a:solidFill>
+              </a:rPr>
               <a:t>preimage(T</a:t>
             </a:r>
             <a:r>
               <a:rPr lang="en-US" altLang="zh-CN">
+                <a:solidFill>
+                  <a:schemeClr val="tx1"/>
+                </a:solidFill>
                 <a:sym typeface="+mn-ea"/>
               </a:rPr>
               <a:t>xC</a:t>
             </a:r>
             <a:r>
-              <a:rPr lang="en-US" altLang="zh-CN"/>
+              <a:rPr lang="en-US" altLang="zh-CN">
+                <a:solidFill>
+                  <a:schemeClr val="tx1"/>
+                </a:solidFill>
+              </a:rPr>
               <a:t>)</a:t>
             </a:r>
             <a:r>
-              <a:rPr lang="zh-CN" altLang="en-US"/>
+              <a:rPr lang="zh-CN" altLang="en-US">
+                <a:solidFill>
+                  <a:schemeClr val="tx1"/>
+                </a:solidFill>
+              </a:rPr>
               <a:t>编写了代码可以获取数据：</a:t>
             </a:r>
             <a:r>
-              <a:rPr lang="en-US" altLang="zh-CN"/>
+              <a:rPr lang="en-US" altLang="zh-CN">
+                <a:solidFill>
+                  <a:schemeClr val="tx1"/>
+                </a:solidFill>
+              </a:rPr>
               <a:t>TxC.InputX.txid=TXID(TxB)</a:t>
             </a:r>
             <a:r>
-              <a:rPr lang="zh-CN" altLang="en-US"/>
+              <a:rPr lang="zh-CN" altLang="en-US">
+                <a:solidFill>
+                  <a:schemeClr val="tx1"/>
+                </a:solidFill>
+              </a:rPr>
               <a:t>，根据获取的</a:t>
             </a:r>
             <a:r>
               <a:rPr lang="en-US" altLang="zh-CN">
+                <a:solidFill>
+                  <a:schemeClr val="tx1"/>
+                </a:solidFill>
                 <a:sym typeface="+mn-ea"/>
               </a:rPr>
               <a:t>TXID(TxB)</a:t>
             </a:r>
             <a:r>
               <a:rPr lang="zh-CN" altLang="en-US">
+                <a:solidFill>
+                  <a:schemeClr val="tx1"/>
+                </a:solidFill>
                 <a:sym typeface="+mn-ea"/>
               </a:rPr>
               <a:t>，通过</a:t>
             </a:r>
             <a:r>
               <a:rPr lang="en-US" altLang="zh-CN">
+                <a:solidFill>
+                  <a:schemeClr val="tx1"/>
+                </a:solidFill>
                 <a:sym typeface="+mn-ea"/>
               </a:rPr>
               <a:t>TXID(TxB)=Hash(partialHash(B.data.part1)||B.data.part2)</a:t>
             </a:r>
             <a:r>
               <a:rPr lang="zh-CN" altLang="en-US">
+                <a:solidFill>
+                  <a:schemeClr val="tx1"/>
+                </a:solidFill>
                 <a:sym typeface="+mn-ea"/>
               </a:rPr>
               <a:t>来验证输入的</a:t>
             </a:r>
             <a:r>
               <a:rPr lang="en-US" altLang="zh-CN">
+                <a:solidFill>
+                  <a:schemeClr val="tx1"/>
+                </a:solidFill>
                 <a:sym typeface="+mn-ea"/>
               </a:rPr>
               <a:t>partialHash(B.data.part1)</a:t>
             </a:r>
             <a:r>
               <a:rPr lang="zh-CN" altLang="en-US">
+                <a:solidFill>
+                  <a:schemeClr val="tx1"/>
+                </a:solidFill>
                 <a:sym typeface="+mn-ea"/>
               </a:rPr>
               <a:t>与</a:t>
             </a:r>
             <a:r>
               <a:rPr lang="en-US" altLang="zh-CN">
+                <a:solidFill>
+                  <a:schemeClr val="tx1"/>
+                </a:solidFill>
                 <a:sym typeface="+mn-ea"/>
               </a:rPr>
               <a:t>B.data.part2</a:t>
             </a:r>
             <a:r>
               <a:rPr lang="zh-CN" altLang="en-US">
+                <a:solidFill>
+                  <a:schemeClr val="tx1"/>
+                </a:solidFill>
                 <a:sym typeface="+mn-ea"/>
               </a:rPr>
               <a:t>数据的正确性。</a:t>
@@ -8347,9 +9144,339 @@
               </a:lnSpc>
               <a:buNone/>
             </a:pPr>
-            <a:endParaRPr lang="zh-CN" altLang="en-US">
-              <a:sym typeface="+mn-ea"/>
-            </a:endParaRPr>
+            <a:r>
+              <a:rPr lang="en-US" altLang="zh-CN" smtClean="0">
+                <a:solidFill>
+                  <a:schemeClr val="tx1"/>
+                </a:solidFill>
+                <a:sym typeface="+mn-ea"/>
+              </a:rPr>
+              <a:t>2</a:t>
+            </a:r>
+            <a:r>
+              <a:rPr lang="en-US" altLang="zh-CN">
+                <a:solidFill>
+                  <a:schemeClr val="tx1"/>
+                </a:solidFill>
+                <a:sym typeface="+mn-ea"/>
+              </a:rPr>
+              <a:t>. </a:t>
+            </a:r>
+            <a:r>
+              <a:rPr lang="zh-CN" altLang="en-US">
+                <a:solidFill>
+                  <a:schemeClr val="tx1"/>
+                </a:solidFill>
+                <a:sym typeface="+mn-ea"/>
+              </a:rPr>
+              <a:t>根据得到的验证正确的</a:t>
+            </a:r>
+            <a:r>
+              <a:rPr lang="en-US" altLang="zh-CN">
+                <a:solidFill>
+                  <a:schemeClr val="tx1"/>
+                </a:solidFill>
+                <a:sym typeface="+mn-ea"/>
+              </a:rPr>
+              <a:t>B.data.part2</a:t>
+            </a:r>
+            <a:r>
+              <a:rPr lang="zh-CN" altLang="en-US">
+                <a:solidFill>
+                  <a:schemeClr val="tx1"/>
+                </a:solidFill>
+                <a:sym typeface="+mn-ea"/>
+              </a:rPr>
+              <a:t>数据，得到验证正确的</a:t>
+            </a:r>
+            <a:r>
+              <a:rPr lang="en-US" altLang="zh-CN">
+                <a:solidFill>
+                  <a:schemeClr val="tx1"/>
+                </a:solidFill>
+                <a:sym typeface="+mn-ea"/>
+              </a:rPr>
+              <a:t>TxB.InputN.txid</a:t>
+            </a:r>
+            <a:r>
+              <a:rPr lang="zh-CN" altLang="en-US">
+                <a:solidFill>
+                  <a:schemeClr val="tx1"/>
+                </a:solidFill>
+                <a:sym typeface="+mn-ea"/>
+              </a:rPr>
+              <a:t>与</a:t>
+            </a:r>
+            <a:r>
+              <a:rPr lang="en-US" altLang="zh-CN">
+                <a:solidFill>
+                  <a:schemeClr val="tx1"/>
+                </a:solidFill>
+                <a:sym typeface="+mn-ea"/>
+              </a:rPr>
+              <a:t>TxB.InputN.vout</a:t>
+            </a:r>
+            <a:r>
+              <a:rPr lang="zh-CN" altLang="en-US">
+                <a:solidFill>
+                  <a:schemeClr val="tx1"/>
+                </a:solidFill>
+                <a:sym typeface="+mn-ea"/>
+              </a:rPr>
+              <a:t>，标记这两个数据所指向的交易为</a:t>
+            </a:r>
+            <a:r>
+              <a:rPr lang="en-US" altLang="zh-CN">
+                <a:solidFill>
+                  <a:schemeClr val="tx1"/>
+                </a:solidFill>
+                <a:sym typeface="+mn-ea"/>
+              </a:rPr>
+              <a:t>TxD</a:t>
+            </a:r>
+            <a:r>
+              <a:rPr lang="zh-CN" altLang="en-US">
+                <a:solidFill>
+                  <a:schemeClr val="tx1"/>
+                </a:solidFill>
+                <a:sym typeface="+mn-ea"/>
+              </a:rPr>
+              <a:t>，通过</a:t>
+            </a:r>
+            <a:r>
+              <a:rPr lang="en-US" altLang="zh-CN">
+                <a:solidFill>
+                  <a:schemeClr val="tx1"/>
+                </a:solidFill>
+                <a:sym typeface="+mn-ea"/>
+              </a:rPr>
+              <a:t>TxB.InputN.txid=Hash</a:t>
+            </a:r>
+            <a:r>
+              <a:rPr lang="zh-CN" altLang="en-US">
+                <a:solidFill>
+                  <a:schemeClr val="tx1"/>
+                </a:solidFill>
+                <a:sym typeface="+mn-ea"/>
+              </a:rPr>
+              <a:t>（</a:t>
+            </a:r>
+            <a:r>
+              <a:rPr lang="en-US" altLang="zh-CN">
+                <a:solidFill>
+                  <a:schemeClr val="tx1"/>
+                </a:solidFill>
+                <a:sym typeface="+mn-ea"/>
+              </a:rPr>
+              <a:t>partialHash</a:t>
+            </a:r>
+            <a:r>
+              <a:rPr lang="zh-CN" altLang="en-US">
+                <a:solidFill>
+                  <a:schemeClr val="tx1"/>
+                </a:solidFill>
+                <a:sym typeface="+mn-ea"/>
+              </a:rPr>
+              <a:t>（</a:t>
+            </a:r>
+            <a:r>
+              <a:rPr lang="en-US" altLang="zh-CN">
+                <a:solidFill>
+                  <a:schemeClr val="tx1"/>
+                </a:solidFill>
+                <a:sym typeface="+mn-ea"/>
+              </a:rPr>
+              <a:t>TxD.frontpart</a:t>
+            </a:r>
+            <a:r>
+              <a:rPr lang="zh-CN" altLang="en-US">
+                <a:solidFill>
+                  <a:schemeClr val="tx1"/>
+                </a:solidFill>
+                <a:sym typeface="+mn-ea"/>
+              </a:rPr>
+              <a:t>）</a:t>
+            </a:r>
+            <a:r>
+              <a:rPr lang="en-US" altLang="zh-CN">
+                <a:solidFill>
+                  <a:schemeClr val="tx1"/>
+                </a:solidFill>
+                <a:sym typeface="+mn-ea"/>
+              </a:rPr>
+              <a:t>|| TxD.lastpart</a:t>
+            </a:r>
+            <a:r>
+              <a:rPr lang="zh-CN" altLang="en-US">
+                <a:solidFill>
+                  <a:schemeClr val="tx1"/>
+                </a:solidFill>
+                <a:sym typeface="+mn-ea"/>
+              </a:rPr>
+              <a:t>）来获取验证正确的</a:t>
+            </a:r>
+            <a:r>
+              <a:rPr lang="en-US" altLang="zh-CN">
+                <a:solidFill>
+                  <a:schemeClr val="tx1"/>
+                </a:solidFill>
+                <a:sym typeface="+mn-ea"/>
+              </a:rPr>
+              <a:t> TxD.lastpart </a:t>
+            </a:r>
+            <a:r>
+              <a:rPr lang="zh-CN" altLang="en-US">
+                <a:solidFill>
+                  <a:schemeClr val="tx1"/>
+                </a:solidFill>
+                <a:sym typeface="+mn-ea"/>
+              </a:rPr>
+              <a:t>，并验证</a:t>
+            </a:r>
+            <a:r>
+              <a:rPr lang="en-US" altLang="zh-CN">
+                <a:solidFill>
+                  <a:schemeClr val="tx1"/>
+                </a:solidFill>
+                <a:sym typeface="+mn-ea"/>
+              </a:rPr>
+              <a:t>TxB.InputN.txid</a:t>
+            </a:r>
+            <a:r>
+              <a:rPr lang="zh-CN" altLang="en-US">
+                <a:solidFill>
+                  <a:schemeClr val="tx1"/>
+                </a:solidFill>
+                <a:sym typeface="+mn-ea"/>
+              </a:rPr>
+              <a:t>与</a:t>
+            </a:r>
+            <a:r>
+              <a:rPr lang="en-US" altLang="zh-CN">
+                <a:solidFill>
+                  <a:schemeClr val="tx1"/>
+                </a:solidFill>
+                <a:sym typeface="+mn-ea"/>
+              </a:rPr>
+              <a:t>TxB.InputN.vout</a:t>
+            </a:r>
+            <a:r>
+              <a:rPr lang="zh-CN" altLang="en-US">
+                <a:solidFill>
+                  <a:schemeClr val="tx1"/>
+                </a:solidFill>
+                <a:sym typeface="+mn-ea"/>
+              </a:rPr>
+              <a:t>指向的</a:t>
+            </a:r>
+            <a:r>
+              <a:rPr lang="en-US" altLang="zh-CN">
+                <a:solidFill>
+                  <a:schemeClr val="tx1"/>
+                </a:solidFill>
+                <a:sym typeface="+mn-ea"/>
+              </a:rPr>
+              <a:t>Lockscript</a:t>
+            </a:r>
+            <a:r>
+              <a:rPr lang="zh-CN" altLang="en-US">
+                <a:solidFill>
+                  <a:schemeClr val="tx1"/>
+                </a:solidFill>
+                <a:sym typeface="+mn-ea"/>
+              </a:rPr>
+              <a:t>确实应用了</a:t>
+            </a:r>
+            <a:r>
+              <a:rPr lang="en-US" altLang="zh-CN">
+                <a:solidFill>
+                  <a:schemeClr val="tx1"/>
+                </a:solidFill>
+                <a:sym typeface="+mn-ea"/>
+              </a:rPr>
+              <a:t>OP_PUSH_TX</a:t>
+            </a:r>
+            <a:r>
+              <a:rPr lang="zh-CN" altLang="en-US">
+                <a:solidFill>
+                  <a:schemeClr val="tx1"/>
+                </a:solidFill>
+                <a:sym typeface="+mn-ea"/>
+              </a:rPr>
+              <a:t>技术，其确实编写了对应的检查代码来保证“</a:t>
+            </a:r>
+            <a:r>
+              <a:rPr lang="en-US" altLang="zh-CN">
+                <a:solidFill>
+                  <a:schemeClr val="tx1"/>
+                </a:solidFill>
+                <a:sym typeface="+mn-ea"/>
+              </a:rPr>
+              <a:t>InputN.unlockdata</a:t>
+            </a:r>
+            <a:r>
+              <a:rPr lang="zh-CN" altLang="en-US">
+                <a:solidFill>
+                  <a:schemeClr val="tx1"/>
+                </a:solidFill>
+                <a:sym typeface="+mn-ea"/>
+              </a:rPr>
+              <a:t>中的数据包括</a:t>
+            </a:r>
+            <a:r>
+              <a:rPr lang="en-US" altLang="zh-CN">
+                <a:solidFill>
+                  <a:schemeClr val="tx1"/>
+                </a:solidFill>
+                <a:sym typeface="+mn-ea"/>
+              </a:rPr>
+              <a:t> TxB </a:t>
+            </a:r>
+            <a:r>
+              <a:rPr lang="zh-CN" altLang="en-US">
+                <a:solidFill>
+                  <a:schemeClr val="tx1"/>
+                </a:solidFill>
+                <a:sym typeface="+mn-ea"/>
+              </a:rPr>
+              <a:t>数据的所有</a:t>
+            </a:r>
+            <a:r>
+              <a:rPr lang="en-US" altLang="zh-CN">
+                <a:solidFill>
+                  <a:schemeClr val="tx1"/>
+                </a:solidFill>
+                <a:sym typeface="+mn-ea"/>
+              </a:rPr>
+              <a:t>inputs</a:t>
+            </a:r>
+            <a:r>
+              <a:rPr lang="zh-CN" altLang="en-US">
+                <a:solidFill>
+                  <a:schemeClr val="tx1"/>
+                </a:solidFill>
+                <a:sym typeface="+mn-ea"/>
+              </a:rPr>
+              <a:t>的</a:t>
+            </a:r>
+            <a:r>
+              <a:rPr lang="en-US" altLang="zh-CN">
+                <a:solidFill>
+                  <a:schemeClr val="tx1"/>
+                </a:solidFill>
+                <a:sym typeface="+mn-ea"/>
+              </a:rPr>
+              <a:t>txid&amp;vout</a:t>
+            </a:r>
+            <a:r>
+              <a:rPr lang="zh-CN" altLang="en-US">
+                <a:solidFill>
+                  <a:schemeClr val="tx1"/>
+                </a:solidFill>
+                <a:sym typeface="+mn-ea"/>
+              </a:rPr>
+              <a:t>”</a:t>
+            </a:r>
           </a:p>
           <a:p>
             <a:pPr marL="0" indent="0">
@@ -8359,220 +9486,260 @@
               <a:buNone/>
             </a:pPr>
             <a:r>
+              <a:rPr lang="en-US" altLang="zh-CN" smtClean="0">
+                <a:solidFill>
+                  <a:schemeClr val="tx1"/>
+                </a:solidFill>
+              </a:rPr>
+              <a:t>3</a:t>
+            </a:r>
+            <a:r>
               <a:rPr lang="en-US" altLang="zh-CN">
-                <a:sym typeface="+mn-ea"/>
-              </a:rPr>
-              <a:t>2. </a:t>
+                <a:solidFill>
+                  <a:schemeClr val="tx1"/>
+                </a:solidFill>
+              </a:rPr>
+              <a:t>. </a:t>
             </a:r>
             <a:r>
               <a:rPr lang="zh-CN" altLang="en-US">
-                <a:sym typeface="+mn-ea"/>
-              </a:rPr>
-              <a:t>根据得到的验证正确的</a:t>
+                <a:solidFill>
+                  <a:schemeClr val="tx1"/>
+                </a:solidFill>
+              </a:rPr>
+              <a:t>根据</a:t>
             </a:r>
             <a:r>
               <a:rPr lang="en-US" altLang="zh-CN">
+                <a:solidFill>
+                  <a:schemeClr val="tx1"/>
+                </a:solidFill>
+              </a:rPr>
+              <a:t>TxB</a:t>
+            </a:r>
+            <a:r>
+              <a:rPr lang="zh-CN" altLang="en-US">
+                <a:solidFill>
+                  <a:schemeClr val="tx1"/>
+                </a:solidFill>
+              </a:rPr>
+              <a:t>的</a:t>
+            </a:r>
+            <a:r>
+              <a:rPr lang="en-US" altLang="zh-CN">
+                <a:solidFill>
+                  <a:schemeClr val="tx1"/>
+                </a:solidFill>
                 <a:sym typeface="+mn-ea"/>
               </a:rPr>
               <a:t>B.data.part2</a:t>
             </a:r>
             <a:r>
               <a:rPr lang="zh-CN" altLang="en-US">
-                <a:sym typeface="+mn-ea"/>
-              </a:rPr>
-              <a:t>数据，得到验证正确的</a:t>
+                <a:solidFill>
+                  <a:schemeClr val="tx1"/>
+                </a:solidFill>
+                <a:sym typeface="+mn-ea"/>
+              </a:rPr>
+              <a:t>数据中的可信的</a:t>
             </a:r>
             <a:r>
               <a:rPr lang="en-US" altLang="zh-CN">
-                <a:sym typeface="+mn-ea"/>
-              </a:rPr>
-              <a:t>TxB.InputN.txid</a:t>
+                <a:solidFill>
+                  <a:schemeClr val="tx1"/>
+                </a:solidFill>
+                <a:sym typeface="+mn-ea"/>
+              </a:rPr>
+              <a:t>InputN.unlockdata</a:t>
             </a:r>
             <a:r>
               <a:rPr lang="zh-CN" altLang="en-US">
-                <a:sym typeface="+mn-ea"/>
-              </a:rPr>
-              <a:t>与</a:t>
+                <a:solidFill>
+                  <a:schemeClr val="tx1"/>
+                </a:solidFill>
+                <a:sym typeface="+mn-ea"/>
+              </a:rPr>
+              <a:t>数据，获得</a:t>
             </a:r>
             <a:r>
               <a:rPr lang="en-US" altLang="zh-CN">
-                <a:sym typeface="+mn-ea"/>
-              </a:rPr>
-              <a:t>TxB.InputN.vout</a:t>
+                <a:solidFill>
+                  <a:schemeClr val="tx1"/>
+                </a:solidFill>
+                <a:sym typeface="+mn-ea"/>
+              </a:rPr>
+              <a:t>TxB </a:t>
             </a:r>
             <a:r>
               <a:rPr lang="zh-CN" altLang="en-US">
-                <a:sym typeface="+mn-ea"/>
-              </a:rPr>
-              <a:t>，标记这两个数据所指向的交易为</a:t>
+                <a:solidFill>
+                  <a:schemeClr val="tx1"/>
+                </a:solidFill>
+                <a:sym typeface="+mn-ea"/>
+              </a:rPr>
+              <a:t>数据的所有</a:t>
             </a:r>
             <a:r>
               <a:rPr lang="en-US" altLang="zh-CN">
-                <a:sym typeface="+mn-ea"/>
-              </a:rPr>
-              <a:t>TxD</a:t>
+                <a:solidFill>
+                  <a:schemeClr val="tx1"/>
+                </a:solidFill>
+                <a:sym typeface="+mn-ea"/>
+              </a:rPr>
+              <a:t>inputs</a:t>
             </a:r>
             <a:r>
               <a:rPr lang="zh-CN" altLang="en-US">
-                <a:sym typeface="+mn-ea"/>
-              </a:rPr>
-              <a:t>，通过</a:t>
+                <a:solidFill>
+                  <a:schemeClr val="tx1"/>
+                </a:solidFill>
+                <a:sym typeface="+mn-ea"/>
+              </a:rPr>
+              <a:t>的</a:t>
             </a:r>
             <a:r>
               <a:rPr lang="en-US" altLang="zh-CN">
-                <a:sym typeface="+mn-ea"/>
-              </a:rPr>
-              <a:t>TxB.InputN.txid=Hash</a:t>
+                <a:solidFill>
+                  <a:schemeClr val="tx1"/>
+                </a:solidFill>
+                <a:sym typeface="+mn-ea"/>
+              </a:rPr>
+              <a:t>txid&amp;vout</a:t>
             </a:r>
             <a:r>
               <a:rPr lang="zh-CN" altLang="en-US">
+                <a:solidFill>
+                  <a:schemeClr val="tx1"/>
+                </a:solidFill>
+                <a:sym typeface="+mn-ea"/>
+              </a:rPr>
+              <a:t>，即得到</a:t>
+            </a:r>
+            <a:r>
+              <a:rPr lang="en-US" altLang="zh-CN">
+                <a:solidFill>
+                  <a:schemeClr val="tx1"/>
+                </a:solidFill>
+                <a:sym typeface="+mn-ea"/>
+              </a:rPr>
+              <a:t>TxA</a:t>
+            </a:r>
+            <a:r>
+              <a:rPr lang="zh-CN" altLang="en-US">
+                <a:solidFill>
+                  <a:schemeClr val="tx1"/>
+                </a:solidFill>
+                <a:sym typeface="+mn-ea"/>
+              </a:rPr>
+              <a:t>数据的</a:t>
+            </a:r>
+            <a:r>
+              <a:rPr lang="en-US" altLang="zh-CN">
+                <a:solidFill>
+                  <a:schemeClr val="tx1"/>
+                </a:solidFill>
+                <a:sym typeface="+mn-ea"/>
+              </a:rPr>
+              <a:t>TXID</a:t>
+            </a:r>
+            <a:r>
+              <a:rPr lang="zh-CN" altLang="en-US">
+                <a:solidFill>
+                  <a:schemeClr val="tx1"/>
+                </a:solidFill>
+                <a:sym typeface="+mn-ea"/>
+              </a:rPr>
+              <a:t>，在这过程中使用给的</a:t>
+            </a:r>
+            <a:r>
+              <a:rPr lang="en-US" altLang="zh-CN">
+                <a:solidFill>
+                  <a:schemeClr val="tx1"/>
+                </a:solidFill>
+                <a:sym typeface="+mn-ea"/>
+              </a:rPr>
+              <a:t> partialHash(B.data.part1)</a:t>
+            </a:r>
+            <a:r>
+              <a:rPr lang="zh-CN" altLang="en-US">
+                <a:solidFill>
+                  <a:schemeClr val="tx1"/>
+                </a:solidFill>
+                <a:sym typeface="+mn-ea"/>
+              </a:rPr>
+              <a:t>、</a:t>
+            </a:r>
+            <a:r>
+              <a:rPr lang="en-US" altLang="zh-CN">
+                <a:solidFill>
+                  <a:schemeClr val="tx1"/>
+                </a:solidFill>
+                <a:sym typeface="+mn-ea"/>
+              </a:rPr>
+              <a:t>B.data.part2</a:t>
+            </a:r>
+            <a:r>
+              <a:rPr lang="zh-CN" altLang="en-US">
+                <a:solidFill>
+                  <a:schemeClr val="tx1"/>
+                </a:solidFill>
+                <a:sym typeface="+mn-ea"/>
+              </a:rPr>
+              <a:t>、</a:t>
+            </a:r>
+            <a:r>
+              <a:rPr lang="en-US" altLang="zh-CN">
+                <a:solidFill>
+                  <a:schemeClr val="tx1"/>
+                </a:solidFill>
+                <a:sym typeface="+mn-ea"/>
+              </a:rPr>
+              <a:t>partialHash</a:t>
+            </a:r>
+            <a:r>
+              <a:rPr lang="zh-CN" altLang="en-US">
+                <a:solidFill>
+                  <a:schemeClr val="tx1"/>
+                </a:solidFill>
                 <a:sym typeface="+mn-ea"/>
               </a:rPr>
               <a:t>（</a:t>
             </a:r>
             <a:r>
               <a:rPr lang="en-US" altLang="zh-CN">
-                <a:sym typeface="+mn-ea"/>
-              </a:rPr>
-              <a:t>partialHash</a:t>
+                <a:solidFill>
+                  <a:schemeClr val="tx1"/>
+                </a:solidFill>
+                <a:sym typeface="+mn-ea"/>
+              </a:rPr>
+              <a:t>TxD.frontpart</a:t>
             </a:r>
             <a:r>
               <a:rPr lang="zh-CN" altLang="en-US">
-                <a:sym typeface="+mn-ea"/>
-              </a:rPr>
-              <a:t>（</a:t>
+                <a:solidFill>
+                  <a:schemeClr val="tx1"/>
+                </a:solidFill>
+                <a:sym typeface="+mn-ea"/>
+              </a:rPr>
+              <a:t>）、</a:t>
             </a:r>
             <a:r>
               <a:rPr lang="en-US" altLang="zh-CN">
-                <a:sym typeface="+mn-ea"/>
-              </a:rPr>
-              <a:t>TxD.frontpart</a:t>
+                <a:solidFill>
+                  <a:schemeClr val="tx1"/>
+                </a:solidFill>
+                <a:sym typeface="+mn-ea"/>
+              </a:rPr>
+              <a:t>TxD.lastpart</a:t>
             </a:r>
             <a:r>
               <a:rPr lang="zh-CN" altLang="en-US">
-                <a:sym typeface="+mn-ea"/>
-              </a:rPr>
-              <a:t>）</a:t>
-            </a:r>
-            <a:r>
-              <a:rPr lang="en-US" altLang="zh-CN">
-                <a:sym typeface="+mn-ea"/>
-              </a:rPr>
-              <a:t>|| TxD.lastpart</a:t>
-            </a:r>
-            <a:r>
-              <a:rPr lang="zh-CN" altLang="en-US">
-                <a:sym typeface="+mn-ea"/>
-              </a:rPr>
-              <a:t>）来获取验证正确的</a:t>
-            </a:r>
-            <a:r>
-              <a:rPr lang="en-US" altLang="zh-CN">
-                <a:sym typeface="+mn-ea"/>
-              </a:rPr>
-              <a:t> TxD.lastpart </a:t>
-            </a:r>
-            <a:r>
-              <a:rPr lang="zh-CN" altLang="en-US">
-                <a:sym typeface="+mn-ea"/>
-              </a:rPr>
-              <a:t>，并验证</a:t>
-            </a:r>
-            <a:r>
-              <a:rPr lang="en-US" altLang="zh-CN">
-                <a:sym typeface="+mn-ea"/>
-              </a:rPr>
-              <a:t>TxB.InputN.txid</a:t>
-            </a:r>
-            <a:r>
-              <a:rPr lang="zh-CN" altLang="en-US">
-                <a:sym typeface="+mn-ea"/>
-              </a:rPr>
-              <a:t>与</a:t>
-            </a:r>
-            <a:r>
-              <a:rPr lang="en-US" altLang="zh-CN">
-                <a:sym typeface="+mn-ea"/>
-              </a:rPr>
-              <a:t>TxB.InputN.vout</a:t>
-            </a:r>
-            <a:r>
-              <a:rPr lang="zh-CN" altLang="en-US">
-                <a:sym typeface="+mn-ea"/>
-              </a:rPr>
-              <a:t>指向的</a:t>
-            </a:r>
-            <a:r>
-              <a:rPr lang="en-US" altLang="zh-CN">
-                <a:sym typeface="+mn-ea"/>
-              </a:rPr>
-              <a:t>Lockscript</a:t>
-            </a:r>
-            <a:r>
-              <a:rPr lang="zh-CN" altLang="en-US">
-                <a:sym typeface="+mn-ea"/>
-              </a:rPr>
-              <a:t>确实应用了</a:t>
-            </a:r>
-            <a:r>
-              <a:rPr lang="en-US" altLang="zh-CN">
-                <a:sym typeface="+mn-ea"/>
-              </a:rPr>
-              <a:t>OP_PUSH_TX</a:t>
-            </a:r>
-            <a:r>
-              <a:rPr lang="zh-CN" altLang="en-US">
-                <a:sym typeface="+mn-ea"/>
-              </a:rPr>
-              <a:t>技术，其确实编写了对应的检查代码来保证“</a:t>
-            </a:r>
-            <a:r>
-              <a:rPr lang="en-US" altLang="zh-CN">
-                <a:sym typeface="+mn-ea"/>
-              </a:rPr>
-              <a:t>InputN.unlockdata</a:t>
-            </a:r>
-            <a:r>
-              <a:rPr lang="zh-CN" altLang="en-US">
-                <a:sym typeface="+mn-ea"/>
-              </a:rPr>
-              <a:t>中的数据包括</a:t>
-            </a:r>
-            <a:r>
-              <a:rPr lang="en-US" altLang="zh-CN">
-                <a:sym typeface="+mn-ea"/>
-              </a:rPr>
-              <a:t> TxB </a:t>
-            </a:r>
-            <a:r>
-              <a:rPr lang="zh-CN" altLang="en-US">
-                <a:sym typeface="+mn-ea"/>
-              </a:rPr>
-              <a:t>数据的所有</a:t>
-            </a:r>
-            <a:r>
-              <a:rPr lang="en-US" altLang="zh-CN">
-                <a:sym typeface="+mn-ea"/>
-              </a:rPr>
-              <a:t>inputs</a:t>
-            </a:r>
-            <a:r>
-              <a:rPr lang="zh-CN" altLang="en-US">
-                <a:sym typeface="+mn-ea"/>
-              </a:rPr>
-              <a:t>的</a:t>
-            </a:r>
-            <a:r>
-              <a:rPr lang="en-US" altLang="zh-CN">
-                <a:sym typeface="+mn-ea"/>
-              </a:rPr>
-              <a:t>txid&amp;vout</a:t>
-            </a:r>
-            <a:r>
-              <a:rPr lang="zh-CN" altLang="en-US">
-                <a:sym typeface="+mn-ea"/>
-              </a:rPr>
-              <a:t>”</a:t>
+                <a:solidFill>
+                  <a:schemeClr val="tx1"/>
+                </a:solidFill>
+                <a:sym typeface="+mn-ea"/>
+              </a:rPr>
+              <a:t>等数据均具有确定有限的大小。</a:t>
             </a:r>
           </a:p>
           <a:p>
@@ -8582,10 +9749,302 @@
               </a:lnSpc>
               <a:buNone/>
             </a:pPr>
-            <a:endParaRPr lang="zh-CN" altLang="en-US">
-              <a:sym typeface="+mn-ea"/>
-            </a:endParaRPr>
-          </a:p>
+            <a:r>
+              <a:rPr lang="en-US" altLang="zh-CN" smtClean="0">
+                <a:solidFill>
+                  <a:schemeClr val="tx1"/>
+                </a:solidFill>
+                <a:sym typeface="+mn-ea"/>
+              </a:rPr>
+              <a:t>4</a:t>
+            </a:r>
+            <a:r>
+              <a:rPr lang="en-US" altLang="zh-CN">
+                <a:solidFill>
+                  <a:schemeClr val="tx1"/>
+                </a:solidFill>
+                <a:sym typeface="+mn-ea"/>
+              </a:rPr>
+              <a:t>. </a:t>
+            </a:r>
+            <a:r>
+              <a:rPr lang="zh-CN" altLang="en-US">
+                <a:solidFill>
+                  <a:schemeClr val="tx1"/>
+                </a:solidFill>
+                <a:sym typeface="+mn-ea"/>
+              </a:rPr>
+              <a:t>根据获得的</a:t>
+            </a:r>
+            <a:r>
+              <a:rPr lang="en-US" altLang="zh-CN">
+                <a:solidFill>
+                  <a:schemeClr val="tx1"/>
+                </a:solidFill>
+                <a:sym typeface="+mn-ea"/>
+              </a:rPr>
+              <a:t>TXID(TxA)</a:t>
+            </a:r>
+            <a:r>
+              <a:rPr lang="zh-CN" altLang="en-US">
+                <a:solidFill>
+                  <a:schemeClr val="tx1"/>
+                </a:solidFill>
+                <a:sym typeface="+mn-ea"/>
+              </a:rPr>
+              <a:t>，可以通过</a:t>
+            </a:r>
+            <a:r>
+              <a:rPr lang="en-US" altLang="zh-CN">
+                <a:solidFill>
+                  <a:schemeClr val="tx1"/>
+                </a:solidFill>
+                <a:sym typeface="+mn-ea"/>
+              </a:rPr>
+              <a:t>TXID(TxA)=Hash(partialHash</a:t>
+            </a:r>
+            <a:r>
+              <a:rPr lang="zh-CN" altLang="en-US">
+                <a:solidFill>
+                  <a:schemeClr val="tx1"/>
+                </a:solidFill>
+                <a:sym typeface="+mn-ea"/>
+              </a:rPr>
+              <a:t>（</a:t>
+            </a:r>
+            <a:r>
+              <a:rPr lang="en-US" altLang="zh-CN">
+                <a:solidFill>
+                  <a:schemeClr val="tx1"/>
+                </a:solidFill>
+                <a:sym typeface="+mn-ea"/>
+              </a:rPr>
+              <a:t>TxA.frontpart</a:t>
+            </a:r>
+            <a:r>
+              <a:rPr lang="zh-CN" altLang="en-US">
+                <a:solidFill>
+                  <a:schemeClr val="tx1"/>
+                </a:solidFill>
+                <a:sym typeface="+mn-ea"/>
+              </a:rPr>
+              <a:t>）</a:t>
+            </a:r>
+            <a:r>
+              <a:rPr lang="en-US" altLang="zh-CN">
+                <a:solidFill>
+                  <a:schemeClr val="tx1"/>
+                </a:solidFill>
+                <a:sym typeface="+mn-ea"/>
+              </a:rPr>
+              <a:t>|| TxA.lastpart)</a:t>
+            </a:r>
+            <a:r>
+              <a:rPr lang="zh-CN" altLang="en-US">
+                <a:solidFill>
+                  <a:schemeClr val="tx1"/>
+                </a:solidFill>
+                <a:sym typeface="+mn-ea"/>
+              </a:rPr>
+              <a:t>来获取</a:t>
+            </a:r>
+            <a:r>
+              <a:rPr lang="en-US" altLang="zh-CN">
+                <a:solidFill>
+                  <a:schemeClr val="tx1"/>
+                </a:solidFill>
+                <a:sym typeface="+mn-ea"/>
+              </a:rPr>
+              <a:t>TxA</a:t>
+            </a:r>
+            <a:r>
+              <a:rPr lang="zh-CN" altLang="en-US">
+                <a:solidFill>
+                  <a:schemeClr val="tx1"/>
+                </a:solidFill>
+                <a:sym typeface="+mn-ea"/>
+              </a:rPr>
+              <a:t>中的所有输出数据，并可以验证其中的</a:t>
+            </a:r>
+            <a:r>
+              <a:rPr lang="en-US" altLang="zh-CN">
+                <a:solidFill>
+                  <a:schemeClr val="tx1"/>
+                </a:solidFill>
+                <a:sym typeface="+mn-ea"/>
+              </a:rPr>
+              <a:t>LockScript</a:t>
+            </a:r>
+            <a:r>
+              <a:rPr lang="zh-CN" altLang="en-US">
+                <a:solidFill>
+                  <a:schemeClr val="tx1"/>
+                </a:solidFill>
+                <a:sym typeface="+mn-ea"/>
+              </a:rPr>
+              <a:t>的内容符合</a:t>
+            </a:r>
+            <a:r>
+              <a:rPr lang="en-US" altLang="zh-CN">
+                <a:solidFill>
+                  <a:schemeClr val="tx1"/>
+                </a:solidFill>
+                <a:sym typeface="+mn-ea"/>
+              </a:rPr>
+              <a:t>L1 Token</a:t>
+            </a:r>
+            <a:r>
+              <a:rPr lang="zh-CN" altLang="en-US">
+                <a:solidFill>
+                  <a:schemeClr val="tx1"/>
+                </a:solidFill>
+                <a:sym typeface="+mn-ea"/>
+              </a:rPr>
+              <a:t>等</a:t>
+            </a:r>
+            <a:r>
+              <a:rPr lang="en-US" altLang="zh-CN">
+                <a:solidFill>
+                  <a:schemeClr val="tx1"/>
+                </a:solidFill>
+                <a:sym typeface="+mn-ea"/>
+              </a:rPr>
+              <a:t>Contract</a:t>
+            </a:r>
+            <a:r>
+              <a:rPr lang="zh-CN" altLang="en-US">
+                <a:solidFill>
+                  <a:schemeClr val="tx1"/>
+                </a:solidFill>
+                <a:sym typeface="+mn-ea"/>
+              </a:rPr>
+              <a:t>合约的要求。确保完成了</a:t>
+            </a:r>
+            <a:r>
+              <a:rPr lang="en-US" altLang="zh-CN">
+                <a:solidFill>
+                  <a:schemeClr val="tx1"/>
+                </a:solidFill>
+                <a:sym typeface="+mn-ea"/>
+              </a:rPr>
+              <a:t>“back to genesis”</a:t>
+            </a:r>
+            <a:r>
+              <a:rPr lang="zh-CN" altLang="en-US">
+                <a:solidFill>
+                  <a:schemeClr val="tx1"/>
+                </a:solidFill>
+                <a:sym typeface="+mn-ea"/>
+              </a:rPr>
+              <a:t>所需要的“</a:t>
+            </a:r>
+            <a:r>
+              <a:rPr lang="en-US" altLang="zh-CN">
+                <a:solidFill>
+                  <a:schemeClr val="tx1"/>
+                </a:solidFill>
+                <a:sym typeface="+mn-ea"/>
+              </a:rPr>
+              <a:t>verify a transaction’s parents’ parents</a:t>
+            </a:r>
+            <a:r>
+              <a:rPr lang="zh-CN" altLang="en-US">
+                <a:solidFill>
+                  <a:schemeClr val="tx1"/>
+                </a:solidFill>
+                <a:sym typeface="+mn-ea"/>
+              </a:rPr>
+              <a:t>”</a:t>
+            </a:r>
+          </a:p>
+        </p:txBody>
+      </p:sp>
+    </p:spTree>
+  </p:cSld>
+  <p:clrMapOvr>
+    <a:masterClrMapping/>
+  </p:clrMapOvr>
+</p:sld>
+</file>
+
+<file path=ppt/slides/slide8.xml><?xml version="1.0" encoding="utf-8"?>
+<p:sld xmlns:a="http://schemas.openxmlformats.org/drawingml/2006/main" xmlns:r="http://schemas.openxmlformats.org/officeDocument/2006/relationships" xmlns:p="http://schemas.openxmlformats.org/presentationml/2006/main" show="0">
+  <p:cSld>
+    <p:spTree>
+      <p:nvGrpSpPr>
+        <p:cNvPr id="1" name=""/>
+        <p:cNvGrpSpPr/>
+        <p:nvPr/>
+      </p:nvGrpSpPr>
+      <p:grpSpPr>
+        <a:xfrm>
+          <a:off x="0" y="0"/>
+          <a:ext cx="0" cy="0"/>
+          <a:chOff x="0" y="0"/>
+          <a:chExt cx="0" cy="0"/>
+        </a:xfrm>
+      </p:grpSpPr>
+      <p:sp>
+        <p:nvSpPr>
+          <p:cNvPr id="2" name="标题 1"/>
+          <p:cNvSpPr>
+            <a:spLocks noGrp="1"/>
+          </p:cNvSpPr>
+          <p:nvPr>
+            <p:ph type="title"/>
+          </p:nvPr>
+        </p:nvSpPr>
+        <p:spPr/>
+        <p:txBody>
+          <a:bodyPr/>
+          <a:lstStyle/>
+          <a:p>
+            <a:r>
+              <a:rPr lang="zh-CN" altLang="en-US" smtClean="0"/>
+              <a:t>如何防止</a:t>
+            </a:r>
+            <a:r>
+              <a:rPr lang="en-US" altLang="zh-CN" smtClean="0"/>
+              <a:t>TxB</a:t>
+            </a:r>
+            <a:r>
+              <a:rPr lang="zh-CN" altLang="en-US" smtClean="0"/>
+              <a:t>最后一个交易输出使用一个伪造的</a:t>
+            </a:r>
+            <a:r>
+              <a:rPr lang="en-US" altLang="zh-CN" smtClean="0"/>
+              <a:t>OpReturn</a:t>
+            </a:r>
+            <a:r>
+              <a:rPr lang="zh-CN" altLang="en-US" smtClean="0"/>
+              <a:t>数据，来代替</a:t>
+            </a:r>
+            <a:r>
+              <a:rPr lang="en-US" altLang="zh-CN" smtClean="0"/>
+              <a:t>TxB.data.part2</a:t>
+            </a:r>
+            <a:r>
+              <a:rPr lang="zh-CN" altLang="en-US" smtClean="0"/>
+              <a:t>？</a:t>
+            </a:r>
+            <a:endParaRPr lang="zh-CN" altLang="en-US"/>
+          </a:p>
+        </p:txBody>
+      </p:sp>
+      <p:sp>
+        <p:nvSpPr>
+          <p:cNvPr id="3" name="内容占位符 2"/>
+          <p:cNvSpPr>
+            <a:spLocks noGrp="1"/>
+          </p:cNvSpPr>
+          <p:nvPr>
+            <p:ph idx="1"/>
+          </p:nvPr>
+        </p:nvSpPr>
+        <p:spPr/>
+        <p:txBody>
+          <a:bodyPr/>
+          <a:lstStyle/>
           <a:p>
             <a:pPr marL="0" indent="0">
               <a:lnSpc>
@@ -8594,165 +10053,18 @@
               <a:buNone/>
             </a:pPr>
             <a:r>
-              <a:rPr lang="en-US" altLang="zh-CN"/>
-              <a:t>3. </a:t>
-            </a:r>
-            <a:r>
-              <a:rPr lang="zh-CN" altLang="en-US"/>
-              <a:t>根据</a:t>
-            </a:r>
-            <a:r>
-              <a:rPr lang="en-US" altLang="zh-CN"/>
-              <a:t>TxB</a:t>
-            </a:r>
-            <a:r>
-              <a:rPr lang="zh-CN" altLang="en-US"/>
-              <a:t>的</a:t>
-            </a:r>
-            <a:r>
-              <a:rPr lang="en-US" altLang="zh-CN">
-                <a:sym typeface="+mn-ea"/>
-              </a:rPr>
-              <a:t>B.data.part2</a:t>
-            </a:r>
-            <a:r>
-              <a:rPr lang="zh-CN" altLang="en-US">
-                <a:sym typeface="+mn-ea"/>
-              </a:rPr>
-              <a:t>数据中的可信的</a:t>
-            </a:r>
-            <a:r>
-              <a:rPr lang="en-US" altLang="zh-CN">
-                <a:sym typeface="+mn-ea"/>
-              </a:rPr>
-              <a:t>InputN.unlockdata</a:t>
-            </a:r>
-            <a:r>
-              <a:rPr lang="zh-CN" altLang="en-US">
-                <a:sym typeface="+mn-ea"/>
-              </a:rPr>
-              <a:t>数据，获得</a:t>
-            </a:r>
-            <a:r>
-              <a:rPr lang="en-US" altLang="zh-CN">
-                <a:sym typeface="+mn-ea"/>
-              </a:rPr>
-              <a:t>TxB </a:t>
-            </a:r>
-            <a:r>
-              <a:rPr lang="zh-CN" altLang="en-US">
-                <a:sym typeface="+mn-ea"/>
-              </a:rPr>
-              <a:t>数据的所有</a:t>
-            </a:r>
-            <a:r>
-              <a:rPr lang="en-US" altLang="zh-CN">
-                <a:sym typeface="+mn-ea"/>
-              </a:rPr>
-              <a:t>inputs</a:t>
-            </a:r>
-            <a:r>
-              <a:rPr lang="zh-CN" altLang="en-US">
-                <a:sym typeface="+mn-ea"/>
-              </a:rPr>
-              <a:t>的</a:t>
-            </a:r>
-            <a:r>
-              <a:rPr lang="en-US" altLang="zh-CN">
-                <a:sym typeface="+mn-ea"/>
-              </a:rPr>
-              <a:t>txid&amp;vout</a:t>
-            </a:r>
-            <a:r>
-              <a:rPr lang="zh-CN" altLang="en-US">
-                <a:sym typeface="+mn-ea"/>
-              </a:rPr>
-              <a:t>，即得到</a:t>
-            </a:r>
-            <a:r>
-              <a:rPr lang="en-US" altLang="zh-CN">
-                <a:sym typeface="+mn-ea"/>
-              </a:rPr>
-              <a:t>TxA</a:t>
-            </a:r>
-            <a:r>
-              <a:rPr lang="zh-CN" altLang="en-US">
-                <a:sym typeface="+mn-ea"/>
-              </a:rPr>
-              <a:t>数据的</a:t>
-            </a:r>
-            <a:r>
-              <a:rPr lang="en-US" altLang="zh-CN">
-                <a:sym typeface="+mn-ea"/>
-              </a:rPr>
-              <a:t>TXID</a:t>
-            </a:r>
-            <a:r>
-              <a:rPr lang="zh-CN" altLang="en-US">
-                <a:sym typeface="+mn-ea"/>
-              </a:rPr>
-              <a:t>，在这过程中使用给的</a:t>
-            </a:r>
-            <a:r>
-              <a:rPr lang="en-US" altLang="zh-CN">
-                <a:sym typeface="+mn-ea"/>
-              </a:rPr>
-              <a:t> partialHash(B.data.part1)</a:t>
-            </a:r>
-            <a:r>
-              <a:rPr lang="zh-CN" altLang="en-US">
-                <a:sym typeface="+mn-ea"/>
-              </a:rPr>
-              <a:t>、</a:t>
-            </a:r>
-            <a:r>
-              <a:rPr lang="en-US" altLang="zh-CN">
-                <a:sym typeface="+mn-ea"/>
-              </a:rPr>
-              <a:t>B.data.part2</a:t>
-            </a:r>
-            <a:r>
-              <a:rPr lang="zh-CN" altLang="en-US">
-                <a:sym typeface="+mn-ea"/>
-              </a:rPr>
-              <a:t>、</a:t>
-            </a:r>
-            <a:r>
-              <a:rPr lang="en-US" altLang="zh-CN">
-                <a:sym typeface="+mn-ea"/>
-              </a:rPr>
-              <a:t>partialHash</a:t>
-            </a:r>
-            <a:r>
-              <a:rPr lang="zh-CN" altLang="en-US">
-                <a:sym typeface="+mn-ea"/>
-              </a:rPr>
-              <a:t>（</a:t>
-            </a:r>
-            <a:r>
-              <a:rPr lang="en-US" altLang="zh-CN">
-                <a:sym typeface="+mn-ea"/>
-              </a:rPr>
-              <a:t>TxD.frontpart</a:t>
-            </a:r>
-            <a:r>
-              <a:rPr lang="zh-CN" altLang="en-US">
-                <a:sym typeface="+mn-ea"/>
-              </a:rPr>
-              <a:t>）、</a:t>
-            </a:r>
-            <a:r>
-              <a:rPr lang="en-US" altLang="zh-CN">
-                <a:sym typeface="+mn-ea"/>
-              </a:rPr>
-              <a:t>TxD.lastpart</a:t>
-            </a:r>
-            <a:r>
-              <a:rPr lang="zh-CN" altLang="en-US">
-                <a:sym typeface="+mn-ea"/>
-              </a:rPr>
-              <a:t>等数据均具有确定有限的大小。</a:t>
-            </a:r>
+              <a:rPr lang="zh-CN" altLang="en-US" smtClean="0"/>
+              <a:t>方法</a:t>
+            </a:r>
+            <a:r>
+              <a:rPr lang="en-US" altLang="zh-CN" smtClean="0"/>
+              <a:t>1</a:t>
+            </a:r>
+            <a:r>
+              <a:rPr lang="zh-CN" altLang="en-US" smtClean="0"/>
+              <a:t>（待完善）：</a:t>
+            </a:r>
+            <a:endParaRPr lang="en-US" altLang="zh-CN" smtClean="0"/>
           </a:p>
           <a:p>
             <a:pPr marL="0" indent="0">
@@ -8761,153 +10073,520 @@
               </a:lnSpc>
               <a:buNone/>
             </a:pPr>
-            <a:endParaRPr lang="zh-CN" altLang="en-US">
-              <a:sym typeface="+mn-ea"/>
-            </a:endParaRPr>
-          </a:p>
-          <a:p>
-            <a:pPr marL="0" indent="0">
+            <a:endParaRPr lang="en-US" altLang="zh-CN" smtClean="0"/>
+          </a:p>
+          <a:p>
+            <a:pPr marL="457200" indent="-457200">
               <a:lnSpc>
                 <a:spcPct val="100000"/>
               </a:lnSpc>
+              <a:buFont typeface="+mj-lt"/>
+              <a:buAutoNum type="arabicPeriod"/>
+            </a:pPr>
+            <a:r>
+              <a:rPr lang="zh-CN" altLang="en-US" smtClean="0"/>
+              <a:t>在前面的过程中，拿到</a:t>
+            </a:r>
+            <a:r>
+              <a:rPr lang="en-US" altLang="zh-CN" smtClean="0"/>
+              <a:t>TxB.InputN.txid</a:t>
+            </a:r>
+            <a:r>
+              <a:rPr lang="zh-CN" altLang="en-US" smtClean="0"/>
+              <a:t>（</a:t>
+            </a:r>
+            <a:r>
+              <a:rPr lang="en-US" altLang="zh-CN" smtClean="0"/>
+              <a:t>=</a:t>
+            </a:r>
+            <a:r>
+              <a:rPr lang="en-US" altLang="zh-CN"/>
+              <a:t> </a:t>
+            </a:r>
+            <a:r>
+              <a:rPr lang="en-US" altLang="zh-CN"/>
+              <a:t>TXID </a:t>
+            </a:r>
+            <a:r>
+              <a:rPr lang="en-US" altLang="zh-CN" smtClean="0"/>
+              <a:t>of TxD</a:t>
+            </a:r>
+            <a:r>
+              <a:rPr lang="zh-CN" altLang="en-US" smtClean="0"/>
+              <a:t>）后，根据 </a:t>
+            </a:r>
+            <a:r>
+              <a:rPr lang="en-US" altLang="zh-CN" smtClean="0"/>
+              <a:t>pow( TXID </a:t>
+            </a:r>
+            <a:r>
+              <a:rPr lang="en-US" altLang="zh-CN"/>
+              <a:t>of </a:t>
+            </a:r>
+            <a:r>
+              <a:rPr lang="en-US" altLang="zh-CN" smtClean="0"/>
+              <a:t>TxD -&gt; merklePathofTxD -&gt; BlockHeader) </a:t>
+            </a:r>
+            <a:r>
+              <a:rPr lang="zh-CN" altLang="en-US" smtClean="0"/>
+              <a:t>，来保证这个</a:t>
+            </a:r>
+            <a:r>
+              <a:rPr lang="en-US" altLang="zh-CN" smtClean="0"/>
+              <a:t>TxD</a:t>
+            </a:r>
+            <a:r>
+              <a:rPr lang="zh-CN" altLang="en-US" smtClean="0"/>
+              <a:t>确实在链上，保证</a:t>
+            </a:r>
+            <a:r>
+              <a:rPr lang="en-US" altLang="zh-CN" smtClean="0"/>
+              <a:t>Lockscript of TxB.InputN </a:t>
+            </a:r>
+            <a:r>
+              <a:rPr lang="zh-CN" altLang="en-US" smtClean="0"/>
+              <a:t>得到了矿工的执行。</a:t>
+            </a:r>
+            <a:endParaRPr lang="en-US" altLang="zh-CN" smtClean="0"/>
+          </a:p>
+          <a:p>
+            <a:pPr marL="457200" indent="-457200">
+              <a:lnSpc>
+                <a:spcPct val="100000"/>
+              </a:lnSpc>
+              <a:buFont typeface="+mj-lt"/>
+              <a:buAutoNum type="arabicPeriod"/>
+            </a:pPr>
+            <a:endParaRPr lang="en-US" altLang="zh-CN" smtClean="0"/>
+          </a:p>
+          <a:p>
+            <a:pPr marL="457200" indent="-457200">
+              <a:lnSpc>
+                <a:spcPct val="100000"/>
+              </a:lnSpc>
+              <a:buFont typeface="+mj-lt"/>
+              <a:buAutoNum type="arabicPeriod"/>
+            </a:pPr>
+            <a:r>
+              <a:rPr lang="zh-CN" altLang="en-US" smtClean="0"/>
+              <a:t>根据</a:t>
+            </a:r>
+            <a:r>
+              <a:rPr lang="en-US" altLang="zh-CN" smtClean="0"/>
+              <a:t>TXID </a:t>
+            </a:r>
+            <a:r>
+              <a:rPr lang="en-US" altLang="zh-CN"/>
+              <a:t>of </a:t>
+            </a:r>
+            <a:r>
+              <a:rPr lang="en-US" altLang="zh-CN" smtClean="0"/>
+              <a:t>TxD</a:t>
+            </a:r>
+            <a:r>
+              <a:rPr lang="zh-CN" altLang="en-US" smtClean="0"/>
+              <a:t>得到</a:t>
+            </a:r>
+            <a:r>
+              <a:rPr lang="en-US" altLang="zh-CN" smtClean="0">
+                <a:solidFill>
+                  <a:schemeClr val="tx1"/>
+                </a:solidFill>
+                <a:sym typeface="+mn-ea"/>
+              </a:rPr>
+              <a:t>TxD.lastpart</a:t>
+            </a:r>
+            <a:r>
+              <a:rPr lang="zh-CN" altLang="en-US" smtClean="0">
+                <a:solidFill>
+                  <a:schemeClr val="tx1"/>
+                </a:solidFill>
+                <a:sym typeface="+mn-ea"/>
+              </a:rPr>
+              <a:t>后，在验证 </a:t>
+            </a:r>
+            <a:r>
+              <a:rPr lang="en-US" altLang="zh-CN" smtClean="0"/>
+              <a:t>Lockscript </a:t>
+            </a:r>
+            <a:r>
+              <a:rPr lang="en-US" altLang="zh-CN"/>
+              <a:t>of </a:t>
+            </a:r>
+            <a:r>
+              <a:rPr lang="en-US" altLang="zh-CN" smtClean="0"/>
+              <a:t>TxB.InputN </a:t>
+            </a:r>
+            <a:r>
+              <a:rPr lang="zh-CN" altLang="en-US" smtClean="0"/>
+              <a:t>确实是编写了</a:t>
+            </a:r>
+            <a:r>
+              <a:rPr lang="en-US" altLang="zh-CN" smtClean="0"/>
+              <a:t>OP_PUSH_TX</a:t>
+            </a:r>
+            <a:r>
+              <a:rPr lang="zh-CN" altLang="en-US" smtClean="0"/>
+              <a:t>验证代码时，该验证代码不仅检验了“</a:t>
+            </a:r>
+            <a:r>
+              <a:rPr lang="en-US" altLang="zh-CN">
+                <a:solidFill>
+                  <a:schemeClr val="tx1"/>
+                </a:solidFill>
+                <a:sym typeface="+mn-ea"/>
+              </a:rPr>
+              <a:t>InputN.unlockdata</a:t>
+            </a:r>
+            <a:r>
+              <a:rPr lang="zh-CN" altLang="en-US">
+                <a:solidFill>
+                  <a:schemeClr val="tx1"/>
+                </a:solidFill>
+                <a:sym typeface="+mn-ea"/>
+              </a:rPr>
+              <a:t>中的数据包括</a:t>
+            </a:r>
+            <a:r>
+              <a:rPr lang="en-US" altLang="zh-CN">
+                <a:solidFill>
+                  <a:schemeClr val="tx1"/>
+                </a:solidFill>
+                <a:sym typeface="+mn-ea"/>
+              </a:rPr>
+              <a:t> TxB </a:t>
+            </a:r>
+            <a:r>
+              <a:rPr lang="zh-CN" altLang="en-US">
+                <a:solidFill>
+                  <a:schemeClr val="tx1"/>
+                </a:solidFill>
+                <a:sym typeface="+mn-ea"/>
+              </a:rPr>
+              <a:t>数据的所有</a:t>
+            </a:r>
+            <a:r>
+              <a:rPr lang="en-US" altLang="zh-CN">
+                <a:solidFill>
+                  <a:schemeClr val="tx1"/>
+                </a:solidFill>
+                <a:sym typeface="+mn-ea"/>
+              </a:rPr>
+              <a:t>inputs</a:t>
+            </a:r>
+            <a:r>
+              <a:rPr lang="zh-CN" altLang="en-US">
+                <a:solidFill>
+                  <a:schemeClr val="tx1"/>
+                </a:solidFill>
+                <a:sym typeface="+mn-ea"/>
+              </a:rPr>
+              <a:t>的</a:t>
+            </a:r>
+            <a:r>
+              <a:rPr lang="en-US" altLang="zh-CN" smtClean="0">
+                <a:solidFill>
+                  <a:schemeClr val="tx1"/>
+                </a:solidFill>
+                <a:sym typeface="+mn-ea"/>
+              </a:rPr>
+              <a:t>txid&amp;vout</a:t>
+            </a:r>
+            <a:r>
+              <a:rPr lang="zh-CN" altLang="en-US" smtClean="0"/>
+              <a:t>”，还将检验了最后一个交易输出的内容，确保其数据末端不包括用于伪造的</a:t>
+            </a:r>
+            <a:r>
+              <a:rPr lang="en-US" altLang="zh-CN" b="1" smtClean="0"/>
+              <a:t>OpReturn</a:t>
+            </a:r>
+            <a:r>
+              <a:rPr lang="zh-CN" altLang="en-US" b="1" smtClean="0"/>
+              <a:t>类</a:t>
+            </a:r>
+            <a:r>
+              <a:rPr lang="zh-CN" altLang="en-US" smtClean="0"/>
+              <a:t>数据。</a:t>
+            </a:r>
+            <a:endParaRPr lang="en-US" altLang="zh-CN" smtClean="0"/>
+          </a:p>
+        </p:txBody>
+      </p:sp>
+    </p:spTree>
+    <p:extLst>
+      <p:ext uri="{BB962C8B-B14F-4D97-AF65-F5344CB8AC3E}">
+        <p14:creationId xmlns:p14="http://schemas.microsoft.com/office/powerpoint/2010/main" val="3854773738"/>
+      </p:ext>
+    </p:extLst>
+  </p:cSld>
+  <p:clrMapOvr>
+    <a:masterClrMapping/>
+  </p:clrMapOvr>
+  <mc:AlternateContent xmlns:mc="http://schemas.openxmlformats.org/markup-compatibility/2006">
+    <mc:Choice xmlns:p14="http://schemas.microsoft.com/office/powerpoint/2010/main" Requires="p14">
+      <p:transition spd="slow" p14:dur="2000"/>
+    </mc:Choice>
+    <mc:Fallback>
+      <p:transition spd="slow"/>
+    </mc:Fallback>
+  </mc:AlternateContent>
+</p:sld>
+</file>
+
+<file path=ppt/slides/slide9.xml><?xml version="1.0" encoding="utf-8"?>
+<p:sld xmlns:a="http://schemas.openxmlformats.org/drawingml/2006/main" xmlns:r="http://schemas.openxmlformats.org/officeDocument/2006/relationships" xmlns:p="http://schemas.openxmlformats.org/presentationml/2006/main">
+  <p:cSld>
+    <p:spTree>
+      <p:nvGrpSpPr>
+        <p:cNvPr id="1" name=""/>
+        <p:cNvGrpSpPr/>
+        <p:nvPr/>
+      </p:nvGrpSpPr>
+      <p:grpSpPr>
+        <a:xfrm>
+          <a:off x="0" y="0"/>
+          <a:ext cx="0" cy="0"/>
+          <a:chOff x="0" y="0"/>
+          <a:chExt cx="0" cy="0"/>
+        </a:xfrm>
+      </p:grpSpPr>
+      <p:sp>
+        <p:nvSpPr>
+          <p:cNvPr id="2" name="标题 1"/>
+          <p:cNvSpPr>
+            <a:spLocks noGrp="1"/>
+          </p:cNvSpPr>
+          <p:nvPr>
+            <p:ph type="title"/>
+          </p:nvPr>
+        </p:nvSpPr>
+        <p:spPr>
+          <a:xfrm>
+            <a:off x="887543" y="393356"/>
+            <a:ext cx="10515600" cy="1325563"/>
+          </a:xfrm>
+        </p:spPr>
+        <p:txBody>
+          <a:bodyPr/>
+          <a:lstStyle/>
+          <a:p>
+            <a:r>
+              <a:rPr lang="zh-CN" altLang="en-US" smtClean="0"/>
+              <a:t>如何防止</a:t>
+            </a:r>
+            <a:r>
+              <a:rPr lang="en-US" altLang="zh-CN" smtClean="0"/>
+              <a:t>TxB</a:t>
+            </a:r>
+            <a:r>
+              <a:rPr lang="zh-CN" altLang="en-US" smtClean="0"/>
+              <a:t>最后一个交易输出使用一个伪造的</a:t>
+            </a:r>
+            <a:r>
+              <a:rPr lang="en-US" altLang="zh-CN" smtClean="0"/>
+              <a:t>OpReturn</a:t>
+            </a:r>
+            <a:r>
+              <a:rPr lang="zh-CN" altLang="en-US" smtClean="0"/>
+              <a:t>数据，来代替</a:t>
+            </a:r>
+            <a:r>
+              <a:rPr lang="en-US" altLang="zh-CN" smtClean="0"/>
+              <a:t>TxB.data.part2</a:t>
+            </a:r>
+            <a:r>
+              <a:rPr lang="zh-CN" altLang="en-US" smtClean="0"/>
+              <a:t>？</a:t>
+            </a:r>
+            <a:endParaRPr lang="zh-CN" altLang="en-US"/>
+          </a:p>
+        </p:txBody>
+      </p:sp>
+      <p:sp>
+        <p:nvSpPr>
+          <p:cNvPr id="3" name="内容占位符 2"/>
+          <p:cNvSpPr>
+            <a:spLocks noGrp="1"/>
+          </p:cNvSpPr>
+          <p:nvPr>
+            <p:ph idx="1"/>
+          </p:nvPr>
+        </p:nvSpPr>
+        <p:spPr>
+          <a:xfrm>
+            <a:off x="887543" y="2380261"/>
+            <a:ext cx="10515600" cy="3241050"/>
+          </a:xfrm>
+        </p:spPr>
+        <p:txBody>
+          <a:bodyPr/>
+          <a:lstStyle/>
+          <a:p>
+            <a:pPr marL="0" indent="0">
               <a:buNone/>
             </a:pPr>
             <a:r>
-              <a:rPr lang="en-US" altLang="zh-CN">
-                <a:sym typeface="+mn-ea"/>
-              </a:rPr>
-              <a:t>4. </a:t>
-            </a:r>
-            <a:r>
-              <a:rPr lang="zh-CN" altLang="en-US">
-                <a:sym typeface="+mn-ea"/>
-              </a:rPr>
-              <a:t>根据获得的</a:t>
-            </a:r>
-            <a:r>
-              <a:rPr lang="en-US" altLang="zh-CN">
-                <a:sym typeface="+mn-ea"/>
-              </a:rPr>
-              <a:t>TXID(TxA)</a:t>
-            </a:r>
-            <a:r>
-              <a:rPr lang="zh-CN" altLang="en-US">
-                <a:sym typeface="+mn-ea"/>
-              </a:rPr>
-              <a:t>，可以通过</a:t>
-            </a:r>
-            <a:r>
-              <a:rPr lang="en-US" altLang="zh-CN">
-                <a:sym typeface="+mn-ea"/>
-              </a:rPr>
-              <a:t>TXID(TxA)=Hash(partialHash</a:t>
-            </a:r>
-            <a:r>
-              <a:rPr lang="zh-CN" altLang="en-US">
-                <a:sym typeface="+mn-ea"/>
-              </a:rPr>
-              <a:t>（</a:t>
-            </a:r>
-            <a:r>
-              <a:rPr lang="en-US" altLang="zh-CN">
-                <a:sym typeface="+mn-ea"/>
-              </a:rPr>
-              <a:t>TxA.frontpart</a:t>
-            </a:r>
-            <a:r>
-              <a:rPr lang="zh-CN" altLang="en-US">
-                <a:sym typeface="+mn-ea"/>
-              </a:rPr>
-              <a:t>）</a:t>
-            </a:r>
-            <a:r>
-              <a:rPr lang="en-US" altLang="zh-CN">
-                <a:sym typeface="+mn-ea"/>
-              </a:rPr>
-              <a:t>|| TxA.lastpart)</a:t>
-            </a:r>
-            <a:r>
-              <a:rPr lang="zh-CN" altLang="en-US">
-                <a:sym typeface="+mn-ea"/>
-              </a:rPr>
-              <a:t>来获取</a:t>
-            </a:r>
-            <a:r>
-              <a:rPr lang="en-US" altLang="zh-CN">
-                <a:sym typeface="+mn-ea"/>
-              </a:rPr>
-              <a:t>TxA</a:t>
-            </a:r>
-            <a:r>
-              <a:rPr lang="zh-CN" altLang="en-US">
-                <a:sym typeface="+mn-ea"/>
-              </a:rPr>
-              <a:t>中的所有输出数据，并可以验证其中的</a:t>
-            </a:r>
-            <a:r>
-              <a:rPr lang="en-US" altLang="zh-CN">
-                <a:sym typeface="+mn-ea"/>
-              </a:rPr>
-              <a:t>LockScript</a:t>
-            </a:r>
-            <a:r>
-              <a:rPr lang="zh-CN" altLang="en-US">
-                <a:sym typeface="+mn-ea"/>
-              </a:rPr>
-              <a:t>的内容符合</a:t>
-            </a:r>
-            <a:r>
-              <a:rPr lang="en-US" altLang="zh-CN">
-                <a:sym typeface="+mn-ea"/>
-              </a:rPr>
-              <a:t>L1 Token</a:t>
-            </a:r>
-            <a:r>
-              <a:rPr lang="zh-CN" altLang="en-US">
-                <a:sym typeface="+mn-ea"/>
-              </a:rPr>
-              <a:t>等</a:t>
-            </a:r>
-            <a:r>
-              <a:rPr lang="en-US" altLang="zh-CN">
-                <a:sym typeface="+mn-ea"/>
-              </a:rPr>
-              <a:t>Contract</a:t>
-            </a:r>
-            <a:r>
-              <a:rPr lang="zh-CN" altLang="en-US">
-                <a:sym typeface="+mn-ea"/>
-              </a:rPr>
-              <a:t>合约的要求。确保完成了</a:t>
-            </a:r>
-            <a:r>
-              <a:rPr lang="en-US" altLang="zh-CN">
-                <a:sym typeface="+mn-ea"/>
-              </a:rPr>
-              <a:t>“back to genesis”</a:t>
-            </a:r>
-            <a:r>
-              <a:rPr lang="zh-CN" altLang="en-US">
-                <a:sym typeface="+mn-ea"/>
-              </a:rPr>
-              <a:t>所需要的“</a:t>
-            </a:r>
-            <a:r>
-              <a:rPr lang="en-US" altLang="zh-CN">
-                <a:sym typeface="+mn-ea"/>
-              </a:rPr>
-              <a:t>verify a transaction’s parents’ parents</a:t>
-            </a:r>
-            <a:r>
-              <a:rPr lang="zh-CN" altLang="en-US">
-                <a:sym typeface="+mn-ea"/>
-              </a:rPr>
-              <a:t>”</a:t>
-            </a:r>
+              <a:rPr lang="zh-CN" altLang="en-US" smtClean="0"/>
+              <a:t>方法</a:t>
+            </a:r>
+            <a:r>
+              <a:rPr lang="en-US" altLang="zh-CN" smtClean="0"/>
+              <a:t>2</a:t>
+            </a:r>
+            <a:r>
+              <a:rPr lang="zh-CN" altLang="en-US" smtClean="0"/>
+              <a:t>：</a:t>
+            </a:r>
+            <a:endParaRPr lang="en-US" altLang="zh-CN" smtClean="0"/>
+          </a:p>
+          <a:p>
+            <a:pPr marL="0" indent="0">
+              <a:buNone/>
+            </a:pPr>
+            <a:r>
+              <a:rPr lang="zh-CN" altLang="en-US" smtClean="0"/>
+              <a:t>改变</a:t>
+            </a:r>
+            <a:r>
+              <a:rPr lang="en-US" altLang="zh-CN" smtClean="0"/>
+              <a:t>Raw Tx Data </a:t>
+            </a:r>
+            <a:r>
+              <a:rPr lang="zh-CN" altLang="en-US" smtClean="0"/>
+              <a:t>的格式，要求其最后一个输出的</a:t>
+            </a:r>
+            <a:r>
+              <a:rPr lang="en-US" altLang="zh-CN" smtClean="0"/>
+              <a:t>Lockscript</a:t>
+            </a:r>
+            <a:r>
+              <a:rPr lang="zh-CN" altLang="en-US" smtClean="0"/>
+              <a:t>数据后面放置一个</a:t>
+            </a:r>
+            <a:r>
+              <a:rPr lang="en-US" altLang="zh-CN" smtClean="0"/>
+              <a:t>LockscirptSize</a:t>
+            </a:r>
+            <a:r>
+              <a:rPr lang="zh-CN" altLang="en-US" smtClean="0"/>
+              <a:t>数据。</a:t>
+            </a:r>
+            <a:endParaRPr lang="en-US" altLang="zh-CN" smtClean="0"/>
+          </a:p>
+          <a:p>
+            <a:pPr marL="0" indent="0">
+              <a:buNone/>
+            </a:pPr>
+            <a:endParaRPr lang="en-US" altLang="zh-CN"/>
+          </a:p>
+          <a:p>
+            <a:pPr marL="0" indent="0">
+              <a:buNone/>
+            </a:pPr>
+            <a:r>
+              <a:rPr lang="zh-CN" altLang="en-US" smtClean="0"/>
+              <a:t>方法</a:t>
+            </a:r>
+            <a:r>
+              <a:rPr lang="en-US" altLang="zh-CN" smtClean="0"/>
+              <a:t>3</a:t>
+            </a:r>
+            <a:r>
+              <a:rPr lang="zh-CN" altLang="en-US" smtClean="0"/>
+              <a:t>：</a:t>
+            </a:r>
+            <a:endParaRPr lang="en-US" altLang="zh-CN" smtClean="0"/>
+          </a:p>
+          <a:p>
+            <a:pPr marL="0" indent="0">
+              <a:buNone/>
+            </a:pPr>
+            <a:r>
+              <a:rPr lang="zh-CN" altLang="en-US" smtClean="0"/>
+              <a:t>在</a:t>
+            </a:r>
+            <a:r>
+              <a:rPr lang="en-US" altLang="zh-CN" smtClean="0"/>
+              <a:t>preimage</a:t>
+            </a:r>
+            <a:r>
+              <a:rPr lang="zh-CN" altLang="en-US" smtClean="0"/>
+              <a:t>中加入当前解锁的</a:t>
+            </a:r>
+            <a:r>
+              <a:rPr lang="en-US" altLang="zh-CN" smtClean="0"/>
+              <a:t>utxo</a:t>
+            </a:r>
+            <a:r>
+              <a:rPr lang="zh-CN" altLang="en-US" smtClean="0"/>
+              <a:t>所在的交易的输出的总个数 </a:t>
+            </a:r>
+            <a:r>
+              <a:rPr lang="en-US" altLang="zh-CN" smtClean="0"/>
+              <a:t>(number of B.output) </a:t>
+            </a:r>
+            <a:r>
+              <a:rPr lang="zh-CN" altLang="en-US" smtClean="0"/>
+              <a:t>，并要求</a:t>
+            </a:r>
+            <a:r>
+              <a:rPr lang="en-US" altLang="zh-CN" smtClean="0">
+                <a:solidFill>
+                  <a:schemeClr val="tx1"/>
+                </a:solidFill>
+              </a:rPr>
+              <a:t>TxC.InputX.vout </a:t>
+            </a:r>
+            <a:r>
+              <a:rPr lang="en-US" altLang="zh-CN" smtClean="0"/>
+              <a:t>= number </a:t>
+            </a:r>
+            <a:r>
+              <a:rPr lang="en-US" altLang="zh-CN"/>
+              <a:t>of </a:t>
+            </a:r>
+            <a:r>
+              <a:rPr lang="en-US" altLang="zh-CN" smtClean="0"/>
+              <a:t>B.output</a:t>
+            </a:r>
+            <a:r>
+              <a:rPr lang="zh-CN" altLang="en-US" smtClean="0"/>
+              <a:t>，再通过</a:t>
+            </a:r>
+            <a:r>
+              <a:rPr lang="en-US" altLang="zh-CN" smtClean="0"/>
+              <a:t>preimage</a:t>
+            </a:r>
+            <a:r>
+              <a:rPr lang="zh-CN" altLang="en-US" smtClean="0"/>
+              <a:t>数据中的</a:t>
+            </a:r>
+            <a:r>
+              <a:rPr lang="en-US" altLang="zh-CN" smtClean="0"/>
+              <a:t>scriptCode</a:t>
+            </a:r>
+            <a:r>
+              <a:rPr lang="zh-CN" altLang="en-US" smtClean="0"/>
+              <a:t>数据来确定其不是用于伪造的</a:t>
+            </a:r>
+            <a:r>
+              <a:rPr lang="en-US" altLang="zh-CN" smtClean="0"/>
+              <a:t>OpRetrun</a:t>
+            </a:r>
+            <a:r>
+              <a:rPr lang="zh-CN" altLang="en-US" smtClean="0"/>
+              <a:t>交易数据。</a:t>
+            </a:r>
+            <a:endParaRPr lang="en-US" altLang="zh-CN"/>
           </a:p>
         </p:txBody>
       </p:sp>
     </p:spTree>
+    <p:extLst>
+      <p:ext uri="{BB962C8B-B14F-4D97-AF65-F5344CB8AC3E}">
+        <p14:creationId xmlns:p14="http://schemas.microsoft.com/office/powerpoint/2010/main" val="2090700035"/>
+      </p:ext>
+    </p:extLst>
   </p:cSld>
   <p:clrMapOvr>
     <a:masterClrMapping/>
